--- a/Lectures/Lecture 7.pptx
+++ b/Lectures/Lecture 7.pptx
@@ -4521,8 +4521,8 @@
           </a:p>
         </p:txBody>
       </p:sp>
-      <mc:AlternateContent xmlns:mc="http://schemas.openxmlformats.org/markup-compatibility/2006">
-        <mc:Choice xmlns:a14="http://schemas.microsoft.com/office/drawing/2010/main" Requires="a14">
+      <mc:AlternateContent xmlns:mc="http://schemas.openxmlformats.org/markup-compatibility/2006" xmlns:a14="http://schemas.microsoft.com/office/drawing/2010/main">
+        <mc:Choice Requires="a14">
           <p:sp>
             <p:nvSpPr>
               <p:cNvPr id="3" name="Content Placeholder 2">
@@ -5311,7 +5311,7 @@
             </p:txBody>
           </p:sp>
         </mc:Choice>
-        <mc:Fallback>
+        <mc:Fallback xmlns="">
           <p:sp>
             <p:nvSpPr>
               <p:cNvPr id="3" name="Content Placeholder 2">
@@ -5414,8 +5414,8 @@
           </a:p>
         </p:txBody>
       </p:sp>
-      <mc:AlternateContent xmlns:mc="http://schemas.openxmlformats.org/markup-compatibility/2006">
-        <mc:Choice xmlns:a14="http://schemas.microsoft.com/office/drawing/2010/main" Requires="a14">
+      <mc:AlternateContent xmlns:mc="http://schemas.openxmlformats.org/markup-compatibility/2006" xmlns:a14="http://schemas.microsoft.com/office/drawing/2010/main">
+        <mc:Choice Requires="a14">
           <p:sp>
             <p:nvSpPr>
               <p:cNvPr id="3" name="Content Placeholder 2">
@@ -5737,7 +5737,7 @@
             </p:txBody>
           </p:sp>
         </mc:Choice>
-        <mc:Fallback>
+        <mc:Fallback xmlns="">
           <p:sp>
             <p:nvSpPr>
               <p:cNvPr id="3" name="Content Placeholder 2">
@@ -5840,8 +5840,8 @@
           </a:p>
         </p:txBody>
       </p:sp>
-      <mc:AlternateContent xmlns:mc="http://schemas.openxmlformats.org/markup-compatibility/2006">
-        <mc:Choice xmlns:a14="http://schemas.microsoft.com/office/drawing/2010/main" Requires="a14">
+      <mc:AlternateContent xmlns:mc="http://schemas.openxmlformats.org/markup-compatibility/2006" xmlns:a14="http://schemas.microsoft.com/office/drawing/2010/main">
+        <mc:Choice Requires="a14">
           <p:sp>
             <p:nvSpPr>
               <p:cNvPr id="3" name="Content Placeholder 2">
@@ -6480,35 +6480,7 @@
                         <a:latin typeface="Cambria Math" panose="02040503050406030204" pitchFamily="18" charset="0"/>
                         <a:ea typeface="Cambria Math" panose="02040503050406030204" pitchFamily="18" charset="0"/>
                       </a:rPr>
-                      <m:t>5</m:t>
-                    </m:r>
-                    <m:r>
-                      <a:rPr lang="en-US" sz="1800" b="0" i="1" smtClean="0">
-                        <a:latin typeface="Cambria Math" panose="02040503050406030204" pitchFamily="18" charset="0"/>
-                        <a:ea typeface="Cambria Math" panose="02040503050406030204" pitchFamily="18" charset="0"/>
-                      </a:rPr>
-                      <m:t>0</m:t>
-                    </m:r>
-                    <m:r>
-                      <a:rPr lang="en-US" sz="1800" b="0" i="1" smtClean="0">
-                        <a:latin typeface="Cambria Math" panose="02040503050406030204" pitchFamily="18" charset="0"/>
-                        <a:ea typeface="Cambria Math" panose="02040503050406030204" pitchFamily="18" charset="0"/>
-                      </a:rPr>
-                      <m:t>=</m:t>
-                    </m:r>
-                    <m:r>
-                      <a:rPr lang="en-US" sz="1800" b="0" i="1" smtClean="0">
-                        <a:latin typeface="Cambria Math" panose="02040503050406030204" pitchFamily="18" charset="0"/>
-                        <a:ea typeface="Cambria Math" panose="02040503050406030204" pitchFamily="18" charset="0"/>
-                      </a:rPr>
-                      <m:t>2</m:t>
-                    </m:r>
-                    <m:r>
-                      <a:rPr lang="en-US" sz="1800" b="0" i="1" smtClean="0">
-                        <a:latin typeface="Cambria Math" panose="02040503050406030204" pitchFamily="18" charset="0"/>
-                        <a:ea typeface="Cambria Math" panose="02040503050406030204" pitchFamily="18" charset="0"/>
-                      </a:rPr>
-                      <m:t>5000</m:t>
+                      <m:t>50=25000</m:t>
                     </m:r>
                   </m:oMath>
                 </a14:m>
@@ -6583,14 +6555,7 @@
                         <a:latin typeface="Cambria Math" panose="02040503050406030204" pitchFamily="18" charset="0"/>
                         <a:ea typeface="Cambria Math" panose="02040503050406030204" pitchFamily="18" charset="0"/>
                       </a:rPr>
-                      <m:t>5</m:t>
-                    </m:r>
-                    <m:r>
-                      <a:rPr lang="en-US" sz="1800" b="0" i="1" smtClean="0">
-                        <a:latin typeface="Cambria Math" panose="02040503050406030204" pitchFamily="18" charset="0"/>
-                        <a:ea typeface="Cambria Math" panose="02040503050406030204" pitchFamily="18" charset="0"/>
-                      </a:rPr>
-                      <m:t>0</m:t>
+                      <m:t>50</m:t>
                     </m:r>
                   </m:oMath>
                 </a14:m>
@@ -6664,13 +6629,7 @@
                           <a:rPr lang="en-US" sz="1800" b="0" i="1" smtClean="0">
                             <a:latin typeface="Cambria Math" panose="02040503050406030204" pitchFamily="18" charset="0"/>
                           </a:rPr>
-                          <m:t>2,</m:t>
-                        </m:r>
-                        <m:r>
-                          <a:rPr lang="en-US" sz="1800" b="0" i="1" smtClean="0">
-                            <a:latin typeface="Cambria Math" panose="02040503050406030204" pitchFamily="18" charset="0"/>
-                          </a:rPr>
-                          <m:t>3</m:t>
+                          <m:t>2,3</m:t>
                         </m:r>
                       </m:sub>
                     </m:sSub>
@@ -6795,13 +6754,7 @@
                           <a:rPr lang="en-US" sz="1800" b="0" i="1" smtClean="0">
                             <a:latin typeface="Cambria Math" panose="02040503050406030204" pitchFamily="18" charset="0"/>
                           </a:rPr>
-                          <m:t>,</m:t>
-                        </m:r>
-                        <m:r>
-                          <a:rPr lang="en-US" sz="1800" b="0" i="1" smtClean="0">
-                            <a:latin typeface="Cambria Math" panose="02040503050406030204" pitchFamily="18" charset="0"/>
-                          </a:rPr>
-                          <m:t>3</m:t>
+                          <m:t>,3</m:t>
                         </m:r>
                       </m:sub>
                     </m:sSub>
@@ -6874,42 +6827,7 @@
                         <a:latin typeface="Cambria Math" panose="02040503050406030204" pitchFamily="18" charset="0"/>
                         <a:ea typeface="Cambria Math" panose="02040503050406030204" pitchFamily="18" charset="0"/>
                       </a:rPr>
-                      <m:t>50</m:t>
-                    </m:r>
-                    <m:r>
-                      <a:rPr lang="en-US" sz="1800" b="0" i="1" smtClean="0">
-                        <a:latin typeface="Cambria Math" panose="02040503050406030204" pitchFamily="18" charset="0"/>
-                        <a:ea typeface="Cambria Math" panose="02040503050406030204" pitchFamily="18" charset="0"/>
-                      </a:rPr>
-                      <m:t>0</m:t>
-                    </m:r>
-                    <m:r>
-                      <a:rPr lang="en-US" sz="1800" b="0" i="1" smtClean="0">
-                        <a:latin typeface="Cambria Math" panose="02040503050406030204" pitchFamily="18" charset="0"/>
-                        <a:ea typeface="Cambria Math" panose="02040503050406030204" pitchFamily="18" charset="0"/>
-                      </a:rPr>
-                      <m:t>0+</m:t>
-                    </m:r>
-                    <m:r>
-                      <a:rPr lang="en-US" sz="1800" b="0" i="1" smtClean="0">
-                        <a:latin typeface="Cambria Math" panose="02040503050406030204" pitchFamily="18" charset="0"/>
-                        <a:ea typeface="Cambria Math" panose="02040503050406030204" pitchFamily="18" charset="0"/>
-                      </a:rPr>
-                      <m:t>50000</m:t>
-                    </m:r>
-                    <m:r>
-                      <a:rPr lang="en-US" sz="1800" b="0" i="1" smtClean="0">
-                        <a:latin typeface="Cambria Math" panose="02040503050406030204" pitchFamily="18" charset="0"/>
-                        <a:ea typeface="Cambria Math" panose="02040503050406030204" pitchFamily="18" charset="0"/>
-                      </a:rPr>
-                      <m:t>=7500</m:t>
-                    </m:r>
-                    <m:r>
-                      <a:rPr lang="en-US" sz="1800" b="0" i="1" smtClean="0">
-                        <a:latin typeface="Cambria Math" panose="02040503050406030204" pitchFamily="18" charset="0"/>
-                        <a:ea typeface="Cambria Math" panose="02040503050406030204" pitchFamily="18" charset="0"/>
-                      </a:rPr>
-                      <m:t>0</m:t>
+                      <m:t>5000+50000=75000</m:t>
                     </m:r>
                   </m:oMath>
                 </a14:m>
@@ -7300,16 +7218,7 @@
                             </a:solidFill>
                             <a:latin typeface="Cambria Math" panose="02040503050406030204" pitchFamily="18" charset="0"/>
                           </a:rPr>
-                          <m:t>1</m:t>
-                        </m:r>
-                        <m:r>
-                          <a:rPr lang="en-US" sz="2000" b="0" i="1" smtClean="0">
-                            <a:solidFill>
-                              <a:schemeClr val="tx1"/>
-                            </a:solidFill>
-                            <a:latin typeface="Cambria Math" panose="02040503050406030204" pitchFamily="18" charset="0"/>
-                          </a:rPr>
-                          <m:t>,2</m:t>
+                          <m:t>1,2</m:t>
                         </m:r>
                       </m:sub>
                     </m:sSub>
@@ -7479,14 +7388,7 @@
                         <a:latin typeface="Cambria Math" panose="02040503050406030204" pitchFamily="18" charset="0"/>
                         <a:ea typeface="Cambria Math" panose="02040503050406030204" pitchFamily="18" charset="0"/>
                       </a:rPr>
-                      <m:t>×</m:t>
-                    </m:r>
-                    <m:r>
-                      <a:rPr lang="en-US" sz="2000" i="1">
-                        <a:latin typeface="Cambria Math" panose="02040503050406030204" pitchFamily="18" charset="0"/>
-                        <a:ea typeface="Cambria Math" panose="02040503050406030204" pitchFamily="18" charset="0"/>
-                      </a:rPr>
-                      <m:t>5</m:t>
+                      <m:t>×5</m:t>
                     </m:r>
                     <m:r>
                       <a:rPr lang="en-US" sz="2000" b="0" i="1" smtClean="0">
@@ -7551,7 +7453,7 @@
             </p:txBody>
           </p:sp>
         </mc:Choice>
-        <mc:Fallback>
+        <mc:Fallback xmlns="">
           <p:sp>
             <p:nvSpPr>
               <p:cNvPr id="3" name="Content Placeholder 2">
@@ -7654,8 +7556,8 @@
           </a:p>
         </p:txBody>
       </p:sp>
-      <mc:AlternateContent xmlns:mc="http://schemas.openxmlformats.org/markup-compatibility/2006">
-        <mc:Choice xmlns:a14="http://schemas.microsoft.com/office/drawing/2010/main" Requires="a14">
+      <mc:AlternateContent xmlns:mc="http://schemas.openxmlformats.org/markup-compatibility/2006" xmlns:a14="http://schemas.microsoft.com/office/drawing/2010/main">
+        <mc:Choice Requires="a14">
           <p:sp>
             <p:nvSpPr>
               <p:cNvPr id="3" name="Content Placeholder 2">
@@ -7904,16 +7806,7 @@
                                 </a:solidFill>
                                 <a:latin typeface="Cambria Math" panose="02040503050406030204" pitchFamily="18" charset="0"/>
                               </a:rPr>
-                              <m:t>1</m:t>
-                            </m:r>
-                            <m:r>
-                              <a:rPr lang="en-US" b="0" i="1" smtClean="0">
-                                <a:solidFill>
-                                  <a:schemeClr val="tx1"/>
-                                </a:solidFill>
-                                <a:latin typeface="Cambria Math" panose="02040503050406030204" pitchFamily="18" charset="0"/>
-                              </a:rPr>
-                              <m:t>,                                      </m:t>
+                              <m:t>1,                                      </m:t>
                             </m:r>
                             <m:r>
                               <a:rPr lang="en-US" b="0" i="1" smtClean="0">
@@ -8350,7 +8243,7 @@
             </p:txBody>
           </p:sp>
         </mc:Choice>
-        <mc:Fallback>
+        <mc:Fallback xmlns="">
           <p:sp>
             <p:nvSpPr>
               <p:cNvPr id="3" name="Content Placeholder 2">
@@ -8453,8 +8346,8 @@
           </a:p>
         </p:txBody>
       </p:sp>
-      <mc:AlternateContent xmlns:mc="http://schemas.openxmlformats.org/markup-compatibility/2006">
-        <mc:Choice xmlns:a14="http://schemas.microsoft.com/office/drawing/2010/main" Requires="a14">
+      <mc:AlternateContent xmlns:mc="http://schemas.openxmlformats.org/markup-compatibility/2006" xmlns:a14="http://schemas.microsoft.com/office/drawing/2010/main">
+        <mc:Choice Requires="a14">
           <p:sp>
             <p:nvSpPr>
               <p:cNvPr id="3" name="Content Placeholder 2">
@@ -9402,7 +9295,7 @@
             </p:txBody>
           </p:sp>
         </mc:Choice>
-        <mc:Fallback>
+        <mc:Fallback xmlns="">
           <p:sp>
             <p:nvSpPr>
               <p:cNvPr id="3" name="Content Placeholder 2">
@@ -9507,8 +9400,8 @@
           </a:p>
         </p:txBody>
       </p:sp>
-      <mc:AlternateContent xmlns:mc="http://schemas.openxmlformats.org/markup-compatibility/2006">
-        <mc:Choice xmlns:a14="http://schemas.microsoft.com/office/drawing/2010/main" Requires="a14">
+      <mc:AlternateContent xmlns:mc="http://schemas.openxmlformats.org/markup-compatibility/2006" xmlns:a14="http://schemas.microsoft.com/office/drawing/2010/main">
+        <mc:Choice Requires="a14">
           <p:sp>
             <p:nvSpPr>
               <p:cNvPr id="3" name="Content Placeholder 2">
@@ -10499,13 +10392,7 @@
                           <a:rPr lang="en-US" sz="2000" b="0" i="1" smtClean="0">
                             <a:latin typeface="Cambria Math" panose="02040503050406030204" pitchFamily="18" charset="0"/>
                           </a:rPr>
-                          <m:t>𝑖</m:t>
-                        </m:r>
-                        <m:r>
-                          <a:rPr lang="en-US" sz="2000" b="0" i="1" smtClean="0">
-                            <a:latin typeface="Cambria Math" panose="02040503050406030204" pitchFamily="18" charset="0"/>
-                          </a:rPr>
-                          <m:t>𝑘</m:t>
+                          <m:t>𝑖𝑘</m:t>
                         </m:r>
                       </m:sub>
                     </m:sSub>
@@ -10900,7 +10787,7 @@
             </p:txBody>
           </p:sp>
         </mc:Choice>
-        <mc:Fallback>
+        <mc:Fallback xmlns="">
           <p:sp>
             <p:nvSpPr>
               <p:cNvPr id="3" name="Content Placeholder 2">
@@ -11005,8 +10892,8 @@
           </a:p>
         </p:txBody>
       </p:sp>
-      <mc:AlternateContent xmlns:mc="http://schemas.openxmlformats.org/markup-compatibility/2006">
-        <mc:Choice xmlns:a14="http://schemas.microsoft.com/office/drawing/2010/main" Requires="a14">
+      <mc:AlternateContent xmlns:mc="http://schemas.openxmlformats.org/markup-compatibility/2006" xmlns:a14="http://schemas.microsoft.com/office/drawing/2010/main">
+        <mc:Choice Requires="a14">
           <p:sp>
             <p:nvSpPr>
               <p:cNvPr id="3" name="Content Placeholder 2">
@@ -12482,7 +12369,7 @@
             </p:txBody>
           </p:sp>
         </mc:Choice>
-        <mc:Fallback>
+        <mc:Fallback xmlns="">
           <p:sp>
             <p:nvSpPr>
               <p:cNvPr id="3" name="Content Placeholder 2">
@@ -12587,8 +12474,8 @@
           </a:p>
         </p:txBody>
       </p:sp>
-      <mc:AlternateContent xmlns:mc="http://schemas.openxmlformats.org/markup-compatibility/2006">
-        <mc:Choice xmlns:a14="http://schemas.microsoft.com/office/drawing/2010/main" Requires="a14">
+      <mc:AlternateContent xmlns:mc="http://schemas.openxmlformats.org/markup-compatibility/2006" xmlns:a14="http://schemas.microsoft.com/office/drawing/2010/main">
+        <mc:Choice Requires="a14">
           <p:sp>
             <p:nvSpPr>
               <p:cNvPr id="3" name="Content Placeholder 2">
@@ -12745,7 +12632,7 @@
             </p:txBody>
           </p:sp>
         </mc:Choice>
-        <mc:Fallback>
+        <mc:Fallback xmlns="">
           <p:sp>
             <p:nvSpPr>
               <p:cNvPr id="3" name="Content Placeholder 2">
@@ -12954,8 +12841,8 @@
           </a:p>
         </p:txBody>
       </p:sp>
-      <mc:AlternateContent xmlns:mc="http://schemas.openxmlformats.org/markup-compatibility/2006">
-        <mc:Choice xmlns:a14="http://schemas.microsoft.com/office/drawing/2010/main" Requires="a14">
+      <mc:AlternateContent xmlns:mc="http://schemas.openxmlformats.org/markup-compatibility/2006" xmlns:a14="http://schemas.microsoft.com/office/drawing/2010/main">
+        <mc:Choice Requires="a14">
           <p:sp>
             <p:nvSpPr>
               <p:cNvPr id="3" name="Content Placeholder 2">
@@ -13255,16 +13142,7 @@
                                   </a:solidFill>
                                   <a:latin typeface="Cambria Math" panose="02040503050406030204" pitchFamily="18" charset="0"/>
                                 </a:rPr>
-                                <m:t>1,                                      </m:t>
-                              </m:r>
-                              <m:r>
-                                <a:rPr lang="en-US" b="0" i="1" smtClean="0">
-                                  <a:solidFill>
-                                    <a:schemeClr val="tx1"/>
-                                  </a:solidFill>
-                                  <a:latin typeface="Cambria Math" panose="02040503050406030204" pitchFamily="18" charset="0"/>
-                                </a:rPr>
-                                <m:t>                                 </m:t>
+                                <m:t>1,                                                                       </m:t>
                               </m:r>
                               <m:r>
                                 <a:rPr lang="en-US" b="0" i="1" smtClean="0">
@@ -13782,7 +13660,7 @@
             </p:txBody>
           </p:sp>
         </mc:Choice>
-        <mc:Fallback>
+        <mc:Fallback xmlns="">
           <p:sp>
             <p:nvSpPr>
               <p:cNvPr id="3" name="Content Placeholder 2">
@@ -13920,8 +13798,8 @@
           </a:xfrm>
         </p:spPr>
       </p:pic>
-      <mc:AlternateContent xmlns:mc="http://schemas.openxmlformats.org/markup-compatibility/2006">
-        <mc:Choice xmlns:a14="http://schemas.microsoft.com/office/drawing/2010/main" Requires="a14">
+      <mc:AlternateContent xmlns:mc="http://schemas.openxmlformats.org/markup-compatibility/2006" xmlns:a14="http://schemas.microsoft.com/office/drawing/2010/main">
+        <mc:Choice Requires="a14">
           <p:sp>
             <p:nvSpPr>
               <p:cNvPr id="7" name="TextBox 6">
@@ -13980,7 +13858,7 @@
             </p:txBody>
           </p:sp>
         </mc:Choice>
-        <mc:Fallback>
+        <mc:Fallback xmlns="">
           <p:sp>
             <p:nvSpPr>
               <p:cNvPr id="7" name="TextBox 6">
@@ -14229,8 +14107,8 @@
           </a:p>
         </p:txBody>
       </p:sp>
-      <mc:AlternateContent xmlns:mc="http://schemas.openxmlformats.org/markup-compatibility/2006">
-        <mc:Choice xmlns:a14="http://schemas.microsoft.com/office/drawing/2010/main" Requires="a14">
+      <mc:AlternateContent xmlns:mc="http://schemas.openxmlformats.org/markup-compatibility/2006" xmlns:a14="http://schemas.microsoft.com/office/drawing/2010/main">
+        <mc:Choice Requires="a14">
           <p:sp>
             <p:nvSpPr>
               <p:cNvPr id="4" name="Content Placeholder 3">
@@ -14489,7 +14367,7 @@
             </p:txBody>
           </p:sp>
         </mc:Choice>
-        <mc:Fallback>
+        <mc:Fallback xmlns="">
           <p:sp>
             <p:nvSpPr>
               <p:cNvPr id="4" name="Content Placeholder 3">
@@ -14627,8 +14505,8 @@
           </a:xfrm>
         </p:spPr>
       </p:pic>
-      <mc:AlternateContent xmlns:mc="http://schemas.openxmlformats.org/markup-compatibility/2006">
-        <mc:Choice xmlns:a14="http://schemas.microsoft.com/office/drawing/2010/main" Requires="a14">
+      <mc:AlternateContent xmlns:mc="http://schemas.openxmlformats.org/markup-compatibility/2006" xmlns:a14="http://schemas.microsoft.com/office/drawing/2010/main">
+        <mc:Choice Requires="a14">
           <p:sp>
             <p:nvSpPr>
               <p:cNvPr id="8" name="TextBox 7">
@@ -14874,7 +14752,7 @@
             </p:txBody>
           </p:sp>
         </mc:Choice>
-        <mc:Fallback>
+        <mc:Fallback xmlns="">
           <p:sp>
             <p:nvSpPr>
               <p:cNvPr id="8" name="TextBox 7">
@@ -19637,8 +19515,8 @@
           </a:prstGeom>
         </p:spPr>
       </p:pic>
-      <mc:AlternateContent xmlns:mc="http://schemas.openxmlformats.org/markup-compatibility/2006">
-        <mc:Choice xmlns:a14="http://schemas.microsoft.com/office/drawing/2010/main" Requires="a14">
+      <mc:AlternateContent xmlns:mc="http://schemas.openxmlformats.org/markup-compatibility/2006" xmlns:a14="http://schemas.microsoft.com/office/drawing/2010/main">
+        <mc:Choice Requires="a14">
           <p:sp>
             <p:nvSpPr>
               <p:cNvPr id="6" name="TextBox 5">
@@ -20042,7 +19920,7 @@
             </p:txBody>
           </p:sp>
         </mc:Choice>
-        <mc:Fallback>
+        <mc:Fallback xmlns="">
           <p:sp>
             <p:nvSpPr>
               <p:cNvPr id="6" name="TextBox 5">
@@ -20152,8 +20030,8 @@
           </a:p>
         </p:txBody>
       </p:sp>
-      <mc:AlternateContent xmlns:mc="http://schemas.openxmlformats.org/markup-compatibility/2006">
-        <mc:Choice xmlns:a14="http://schemas.microsoft.com/office/drawing/2010/main" Requires="a14">
+      <mc:AlternateContent xmlns:mc="http://schemas.openxmlformats.org/markup-compatibility/2006" xmlns:a14="http://schemas.microsoft.com/office/drawing/2010/main">
+        <mc:Choice Requires="a14">
           <p:sp>
             <p:nvSpPr>
               <p:cNvPr id="3" name="Content Placeholder 2">
@@ -21294,7 +21172,7 @@
             </p:txBody>
           </p:sp>
         </mc:Choice>
-        <mc:Fallback>
+        <mc:Fallback xmlns="">
           <p:sp>
             <p:nvSpPr>
               <p:cNvPr id="3" name="Content Placeholder 2">
@@ -21399,8 +21277,8 @@
           </a:p>
         </p:txBody>
       </p:sp>
-      <mc:AlternateContent xmlns:mc="http://schemas.openxmlformats.org/markup-compatibility/2006">
-        <mc:Choice xmlns:a14="http://schemas.microsoft.com/office/drawing/2010/main" Requires="a14">
+      <mc:AlternateContent xmlns:mc="http://schemas.openxmlformats.org/markup-compatibility/2006" xmlns:a14="http://schemas.microsoft.com/office/drawing/2010/main">
+        <mc:Choice Requires="a14">
           <p:sp>
             <p:nvSpPr>
               <p:cNvPr id="3" name="Content Placeholder 2">
@@ -21747,7 +21625,7 @@
             </p:txBody>
           </p:sp>
         </mc:Choice>
-        <mc:Fallback>
+        <mc:Fallback xmlns="">
           <p:sp>
             <p:nvSpPr>
               <p:cNvPr id="3" name="Content Placeholder 2">
@@ -21888,8 +21766,8 @@
           </a:p>
         </p:txBody>
       </p:sp>
-      <mc:AlternateContent xmlns:mc="http://schemas.openxmlformats.org/markup-compatibility/2006">
-        <mc:Choice xmlns:a14="http://schemas.microsoft.com/office/drawing/2010/main" Requires="a14">
+      <mc:AlternateContent xmlns:mc="http://schemas.openxmlformats.org/markup-compatibility/2006" xmlns:a14="http://schemas.microsoft.com/office/drawing/2010/main">
+        <mc:Choice Requires="a14">
           <p:sp>
             <p:nvSpPr>
               <p:cNvPr id="3" name="Content Placeholder 2">
@@ -22194,7 +22072,7 @@
             </p:txBody>
           </p:sp>
         </mc:Choice>
-        <mc:Fallback>
+        <mc:Fallback xmlns="">
           <p:sp>
             <p:nvSpPr>
               <p:cNvPr id="3" name="Content Placeholder 2">
@@ -22906,12 +22784,6 @@
                           </a:rPr>
                           <m:t>𝑚</m:t>
                         </m:r>
-                        <m:r>
-                          <a:rPr lang="en-US" i="1">
-                            <a:latin typeface="Cambria Math" panose="02040503050406030204" pitchFamily="18" charset="0"/>
-                          </a:rPr>
-                          <m:t>−1</m:t>
-                        </m:r>
                       </m:sub>
                     </m:sSub>
                   </m:oMath>
@@ -23030,7 +22902,23 @@
                       <a:schemeClr val="accent1"/>
                     </a:solidFill>
                   </a:rPr>
-                  <a:t>is a CS of </a:t>
+                  <a:t>is </a:t>
+                </a:r>
+                <a:r>
+                  <a:rPr lang="en-US">
+                    <a:solidFill>
+                      <a:schemeClr val="accent1"/>
+                    </a:solidFill>
+                  </a:rPr>
+                  <a:t>a LCS </a:t>
+                </a:r>
+                <a:r>
+                  <a:rPr lang="en-US" dirty="0">
+                    <a:solidFill>
+                      <a:schemeClr val="accent1"/>
+                    </a:solidFill>
+                  </a:rPr>
+                  <a:t>of </a:t>
                 </a:r>
                 <a14:m>
                   <m:oMath xmlns:m="http://schemas.openxmlformats.org/officeDocument/2006/math">
@@ -24122,8 +24010,8 @@
           </a:p>
         </p:txBody>
       </p:sp>
-      <mc:AlternateContent xmlns:mc="http://schemas.openxmlformats.org/markup-compatibility/2006">
-        <mc:Choice xmlns:a14="http://schemas.microsoft.com/office/drawing/2010/main" Requires="a14">
+      <mc:AlternateContent xmlns:mc="http://schemas.openxmlformats.org/markup-compatibility/2006" xmlns:a14="http://schemas.microsoft.com/office/drawing/2010/main">
+        <mc:Choice Requires="a14">
           <p:sp>
             <p:nvSpPr>
               <p:cNvPr id="4" name="Content Placeholder 3">
@@ -24459,7 +24347,7 @@
             </p:txBody>
           </p:sp>
         </mc:Choice>
-        <mc:Fallback>
+        <mc:Fallback xmlns="">
           <p:sp>
             <p:nvSpPr>
               <p:cNvPr id="4" name="Content Placeholder 3">
@@ -26272,8 +26160,8 @@
           </a:p>
         </p:txBody>
       </p:sp>
-      <mc:AlternateContent xmlns:mc="http://schemas.openxmlformats.org/markup-compatibility/2006">
-        <mc:Choice xmlns:a14="http://schemas.microsoft.com/office/drawing/2010/main" Requires="a14">
+      <mc:AlternateContent xmlns:mc="http://schemas.openxmlformats.org/markup-compatibility/2006" xmlns:a14="http://schemas.microsoft.com/office/drawing/2010/main">
+        <mc:Choice Requires="a14">
           <p:sp>
             <p:nvSpPr>
               <p:cNvPr id="3" name="Content Placeholder 2">
@@ -26761,7 +26649,7 @@
             </p:txBody>
           </p:sp>
         </mc:Choice>
-        <mc:Fallback>
+        <mc:Fallback xmlns="">
           <p:sp>
             <p:nvSpPr>
               <p:cNvPr id="3" name="Content Placeholder 2">

--- a/Lectures/Lecture 7.pptx
+++ b/Lectures/Lecture 7.pptx
@@ -26752,8 +26752,21 @@
                   <a:schemeClr val="accent1"/>
                 </a:solidFill>
               </a:rPr>
-              <a:t>Matrix Chain Multiplication</a:t>
+              <a:t>Matrix </a:t>
             </a:r>
+            <a:r>
+              <a:rPr lang="en-US">
+                <a:solidFill>
+                  <a:schemeClr val="accent1"/>
+                </a:solidFill>
+              </a:rPr>
+              <a:t>Chain Multiplication (MCM)</a:t>
+            </a:r>
+            <a:endParaRPr lang="en-US" dirty="0">
+              <a:solidFill>
+                <a:schemeClr val="accent1"/>
+              </a:solidFill>
+            </a:endParaRPr>
           </a:p>
           <a:p>
             <a:pPr lvl="2"/>
@@ -26763,7 +26776,7 @@
                   <a:schemeClr val="accent1"/>
                 </a:solidFill>
               </a:rPr>
-              <a:t>Longest Common Sequence</a:t>
+              <a:t>Longest Common Subsequence (LCS)</a:t>
             </a:r>
           </a:p>
           <a:p>

--- a/Lectures/Lecture 7.pptx
+++ b/Lectures/Lecture 7.pptx
@@ -3914,8 +3914,8 @@
           </a:p>
         </p:txBody>
       </p:sp>
-      <mc:AlternateContent xmlns:mc="http://schemas.openxmlformats.org/markup-compatibility/2006">
-        <mc:Choice xmlns:a14="http://schemas.microsoft.com/office/drawing/2010/main" Requires="a14">
+      <mc:AlternateContent xmlns:mc="http://schemas.openxmlformats.org/markup-compatibility/2006" xmlns:a14="http://schemas.microsoft.com/office/drawing/2010/main">
+        <mc:Choice Requires="a14">
           <p:sp>
             <p:nvSpPr>
               <p:cNvPr id="3" name="Content Placeholder 2">
@@ -4867,7 +4867,7 @@
             </p:txBody>
           </p:sp>
         </mc:Choice>
-        <mc:Fallback>
+        <mc:Fallback xmlns="">
           <p:sp>
             <p:nvSpPr>
               <p:cNvPr id="3" name="Content Placeholder 2">
@@ -9051,8 +9051,8 @@
           </a:p>
         </p:txBody>
       </p:sp>
-      <mc:AlternateContent xmlns:mc="http://schemas.openxmlformats.org/markup-compatibility/2006" xmlns:a14="http://schemas.microsoft.com/office/drawing/2010/main">
-        <mc:Choice Requires="a14">
+      <mc:AlternateContent xmlns:mc="http://schemas.openxmlformats.org/markup-compatibility/2006">
+        <mc:Choice xmlns:a14="http://schemas.microsoft.com/office/drawing/2010/main" Requires="a14">
           <p:sp>
             <p:nvSpPr>
               <p:cNvPr id="3" name="Content Placeholder 2">
@@ -9131,13 +9131,19 @@
                 <a14:m>
                   <m:oMath xmlns:m="http://schemas.openxmlformats.org/officeDocument/2006/math">
                     <m:r>
+                      <a:rPr lang="en-US" i="1">
+                        <a:latin typeface="Cambria Math" panose="02040503050406030204" pitchFamily="18" charset="0"/>
+                      </a:rPr>
+                      <m:t>𝑃</m:t>
+                    </m:r>
+                    <m:r>
                       <a:rPr lang="en-US" b="0" i="1" smtClean="0">
                         <a:solidFill>
                           <a:schemeClr val="tx1"/>
                         </a:solidFill>
                         <a:latin typeface="Cambria Math" panose="02040503050406030204" pitchFamily="18" charset="0"/>
                       </a:rPr>
-                      <m:t>𝐶</m:t>
+                      <m:t>(</m:t>
                     </m:r>
                     <m:r>
                       <a:rPr lang="en-US" b="0" i="1" smtClean="0">
@@ -9146,7 +9152,7 @@
                         </a:solidFill>
                         <a:latin typeface="Cambria Math" panose="02040503050406030204" pitchFamily="18" charset="0"/>
                       </a:rPr>
-                      <m:t>(</m:t>
+                      <m:t>𝑛</m:t>
                     </m:r>
                     <m:r>
                       <a:rPr lang="en-US" b="0" i="1" smtClean="0">
@@ -9155,21 +9161,12 @@
                         </a:solidFill>
                         <a:latin typeface="Cambria Math" panose="02040503050406030204" pitchFamily="18" charset="0"/>
                       </a:rPr>
-                      <m:t>𝑛</m:t>
-                    </m:r>
-                    <m:r>
-                      <a:rPr lang="en-US" b="0" i="1" smtClean="0">
-                        <a:solidFill>
-                          <a:schemeClr val="tx1"/>
-                        </a:solidFill>
-                        <a:latin typeface="Cambria Math" panose="02040503050406030204" pitchFamily="18" charset="0"/>
-                      </a:rPr>
                       <m:t>)</m:t>
                     </m:r>
                   </m:oMath>
                 </a14:m>
                 <a:r>
-                  <a:rPr lang="en-US" dirty="0">
+                  <a:rPr lang="en-US" i="1" dirty="0">
                     <a:solidFill>
                       <a:schemeClr val="tx1"/>
                     </a:solidFill>
@@ -9234,7 +9231,7 @@
                         </a:solidFill>
                         <a:latin typeface="Cambria Math" panose="02040503050406030204" pitchFamily="18" charset="0"/>
                       </a:rPr>
-                      <m:t>𝐶</m:t>
+                      <m:t>𝑃</m:t>
                     </m:r>
                     <m:d>
                       <m:dPr>
@@ -9374,10 +9371,10 @@
                               </m:sup>
                               <m:e>
                                 <m:r>
-                                  <a:rPr lang="en-US" i="1">
+                                  <a:rPr lang="en-US" b="0" i="1" smtClean="0">
                                     <a:latin typeface="Cambria Math" panose="02040503050406030204" pitchFamily="18" charset="0"/>
                                   </a:rPr>
-                                  <m:t>𝐶</m:t>
+                                  <m:t>𝑃</m:t>
                                 </m:r>
                                 <m:d>
                                   <m:dPr>
@@ -9399,10 +9396,10 @@
                               </m:e>
                             </m:nary>
                             <m:r>
-                              <a:rPr lang="en-US" i="1">
+                              <a:rPr lang="en-US" b="0" i="1" smtClean="0">
                                 <a:latin typeface="Cambria Math" panose="02040503050406030204" pitchFamily="18" charset="0"/>
                               </a:rPr>
-                              <m:t>𝐶</m:t>
+                              <m:t>𝑃</m:t>
                             </m:r>
                             <m:r>
                               <a:rPr lang="en-US" i="1">
@@ -9488,7 +9485,7 @@
                         </a:solidFill>
                         <a:latin typeface="Cambria Math" panose="02040503050406030204" pitchFamily="18" charset="0"/>
                       </a:rPr>
-                      <m:t>𝐶</m:t>
+                      <m:t>𝑃</m:t>
                     </m:r>
                     <m:d>
                       <m:dPr>
@@ -9698,13 +9695,22 @@
                   <a:t>Since the number of ways of placing </a:t>
                 </a:r>
                 <a:r>
+                  <a:rPr lang="en-US" i="0" dirty="0">
+                    <a:solidFill>
+                      <a:schemeClr val="accent1"/>
+                    </a:solidFill>
+                    <a:effectLst/>
+                  </a:rPr>
+                  <a:t>parentheses</a:t>
+                </a:r>
+                <a:r>
                   <a:rPr lang="en-US" b="0" i="0" dirty="0">
                     <a:solidFill>
                       <a:schemeClr val="accent1"/>
                     </a:solidFill>
                     <a:effectLst/>
                   </a:rPr>
-                  <a:t>parenthesis is </a:t>
+                  <a:t> is </a:t>
                 </a:r>
                 <a:r>
                   <a:rPr lang="en-US" b="1" i="1" dirty="0">
@@ -9738,7 +9744,7 @@
             </p:txBody>
           </p:sp>
         </mc:Choice>
-        <mc:Fallback xmlns="">
+        <mc:Fallback>
           <p:sp>
             <p:nvSpPr>
               <p:cNvPr id="3" name="Content Placeholder 2">
@@ -9841,8 +9847,8 @@
           </a:p>
         </p:txBody>
       </p:sp>
-      <mc:AlternateContent xmlns:mc="http://schemas.openxmlformats.org/markup-compatibility/2006" xmlns:a14="http://schemas.microsoft.com/office/drawing/2010/main">
-        <mc:Choice Requires="a14">
+      <mc:AlternateContent xmlns:mc="http://schemas.openxmlformats.org/markup-compatibility/2006">
+        <mc:Choice xmlns:a14="http://schemas.microsoft.com/office/drawing/2010/main" Requires="a14">
           <p:sp>
             <p:nvSpPr>
               <p:cNvPr id="3" name="Content Placeholder 2">
@@ -9861,14 +9867,16 @@
             </p:nvSpPr>
             <p:spPr/>
             <p:txBody>
-              <a:bodyPr/>
+              <a:bodyPr>
+                <a:normAutofit fontScale="92500" lnSpcReduction="20000"/>
+              </a:bodyPr>
               <a:lstStyle/>
               <a:p>
                 <a:pPr marL="0" indent="0">
                   <a:buNone/>
                 </a:pPr>
                 <a:r>
-                  <a:rPr lang="en-US" dirty="0">
+                  <a:rPr lang="en-US" sz="2200" dirty="0">
                     <a:solidFill>
                       <a:schemeClr val="accent1"/>
                     </a:solidFill>
@@ -9880,14 +9888,14 @@
                     <m:sSub>
                       <m:sSubPr>
                         <m:ctrlPr>
-                          <a:rPr lang="en-US" i="1">
+                          <a:rPr lang="en-US" sz="2200" i="1">
                             <a:latin typeface="Cambria Math" panose="02040503050406030204" pitchFamily="18" charset="0"/>
                           </a:rPr>
                         </m:ctrlPr>
                       </m:sSubPr>
                       <m:e>
                         <m:r>
-                          <a:rPr lang="en-US" i="1">
+                          <a:rPr lang="en-US" sz="2200" i="1">
                             <a:latin typeface="Cambria Math" panose="02040503050406030204" pitchFamily="18" charset="0"/>
                           </a:rPr>
                           <m:t>𝐴</m:t>
@@ -9895,7 +9903,7 @@
                       </m:e>
                       <m:sub>
                         <m:r>
-                          <a:rPr lang="en-US" b="0" i="1" smtClean="0">
+                          <a:rPr lang="en-US" sz="2200" b="0" i="1" smtClean="0">
                             <a:latin typeface="Cambria Math" panose="02040503050406030204" pitchFamily="18" charset="0"/>
                           </a:rPr>
                           <m:t>1</m:t>
@@ -9905,14 +9913,14 @@
                     <m:sSub>
                       <m:sSubPr>
                         <m:ctrlPr>
-                          <a:rPr lang="en-US" i="1">
+                          <a:rPr lang="en-US" sz="2200" i="1">
                             <a:latin typeface="Cambria Math" panose="02040503050406030204" pitchFamily="18" charset="0"/>
                           </a:rPr>
                         </m:ctrlPr>
                       </m:sSubPr>
                       <m:e>
                         <m:r>
-                          <a:rPr lang="en-US" i="1">
+                          <a:rPr lang="en-US" sz="2200" i="1">
                             <a:latin typeface="Cambria Math" panose="02040503050406030204" pitchFamily="18" charset="0"/>
                           </a:rPr>
                           <m:t>𝐴</m:t>
@@ -9920,7 +9928,7 @@
                       </m:e>
                       <m:sub>
                         <m:r>
-                          <a:rPr lang="en-US" b="0" i="1" smtClean="0">
+                          <a:rPr lang="en-US" sz="2200" b="0" i="1" smtClean="0">
                             <a:latin typeface="Cambria Math" panose="02040503050406030204" pitchFamily="18" charset="0"/>
                           </a:rPr>
                           <m:t>2</m:t>
@@ -9928,7 +9936,7 @@
                       </m:sub>
                     </m:sSub>
                     <m:r>
-                      <a:rPr lang="en-US" b="0" i="1" smtClean="0">
+                      <a:rPr lang="en-US" sz="2200" b="0" i="1" smtClean="0">
                         <a:latin typeface="Cambria Math" panose="02040503050406030204" pitchFamily="18" charset="0"/>
                       </a:rPr>
                       <m:t>…</m:t>
@@ -9936,7 +9944,7 @@
                   </m:oMath>
                 </a14:m>
                 <a:r>
-                  <a:rPr lang="en-US" dirty="0"/>
+                  <a:rPr lang="en-US" sz="2200" dirty="0"/>
                   <a:t> </a:t>
                 </a:r>
                 <a14:m>
@@ -9944,14 +9952,14 @@
                     <m:sSub>
                       <m:sSubPr>
                         <m:ctrlPr>
-                          <a:rPr lang="en-US" i="1">
+                          <a:rPr lang="en-US" sz="2200" i="1">
                             <a:latin typeface="Cambria Math" panose="02040503050406030204" pitchFamily="18" charset="0"/>
                           </a:rPr>
                         </m:ctrlPr>
                       </m:sSubPr>
                       <m:e>
                         <m:r>
-                          <a:rPr lang="en-US" i="1">
+                          <a:rPr lang="en-US" sz="2200" i="1">
                             <a:latin typeface="Cambria Math" panose="02040503050406030204" pitchFamily="18" charset="0"/>
                           </a:rPr>
                           <m:t>𝐴</m:t>
@@ -9959,7 +9967,7 @@
                       </m:e>
                       <m:sub>
                         <m:r>
-                          <a:rPr lang="en-US" b="0" i="1" smtClean="0">
+                          <a:rPr lang="en-US" sz="2200" b="0" i="1" smtClean="0">
                             <a:latin typeface="Cambria Math" panose="02040503050406030204" pitchFamily="18" charset="0"/>
                           </a:rPr>
                           <m:t>𝑛</m:t>
@@ -9969,7 +9977,7 @@
                   </m:oMath>
                 </a14:m>
                 <a:r>
-                  <a:rPr lang="en-US" dirty="0">
+                  <a:rPr lang="en-US" sz="2200" dirty="0">
                     <a:solidFill>
                       <a:schemeClr val="accent1"/>
                     </a:solidFill>
@@ -9979,7 +9987,7 @@
                 <a14:m>
                   <m:oMath xmlns:m="http://schemas.openxmlformats.org/officeDocument/2006/math">
                     <m:r>
-                      <a:rPr lang="en-US" b="0" i="1" smtClean="0">
+                      <a:rPr lang="en-US" sz="2200" b="0" i="1" smtClean="0">
                         <a:solidFill>
                           <a:schemeClr val="tx1"/>
                         </a:solidFill>
@@ -9990,20 +9998,30 @@
                   </m:oMath>
                 </a14:m>
                 <a:r>
-                  <a:rPr lang="en-US" dirty="0">
+                  <a:rPr lang="en-US" sz="2200" dirty="0">
                     <a:solidFill>
                       <a:schemeClr val="accent1"/>
                     </a:solidFill>
                   </a:rPr>
                   <a:t>,</a:t>
                 </a:r>
+              </a:p>
+              <a:p>
+                <a:pPr marL="0" indent="0">
+                  <a:buNone/>
+                </a:pPr>
+                <a:endParaRPr lang="en-US" sz="2200" dirty="0">
+                  <a:solidFill>
+                    <a:schemeClr val="accent1"/>
+                  </a:solidFill>
+                </a:endParaRPr>
               </a:p>
               <a:p>
                 <a:pPr marL="0" indent="0" algn="ctr">
                   <a:buNone/>
                 </a:pPr>
                 <a:r>
-                  <a:rPr lang="en-US" dirty="0">
+                  <a:rPr lang="en-US" sz="2200" dirty="0">
                     <a:solidFill>
                       <a:schemeClr val="accent1"/>
                     </a:solidFill>
@@ -10015,14 +10033,14 @@
                     <m:sSub>
                       <m:sSubPr>
                         <m:ctrlPr>
-                          <a:rPr lang="en-US" i="1" smtClean="0">
+                          <a:rPr lang="en-US" sz="2200" i="1" smtClean="0">
                             <a:latin typeface="Cambria Math" panose="02040503050406030204" pitchFamily="18" charset="0"/>
                           </a:rPr>
                         </m:ctrlPr>
                       </m:sSubPr>
                       <m:e>
                         <m:r>
-                          <a:rPr lang="en-US" i="1">
+                          <a:rPr lang="en-US" sz="2200" i="1">
                             <a:latin typeface="Cambria Math" panose="02040503050406030204" pitchFamily="18" charset="0"/>
                           </a:rPr>
                           <m:t>𝐴</m:t>
@@ -10030,7 +10048,7 @@
                       </m:e>
                       <m:sub>
                         <m:r>
-                          <a:rPr lang="en-US" b="0" i="1" smtClean="0">
+                          <a:rPr lang="en-US" sz="2200" b="0" i="1" smtClean="0">
                             <a:latin typeface="Cambria Math" panose="02040503050406030204" pitchFamily="18" charset="0"/>
                           </a:rPr>
                           <m:t>1</m:t>
@@ -10040,7 +10058,7 @@
                   </m:oMath>
                 </a14:m>
                 <a:r>
-                  <a:rPr lang="en-US" dirty="0">
+                  <a:rPr lang="en-US" sz="2200" dirty="0">
                     <a:solidFill>
                       <a:schemeClr val="accent1"/>
                     </a:solidFill>
@@ -10052,7 +10070,7 @@
                     <m:sSub>
                       <m:sSubPr>
                         <m:ctrlPr>
-                          <a:rPr lang="en-US" i="1" smtClean="0">
+                          <a:rPr lang="en-US" sz="2200" i="1" smtClean="0">
                             <a:latin typeface="Cambria Math" panose="02040503050406030204" pitchFamily="18" charset="0"/>
                             <a:ea typeface="Cambria Math" panose="02040503050406030204" pitchFamily="18" charset="0"/>
                           </a:rPr>
@@ -10060,7 +10078,7 @@
                       </m:sSubPr>
                       <m:e>
                         <m:r>
-                          <a:rPr lang="en-US" b="0" i="1" smtClean="0">
+                          <a:rPr lang="en-US" sz="2200" b="0" i="1" smtClean="0">
                             <a:latin typeface="Cambria Math" panose="02040503050406030204" pitchFamily="18" charset="0"/>
                             <a:ea typeface="Cambria Math" panose="02040503050406030204" pitchFamily="18" charset="0"/>
                           </a:rPr>
@@ -10069,7 +10087,7 @@
                       </m:e>
                       <m:sub>
                         <m:r>
-                          <a:rPr lang="en-US" b="0" i="1" smtClean="0">
+                          <a:rPr lang="en-US" sz="2200" b="0" i="1" smtClean="0">
                             <a:latin typeface="Cambria Math" panose="02040503050406030204" pitchFamily="18" charset="0"/>
                             <a:ea typeface="Cambria Math" panose="02040503050406030204" pitchFamily="18" charset="0"/>
                           </a:rPr>
@@ -10078,7 +10096,7 @@
                       </m:sub>
                     </m:sSub>
                     <m:r>
-                      <a:rPr lang="en-US" i="1">
+                      <a:rPr lang="en-US" sz="2200" i="1">
                         <a:latin typeface="Cambria Math" panose="02040503050406030204" pitchFamily="18" charset="0"/>
                         <a:ea typeface="Cambria Math" panose="02040503050406030204" pitchFamily="18" charset="0"/>
                       </a:rPr>
@@ -10087,7 +10105,7 @@
                     <m:sSub>
                       <m:sSubPr>
                         <m:ctrlPr>
-                          <a:rPr lang="en-US" i="1" smtClean="0">
+                          <a:rPr lang="en-US" sz="2200" i="1" smtClean="0">
                             <a:latin typeface="Cambria Math" panose="02040503050406030204" pitchFamily="18" charset="0"/>
                             <a:ea typeface="Cambria Math" panose="02040503050406030204" pitchFamily="18" charset="0"/>
                           </a:rPr>
@@ -10095,7 +10113,7 @@
                       </m:sSubPr>
                       <m:e>
                         <m:r>
-                          <a:rPr lang="en-US" b="0" i="1" smtClean="0">
+                          <a:rPr lang="en-US" sz="2200" b="0" i="1" smtClean="0">
                             <a:latin typeface="Cambria Math" panose="02040503050406030204" pitchFamily="18" charset="0"/>
                             <a:ea typeface="Cambria Math" panose="02040503050406030204" pitchFamily="18" charset="0"/>
                           </a:rPr>
@@ -10104,7 +10122,7 @@
                       </m:e>
                       <m:sub>
                         <m:r>
-                          <a:rPr lang="en-US" b="0" i="1" smtClean="0">
+                          <a:rPr lang="en-US" sz="2200" b="0" i="1" smtClean="0">
                             <a:latin typeface="Cambria Math" panose="02040503050406030204" pitchFamily="18" charset="0"/>
                             <a:ea typeface="Cambria Math" panose="02040503050406030204" pitchFamily="18" charset="0"/>
                           </a:rPr>
@@ -10115,7 +10133,7 @@
                   </m:oMath>
                 </a14:m>
                 <a:r>
-                  <a:rPr lang="en-US" dirty="0">
+                  <a:rPr lang="en-US" sz="2200" dirty="0">
                     <a:solidFill>
                       <a:schemeClr val="accent1"/>
                     </a:solidFill>
@@ -10132,14 +10150,14 @@
                     <m:sSub>
                       <m:sSubPr>
                         <m:ctrlPr>
-                          <a:rPr lang="en-US" i="1" smtClean="0">
+                          <a:rPr lang="en-US" sz="2200" i="1" smtClean="0">
                             <a:latin typeface="Cambria Math" panose="02040503050406030204" pitchFamily="18" charset="0"/>
                           </a:rPr>
                         </m:ctrlPr>
                       </m:sSubPr>
                       <m:e>
                         <m:r>
-                          <a:rPr lang="en-US" i="1">
+                          <a:rPr lang="en-US" sz="2200" i="1">
                             <a:latin typeface="Cambria Math" panose="02040503050406030204" pitchFamily="18" charset="0"/>
                           </a:rPr>
                           <m:t>𝐴</m:t>
@@ -10147,7 +10165,7 @@
                       </m:e>
                       <m:sub>
                         <m:r>
-                          <a:rPr lang="en-US" b="0" i="1" smtClean="0">
+                          <a:rPr lang="en-US" sz="2200" b="0" i="1" smtClean="0">
                             <a:latin typeface="Cambria Math" panose="02040503050406030204" pitchFamily="18" charset="0"/>
                           </a:rPr>
                           <m:t>2</m:t>
@@ -10157,7 +10175,7 @@
                   </m:oMath>
                 </a14:m>
                 <a:r>
-                  <a:rPr lang="en-US" dirty="0">
+                  <a:rPr lang="en-US" sz="2200" dirty="0">
                     <a:solidFill>
                       <a:schemeClr val="accent1"/>
                     </a:solidFill>
@@ -10169,7 +10187,7 @@
                     <m:sSub>
                       <m:sSubPr>
                         <m:ctrlPr>
-                          <a:rPr lang="en-US" i="1" smtClean="0">
+                          <a:rPr lang="en-US" sz="2200" i="1" smtClean="0">
                             <a:latin typeface="Cambria Math" panose="02040503050406030204" pitchFamily="18" charset="0"/>
                             <a:ea typeface="Cambria Math" panose="02040503050406030204" pitchFamily="18" charset="0"/>
                           </a:rPr>
@@ -10177,7 +10195,7 @@
                       </m:sSubPr>
                       <m:e>
                         <m:r>
-                          <a:rPr lang="en-US" b="0" i="1" smtClean="0">
+                          <a:rPr lang="en-US" sz="2200" b="0" i="1" smtClean="0">
                             <a:latin typeface="Cambria Math" panose="02040503050406030204" pitchFamily="18" charset="0"/>
                             <a:ea typeface="Cambria Math" panose="02040503050406030204" pitchFamily="18" charset="0"/>
                           </a:rPr>
@@ -10186,7 +10204,7 @@
                       </m:e>
                       <m:sub>
                         <m:r>
-                          <a:rPr lang="en-US" b="0" i="1" smtClean="0">
+                          <a:rPr lang="en-US" sz="2200" b="0" i="1" smtClean="0">
                             <a:latin typeface="Cambria Math" panose="02040503050406030204" pitchFamily="18" charset="0"/>
                             <a:ea typeface="Cambria Math" panose="02040503050406030204" pitchFamily="18" charset="0"/>
                           </a:rPr>
@@ -10195,7 +10213,7 @@
                       </m:sub>
                     </m:sSub>
                     <m:r>
-                      <a:rPr lang="en-US" i="1">
+                      <a:rPr lang="en-US" sz="2200" i="1">
                         <a:latin typeface="Cambria Math" panose="02040503050406030204" pitchFamily="18" charset="0"/>
                         <a:ea typeface="Cambria Math" panose="02040503050406030204" pitchFamily="18" charset="0"/>
                       </a:rPr>
@@ -10204,7 +10222,7 @@
                     <m:sSub>
                       <m:sSubPr>
                         <m:ctrlPr>
-                          <a:rPr lang="en-US" i="1" smtClean="0">
+                          <a:rPr lang="en-US" sz="2200" i="1" smtClean="0">
                             <a:latin typeface="Cambria Math" panose="02040503050406030204" pitchFamily="18" charset="0"/>
                             <a:ea typeface="Cambria Math" panose="02040503050406030204" pitchFamily="18" charset="0"/>
                           </a:rPr>
@@ -10212,7 +10230,7 @@
                       </m:sSubPr>
                       <m:e>
                         <m:r>
-                          <a:rPr lang="en-US" b="0" i="1" smtClean="0">
+                          <a:rPr lang="en-US" sz="2200" b="0" i="1" smtClean="0">
                             <a:latin typeface="Cambria Math" panose="02040503050406030204" pitchFamily="18" charset="0"/>
                             <a:ea typeface="Cambria Math" panose="02040503050406030204" pitchFamily="18" charset="0"/>
                           </a:rPr>
@@ -10221,7 +10239,7 @@
                       </m:e>
                       <m:sub>
                         <m:r>
-                          <a:rPr lang="en-US" b="0" i="1" smtClean="0">
+                          <a:rPr lang="en-US" sz="2200" b="0" i="1" smtClean="0">
                             <a:latin typeface="Cambria Math" panose="02040503050406030204" pitchFamily="18" charset="0"/>
                             <a:ea typeface="Cambria Math" panose="02040503050406030204" pitchFamily="18" charset="0"/>
                           </a:rPr>
@@ -10232,7 +10250,7 @@
                   </m:oMath>
                 </a14:m>
                 <a:r>
-                  <a:rPr lang="en-US" dirty="0">
+                  <a:rPr lang="en-US" sz="2200" dirty="0">
                     <a:solidFill>
                       <a:schemeClr val="accent1"/>
                     </a:solidFill>
@@ -10245,7 +10263,7 @@
                   <a:buNone/>
                 </a:pPr>
                 <a:r>
-                  <a:rPr lang="en-US" dirty="0">
+                  <a:rPr lang="en-US" sz="2200" dirty="0">
                     <a:solidFill>
                       <a:schemeClr val="accent1"/>
                     </a:solidFill>
@@ -10258,7 +10276,7 @@
                   <a:buNone/>
                 </a:pPr>
                 <a:r>
-                  <a:rPr lang="en-US" dirty="0"/>
+                  <a:rPr lang="en-US" sz="2200" dirty="0"/>
                   <a:t>    </a:t>
                 </a:r>
                 <a14:m>
@@ -10266,14 +10284,14 @@
                     <m:sSub>
                       <m:sSubPr>
                         <m:ctrlPr>
-                          <a:rPr lang="en-US" i="1" smtClean="0">
+                          <a:rPr lang="en-US" sz="2200" i="1" smtClean="0">
                             <a:latin typeface="Cambria Math" panose="02040503050406030204" pitchFamily="18" charset="0"/>
                           </a:rPr>
                         </m:ctrlPr>
                       </m:sSubPr>
                       <m:e>
                         <m:r>
-                          <a:rPr lang="en-US" i="1">
+                          <a:rPr lang="en-US" sz="2200" i="1">
                             <a:latin typeface="Cambria Math" panose="02040503050406030204" pitchFamily="18" charset="0"/>
                           </a:rPr>
                           <m:t>𝐴</m:t>
@@ -10281,7 +10299,7 @@
                       </m:e>
                       <m:sub>
                         <m:r>
-                          <a:rPr lang="en-US" b="0" i="1" smtClean="0">
+                          <a:rPr lang="en-US" sz="2200" b="0" i="1" smtClean="0">
                             <a:latin typeface="Cambria Math" panose="02040503050406030204" pitchFamily="18" charset="0"/>
                           </a:rPr>
                           <m:t>𝑛</m:t>
@@ -10291,7 +10309,7 @@
                   </m:oMath>
                 </a14:m>
                 <a:r>
-                  <a:rPr lang="en-US" dirty="0">
+                  <a:rPr lang="en-US" sz="2200" dirty="0">
                     <a:solidFill>
                       <a:schemeClr val="accent1"/>
                     </a:solidFill>
@@ -10303,7 +10321,7 @@
                     <m:sSub>
                       <m:sSubPr>
                         <m:ctrlPr>
-                          <a:rPr lang="en-US" i="1" smtClean="0">
+                          <a:rPr lang="en-US" sz="2200" i="1" smtClean="0">
                             <a:latin typeface="Cambria Math" panose="02040503050406030204" pitchFamily="18" charset="0"/>
                             <a:ea typeface="Cambria Math" panose="02040503050406030204" pitchFamily="18" charset="0"/>
                           </a:rPr>
@@ -10311,7 +10329,7 @@
                       </m:sSubPr>
                       <m:e>
                         <m:r>
-                          <a:rPr lang="en-US" b="0" i="1" smtClean="0">
+                          <a:rPr lang="en-US" sz="2200" b="0" i="1" smtClean="0">
                             <a:latin typeface="Cambria Math" panose="02040503050406030204" pitchFamily="18" charset="0"/>
                             <a:ea typeface="Cambria Math" panose="02040503050406030204" pitchFamily="18" charset="0"/>
                           </a:rPr>
@@ -10320,14 +10338,14 @@
                       </m:e>
                       <m:sub>
                         <m:r>
-                          <a:rPr lang="en-US" b="0" i="1" smtClean="0">
+                          <a:rPr lang="en-US" sz="2200" b="0" i="1" smtClean="0">
                             <a:latin typeface="Cambria Math" panose="02040503050406030204" pitchFamily="18" charset="0"/>
                             <a:ea typeface="Cambria Math" panose="02040503050406030204" pitchFamily="18" charset="0"/>
                           </a:rPr>
                           <m:t>𝑛</m:t>
                         </m:r>
                         <m:r>
-                          <a:rPr lang="en-US" b="0" i="1" smtClean="0">
+                          <a:rPr lang="en-US" sz="2200" b="0" i="1" smtClean="0">
                             <a:latin typeface="Cambria Math" panose="02040503050406030204" pitchFamily="18" charset="0"/>
                             <a:ea typeface="Cambria Math" panose="02040503050406030204" pitchFamily="18" charset="0"/>
                           </a:rPr>
@@ -10336,7 +10354,7 @@
                       </m:sub>
                     </m:sSub>
                     <m:r>
-                      <a:rPr lang="en-US" i="1">
+                      <a:rPr lang="en-US" sz="2200" i="1">
                         <a:latin typeface="Cambria Math" panose="02040503050406030204" pitchFamily="18" charset="0"/>
                         <a:ea typeface="Cambria Math" panose="02040503050406030204" pitchFamily="18" charset="0"/>
                       </a:rPr>
@@ -10345,7 +10363,7 @@
                     <m:sSub>
                       <m:sSubPr>
                         <m:ctrlPr>
-                          <a:rPr lang="en-US" i="1" smtClean="0">
+                          <a:rPr lang="en-US" sz="2200" i="1" smtClean="0">
                             <a:latin typeface="Cambria Math" panose="02040503050406030204" pitchFamily="18" charset="0"/>
                             <a:ea typeface="Cambria Math" panose="02040503050406030204" pitchFamily="18" charset="0"/>
                           </a:rPr>
@@ -10353,7 +10371,7 @@
                       </m:sSubPr>
                       <m:e>
                         <m:r>
-                          <a:rPr lang="en-US" b="0" i="1" smtClean="0">
+                          <a:rPr lang="en-US" sz="2200" b="0" i="1" smtClean="0">
                             <a:latin typeface="Cambria Math" panose="02040503050406030204" pitchFamily="18" charset="0"/>
                             <a:ea typeface="Cambria Math" panose="02040503050406030204" pitchFamily="18" charset="0"/>
                           </a:rPr>
@@ -10362,7 +10380,7 @@
                       </m:e>
                       <m:sub>
                         <m:r>
-                          <a:rPr lang="en-US" b="0" i="1" smtClean="0">
+                          <a:rPr lang="en-US" sz="2200" b="0" i="1" smtClean="0">
                             <a:latin typeface="Cambria Math" panose="02040503050406030204" pitchFamily="18" charset="0"/>
                             <a:ea typeface="Cambria Math" panose="02040503050406030204" pitchFamily="18" charset="0"/>
                           </a:rPr>
@@ -10373,13 +10391,23 @@
                   </m:oMath>
                 </a14:m>
                 <a:r>
-                  <a:rPr lang="en-US" dirty="0">
+                  <a:rPr lang="en-US" sz="2200" dirty="0">
                     <a:solidFill>
                       <a:schemeClr val="accent1"/>
                     </a:solidFill>
                   </a:rPr>
                   <a:t>.</a:t>
                 </a:r>
+              </a:p>
+              <a:p>
+                <a:pPr marL="0" indent="0" algn="ctr">
+                  <a:buNone/>
+                </a:pPr>
+                <a:endParaRPr lang="en-US" sz="2200" dirty="0">
+                  <a:solidFill>
+                    <a:schemeClr val="accent1"/>
+                  </a:solidFill>
+                </a:endParaRPr>
               </a:p>
               <a:p>
                 <a:pPr marL="0" indent="0">
@@ -10390,14 +10418,14 @@
                     <m:sSub>
                       <m:sSubPr>
                         <m:ctrlPr>
-                          <a:rPr lang="en-US" i="1" smtClean="0">
+                          <a:rPr lang="en-US" sz="2200" i="1" smtClean="0">
                             <a:latin typeface="Cambria Math" panose="02040503050406030204" pitchFamily="18" charset="0"/>
                           </a:rPr>
                         </m:ctrlPr>
                       </m:sSubPr>
                       <m:e>
                         <m:r>
-                          <a:rPr lang="en-US" i="1">
+                          <a:rPr lang="en-US" sz="2200" i="1">
                             <a:latin typeface="Cambria Math" panose="02040503050406030204" pitchFamily="18" charset="0"/>
                           </a:rPr>
                           <m:t>𝐴</m:t>
@@ -10405,7 +10433,7 @@
                       </m:e>
                       <m:sub>
                         <m:r>
-                          <a:rPr lang="en-US" b="0" i="1" smtClean="0">
+                          <a:rPr lang="en-US" sz="2200" b="0" i="1" smtClean="0">
                             <a:latin typeface="Cambria Math" panose="02040503050406030204" pitchFamily="18" charset="0"/>
                           </a:rPr>
                           <m:t>𝑖</m:t>
@@ -10413,7 +10441,7 @@
                       </m:sub>
                     </m:sSub>
                     <m:r>
-                      <a:rPr lang="en-US" b="0" i="1" smtClean="0">
+                      <a:rPr lang="en-US" sz="2200" b="0" i="1" smtClean="0">
                         <a:latin typeface="Cambria Math" panose="02040503050406030204" pitchFamily="18" charset="0"/>
                       </a:rPr>
                       <m:t>…</m:t>
@@ -10421,14 +10449,14 @@
                     <m:sSub>
                       <m:sSubPr>
                         <m:ctrlPr>
-                          <a:rPr lang="en-US" b="0" i="1" smtClean="0">
+                          <a:rPr lang="en-US" sz="2200" b="0" i="1" smtClean="0">
                             <a:latin typeface="Cambria Math" panose="02040503050406030204" pitchFamily="18" charset="0"/>
                           </a:rPr>
                         </m:ctrlPr>
                       </m:sSubPr>
                       <m:e>
                         <m:r>
-                          <a:rPr lang="en-US" b="0" i="1" smtClean="0">
+                          <a:rPr lang="en-US" sz="2200" b="0" i="1" smtClean="0">
                             <a:latin typeface="Cambria Math" panose="02040503050406030204" pitchFamily="18" charset="0"/>
                           </a:rPr>
                           <m:t>𝐴</m:t>
@@ -10436,7 +10464,7 @@
                       </m:e>
                       <m:sub>
                         <m:r>
-                          <a:rPr lang="en-US" b="0" i="1" smtClean="0">
+                          <a:rPr lang="en-US" sz="2200" b="0" i="1" smtClean="0">
                             <a:latin typeface="Cambria Math" panose="02040503050406030204" pitchFamily="18" charset="0"/>
                           </a:rPr>
                           <m:t>𝑗</m:t>
@@ -10446,7 +10474,7 @@
                   </m:oMath>
                 </a14:m>
                 <a:r>
-                  <a:rPr lang="en-US" dirty="0">
+                  <a:rPr lang="en-US" sz="2200" dirty="0">
                     <a:solidFill>
                       <a:schemeClr val="accent1"/>
                     </a:solidFill>
@@ -10458,7 +10486,7 @@
                     <m:sSub>
                       <m:sSubPr>
                         <m:ctrlPr>
-                          <a:rPr lang="en-US" i="1">
+                          <a:rPr lang="en-US" sz="2200" i="1">
                             <a:latin typeface="Cambria Math" panose="02040503050406030204" pitchFamily="18" charset="0"/>
                             <a:ea typeface="Cambria Math" panose="02040503050406030204" pitchFamily="18" charset="0"/>
                           </a:rPr>
@@ -10466,7 +10494,7 @@
                       </m:sSubPr>
                       <m:e>
                         <m:r>
-                          <a:rPr lang="en-US" i="1">
+                          <a:rPr lang="en-US" sz="2200" i="1">
                             <a:latin typeface="Cambria Math" panose="02040503050406030204" pitchFamily="18" charset="0"/>
                             <a:ea typeface="Cambria Math" panose="02040503050406030204" pitchFamily="18" charset="0"/>
                           </a:rPr>
@@ -10475,14 +10503,14 @@
                       </m:e>
                       <m:sub>
                         <m:r>
-                          <a:rPr lang="en-US" b="0" i="1" smtClean="0">
+                          <a:rPr lang="en-US" sz="2200" b="0" i="1" smtClean="0">
                             <a:latin typeface="Cambria Math" panose="02040503050406030204" pitchFamily="18" charset="0"/>
                             <a:ea typeface="Cambria Math" panose="02040503050406030204" pitchFamily="18" charset="0"/>
                           </a:rPr>
                           <m:t>𝑖</m:t>
                         </m:r>
                         <m:r>
-                          <a:rPr lang="en-US" b="0" i="1" smtClean="0">
+                          <a:rPr lang="en-US" sz="2200" b="0" i="1" smtClean="0">
                             <a:latin typeface="Cambria Math" panose="02040503050406030204" pitchFamily="18" charset="0"/>
                             <a:ea typeface="Cambria Math" panose="02040503050406030204" pitchFamily="18" charset="0"/>
                           </a:rPr>
@@ -10491,7 +10519,7 @@
                       </m:sub>
                     </m:sSub>
                     <m:r>
-                      <a:rPr lang="en-US" i="1">
+                      <a:rPr lang="en-US" sz="2200" i="1">
                         <a:latin typeface="Cambria Math" panose="02040503050406030204" pitchFamily="18" charset="0"/>
                         <a:ea typeface="Cambria Math" panose="02040503050406030204" pitchFamily="18" charset="0"/>
                       </a:rPr>
@@ -10500,7 +10528,7 @@
                     <m:sSub>
                       <m:sSubPr>
                         <m:ctrlPr>
-                          <a:rPr lang="en-US" i="1">
+                          <a:rPr lang="en-US" sz="2200" i="1">
                             <a:latin typeface="Cambria Math" panose="02040503050406030204" pitchFamily="18" charset="0"/>
                             <a:ea typeface="Cambria Math" panose="02040503050406030204" pitchFamily="18" charset="0"/>
                           </a:rPr>
@@ -10508,7 +10536,7 @@
                       </m:sSubPr>
                       <m:e>
                         <m:r>
-                          <a:rPr lang="en-US" i="1">
+                          <a:rPr lang="en-US" sz="2200" i="1">
                             <a:latin typeface="Cambria Math" panose="02040503050406030204" pitchFamily="18" charset="0"/>
                             <a:ea typeface="Cambria Math" panose="02040503050406030204" pitchFamily="18" charset="0"/>
                           </a:rPr>
@@ -10517,7 +10545,7 @@
                       </m:e>
                       <m:sub>
                         <m:r>
-                          <a:rPr lang="en-US" b="0" i="1" smtClean="0">
+                          <a:rPr lang="en-US" sz="2200" b="0" i="1" smtClean="0">
                             <a:latin typeface="Cambria Math" panose="02040503050406030204" pitchFamily="18" charset="0"/>
                             <a:ea typeface="Cambria Math" panose="02040503050406030204" pitchFamily="18" charset="0"/>
                           </a:rPr>
@@ -10528,7 +10556,7 @@
                   </m:oMath>
                 </a14:m>
                 <a:r>
-                  <a:rPr lang="en-US" dirty="0">
+                  <a:rPr lang="en-US" sz="2200" dirty="0">
                     <a:solidFill>
                       <a:schemeClr val="accent1"/>
                     </a:solidFill>
@@ -10540,8 +10568,18 @@
                 <a:pPr marL="0" indent="0">
                   <a:buNone/>
                 </a:pPr>
-                <a:r>
-                  <a:rPr lang="en-US" dirty="0">
+                <a:endParaRPr lang="en-US" sz="2200" dirty="0">
+                  <a:solidFill>
+                    <a:schemeClr val="accent1"/>
+                  </a:solidFill>
+                </a:endParaRPr>
+              </a:p>
+              <a:p>
+                <a:pPr marL="0" indent="0">
+                  <a:buNone/>
+                </a:pPr>
+                <a:r>
+                  <a:rPr lang="en-US" sz="2200" dirty="0">
                     <a:solidFill>
                       <a:schemeClr val="accent1"/>
                     </a:solidFill>
@@ -10551,7 +10589,7 @@
                 <a14:m>
                   <m:oMath xmlns:m="http://schemas.openxmlformats.org/officeDocument/2006/math">
                     <m:r>
-                      <a:rPr lang="en-US" b="0" i="1" smtClean="0">
+                      <a:rPr lang="en-US" sz="2200" b="0" i="1" smtClean="0">
                         <a:solidFill>
                           <a:schemeClr val="tx1"/>
                         </a:solidFill>
@@ -10560,7 +10598,7 @@
                       <m:t>𝑚</m:t>
                     </m:r>
                     <m:r>
-                      <a:rPr lang="en-US" b="0" i="0" smtClean="0">
+                      <a:rPr lang="en-US" sz="2200" b="0" i="0" smtClean="0">
                         <a:solidFill>
                           <a:schemeClr val="tx1"/>
                         </a:solidFill>
@@ -10569,7 +10607,7 @@
                       <m:t>(</m:t>
                     </m:r>
                     <m:r>
-                      <a:rPr lang="en-US" b="0" i="1" smtClean="0">
+                      <a:rPr lang="en-US" sz="2200" b="0" i="1" smtClean="0">
                         <a:solidFill>
                           <a:schemeClr val="tx1"/>
                         </a:solidFill>
@@ -10578,7 +10616,7 @@
                       <m:t>𝑖</m:t>
                     </m:r>
                     <m:r>
-                      <a:rPr lang="en-US" b="0" i="1" smtClean="0">
+                      <a:rPr lang="en-US" sz="2200" b="0" i="1" smtClean="0">
                         <a:solidFill>
                           <a:schemeClr val="tx1"/>
                         </a:solidFill>
@@ -10587,7 +10625,7 @@
                       <m:t>,</m:t>
                     </m:r>
                     <m:r>
-                      <a:rPr lang="en-US" b="0" i="1" smtClean="0">
+                      <a:rPr lang="en-US" sz="2200" b="0" i="1" smtClean="0">
                         <a:solidFill>
                           <a:schemeClr val="tx1"/>
                         </a:solidFill>
@@ -10596,7 +10634,7 @@
                       <m:t>𝑗</m:t>
                     </m:r>
                     <m:r>
-                      <a:rPr lang="en-US" b="0" i="1" smtClean="0">
+                      <a:rPr lang="en-US" sz="2200" b="0" i="1" smtClean="0">
                         <a:solidFill>
                           <a:schemeClr val="tx1"/>
                         </a:solidFill>
@@ -10607,7 +10645,7 @@
                   </m:oMath>
                 </a14:m>
                 <a:r>
-                  <a:rPr lang="en-US" dirty="0">
+                  <a:rPr lang="en-US" sz="2200" dirty="0">
                     <a:solidFill>
                       <a:schemeClr val="tx1"/>
                     </a:solidFill>
@@ -10615,26 +10653,26 @@
                   <a:t> </a:t>
                 </a:r>
                 <a:r>
-                  <a:rPr lang="en-US" dirty="0">
-                    <a:solidFill>
-                      <a:schemeClr val="accent1"/>
-                    </a:solidFill>
-                  </a:rPr>
-                  <a:t>be the number of multiplications for </a:t>
+                  <a:rPr lang="en-US" sz="2200" dirty="0">
+                    <a:solidFill>
+                      <a:schemeClr val="accent1"/>
+                    </a:solidFill>
+                  </a:rPr>
+                  <a:t>be the number of scalar multiplications needed for </a:t>
                 </a:r>
                 <a14:m>
                   <m:oMath xmlns:m="http://schemas.openxmlformats.org/officeDocument/2006/math">
                     <m:sSub>
                       <m:sSubPr>
                         <m:ctrlPr>
-                          <a:rPr lang="en-US" i="1">
+                          <a:rPr lang="en-US" sz="2200" i="1">
                             <a:latin typeface="Cambria Math" panose="02040503050406030204" pitchFamily="18" charset="0"/>
                           </a:rPr>
                         </m:ctrlPr>
                       </m:sSubPr>
                       <m:e>
                         <m:r>
-                          <a:rPr lang="en-US" i="1">
+                          <a:rPr lang="en-US" sz="2200" i="1">
                             <a:latin typeface="Cambria Math" panose="02040503050406030204" pitchFamily="18" charset="0"/>
                           </a:rPr>
                           <m:t>𝐴</m:t>
@@ -10642,7 +10680,7 @@
                       </m:e>
                       <m:sub>
                         <m:r>
-                          <a:rPr lang="en-US" i="1">
+                          <a:rPr lang="en-US" sz="2200" i="1">
                             <a:latin typeface="Cambria Math" panose="02040503050406030204" pitchFamily="18" charset="0"/>
                           </a:rPr>
                           <m:t>𝑖</m:t>
@@ -10650,7 +10688,7 @@
                       </m:sub>
                     </m:sSub>
                     <m:r>
-                      <a:rPr lang="en-US" i="1">
+                      <a:rPr lang="en-US" sz="2200" i="1">
                         <a:latin typeface="Cambria Math" panose="02040503050406030204" pitchFamily="18" charset="0"/>
                       </a:rPr>
                       <m:t>…</m:t>
@@ -10658,14 +10696,14 @@
                     <m:sSub>
                       <m:sSubPr>
                         <m:ctrlPr>
-                          <a:rPr lang="en-US" i="1">
+                          <a:rPr lang="en-US" sz="2200" i="1">
                             <a:latin typeface="Cambria Math" panose="02040503050406030204" pitchFamily="18" charset="0"/>
                           </a:rPr>
                         </m:ctrlPr>
                       </m:sSubPr>
                       <m:e>
                         <m:r>
-                          <a:rPr lang="en-US" i="1">
+                          <a:rPr lang="en-US" sz="2200" i="1">
                             <a:latin typeface="Cambria Math" panose="02040503050406030204" pitchFamily="18" charset="0"/>
                           </a:rPr>
                           <m:t>𝐴</m:t>
@@ -10673,7 +10711,7 @@
                       </m:e>
                       <m:sub>
                         <m:r>
-                          <a:rPr lang="en-US" i="1">
+                          <a:rPr lang="en-US" sz="2200" i="1">
                             <a:latin typeface="Cambria Math" panose="02040503050406030204" pitchFamily="18" charset="0"/>
                           </a:rPr>
                           <m:t>𝑗</m:t>
@@ -10683,7 +10721,7 @@
                   </m:oMath>
                 </a14:m>
                 <a:r>
-                  <a:rPr lang="en-US" dirty="0">
+                  <a:rPr lang="en-US" sz="2200" dirty="0">
                     <a:solidFill>
                       <a:schemeClr val="accent1"/>
                     </a:solidFill>
@@ -10695,77 +10733,196 @@
                 <a:pPr marL="0" indent="0">
                   <a:buNone/>
                 </a:pPr>
-                <a:r>
-                  <a:rPr lang="en-US" dirty="0">
-                    <a:solidFill>
-                      <a:schemeClr val="accent1"/>
-                    </a:solidFill>
-                  </a:rPr>
-                  <a:t>We want to find </a:t>
-                </a:r>
-                <a14:m>
-                  <m:oMath xmlns:m="http://schemas.openxmlformats.org/officeDocument/2006/math">
-                    <m:r>
-                      <a:rPr lang="en-US" b="0" i="1" smtClean="0">
-                        <a:solidFill>
-                          <a:schemeClr val="tx1"/>
-                        </a:solidFill>
-                        <a:latin typeface="Cambria Math" panose="02040503050406030204" pitchFamily="18" charset="0"/>
-                      </a:rPr>
-                      <m:t>𝑚</m:t>
-                    </m:r>
-                    <m:d>
-                      <m:dPr>
-                        <m:ctrlPr>
-                          <a:rPr lang="en-US" b="0" i="1" smtClean="0">
-                            <a:solidFill>
-                              <a:schemeClr val="tx1"/>
-                            </a:solidFill>
-                            <a:latin typeface="Cambria Math" panose="02040503050406030204" pitchFamily="18" charset="0"/>
-                          </a:rPr>
-                        </m:ctrlPr>
-                      </m:dPr>
-                      <m:e>
-                        <m:r>
-                          <a:rPr lang="en-US" b="0" i="1" smtClean="0">
-                            <a:solidFill>
-                              <a:schemeClr val="tx1"/>
-                            </a:solidFill>
-                            <a:latin typeface="Cambria Math" panose="02040503050406030204" pitchFamily="18" charset="0"/>
-                          </a:rPr>
-                          <m:t>1,</m:t>
-                        </m:r>
-                        <m:r>
-                          <a:rPr lang="en-US" b="0" i="1" smtClean="0">
-                            <a:solidFill>
-                              <a:schemeClr val="tx1"/>
-                            </a:solidFill>
-                            <a:latin typeface="Cambria Math" panose="02040503050406030204" pitchFamily="18" charset="0"/>
-                          </a:rPr>
-                          <m:t>𝑛</m:t>
-                        </m:r>
-                      </m:e>
-                    </m:d>
-                  </m:oMath>
-                </a14:m>
-                <a:r>
-                  <a:rPr lang="en-US" dirty="0">
-                    <a:solidFill>
-                      <a:schemeClr val="accent1"/>
-                    </a:solidFill>
-                  </a:rPr>
-                  <a:t>. </a:t>
-                </a:r>
+                <a:endParaRPr lang="en-US" sz="2200" dirty="0">
+                  <a:solidFill>
+                    <a:schemeClr val="accent1"/>
+                  </a:solidFill>
+                </a:endParaRPr>
               </a:p>
               <a:p>
                 <a:pPr marL="0" indent="0">
                   <a:buNone/>
                 </a:pPr>
-                <a:endParaRPr lang="en-US" dirty="0">
-                  <a:solidFill>
-                    <a:schemeClr val="accent1"/>
-                  </a:solidFill>
-                </a:endParaRPr>
+                <a:r>
+                  <a:rPr lang="en-US" sz="2200" dirty="0">
+                    <a:solidFill>
+                      <a:schemeClr val="accent1"/>
+                    </a:solidFill>
+                  </a:rPr>
+                  <a:t>Our goal is to find </a:t>
+                </a:r>
+                <a14:m>
+                  <m:oMath xmlns:m="http://schemas.openxmlformats.org/officeDocument/2006/math">
+                    <m:r>
+                      <a:rPr lang="en-US" sz="2200" b="0" i="1" smtClean="0">
+                        <a:solidFill>
+                          <a:schemeClr val="tx1"/>
+                        </a:solidFill>
+                        <a:latin typeface="Cambria Math" panose="02040503050406030204" pitchFamily="18" charset="0"/>
+                      </a:rPr>
+                      <m:t>𝑚</m:t>
+                    </m:r>
+                    <m:d>
+                      <m:dPr>
+                        <m:ctrlPr>
+                          <a:rPr lang="en-US" sz="2200" b="0" i="1" smtClean="0">
+                            <a:solidFill>
+                              <a:schemeClr val="tx1"/>
+                            </a:solidFill>
+                            <a:latin typeface="Cambria Math" panose="02040503050406030204" pitchFamily="18" charset="0"/>
+                          </a:rPr>
+                        </m:ctrlPr>
+                      </m:dPr>
+                      <m:e>
+                        <m:r>
+                          <a:rPr lang="en-US" sz="2200" b="0" i="1" smtClean="0">
+                            <a:solidFill>
+                              <a:schemeClr val="tx1"/>
+                            </a:solidFill>
+                            <a:latin typeface="Cambria Math" panose="02040503050406030204" pitchFamily="18" charset="0"/>
+                          </a:rPr>
+                          <m:t>1,</m:t>
+                        </m:r>
+                        <m:r>
+                          <a:rPr lang="en-US" sz="2200" b="0" i="1" smtClean="0">
+                            <a:solidFill>
+                              <a:schemeClr val="tx1"/>
+                            </a:solidFill>
+                            <a:latin typeface="Cambria Math" panose="02040503050406030204" pitchFamily="18" charset="0"/>
+                          </a:rPr>
+                          <m:t>𝑛</m:t>
+                        </m:r>
+                      </m:e>
+                    </m:d>
+                  </m:oMath>
+                </a14:m>
+                <a:r>
+                  <a:rPr lang="en-US" sz="2200" dirty="0">
+                    <a:solidFill>
+                      <a:schemeClr val="accent1"/>
+                    </a:solidFill>
+                  </a:rPr>
+                  <a:t>, which is the minimum number of scalar multiplications needed to evaluate the matrix chain </a:t>
+                </a:r>
+                <a14:m>
+                  <m:oMath xmlns:m="http://schemas.openxmlformats.org/officeDocument/2006/math">
+                    <m:sSub>
+                      <m:sSubPr>
+                        <m:ctrlPr>
+                          <a:rPr lang="en-US" sz="2200" i="1">
+                            <a:latin typeface="Cambria Math" panose="02040503050406030204" pitchFamily="18" charset="0"/>
+                          </a:rPr>
+                        </m:ctrlPr>
+                      </m:sSubPr>
+                      <m:e>
+                        <m:r>
+                          <a:rPr lang="en-US" sz="2200" i="1">
+                            <a:latin typeface="Cambria Math" panose="02040503050406030204" pitchFamily="18" charset="0"/>
+                          </a:rPr>
+                          <m:t>𝐴</m:t>
+                        </m:r>
+                      </m:e>
+                      <m:sub>
+                        <m:r>
+                          <a:rPr lang="en-US" sz="2200" i="1">
+                            <a:latin typeface="Cambria Math" panose="02040503050406030204" pitchFamily="18" charset="0"/>
+                          </a:rPr>
+                          <m:t>1</m:t>
+                        </m:r>
+                      </m:sub>
+                    </m:sSub>
+                    <m:sSub>
+                      <m:sSubPr>
+                        <m:ctrlPr>
+                          <a:rPr lang="en-US" sz="2200" i="1">
+                            <a:latin typeface="Cambria Math" panose="02040503050406030204" pitchFamily="18" charset="0"/>
+                          </a:rPr>
+                        </m:ctrlPr>
+                      </m:sSubPr>
+                      <m:e>
+                        <m:r>
+                          <a:rPr lang="en-US" sz="2200" i="1">
+                            <a:latin typeface="Cambria Math" panose="02040503050406030204" pitchFamily="18" charset="0"/>
+                          </a:rPr>
+                          <m:t>𝐴</m:t>
+                        </m:r>
+                      </m:e>
+                      <m:sub>
+                        <m:r>
+                          <a:rPr lang="en-US" sz="2200" i="1">
+                            <a:latin typeface="Cambria Math" panose="02040503050406030204" pitchFamily="18" charset="0"/>
+                          </a:rPr>
+                          <m:t>2</m:t>
+                        </m:r>
+                      </m:sub>
+                    </m:sSub>
+                    <m:r>
+                      <a:rPr lang="en-US" sz="2200" i="1">
+                        <a:latin typeface="Cambria Math" panose="02040503050406030204" pitchFamily="18" charset="0"/>
+                      </a:rPr>
+                      <m:t>…</m:t>
+                    </m:r>
+                  </m:oMath>
+                </a14:m>
+                <a:r>
+                  <a:rPr lang="en-US" sz="2200" dirty="0"/>
+                  <a:t> </a:t>
+                </a:r>
+                <a14:m>
+                  <m:oMath xmlns:m="http://schemas.openxmlformats.org/officeDocument/2006/math">
+                    <m:sSub>
+                      <m:sSubPr>
+                        <m:ctrlPr>
+                          <a:rPr lang="en-US" sz="2200" i="1">
+                            <a:latin typeface="Cambria Math" panose="02040503050406030204" pitchFamily="18" charset="0"/>
+                          </a:rPr>
+                        </m:ctrlPr>
+                      </m:sSubPr>
+                      <m:e>
+                        <m:r>
+                          <a:rPr lang="en-US" sz="2200" i="1">
+                            <a:latin typeface="Cambria Math" panose="02040503050406030204" pitchFamily="18" charset="0"/>
+                          </a:rPr>
+                          <m:t>𝐴</m:t>
+                        </m:r>
+                      </m:e>
+                      <m:sub>
+                        <m:r>
+                          <a:rPr lang="en-US" sz="2200" i="1">
+                            <a:latin typeface="Cambria Math" panose="02040503050406030204" pitchFamily="18" charset="0"/>
+                          </a:rPr>
+                          <m:t>𝑛</m:t>
+                        </m:r>
+                      </m:sub>
+                    </m:sSub>
+                  </m:oMath>
+                </a14:m>
+                <a:r>
+                  <a:rPr lang="en-US" sz="2200" dirty="0">
+                    <a:solidFill>
+                      <a:schemeClr val="accent1"/>
+                    </a:solidFill>
+                  </a:rPr>
+                  <a:t> of length </a:t>
+                </a:r>
+                <a14:m>
+                  <m:oMath xmlns:m="http://schemas.openxmlformats.org/officeDocument/2006/math">
+                    <m:r>
+                      <a:rPr lang="en-US" sz="2200" i="1">
+                        <a:latin typeface="Cambria Math" panose="02040503050406030204" pitchFamily="18" charset="0"/>
+                      </a:rPr>
+                      <m:t>𝑛</m:t>
+                    </m:r>
+                  </m:oMath>
+                </a14:m>
+                <a:r>
+                  <a:rPr lang="en-US" sz="2200" dirty="0">
+                    <a:solidFill>
+                      <a:schemeClr val="accent1"/>
+                    </a:solidFill>
+                  </a:rPr>
+                  <a:t>.</a:t>
+                </a:r>
               </a:p>
               <a:p>
                 <a:pPr marL="0" indent="0">
@@ -10790,7 +10947,7 @@
             </p:txBody>
           </p:sp>
         </mc:Choice>
-        <mc:Fallback xmlns="">
+        <mc:Fallback>
           <p:sp>
             <p:nvSpPr>
               <p:cNvPr id="3" name="Content Placeholder 2">
@@ -10811,7 +10968,7 @@
               <a:blipFill>
                 <a:blip r:embed="rId2"/>
                 <a:stretch>
-                  <a:fillRect l="-1217" t="-2241"/>
+                  <a:fillRect l="-638" t="-2521" b="-1541"/>
                 </a:stretch>
               </a:blipFill>
             </p:spPr>
@@ -10895,8 +11052,8 @@
           </a:p>
         </p:txBody>
       </p:sp>
-      <mc:AlternateContent xmlns:mc="http://schemas.openxmlformats.org/markup-compatibility/2006" xmlns:a14="http://schemas.microsoft.com/office/drawing/2010/main">
-        <mc:Choice Requires="a14">
+      <mc:AlternateContent xmlns:mc="http://schemas.openxmlformats.org/markup-compatibility/2006">
+        <mc:Choice xmlns:a14="http://schemas.microsoft.com/office/drawing/2010/main" Requires="a14">
           <p:sp>
             <p:nvSpPr>
               <p:cNvPr id="3" name="Content Placeholder 2">
@@ -12091,7 +12248,60 @@
                       <a:schemeClr val="accent1"/>
                     </a:solidFill>
                   </a:rPr>
-                  <a:t>Therefore, the total number of multiplications is </a:t>
+                  <a:t>Therefore, the total number of multiplications </a:t>
+                </a:r>
+                <a14:m>
+                  <m:oMath xmlns:m="http://schemas.openxmlformats.org/officeDocument/2006/math">
+                    <m:r>
+                      <a:rPr lang="en-US" sz="2000" i="1">
+                        <a:latin typeface="Cambria Math" panose="02040503050406030204" pitchFamily="18" charset="0"/>
+                      </a:rPr>
+                      <m:t>𝑚</m:t>
+                    </m:r>
+                    <m:d>
+                      <m:dPr>
+                        <m:ctrlPr>
+                          <a:rPr lang="en-US" sz="2000" i="1">
+                            <a:latin typeface="Cambria Math" panose="02040503050406030204" pitchFamily="18" charset="0"/>
+                          </a:rPr>
+                        </m:ctrlPr>
+                      </m:dPr>
+                      <m:e>
+                        <m:r>
+                          <a:rPr lang="en-US" sz="2000" i="1">
+                            <a:latin typeface="Cambria Math" panose="02040503050406030204" pitchFamily="18" charset="0"/>
+                          </a:rPr>
+                          <m:t>𝑖</m:t>
+                        </m:r>
+                        <m:r>
+                          <a:rPr lang="en-US" sz="2000" i="1">
+                            <a:latin typeface="Cambria Math" panose="02040503050406030204" pitchFamily="18" charset="0"/>
+                          </a:rPr>
+                          <m:t>,</m:t>
+                        </m:r>
+                        <m:r>
+                          <a:rPr lang="en-US" sz="2000" b="0" i="1" smtClean="0">
+                            <a:latin typeface="Cambria Math" panose="02040503050406030204" pitchFamily="18" charset="0"/>
+                          </a:rPr>
+                          <m:t>𝑗</m:t>
+                        </m:r>
+                      </m:e>
+                    </m:d>
+                    <m:r>
+                      <a:rPr lang="en-US" sz="2000" i="1">
+                        <a:latin typeface="Cambria Math" panose="02040503050406030204" pitchFamily="18" charset="0"/>
+                      </a:rPr>
+                      <m:t> </m:t>
+                    </m:r>
+                  </m:oMath>
+                </a14:m>
+                <a:r>
+                  <a:rPr lang="en-US" sz="2000" dirty="0">
+                    <a:solidFill>
+                      <a:schemeClr val="accent1"/>
+                    </a:solidFill>
+                  </a:rPr>
+                  <a:t>is </a:t>
                 </a:r>
                 <a14:m>
                   <m:oMath xmlns:m="http://schemas.openxmlformats.org/officeDocument/2006/math">
@@ -12282,7 +12492,7 @@
             </p:txBody>
           </p:sp>
         </mc:Choice>
-        <mc:Fallback xmlns="">
+        <mc:Fallback>
           <p:sp>
             <p:nvSpPr>
               <p:cNvPr id="3" name="Content Placeholder 2">
@@ -12491,8 +12701,8 @@
           </a:p>
         </p:txBody>
       </p:sp>
-      <mc:AlternateContent xmlns:mc="http://schemas.openxmlformats.org/markup-compatibility/2006" xmlns:a14="http://schemas.microsoft.com/office/drawing/2010/main">
-        <mc:Choice Requires="a14">
+      <mc:AlternateContent xmlns:mc="http://schemas.openxmlformats.org/markup-compatibility/2006">
+        <mc:Choice xmlns:a14="http://schemas.microsoft.com/office/drawing/2010/main" Requires="a14">
           <p:sp>
             <p:nvSpPr>
               <p:cNvPr id="3" name="Content Placeholder 2">
@@ -12512,7 +12722,7 @@
             <p:spPr/>
             <p:txBody>
               <a:bodyPr>
-                <a:normAutofit fontScale="85000" lnSpcReduction="20000"/>
+                <a:normAutofit fontScale="92500" lnSpcReduction="10000"/>
               </a:bodyPr>
               <a:lstStyle/>
               <a:p>
@@ -12520,7 +12730,7 @@
                   <a:buNone/>
                 </a:pPr>
                 <a:r>
-                  <a:rPr lang="en-US" dirty="0">
+                  <a:rPr lang="en-US" sz="2400" dirty="0">
                     <a:solidFill>
                       <a:schemeClr val="accent1"/>
                     </a:solidFill>
@@ -12532,14 +12742,14 @@
                     <m:sSub>
                       <m:sSubPr>
                         <m:ctrlPr>
-                          <a:rPr lang="en-US" sz="2800" i="1" smtClean="0">
+                          <a:rPr lang="en-US" sz="2400" i="1" smtClean="0">
                             <a:latin typeface="Cambria Math" panose="02040503050406030204" pitchFamily="18" charset="0"/>
                           </a:rPr>
                         </m:ctrlPr>
                       </m:sSubPr>
                       <m:e>
                         <m:r>
-                          <a:rPr lang="en-US" sz="2800" i="1">
+                          <a:rPr lang="en-US" sz="2400" i="1">
                             <a:latin typeface="Cambria Math" panose="02040503050406030204" pitchFamily="18" charset="0"/>
                           </a:rPr>
                           <m:t>𝐴</m:t>
@@ -12547,7 +12757,7 @@
                       </m:e>
                       <m:sub>
                         <m:r>
-                          <a:rPr lang="en-US" sz="2800" i="1">
+                          <a:rPr lang="en-US" sz="2400" i="1">
                             <a:latin typeface="Cambria Math" panose="02040503050406030204" pitchFamily="18" charset="0"/>
                           </a:rPr>
                           <m:t>𝑖</m:t>
@@ -12555,7 +12765,7 @@
                       </m:sub>
                     </m:sSub>
                     <m:r>
-                      <a:rPr lang="en-US" sz="2800" i="1">
+                      <a:rPr lang="en-US" sz="2400" i="1">
                         <a:latin typeface="Cambria Math" panose="02040503050406030204" pitchFamily="18" charset="0"/>
                       </a:rPr>
                       <m:t>…</m:t>
@@ -12563,14 +12773,14 @@
                     <m:sSub>
                       <m:sSubPr>
                         <m:ctrlPr>
-                          <a:rPr lang="en-US" sz="2800" i="1">
+                          <a:rPr lang="en-US" sz="2400" i="1">
                             <a:latin typeface="Cambria Math" panose="02040503050406030204" pitchFamily="18" charset="0"/>
                           </a:rPr>
                         </m:ctrlPr>
                       </m:sSubPr>
                       <m:e>
                         <m:r>
-                          <a:rPr lang="en-US" sz="2800" i="1">
+                          <a:rPr lang="en-US" sz="2400" i="1">
                             <a:latin typeface="Cambria Math" panose="02040503050406030204" pitchFamily="18" charset="0"/>
                           </a:rPr>
                           <m:t>𝐴</m:t>
@@ -12578,7 +12788,7 @@
                       </m:e>
                       <m:sub>
                         <m:r>
-                          <a:rPr lang="en-US" sz="2800" i="1">
+                          <a:rPr lang="en-US" sz="2400" i="1">
                             <a:latin typeface="Cambria Math" panose="02040503050406030204" pitchFamily="18" charset="0"/>
                           </a:rPr>
                           <m:t>𝑗</m:t>
@@ -12588,11 +12798,11 @@
                   </m:oMath>
                 </a14:m>
                 <a:r>
-                  <a:rPr lang="en-US" dirty="0"/>
+                  <a:rPr lang="en-US" sz="2400" dirty="0"/>
                   <a:t> </a:t>
                 </a:r>
                 <a:r>
-                  <a:rPr lang="en-US" dirty="0">
+                  <a:rPr lang="en-US" sz="2400" dirty="0">
                     <a:solidFill>
                       <a:schemeClr val="accent1"/>
                     </a:solidFill>
@@ -12604,14 +12814,14 @@
                     <m:sSub>
                       <m:sSubPr>
                         <m:ctrlPr>
-                          <a:rPr lang="en-US" i="1">
+                          <a:rPr lang="en-US" sz="2400" i="1">
                             <a:latin typeface="Cambria Math" panose="02040503050406030204" pitchFamily="18" charset="0"/>
                           </a:rPr>
                         </m:ctrlPr>
                       </m:sSubPr>
                       <m:e>
                         <m:r>
-                          <a:rPr lang="en-US" i="1">
+                          <a:rPr lang="en-US" sz="2400" i="1">
                             <a:latin typeface="Cambria Math" panose="02040503050406030204" pitchFamily="18" charset="0"/>
                           </a:rPr>
                           <m:t>𝐴</m:t>
@@ -12619,7 +12829,7 @@
                       </m:e>
                       <m:sub>
                         <m:r>
-                          <a:rPr lang="en-US" i="1">
+                          <a:rPr lang="en-US" sz="2400" i="1">
                             <a:latin typeface="Cambria Math" panose="02040503050406030204" pitchFamily="18" charset="0"/>
                           </a:rPr>
                           <m:t>𝑖</m:t>
@@ -12627,7 +12837,7 @@
                       </m:sub>
                     </m:sSub>
                     <m:r>
-                      <a:rPr lang="en-US" i="1">
+                      <a:rPr lang="en-US" sz="2400" i="1">
                         <a:latin typeface="Cambria Math" panose="02040503050406030204" pitchFamily="18" charset="0"/>
                       </a:rPr>
                       <m:t>…</m:t>
@@ -12636,20 +12846,20 @@
                       <m:rPr>
                         <m:nor/>
                       </m:rPr>
-                      <a:rPr lang="en-US" dirty="0"/>
+                      <a:rPr lang="en-US" sz="2400" dirty="0"/>
                       <m:t> </m:t>
                     </m:r>
                     <m:sSub>
                       <m:sSubPr>
                         <m:ctrlPr>
-                          <a:rPr lang="en-US" i="1">
+                          <a:rPr lang="en-US" sz="2400" i="1">
                             <a:latin typeface="Cambria Math" panose="02040503050406030204" pitchFamily="18" charset="0"/>
                           </a:rPr>
                         </m:ctrlPr>
                       </m:sSubPr>
                       <m:e>
                         <m:r>
-                          <a:rPr lang="en-US" i="1">
+                          <a:rPr lang="en-US" sz="2400" i="1">
                             <a:latin typeface="Cambria Math" panose="02040503050406030204" pitchFamily="18" charset="0"/>
                           </a:rPr>
                           <m:t>𝐴</m:t>
@@ -12657,7 +12867,7 @@
                       </m:e>
                       <m:sub>
                         <m:r>
-                          <a:rPr lang="en-US" i="1">
+                          <a:rPr lang="en-US" sz="2400" i="1">
                             <a:latin typeface="Cambria Math" panose="02040503050406030204" pitchFamily="18" charset="0"/>
                           </a:rPr>
                           <m:t>𝑘</m:t>
@@ -12667,11 +12877,11 @@
                   </m:oMath>
                 </a14:m>
                 <a:r>
-                  <a:rPr lang="en-US" dirty="0"/>
+                  <a:rPr lang="en-US" sz="2400" dirty="0"/>
                   <a:t> </a:t>
                 </a:r>
                 <a:r>
-                  <a:rPr lang="en-US" dirty="0">
+                  <a:rPr lang="en-US" sz="2400" dirty="0">
                     <a:solidFill>
                       <a:schemeClr val="accent1"/>
                     </a:solidFill>
@@ -12679,7 +12889,7 @@
                   <a:t>and</a:t>
                 </a:r>
                 <a:r>
-                  <a:rPr lang="en-US" dirty="0"/>
+                  <a:rPr lang="en-US" sz="2400" dirty="0"/>
                   <a:t> </a:t>
                 </a:r>
                 <a14:m>
@@ -12687,14 +12897,14 @@
                     <m:sSub>
                       <m:sSubPr>
                         <m:ctrlPr>
-                          <a:rPr lang="en-US" i="1">
+                          <a:rPr lang="en-US" sz="2400" i="1">
                             <a:latin typeface="Cambria Math" panose="02040503050406030204" pitchFamily="18" charset="0"/>
                           </a:rPr>
                         </m:ctrlPr>
                       </m:sSubPr>
                       <m:e>
                         <m:r>
-                          <a:rPr lang="en-US" i="1">
+                          <a:rPr lang="en-US" sz="2400" i="1">
                             <a:latin typeface="Cambria Math" panose="02040503050406030204" pitchFamily="18" charset="0"/>
                           </a:rPr>
                           <m:t>𝐴</m:t>
@@ -12702,13 +12912,13 @@
                       </m:e>
                       <m:sub>
                         <m:r>
-                          <a:rPr lang="en-US" i="1">
+                          <a:rPr lang="en-US" sz="2400" i="1">
                             <a:latin typeface="Cambria Math" panose="02040503050406030204" pitchFamily="18" charset="0"/>
                           </a:rPr>
                           <m:t>𝑘</m:t>
                         </m:r>
                         <m:r>
-                          <a:rPr lang="en-US" i="1">
+                          <a:rPr lang="en-US" sz="2400" i="1">
                             <a:latin typeface="Cambria Math" panose="02040503050406030204" pitchFamily="18" charset="0"/>
                           </a:rPr>
                           <m:t>+1</m:t>
@@ -12716,7 +12926,7 @@
                       </m:sub>
                     </m:sSub>
                     <m:r>
-                      <a:rPr lang="en-US" i="1">
+                      <a:rPr lang="en-US" sz="2400" i="1">
                         <a:latin typeface="Cambria Math" panose="02040503050406030204" pitchFamily="18" charset="0"/>
                       </a:rPr>
                       <m:t>…</m:t>
@@ -12724,14 +12934,14 @@
                     <m:sSub>
                       <m:sSubPr>
                         <m:ctrlPr>
-                          <a:rPr lang="en-US" i="1">
+                          <a:rPr lang="en-US" sz="2400" i="1">
                             <a:latin typeface="Cambria Math" panose="02040503050406030204" pitchFamily="18" charset="0"/>
                           </a:rPr>
                         </m:ctrlPr>
                       </m:sSubPr>
                       <m:e>
                         <m:r>
-                          <a:rPr lang="en-US" i="1">
+                          <a:rPr lang="en-US" sz="2400" i="1">
                             <a:latin typeface="Cambria Math" panose="02040503050406030204" pitchFamily="18" charset="0"/>
                           </a:rPr>
                           <m:t>𝐴</m:t>
@@ -12739,7 +12949,7 @@
                       </m:e>
                       <m:sub>
                         <m:r>
-                          <a:rPr lang="en-US" i="1">
+                          <a:rPr lang="en-US" sz="2400" i="1">
                             <a:latin typeface="Cambria Math" panose="02040503050406030204" pitchFamily="18" charset="0"/>
                           </a:rPr>
                           <m:t>𝑗</m:t>
@@ -12747,7 +12957,7 @@
                       </m:sub>
                     </m:sSub>
                     <m:r>
-                      <a:rPr lang="en-US" b="0" i="0" smtClean="0">
+                      <a:rPr lang="en-US" sz="2400" b="0" i="0" smtClean="0">
                         <a:latin typeface="Cambria Math" panose="02040503050406030204" pitchFamily="18" charset="0"/>
                       </a:rPr>
                       <m:t> </m:t>
@@ -12755,15 +12965,44 @@
                   </m:oMath>
                 </a14:m>
                 <a:r>
-                  <a:rPr lang="en-US" dirty="0">
-                    <a:solidFill>
-                      <a:schemeClr val="accent1"/>
-                    </a:solidFill>
-                  </a:rPr>
-                  <a:t> at the final step, solutions to parenthesizations of</a:t>
-                </a:r>
-                <a:r>
-                  <a:rPr lang="en-US" dirty="0"/>
+                  <a:rPr lang="en-US" sz="2400" dirty="0">
+                    <a:solidFill>
+                      <a:schemeClr val="accent1"/>
+                    </a:solidFill>
+                  </a:rPr>
+                  <a:t>at </a:t>
+                </a:r>
+                <a14:m>
+                  <m:oMath xmlns:m="http://schemas.openxmlformats.org/officeDocument/2006/math">
+                    <m:r>
+                      <a:rPr lang="en-US" sz="2400" b="0" i="1" smtClean="0">
+                        <a:solidFill>
+                          <a:schemeClr val="tx1"/>
+                        </a:solidFill>
+                        <a:latin typeface="Cambria Math" panose="02040503050406030204" pitchFamily="18" charset="0"/>
+                      </a:rPr>
+                      <m:t>𝑘</m:t>
+                    </m:r>
+                  </m:oMath>
+                </a14:m>
+                <a:r>
+                  <a:rPr lang="en-US" sz="2400" dirty="0">
+                    <a:solidFill>
+                      <a:schemeClr val="tx1"/>
+                    </a:solidFill>
+                  </a:rPr>
+                  <a:t> </a:t>
+                </a:r>
+                <a:r>
+                  <a:rPr lang="en-US" sz="2400" dirty="0">
+                    <a:solidFill>
+                      <a:schemeClr val="accent1"/>
+                    </a:solidFill>
+                  </a:rPr>
+                  <a:t>at the final step, solutions to parenthesizations of</a:t>
+                </a:r>
+                <a:r>
+                  <a:rPr lang="en-US" sz="2400" dirty="0"/>
                   <a:t> </a:t>
                 </a:r>
                 <a14:m>
@@ -12771,14 +13010,14 @@
                     <m:sSub>
                       <m:sSubPr>
                         <m:ctrlPr>
-                          <a:rPr lang="en-US" i="1">
+                          <a:rPr lang="en-US" sz="2400" i="1">
                             <a:latin typeface="Cambria Math" panose="02040503050406030204" pitchFamily="18" charset="0"/>
                           </a:rPr>
                         </m:ctrlPr>
                       </m:sSubPr>
                       <m:e>
                         <m:r>
-                          <a:rPr lang="en-US" i="1">
+                          <a:rPr lang="en-US" sz="2400" i="1">
                             <a:latin typeface="Cambria Math" panose="02040503050406030204" pitchFamily="18" charset="0"/>
                           </a:rPr>
                           <m:t>𝐴</m:t>
@@ -12786,7 +13025,7 @@
                       </m:e>
                       <m:sub>
                         <m:r>
-                          <a:rPr lang="en-US" i="1">
+                          <a:rPr lang="en-US" sz="2400" i="1">
                             <a:latin typeface="Cambria Math" panose="02040503050406030204" pitchFamily="18" charset="0"/>
                           </a:rPr>
                           <m:t>𝑖</m:t>
@@ -12794,7 +13033,7 @@
                       </m:sub>
                     </m:sSub>
                     <m:r>
-                      <a:rPr lang="en-US" i="1">
+                      <a:rPr lang="en-US" sz="2400" i="1">
                         <a:latin typeface="Cambria Math" panose="02040503050406030204" pitchFamily="18" charset="0"/>
                       </a:rPr>
                       <m:t>…</m:t>
@@ -12803,20 +13042,20 @@
                       <m:rPr>
                         <m:nor/>
                       </m:rPr>
-                      <a:rPr lang="en-US" dirty="0"/>
+                      <a:rPr lang="en-US" sz="2400" dirty="0"/>
                       <m:t> </m:t>
                     </m:r>
                     <m:sSub>
                       <m:sSubPr>
                         <m:ctrlPr>
-                          <a:rPr lang="en-US" i="1">
+                          <a:rPr lang="en-US" sz="2400" i="1">
                             <a:latin typeface="Cambria Math" panose="02040503050406030204" pitchFamily="18" charset="0"/>
                           </a:rPr>
                         </m:ctrlPr>
                       </m:sSubPr>
                       <m:e>
                         <m:r>
-                          <a:rPr lang="en-US" i="1">
+                          <a:rPr lang="en-US" sz="2400" i="1">
                             <a:latin typeface="Cambria Math" panose="02040503050406030204" pitchFamily="18" charset="0"/>
                           </a:rPr>
                           <m:t>𝐴</m:t>
@@ -12824,7 +13063,7 @@
                       </m:e>
                       <m:sub>
                         <m:r>
-                          <a:rPr lang="en-US" i="1">
+                          <a:rPr lang="en-US" sz="2400" i="1">
                             <a:latin typeface="Cambria Math" panose="02040503050406030204" pitchFamily="18" charset="0"/>
                           </a:rPr>
                           <m:t>𝑘</m:t>
@@ -12834,7 +13073,7 @@
                   </m:oMath>
                 </a14:m>
                 <a:r>
-                  <a:rPr lang="en-US" dirty="0">
+                  <a:rPr lang="en-US" sz="2400" dirty="0">
                     <a:solidFill>
                       <a:schemeClr val="accent1"/>
                     </a:solidFill>
@@ -12846,14 +13085,14 @@
                     <m:sSub>
                       <m:sSubPr>
                         <m:ctrlPr>
-                          <a:rPr lang="en-US" i="1">
+                          <a:rPr lang="en-US" sz="2400" i="1">
                             <a:latin typeface="Cambria Math" panose="02040503050406030204" pitchFamily="18" charset="0"/>
                           </a:rPr>
                         </m:ctrlPr>
                       </m:sSubPr>
                       <m:e>
                         <m:r>
-                          <a:rPr lang="en-US" i="1">
+                          <a:rPr lang="en-US" sz="2400" i="1">
                             <a:latin typeface="Cambria Math" panose="02040503050406030204" pitchFamily="18" charset="0"/>
                           </a:rPr>
                           <m:t>𝐴</m:t>
@@ -12861,13 +13100,13 @@
                       </m:e>
                       <m:sub>
                         <m:r>
-                          <a:rPr lang="en-US" i="1">
+                          <a:rPr lang="en-US" sz="2400" i="1">
                             <a:latin typeface="Cambria Math" panose="02040503050406030204" pitchFamily="18" charset="0"/>
                           </a:rPr>
                           <m:t>𝑘</m:t>
                         </m:r>
                         <m:r>
-                          <a:rPr lang="en-US" i="1">
+                          <a:rPr lang="en-US" sz="2400" i="1">
                             <a:latin typeface="Cambria Math" panose="02040503050406030204" pitchFamily="18" charset="0"/>
                           </a:rPr>
                           <m:t>+1</m:t>
@@ -12875,7 +13114,7 @@
                       </m:sub>
                     </m:sSub>
                     <m:r>
-                      <a:rPr lang="en-US" i="1">
+                      <a:rPr lang="en-US" sz="2400" i="1">
                         <a:latin typeface="Cambria Math" panose="02040503050406030204" pitchFamily="18" charset="0"/>
                       </a:rPr>
                       <m:t>…</m:t>
@@ -12883,14 +13122,14 @@
                     <m:sSub>
                       <m:sSubPr>
                         <m:ctrlPr>
-                          <a:rPr lang="en-US" i="1">
+                          <a:rPr lang="en-US" sz="2400" i="1">
                             <a:latin typeface="Cambria Math" panose="02040503050406030204" pitchFamily="18" charset="0"/>
                           </a:rPr>
                         </m:ctrlPr>
                       </m:sSubPr>
                       <m:e>
                         <m:r>
-                          <a:rPr lang="en-US" i="1">
+                          <a:rPr lang="en-US" sz="2400" i="1">
                             <a:latin typeface="Cambria Math" panose="02040503050406030204" pitchFamily="18" charset="0"/>
                           </a:rPr>
                           <m:t>𝐴</m:t>
@@ -12898,7 +13137,7 @@
                       </m:e>
                       <m:sub>
                         <m:r>
-                          <a:rPr lang="en-US" i="1">
+                          <a:rPr lang="en-US" sz="2400" i="1">
                             <a:latin typeface="Cambria Math" panose="02040503050406030204" pitchFamily="18" charset="0"/>
                           </a:rPr>
                           <m:t>𝑗</m:t>
@@ -12906,7 +13145,7 @@
                       </m:sub>
                     </m:sSub>
                     <m:r>
-                      <a:rPr lang="en-US">
+                      <a:rPr lang="en-US" sz="2400">
                         <a:latin typeface="Cambria Math" panose="02040503050406030204" pitchFamily="18" charset="0"/>
                       </a:rPr>
                       <m:t> </m:t>
@@ -12914,19 +13153,19 @@
                   </m:oMath>
                 </a14:m>
                 <a:r>
-                  <a:rPr lang="en-US" dirty="0">
-                    <a:solidFill>
-                      <a:schemeClr val="accent1"/>
-                    </a:solidFill>
-                  </a:rPr>
-                  <a:t>are also optimal.</a:t>
+                  <a:rPr lang="en-US" sz="2400" dirty="0">
+                    <a:solidFill>
+                      <a:schemeClr val="accent1"/>
+                    </a:solidFill>
+                  </a:rPr>
+                  <a:t>must also be optimal.</a:t>
                 </a:r>
               </a:p>
               <a:p>
                 <a:pPr marL="0" indent="0">
                   <a:buNone/>
                 </a:pPr>
-                <a:endParaRPr lang="en-US" b="1" i="1" u="sng" dirty="0">
+                <a:endParaRPr lang="en-US" sz="2400" b="1" i="1" u="sng" dirty="0">
                   <a:solidFill>
                     <a:srgbClr val="FF0000"/>
                   </a:solidFill>
@@ -12937,7 +13176,7 @@
                   <a:buNone/>
                 </a:pPr>
                 <a:r>
-                  <a:rPr lang="en-US" b="1" i="1" u="sng" dirty="0">
+                  <a:rPr lang="en-US" sz="2400" b="1" i="1" u="sng" dirty="0">
                     <a:solidFill>
                       <a:srgbClr val="FF0000"/>
                     </a:solidFill>
@@ -12945,7 +13184,7 @@
                   <a:t>Proof</a:t>
                 </a:r>
                 <a:r>
-                  <a:rPr lang="en-US" b="1" i="1" dirty="0">
+                  <a:rPr lang="en-US" sz="2400" b="1" i="1" dirty="0">
                     <a:solidFill>
                       <a:srgbClr val="FF0000"/>
                     </a:solidFill>
@@ -12953,7 +13192,7 @@
                   <a:t>: </a:t>
                 </a:r>
                 <a:r>
-                  <a:rPr lang="en-US" dirty="0">
+                  <a:rPr lang="en-US" sz="2400" dirty="0">
                     <a:solidFill>
                       <a:schemeClr val="accent1"/>
                     </a:solidFill>
@@ -12961,7 +13200,7 @@
                   <a:t>We will use a </a:t>
                 </a:r>
                 <a:r>
-                  <a:rPr lang="en-US" b="1" i="1" dirty="0">
+                  <a:rPr lang="en-US" sz="2400" b="1" i="1" dirty="0">
                     <a:solidFill>
                       <a:srgbClr val="FF0000"/>
                     </a:solidFill>
@@ -12969,7 +13208,7 @@
                   <a:t>Cut-and-Paste</a:t>
                 </a:r>
                 <a:r>
-                  <a:rPr lang="en-US" dirty="0">
+                  <a:rPr lang="en-US" sz="2400" dirty="0">
                     <a:solidFill>
                       <a:schemeClr val="accent1"/>
                     </a:solidFill>
@@ -12981,7 +13220,967 @@
                 <a:pPr marL="0" indent="0">
                   <a:buNone/>
                 </a:pPr>
-                <a:endParaRPr lang="en-US" dirty="0">
+                <a:r>
+                  <a:rPr lang="en-US" sz="2400" dirty="0">
+                    <a:solidFill>
+                      <a:schemeClr val="accent1"/>
+                    </a:solidFill>
+                  </a:rPr>
+                  <a:t>It is given that </a:t>
+                </a:r>
+                <a14:m>
+                  <m:oMath xmlns:m="http://schemas.openxmlformats.org/officeDocument/2006/math">
+                    <m:r>
+                      <a:rPr lang="en-US" sz="2400" i="1" smtClean="0">
+                        <a:latin typeface="Cambria Math" panose="02040503050406030204" pitchFamily="18" charset="0"/>
+                      </a:rPr>
+                      <m:t>𝑚</m:t>
+                    </m:r>
+                    <m:d>
+                      <m:dPr>
+                        <m:ctrlPr>
+                          <a:rPr lang="en-US" sz="2400" i="1">
+                            <a:latin typeface="Cambria Math" panose="02040503050406030204" pitchFamily="18" charset="0"/>
+                          </a:rPr>
+                        </m:ctrlPr>
+                      </m:dPr>
+                      <m:e>
+                        <m:r>
+                          <a:rPr lang="en-US" sz="2400" i="1">
+                            <a:latin typeface="Cambria Math" panose="02040503050406030204" pitchFamily="18" charset="0"/>
+                          </a:rPr>
+                          <m:t>𝑖</m:t>
+                        </m:r>
+                        <m:r>
+                          <a:rPr lang="en-US" sz="2400" i="1">
+                            <a:latin typeface="Cambria Math" panose="02040503050406030204" pitchFamily="18" charset="0"/>
+                          </a:rPr>
+                          <m:t>,</m:t>
+                        </m:r>
+                        <m:r>
+                          <a:rPr lang="en-US" sz="2400" b="0" i="1" smtClean="0">
+                            <a:latin typeface="Cambria Math" panose="02040503050406030204" pitchFamily="18" charset="0"/>
+                          </a:rPr>
+                          <m:t>𝑗</m:t>
+                        </m:r>
+                      </m:e>
+                    </m:d>
+                  </m:oMath>
+                </a14:m>
+                <a:r>
+                  <a:rPr lang="en-US" sz="2400" dirty="0">
+                    <a:solidFill>
+                      <a:schemeClr val="accent1"/>
+                    </a:solidFill>
+                  </a:rPr>
+                  <a:t> is an optimal solution to </a:t>
+                </a:r>
+                <a14:m>
+                  <m:oMath xmlns:m="http://schemas.openxmlformats.org/officeDocument/2006/math">
+                    <m:sSub>
+                      <m:sSubPr>
+                        <m:ctrlPr>
+                          <a:rPr lang="en-US" sz="2400" i="1">
+                            <a:latin typeface="Cambria Math" panose="02040503050406030204" pitchFamily="18" charset="0"/>
+                          </a:rPr>
+                        </m:ctrlPr>
+                      </m:sSubPr>
+                      <m:e>
+                        <m:r>
+                          <a:rPr lang="en-US" sz="2400" i="1">
+                            <a:latin typeface="Cambria Math" panose="02040503050406030204" pitchFamily="18" charset="0"/>
+                          </a:rPr>
+                          <m:t>𝐴</m:t>
+                        </m:r>
+                      </m:e>
+                      <m:sub>
+                        <m:r>
+                          <a:rPr lang="en-US" sz="2400" i="1">
+                            <a:latin typeface="Cambria Math" panose="02040503050406030204" pitchFamily="18" charset="0"/>
+                          </a:rPr>
+                          <m:t>𝑖</m:t>
+                        </m:r>
+                      </m:sub>
+                    </m:sSub>
+                    <m:r>
+                      <a:rPr lang="en-US" sz="2400" i="1">
+                        <a:latin typeface="Cambria Math" panose="02040503050406030204" pitchFamily="18" charset="0"/>
+                      </a:rPr>
+                      <m:t>…</m:t>
+                    </m:r>
+                    <m:sSub>
+                      <m:sSubPr>
+                        <m:ctrlPr>
+                          <a:rPr lang="en-US" sz="2400" i="1">
+                            <a:latin typeface="Cambria Math" panose="02040503050406030204" pitchFamily="18" charset="0"/>
+                          </a:rPr>
+                        </m:ctrlPr>
+                      </m:sSubPr>
+                      <m:e>
+                        <m:r>
+                          <a:rPr lang="en-US" sz="2400" i="1">
+                            <a:latin typeface="Cambria Math" panose="02040503050406030204" pitchFamily="18" charset="0"/>
+                          </a:rPr>
+                          <m:t>𝐴</m:t>
+                        </m:r>
+                      </m:e>
+                      <m:sub>
+                        <m:r>
+                          <a:rPr lang="en-US" sz="2400" i="1">
+                            <a:latin typeface="Cambria Math" panose="02040503050406030204" pitchFamily="18" charset="0"/>
+                          </a:rPr>
+                          <m:t>𝑗</m:t>
+                        </m:r>
+                      </m:sub>
+                    </m:sSub>
+                  </m:oMath>
+                </a14:m>
+                <a:r>
+                  <a:rPr lang="en-US" sz="2400" dirty="0">
+                    <a:solidFill>
+                      <a:schemeClr val="accent1"/>
+                    </a:solidFill>
+                  </a:rPr>
+                  <a:t>.</a:t>
+                </a:r>
+              </a:p>
+              <a:p>
+                <a:pPr marL="0" indent="0">
+                  <a:buNone/>
+                </a:pPr>
+                <a:r>
+                  <a:rPr lang="en-US" sz="2400" dirty="0">
+                    <a:solidFill>
+                      <a:schemeClr val="accent1"/>
+                    </a:solidFill>
+                  </a:rPr>
+                  <a:t>Suppose the solution </a:t>
+                </a:r>
+                <a14:m>
+                  <m:oMath xmlns:m="http://schemas.openxmlformats.org/officeDocument/2006/math">
+                    <m:r>
+                      <a:rPr lang="en-US" sz="2400" i="1">
+                        <a:latin typeface="Cambria Math" panose="02040503050406030204" pitchFamily="18" charset="0"/>
+                      </a:rPr>
+                      <m:t>𝑚</m:t>
+                    </m:r>
+                    <m:d>
+                      <m:dPr>
+                        <m:ctrlPr>
+                          <a:rPr lang="en-US" sz="2400" i="1">
+                            <a:latin typeface="Cambria Math" panose="02040503050406030204" pitchFamily="18" charset="0"/>
+                          </a:rPr>
+                        </m:ctrlPr>
+                      </m:dPr>
+                      <m:e>
+                        <m:r>
+                          <a:rPr lang="en-US" sz="2400" i="1">
+                            <a:latin typeface="Cambria Math" panose="02040503050406030204" pitchFamily="18" charset="0"/>
+                          </a:rPr>
+                          <m:t>𝑖</m:t>
+                        </m:r>
+                        <m:r>
+                          <a:rPr lang="en-US" sz="2400" i="1">
+                            <a:latin typeface="Cambria Math" panose="02040503050406030204" pitchFamily="18" charset="0"/>
+                          </a:rPr>
+                          <m:t>,</m:t>
+                        </m:r>
+                        <m:r>
+                          <a:rPr lang="en-US" sz="2400" i="1">
+                            <a:latin typeface="Cambria Math" panose="02040503050406030204" pitchFamily="18" charset="0"/>
+                          </a:rPr>
+                          <m:t>𝑘</m:t>
+                        </m:r>
+                      </m:e>
+                    </m:d>
+                  </m:oMath>
+                </a14:m>
+                <a:r>
+                  <a:rPr lang="en-US" sz="2400" dirty="0">
+                    <a:solidFill>
+                      <a:schemeClr val="accent1"/>
+                    </a:solidFill>
+                  </a:rPr>
+                  <a:t> to the prefix subchain </a:t>
+                </a:r>
+                <a14:m>
+                  <m:oMath xmlns:m="http://schemas.openxmlformats.org/officeDocument/2006/math">
+                    <m:sSub>
+                      <m:sSubPr>
+                        <m:ctrlPr>
+                          <a:rPr lang="en-US" sz="2400" i="1" smtClean="0">
+                            <a:latin typeface="Cambria Math" panose="02040503050406030204" pitchFamily="18" charset="0"/>
+                          </a:rPr>
+                        </m:ctrlPr>
+                      </m:sSubPr>
+                      <m:e>
+                        <m:r>
+                          <a:rPr lang="en-US" sz="2400" i="1">
+                            <a:latin typeface="Cambria Math" panose="02040503050406030204" pitchFamily="18" charset="0"/>
+                          </a:rPr>
+                          <m:t>𝐴</m:t>
+                        </m:r>
+                      </m:e>
+                      <m:sub>
+                        <m:r>
+                          <a:rPr lang="en-US" sz="2400" i="1">
+                            <a:latin typeface="Cambria Math" panose="02040503050406030204" pitchFamily="18" charset="0"/>
+                          </a:rPr>
+                          <m:t>𝑖</m:t>
+                        </m:r>
+                      </m:sub>
+                    </m:sSub>
+                    <m:r>
+                      <a:rPr lang="en-US" sz="2400" i="1">
+                        <a:latin typeface="Cambria Math" panose="02040503050406030204" pitchFamily="18" charset="0"/>
+                      </a:rPr>
+                      <m:t>…</m:t>
+                    </m:r>
+                    <m:r>
+                      <m:rPr>
+                        <m:nor/>
+                      </m:rPr>
+                      <a:rPr lang="en-US" sz="2400" dirty="0"/>
+                      <m:t> </m:t>
+                    </m:r>
+                    <m:sSub>
+                      <m:sSubPr>
+                        <m:ctrlPr>
+                          <a:rPr lang="en-US" sz="2400" i="1">
+                            <a:latin typeface="Cambria Math" panose="02040503050406030204" pitchFamily="18" charset="0"/>
+                          </a:rPr>
+                        </m:ctrlPr>
+                      </m:sSubPr>
+                      <m:e>
+                        <m:r>
+                          <a:rPr lang="en-US" sz="2400" i="1">
+                            <a:latin typeface="Cambria Math" panose="02040503050406030204" pitchFamily="18" charset="0"/>
+                          </a:rPr>
+                          <m:t>𝐴</m:t>
+                        </m:r>
+                      </m:e>
+                      <m:sub>
+                        <m:r>
+                          <a:rPr lang="en-US" sz="2400" i="1">
+                            <a:latin typeface="Cambria Math" panose="02040503050406030204" pitchFamily="18" charset="0"/>
+                          </a:rPr>
+                          <m:t>𝑘</m:t>
+                        </m:r>
+                      </m:sub>
+                    </m:sSub>
+                  </m:oMath>
+                </a14:m>
+                <a:r>
+                  <a:rPr lang="en-US" sz="2400" dirty="0">
+                    <a:solidFill>
+                      <a:srgbClr val="FF0000"/>
+                    </a:solidFill>
+                  </a:rPr>
+                  <a:t> </a:t>
+                </a:r>
+                <a:r>
+                  <a:rPr lang="en-US" sz="2400" dirty="0">
+                    <a:solidFill>
+                      <a:schemeClr val="accent1"/>
+                    </a:solidFill>
+                  </a:rPr>
+                  <a:t>is</a:t>
+                </a:r>
+                <a:r>
+                  <a:rPr lang="en-US" sz="2400" dirty="0">
+                    <a:solidFill>
+                      <a:srgbClr val="FF0000"/>
+                    </a:solidFill>
+                  </a:rPr>
+                  <a:t> </a:t>
+                </a:r>
+                <a:r>
+                  <a:rPr lang="en-US" sz="2400" b="1" i="1" dirty="0">
+                    <a:solidFill>
+                      <a:srgbClr val="FF0000"/>
+                    </a:solidFill>
+                  </a:rPr>
+                  <a:t>not optimal</a:t>
+                </a:r>
+                <a:r>
+                  <a:rPr lang="en-US" sz="2400" dirty="0">
+                    <a:solidFill>
+                      <a:schemeClr val="accent1"/>
+                    </a:solidFill>
+                  </a:rPr>
+                  <a:t>. We can then replace this solution to </a:t>
+                </a:r>
+                <a14:m>
+                  <m:oMath xmlns:m="http://schemas.openxmlformats.org/officeDocument/2006/math">
+                    <m:sSub>
+                      <m:sSubPr>
+                        <m:ctrlPr>
+                          <a:rPr lang="en-US" sz="2400" i="1">
+                            <a:latin typeface="Cambria Math" panose="02040503050406030204" pitchFamily="18" charset="0"/>
+                          </a:rPr>
+                        </m:ctrlPr>
+                      </m:sSubPr>
+                      <m:e>
+                        <m:r>
+                          <a:rPr lang="en-US" sz="2400" i="1">
+                            <a:latin typeface="Cambria Math" panose="02040503050406030204" pitchFamily="18" charset="0"/>
+                          </a:rPr>
+                          <m:t>𝐴</m:t>
+                        </m:r>
+                      </m:e>
+                      <m:sub>
+                        <m:r>
+                          <a:rPr lang="en-US" sz="2400" i="1">
+                            <a:latin typeface="Cambria Math" panose="02040503050406030204" pitchFamily="18" charset="0"/>
+                          </a:rPr>
+                          <m:t>𝑖</m:t>
+                        </m:r>
+                      </m:sub>
+                    </m:sSub>
+                    <m:r>
+                      <a:rPr lang="en-US" sz="2400" i="1">
+                        <a:latin typeface="Cambria Math" panose="02040503050406030204" pitchFamily="18" charset="0"/>
+                      </a:rPr>
+                      <m:t>…</m:t>
+                    </m:r>
+                    <m:r>
+                      <m:rPr>
+                        <m:nor/>
+                      </m:rPr>
+                      <a:rPr lang="en-US" sz="2400" dirty="0"/>
+                      <m:t> </m:t>
+                    </m:r>
+                    <m:sSub>
+                      <m:sSubPr>
+                        <m:ctrlPr>
+                          <a:rPr lang="en-US" sz="2400" i="1">
+                            <a:latin typeface="Cambria Math" panose="02040503050406030204" pitchFamily="18" charset="0"/>
+                          </a:rPr>
+                        </m:ctrlPr>
+                      </m:sSubPr>
+                      <m:e>
+                        <m:r>
+                          <a:rPr lang="en-US" sz="2400" i="1">
+                            <a:latin typeface="Cambria Math" panose="02040503050406030204" pitchFamily="18" charset="0"/>
+                          </a:rPr>
+                          <m:t>𝐴</m:t>
+                        </m:r>
+                      </m:e>
+                      <m:sub>
+                        <m:r>
+                          <a:rPr lang="en-US" sz="2400" i="1">
+                            <a:latin typeface="Cambria Math" panose="02040503050406030204" pitchFamily="18" charset="0"/>
+                          </a:rPr>
+                          <m:t>𝑘</m:t>
+                        </m:r>
+                      </m:sub>
+                    </m:sSub>
+                  </m:oMath>
+                </a14:m>
+                <a:r>
+                  <a:rPr lang="en-US" sz="2400" b="1" i="1" dirty="0">
+                    <a:solidFill>
+                      <a:srgbClr val="FF0000"/>
+                    </a:solidFill>
+                  </a:rPr>
+                  <a:t> </a:t>
+                </a:r>
+                <a:r>
+                  <a:rPr lang="en-US" sz="2400" dirty="0">
+                    <a:solidFill>
+                      <a:schemeClr val="accent1"/>
+                    </a:solidFill>
+                  </a:rPr>
+                  <a:t>with a </a:t>
+                </a:r>
+                <a:r>
+                  <a:rPr lang="en-US" sz="2400" b="1" i="1" dirty="0">
+                    <a:solidFill>
+                      <a:srgbClr val="FF0000"/>
+                    </a:solidFill>
+                  </a:rPr>
+                  <a:t>better solution </a:t>
+                </a:r>
+                <a14:m>
+                  <m:oMath xmlns:m="http://schemas.openxmlformats.org/officeDocument/2006/math">
+                    <m:sSup>
+                      <m:sSupPr>
+                        <m:ctrlPr>
+                          <a:rPr lang="en-US" sz="2400" i="1" smtClean="0">
+                            <a:latin typeface="Cambria Math" panose="02040503050406030204" pitchFamily="18" charset="0"/>
+                          </a:rPr>
+                        </m:ctrlPr>
+                      </m:sSupPr>
+                      <m:e>
+                        <m:r>
+                          <a:rPr lang="en-US" sz="2400" b="0" i="1" smtClean="0">
+                            <a:latin typeface="Cambria Math" panose="02040503050406030204" pitchFamily="18" charset="0"/>
+                          </a:rPr>
+                          <m:t>𝑚</m:t>
+                        </m:r>
+                      </m:e>
+                      <m:sup>
+                        <m:r>
+                          <a:rPr lang="en-US" sz="2400" b="0" i="1" smtClean="0">
+                            <a:latin typeface="Cambria Math" panose="02040503050406030204" pitchFamily="18" charset="0"/>
+                          </a:rPr>
+                          <m:t>′</m:t>
+                        </m:r>
+                      </m:sup>
+                    </m:sSup>
+                    <m:d>
+                      <m:dPr>
+                        <m:ctrlPr>
+                          <a:rPr lang="en-US" sz="2400" i="1">
+                            <a:latin typeface="Cambria Math" panose="02040503050406030204" pitchFamily="18" charset="0"/>
+                          </a:rPr>
+                        </m:ctrlPr>
+                      </m:dPr>
+                      <m:e>
+                        <m:r>
+                          <a:rPr lang="en-US" sz="2400" i="1">
+                            <a:latin typeface="Cambria Math" panose="02040503050406030204" pitchFamily="18" charset="0"/>
+                          </a:rPr>
+                          <m:t>𝑖</m:t>
+                        </m:r>
+                        <m:r>
+                          <a:rPr lang="en-US" sz="2400" i="1">
+                            <a:latin typeface="Cambria Math" panose="02040503050406030204" pitchFamily="18" charset="0"/>
+                          </a:rPr>
+                          <m:t>,</m:t>
+                        </m:r>
+                        <m:r>
+                          <a:rPr lang="en-US" sz="2400" i="1">
+                            <a:latin typeface="Cambria Math" panose="02040503050406030204" pitchFamily="18" charset="0"/>
+                          </a:rPr>
+                          <m:t>𝑘</m:t>
+                        </m:r>
+                      </m:e>
+                    </m:d>
+                    <m:r>
+                      <a:rPr lang="en-US" sz="2400" b="0" i="1" smtClean="0">
+                        <a:latin typeface="Cambria Math" panose="02040503050406030204" pitchFamily="18" charset="0"/>
+                      </a:rPr>
+                      <m:t>&lt;</m:t>
+                    </m:r>
+                    <m:r>
+                      <a:rPr lang="en-US" sz="2400" i="1">
+                        <a:latin typeface="Cambria Math" panose="02040503050406030204" pitchFamily="18" charset="0"/>
+                      </a:rPr>
+                      <m:t>𝑚</m:t>
+                    </m:r>
+                    <m:d>
+                      <m:dPr>
+                        <m:ctrlPr>
+                          <a:rPr lang="en-US" sz="2400" i="1">
+                            <a:latin typeface="Cambria Math" panose="02040503050406030204" pitchFamily="18" charset="0"/>
+                          </a:rPr>
+                        </m:ctrlPr>
+                      </m:dPr>
+                      <m:e>
+                        <m:r>
+                          <a:rPr lang="en-US" sz="2400" i="1">
+                            <a:latin typeface="Cambria Math" panose="02040503050406030204" pitchFamily="18" charset="0"/>
+                          </a:rPr>
+                          <m:t>𝑖</m:t>
+                        </m:r>
+                        <m:r>
+                          <a:rPr lang="en-US" sz="2400" i="1">
+                            <a:latin typeface="Cambria Math" panose="02040503050406030204" pitchFamily="18" charset="0"/>
+                          </a:rPr>
+                          <m:t>,</m:t>
+                        </m:r>
+                        <m:r>
+                          <a:rPr lang="en-US" sz="2400" i="1">
+                            <a:latin typeface="Cambria Math" panose="02040503050406030204" pitchFamily="18" charset="0"/>
+                          </a:rPr>
+                          <m:t>𝑘</m:t>
+                        </m:r>
+                      </m:e>
+                    </m:d>
+                  </m:oMath>
+                </a14:m>
+                <a:r>
+                  <a:rPr lang="en-US" sz="2400" dirty="0">
+                    <a:solidFill>
+                      <a:schemeClr val="accent1"/>
+                    </a:solidFill>
+                  </a:rPr>
+                  <a:t> to obtain a </a:t>
+                </a:r>
+                <a:r>
+                  <a:rPr lang="en-US" sz="2400" b="1" i="1" dirty="0">
+                    <a:solidFill>
+                      <a:srgbClr val="FF0000"/>
+                    </a:solidFill>
+                  </a:rPr>
+                  <a:t>better solution </a:t>
+                </a:r>
+                <a14:m>
+                  <m:oMath xmlns:m="http://schemas.openxmlformats.org/officeDocument/2006/math">
+                    <m:sSup>
+                      <m:sSupPr>
+                        <m:ctrlPr>
+                          <a:rPr lang="en-US" sz="2400" i="1">
+                            <a:latin typeface="Cambria Math" panose="02040503050406030204" pitchFamily="18" charset="0"/>
+                          </a:rPr>
+                        </m:ctrlPr>
+                      </m:sSupPr>
+                      <m:e>
+                        <m:r>
+                          <a:rPr lang="en-US" sz="2400" i="1">
+                            <a:latin typeface="Cambria Math" panose="02040503050406030204" pitchFamily="18" charset="0"/>
+                          </a:rPr>
+                          <m:t>𝑚</m:t>
+                        </m:r>
+                      </m:e>
+                      <m:sup>
+                        <m:r>
+                          <a:rPr lang="en-US" sz="2400" i="1">
+                            <a:latin typeface="Cambria Math" panose="02040503050406030204" pitchFamily="18" charset="0"/>
+                          </a:rPr>
+                          <m:t>′</m:t>
+                        </m:r>
+                      </m:sup>
+                    </m:sSup>
+                    <m:d>
+                      <m:dPr>
+                        <m:ctrlPr>
+                          <a:rPr lang="en-US" sz="2400" i="1">
+                            <a:latin typeface="Cambria Math" panose="02040503050406030204" pitchFamily="18" charset="0"/>
+                          </a:rPr>
+                        </m:ctrlPr>
+                      </m:dPr>
+                      <m:e>
+                        <m:r>
+                          <a:rPr lang="en-US" sz="2400" i="1">
+                            <a:latin typeface="Cambria Math" panose="02040503050406030204" pitchFamily="18" charset="0"/>
+                          </a:rPr>
+                          <m:t>𝑖</m:t>
+                        </m:r>
+                        <m:r>
+                          <a:rPr lang="en-US" sz="2400" i="1">
+                            <a:latin typeface="Cambria Math" panose="02040503050406030204" pitchFamily="18" charset="0"/>
+                          </a:rPr>
+                          <m:t>,</m:t>
+                        </m:r>
+                        <m:r>
+                          <a:rPr lang="en-US" sz="2400" i="1">
+                            <a:latin typeface="Cambria Math" panose="02040503050406030204" pitchFamily="18" charset="0"/>
+                          </a:rPr>
+                          <m:t>𝑗</m:t>
+                        </m:r>
+                      </m:e>
+                    </m:d>
+                    <m:r>
+                      <a:rPr lang="en-US" sz="2400" i="1">
+                        <a:latin typeface="Cambria Math" panose="02040503050406030204" pitchFamily="18" charset="0"/>
+                      </a:rPr>
+                      <m:t> </m:t>
+                    </m:r>
+                  </m:oMath>
+                </a14:m>
+                <a:r>
+                  <a:rPr lang="en-US" sz="2400" dirty="0">
+                    <a:solidFill>
+                      <a:schemeClr val="accent1"/>
+                    </a:solidFill>
+                  </a:rPr>
+                  <a:t>to </a:t>
+                </a:r>
+                <a14:m>
+                  <m:oMath xmlns:m="http://schemas.openxmlformats.org/officeDocument/2006/math">
+                    <m:sSub>
+                      <m:sSubPr>
+                        <m:ctrlPr>
+                          <a:rPr lang="en-US" sz="2400" i="1">
+                            <a:latin typeface="Cambria Math" panose="02040503050406030204" pitchFamily="18" charset="0"/>
+                          </a:rPr>
+                        </m:ctrlPr>
+                      </m:sSubPr>
+                      <m:e>
+                        <m:r>
+                          <a:rPr lang="en-US" sz="2400" i="1">
+                            <a:latin typeface="Cambria Math" panose="02040503050406030204" pitchFamily="18" charset="0"/>
+                          </a:rPr>
+                          <m:t>𝐴</m:t>
+                        </m:r>
+                      </m:e>
+                      <m:sub>
+                        <m:r>
+                          <a:rPr lang="en-US" sz="2400" i="1">
+                            <a:latin typeface="Cambria Math" panose="02040503050406030204" pitchFamily="18" charset="0"/>
+                          </a:rPr>
+                          <m:t>𝑖</m:t>
+                        </m:r>
+                      </m:sub>
+                    </m:sSub>
+                    <m:r>
+                      <a:rPr lang="en-US" sz="2400" i="1">
+                        <a:latin typeface="Cambria Math" panose="02040503050406030204" pitchFamily="18" charset="0"/>
+                      </a:rPr>
+                      <m:t>…</m:t>
+                    </m:r>
+                    <m:sSub>
+                      <m:sSubPr>
+                        <m:ctrlPr>
+                          <a:rPr lang="en-US" sz="2400" i="1">
+                            <a:latin typeface="Cambria Math" panose="02040503050406030204" pitchFamily="18" charset="0"/>
+                          </a:rPr>
+                        </m:ctrlPr>
+                      </m:sSubPr>
+                      <m:e>
+                        <m:r>
+                          <a:rPr lang="en-US" sz="2400" i="1">
+                            <a:latin typeface="Cambria Math" panose="02040503050406030204" pitchFamily="18" charset="0"/>
+                          </a:rPr>
+                          <m:t>𝐴</m:t>
+                        </m:r>
+                      </m:e>
+                      <m:sub>
+                        <m:r>
+                          <a:rPr lang="en-US" sz="2400" i="1">
+                            <a:latin typeface="Cambria Math" panose="02040503050406030204" pitchFamily="18" charset="0"/>
+                          </a:rPr>
+                          <m:t>𝑗</m:t>
+                        </m:r>
+                      </m:sub>
+                    </m:sSub>
+                  </m:oMath>
+                </a14:m>
+                <a:r>
+                  <a:rPr lang="en-US" sz="2400" dirty="0">
+                    <a:solidFill>
+                      <a:schemeClr val="accent1"/>
+                    </a:solidFill>
+                  </a:rPr>
+                  <a:t>:</a:t>
+                </a:r>
+              </a:p>
+              <a:p>
+                <a:pPr marL="0" indent="0">
+                  <a:buNone/>
+                </a:pPr>
+                <a:r>
+                  <a:rPr lang="en-US" sz="2400" dirty="0">
+                    <a:solidFill>
+                      <a:schemeClr val="accent1"/>
+                    </a:solidFill>
+                  </a:rPr>
+                  <a:t>	</a:t>
+                </a:r>
+                <a14:m>
+                  <m:oMath xmlns:m="http://schemas.openxmlformats.org/officeDocument/2006/math">
+                    <m:sSup>
+                      <m:sSupPr>
+                        <m:ctrlPr>
+                          <a:rPr lang="en-US" sz="2400" i="1" smtClean="0">
+                            <a:latin typeface="Cambria Math" panose="02040503050406030204" pitchFamily="18" charset="0"/>
+                          </a:rPr>
+                        </m:ctrlPr>
+                      </m:sSupPr>
+                      <m:e>
+                        <m:r>
+                          <a:rPr lang="en-US" sz="2400" b="0" i="1" smtClean="0">
+                            <a:latin typeface="Cambria Math" panose="02040503050406030204" pitchFamily="18" charset="0"/>
+                          </a:rPr>
+                          <m:t>𝑚</m:t>
+                        </m:r>
+                      </m:e>
+                      <m:sup>
+                        <m:r>
+                          <a:rPr lang="en-US" sz="2400" b="0" i="1" smtClean="0">
+                            <a:latin typeface="Cambria Math" panose="02040503050406030204" pitchFamily="18" charset="0"/>
+                          </a:rPr>
+                          <m:t>′</m:t>
+                        </m:r>
+                      </m:sup>
+                    </m:sSup>
+                    <m:d>
+                      <m:dPr>
+                        <m:ctrlPr>
+                          <a:rPr lang="en-US" sz="2400" b="0" i="1" smtClean="0">
+                            <a:latin typeface="Cambria Math" panose="02040503050406030204" pitchFamily="18" charset="0"/>
+                          </a:rPr>
+                        </m:ctrlPr>
+                      </m:dPr>
+                      <m:e>
+                        <m:r>
+                          <a:rPr lang="en-US" sz="2400" b="0" i="1" smtClean="0">
+                            <a:latin typeface="Cambria Math" panose="02040503050406030204" pitchFamily="18" charset="0"/>
+                          </a:rPr>
+                          <m:t>𝑖</m:t>
+                        </m:r>
+                        <m:r>
+                          <a:rPr lang="en-US" sz="2400" b="0" i="1" smtClean="0">
+                            <a:latin typeface="Cambria Math" panose="02040503050406030204" pitchFamily="18" charset="0"/>
+                          </a:rPr>
+                          <m:t>,</m:t>
+                        </m:r>
+                        <m:r>
+                          <a:rPr lang="en-US" sz="2400" b="0" i="1" smtClean="0">
+                            <a:latin typeface="Cambria Math" panose="02040503050406030204" pitchFamily="18" charset="0"/>
+                          </a:rPr>
+                          <m:t>𝑗</m:t>
+                        </m:r>
+                      </m:e>
+                    </m:d>
+                    <m:r>
+                      <a:rPr lang="en-US" sz="2400" b="0" i="1" smtClean="0">
+                        <a:latin typeface="Cambria Math" panose="02040503050406030204" pitchFamily="18" charset="0"/>
+                      </a:rPr>
+                      <m:t>=</m:t>
+                    </m:r>
+                    <m:sSup>
+                      <m:sSupPr>
+                        <m:ctrlPr>
+                          <a:rPr lang="en-US" sz="2400" i="1">
+                            <a:latin typeface="Cambria Math" panose="02040503050406030204" pitchFamily="18" charset="0"/>
+                          </a:rPr>
+                        </m:ctrlPr>
+                      </m:sSupPr>
+                      <m:e>
+                        <m:r>
+                          <a:rPr lang="en-US" sz="2400" i="1">
+                            <a:latin typeface="Cambria Math" panose="02040503050406030204" pitchFamily="18" charset="0"/>
+                          </a:rPr>
+                          <m:t>𝑚</m:t>
+                        </m:r>
+                      </m:e>
+                      <m:sup>
+                        <m:r>
+                          <a:rPr lang="en-US" sz="2400" i="1">
+                            <a:latin typeface="Cambria Math" panose="02040503050406030204" pitchFamily="18" charset="0"/>
+                          </a:rPr>
+                          <m:t>′</m:t>
+                        </m:r>
+                      </m:sup>
+                    </m:sSup>
+                    <m:r>
+                      <a:rPr lang="en-US" sz="2400" i="1">
+                        <a:latin typeface="Cambria Math" panose="02040503050406030204" pitchFamily="18" charset="0"/>
+                      </a:rPr>
+                      <m:t> </m:t>
+                    </m:r>
+                    <m:d>
+                      <m:dPr>
+                        <m:ctrlPr>
+                          <a:rPr lang="en-US" sz="2400" i="1">
+                            <a:latin typeface="Cambria Math" panose="02040503050406030204" pitchFamily="18" charset="0"/>
+                          </a:rPr>
+                        </m:ctrlPr>
+                      </m:dPr>
+                      <m:e>
+                        <m:r>
+                          <a:rPr lang="en-US" sz="2400" i="1">
+                            <a:latin typeface="Cambria Math" panose="02040503050406030204" pitchFamily="18" charset="0"/>
+                          </a:rPr>
+                          <m:t>𝑖</m:t>
+                        </m:r>
+                        <m:r>
+                          <a:rPr lang="en-US" sz="2400" i="1">
+                            <a:latin typeface="Cambria Math" panose="02040503050406030204" pitchFamily="18" charset="0"/>
+                          </a:rPr>
+                          <m:t>,</m:t>
+                        </m:r>
+                        <m:r>
+                          <a:rPr lang="en-US" sz="2400" i="1">
+                            <a:latin typeface="Cambria Math" panose="02040503050406030204" pitchFamily="18" charset="0"/>
+                          </a:rPr>
+                          <m:t>𝑘</m:t>
+                        </m:r>
+                      </m:e>
+                    </m:d>
+                    <m:r>
+                      <a:rPr lang="en-US" sz="2400" i="1">
+                        <a:latin typeface="Cambria Math" panose="02040503050406030204" pitchFamily="18" charset="0"/>
+                      </a:rPr>
+                      <m:t>+</m:t>
+                    </m:r>
+                    <m:r>
+                      <a:rPr lang="en-US" sz="2400" i="1">
+                        <a:latin typeface="Cambria Math" panose="02040503050406030204" pitchFamily="18" charset="0"/>
+                      </a:rPr>
+                      <m:t>𝑚</m:t>
+                    </m:r>
+                    <m:d>
+                      <m:dPr>
+                        <m:ctrlPr>
+                          <a:rPr lang="en-US" sz="2400" i="1">
+                            <a:latin typeface="Cambria Math" panose="02040503050406030204" pitchFamily="18" charset="0"/>
+                          </a:rPr>
+                        </m:ctrlPr>
+                      </m:dPr>
+                      <m:e>
+                        <m:r>
+                          <a:rPr lang="en-US" sz="2400" i="1">
+                            <a:latin typeface="Cambria Math" panose="02040503050406030204" pitchFamily="18" charset="0"/>
+                          </a:rPr>
+                          <m:t>𝑘</m:t>
+                        </m:r>
+                        <m:r>
+                          <a:rPr lang="en-US" sz="2400" i="1">
+                            <a:latin typeface="Cambria Math" panose="02040503050406030204" pitchFamily="18" charset="0"/>
+                          </a:rPr>
+                          <m:t>+1,</m:t>
+                        </m:r>
+                        <m:r>
+                          <a:rPr lang="en-US" sz="2400" i="1">
+                            <a:latin typeface="Cambria Math" panose="02040503050406030204" pitchFamily="18" charset="0"/>
+                          </a:rPr>
+                          <m:t>𝑗</m:t>
+                        </m:r>
+                      </m:e>
+                    </m:d>
+                    <m:r>
+                      <a:rPr lang="en-US" sz="2400" i="1">
+                        <a:latin typeface="Cambria Math" panose="02040503050406030204" pitchFamily="18" charset="0"/>
+                      </a:rPr>
+                      <m:t>+</m:t>
+                    </m:r>
+                    <m:sSub>
+                      <m:sSubPr>
+                        <m:ctrlPr>
+                          <a:rPr lang="en-US" sz="2400" i="1">
+                            <a:latin typeface="Cambria Math" panose="02040503050406030204" pitchFamily="18" charset="0"/>
+                            <a:ea typeface="Cambria Math" panose="02040503050406030204" pitchFamily="18" charset="0"/>
+                          </a:rPr>
+                        </m:ctrlPr>
+                      </m:sSubPr>
+                      <m:e>
+                        <m:r>
+                          <a:rPr lang="en-US" sz="2400" i="1">
+                            <a:latin typeface="Cambria Math" panose="02040503050406030204" pitchFamily="18" charset="0"/>
+                            <a:ea typeface="Cambria Math" panose="02040503050406030204" pitchFamily="18" charset="0"/>
+                          </a:rPr>
+                          <m:t>𝑝</m:t>
+                        </m:r>
+                      </m:e>
+                      <m:sub>
+                        <m:r>
+                          <a:rPr lang="en-US" sz="2400" i="1">
+                            <a:latin typeface="Cambria Math" panose="02040503050406030204" pitchFamily="18" charset="0"/>
+                            <a:ea typeface="Cambria Math" panose="02040503050406030204" pitchFamily="18" charset="0"/>
+                          </a:rPr>
+                          <m:t>𝑖</m:t>
+                        </m:r>
+                        <m:r>
+                          <a:rPr lang="en-US" sz="2400" i="1">
+                            <a:latin typeface="Cambria Math" panose="02040503050406030204" pitchFamily="18" charset="0"/>
+                            <a:ea typeface="Cambria Math" panose="02040503050406030204" pitchFamily="18" charset="0"/>
+                          </a:rPr>
+                          <m:t>−1</m:t>
+                        </m:r>
+                      </m:sub>
+                    </m:sSub>
+                    <m:sSub>
+                      <m:sSubPr>
+                        <m:ctrlPr>
+                          <a:rPr lang="en-US" sz="2400" i="1">
+                            <a:latin typeface="Cambria Math" panose="02040503050406030204" pitchFamily="18" charset="0"/>
+                            <a:ea typeface="Cambria Math" panose="02040503050406030204" pitchFamily="18" charset="0"/>
+                          </a:rPr>
+                        </m:ctrlPr>
+                      </m:sSubPr>
+                      <m:e>
+                        <m:r>
+                          <a:rPr lang="en-US" sz="2400" i="1">
+                            <a:latin typeface="Cambria Math" panose="02040503050406030204" pitchFamily="18" charset="0"/>
+                            <a:ea typeface="Cambria Math" panose="02040503050406030204" pitchFamily="18" charset="0"/>
+                          </a:rPr>
+                          <m:t>𝑝</m:t>
+                        </m:r>
+                      </m:e>
+                      <m:sub>
+                        <m:r>
+                          <a:rPr lang="en-US" sz="2400" i="1">
+                            <a:latin typeface="Cambria Math" panose="02040503050406030204" pitchFamily="18" charset="0"/>
+                            <a:ea typeface="Cambria Math" panose="02040503050406030204" pitchFamily="18" charset="0"/>
+                          </a:rPr>
+                          <m:t>𝑘</m:t>
+                        </m:r>
+                      </m:sub>
+                    </m:sSub>
+                    <m:sSub>
+                      <m:sSubPr>
+                        <m:ctrlPr>
+                          <a:rPr lang="en-US" sz="2400" i="1">
+                            <a:latin typeface="Cambria Math" panose="02040503050406030204" pitchFamily="18" charset="0"/>
+                            <a:ea typeface="Cambria Math" panose="02040503050406030204" pitchFamily="18" charset="0"/>
+                          </a:rPr>
+                        </m:ctrlPr>
+                      </m:sSubPr>
+                      <m:e>
+                        <m:r>
+                          <a:rPr lang="en-US" sz="2400" i="1">
+                            <a:latin typeface="Cambria Math" panose="02040503050406030204" pitchFamily="18" charset="0"/>
+                            <a:ea typeface="Cambria Math" panose="02040503050406030204" pitchFamily="18" charset="0"/>
+                          </a:rPr>
+                          <m:t>𝑝</m:t>
+                        </m:r>
+                      </m:e>
+                      <m:sub>
+                        <m:r>
+                          <a:rPr lang="en-US" sz="2400" i="1">
+                            <a:latin typeface="Cambria Math" panose="02040503050406030204" pitchFamily="18" charset="0"/>
+                            <a:ea typeface="Cambria Math" panose="02040503050406030204" pitchFamily="18" charset="0"/>
+                          </a:rPr>
+                          <m:t>𝑗</m:t>
+                        </m:r>
+                      </m:sub>
+                    </m:sSub>
+                    <m:r>
+                      <a:rPr lang="en-US" sz="2400" b="0" i="1" smtClean="0">
+                        <a:latin typeface="Cambria Math" panose="02040503050406030204" pitchFamily="18" charset="0"/>
+                        <a:ea typeface="Cambria Math" panose="02040503050406030204" pitchFamily="18" charset="0"/>
+                      </a:rPr>
+                      <m:t>&lt;</m:t>
+                    </m:r>
+                    <m:r>
+                      <a:rPr lang="en-US" sz="2400" b="0" i="1" smtClean="0">
+                        <a:latin typeface="Cambria Math" panose="02040503050406030204" pitchFamily="18" charset="0"/>
+                        <a:ea typeface="Cambria Math" panose="02040503050406030204" pitchFamily="18" charset="0"/>
+                      </a:rPr>
+                      <m:t>𝑚</m:t>
+                    </m:r>
+                    <m:r>
+                      <a:rPr lang="en-US" sz="2400" b="0" i="1" smtClean="0">
+                        <a:latin typeface="Cambria Math" panose="02040503050406030204" pitchFamily="18" charset="0"/>
+                        <a:ea typeface="Cambria Math" panose="02040503050406030204" pitchFamily="18" charset="0"/>
+                      </a:rPr>
+                      <m:t>(</m:t>
+                    </m:r>
+                    <m:r>
+                      <a:rPr lang="en-US" sz="2400" b="0" i="1" smtClean="0">
+                        <a:latin typeface="Cambria Math" panose="02040503050406030204" pitchFamily="18" charset="0"/>
+                        <a:ea typeface="Cambria Math" panose="02040503050406030204" pitchFamily="18" charset="0"/>
+                      </a:rPr>
+                      <m:t>𝑖</m:t>
+                    </m:r>
+                    <m:r>
+                      <a:rPr lang="en-US" sz="2400" b="0" i="1" smtClean="0">
+                        <a:latin typeface="Cambria Math" panose="02040503050406030204" pitchFamily="18" charset="0"/>
+                        <a:ea typeface="Cambria Math" panose="02040503050406030204" pitchFamily="18" charset="0"/>
+                      </a:rPr>
+                      <m:t>,</m:t>
+                    </m:r>
+                    <m:r>
+                      <a:rPr lang="en-US" sz="2400" b="0" i="1" smtClean="0">
+                        <a:latin typeface="Cambria Math" panose="02040503050406030204" pitchFamily="18" charset="0"/>
+                        <a:ea typeface="Cambria Math" panose="02040503050406030204" pitchFamily="18" charset="0"/>
+                      </a:rPr>
+                      <m:t>𝑗</m:t>
+                    </m:r>
+                    <m:r>
+                      <a:rPr lang="en-US" sz="2400" b="0" i="1" smtClean="0">
+                        <a:latin typeface="Cambria Math" panose="02040503050406030204" pitchFamily="18" charset="0"/>
+                        <a:ea typeface="Cambria Math" panose="02040503050406030204" pitchFamily="18" charset="0"/>
+                      </a:rPr>
+                      <m:t>)</m:t>
+                    </m:r>
+                  </m:oMath>
+                </a14:m>
+                <a:endParaRPr lang="en-US" sz="2400" dirty="0">
                   <a:solidFill>
                     <a:schemeClr val="accent1"/>
                   </a:solidFill>
@@ -12992,54 +14191,61 @@
                   <a:buNone/>
                 </a:pPr>
                 <a:r>
-                  <a:rPr lang="en-US" dirty="0">
-                    <a:solidFill>
-                      <a:schemeClr val="accent1"/>
-                    </a:solidFill>
-                  </a:rPr>
-                  <a:t>Suppose the solution </a:t>
+                  <a:rPr lang="en-US" sz="2400" dirty="0">
+                    <a:solidFill>
+                      <a:schemeClr val="accent1"/>
+                    </a:solidFill>
+                  </a:rPr>
+                  <a:t>,which contradicts the optimality of the solution </a:t>
                 </a:r>
                 <a14:m>
                   <m:oMath xmlns:m="http://schemas.openxmlformats.org/officeDocument/2006/math">
                     <m:r>
-                      <a:rPr lang="en-US" i="1">
-                        <a:latin typeface="Cambria Math" panose="02040503050406030204" pitchFamily="18" charset="0"/>
+                      <a:rPr lang="en-US" sz="2400" i="1">
+                        <a:latin typeface="Cambria Math" panose="02040503050406030204" pitchFamily="18" charset="0"/>
+                        <a:ea typeface="Cambria Math" panose="02040503050406030204" pitchFamily="18" charset="0"/>
                       </a:rPr>
                       <m:t>𝑚</m:t>
                     </m:r>
-                    <m:d>
-                      <m:dPr>
-                        <m:ctrlPr>
-                          <a:rPr lang="en-US" i="1">
-                            <a:latin typeface="Cambria Math" panose="02040503050406030204" pitchFamily="18" charset="0"/>
-                          </a:rPr>
-                        </m:ctrlPr>
-                      </m:dPr>
-                      <m:e>
-                        <m:r>
-                          <a:rPr lang="en-US" i="1">
-                            <a:latin typeface="Cambria Math" panose="02040503050406030204" pitchFamily="18" charset="0"/>
-                          </a:rPr>
-                          <m:t>𝑖</m:t>
-                        </m:r>
-                        <m:r>
-                          <a:rPr lang="en-US" i="1">
-                            <a:latin typeface="Cambria Math" panose="02040503050406030204" pitchFamily="18" charset="0"/>
-                          </a:rPr>
-                          <m:t>,</m:t>
-                        </m:r>
-                        <m:r>
-                          <a:rPr lang="en-US" i="1">
-                            <a:latin typeface="Cambria Math" panose="02040503050406030204" pitchFamily="18" charset="0"/>
-                          </a:rPr>
-                          <m:t>𝑘</m:t>
-                        </m:r>
-                      </m:e>
-                    </m:d>
+                    <m:r>
+                      <a:rPr lang="en-US" sz="2400" i="1">
+                        <a:latin typeface="Cambria Math" panose="02040503050406030204" pitchFamily="18" charset="0"/>
+                        <a:ea typeface="Cambria Math" panose="02040503050406030204" pitchFamily="18" charset="0"/>
+                      </a:rPr>
+                      <m:t>(</m:t>
+                    </m:r>
+                    <m:r>
+                      <a:rPr lang="en-US" sz="2400" i="1">
+                        <a:latin typeface="Cambria Math" panose="02040503050406030204" pitchFamily="18" charset="0"/>
+                        <a:ea typeface="Cambria Math" panose="02040503050406030204" pitchFamily="18" charset="0"/>
+                      </a:rPr>
+                      <m:t>𝑖</m:t>
+                    </m:r>
+                    <m:r>
+                      <a:rPr lang="en-US" sz="2400" i="1">
+                        <a:latin typeface="Cambria Math" panose="02040503050406030204" pitchFamily="18" charset="0"/>
+                        <a:ea typeface="Cambria Math" panose="02040503050406030204" pitchFamily="18" charset="0"/>
+                      </a:rPr>
+                      <m:t>,</m:t>
+                    </m:r>
+                    <m:r>
+                      <a:rPr lang="en-US" sz="2400" i="1">
+                        <a:latin typeface="Cambria Math" panose="02040503050406030204" pitchFamily="18" charset="0"/>
+                        <a:ea typeface="Cambria Math" panose="02040503050406030204" pitchFamily="18" charset="0"/>
+                      </a:rPr>
+                      <m:t>𝑗</m:t>
+                    </m:r>
+                    <m:r>
+                      <a:rPr lang="en-US" sz="2400" i="1">
+                        <a:latin typeface="Cambria Math" panose="02040503050406030204" pitchFamily="18" charset="0"/>
+                        <a:ea typeface="Cambria Math" panose="02040503050406030204" pitchFamily="18" charset="0"/>
+                      </a:rPr>
+                      <m:t>)</m:t>
+                    </m:r>
                   </m:oMath>
                 </a14:m>
                 <a:r>
-                  <a:rPr lang="en-US" dirty="0">
+                  <a:rPr lang="en-US" sz="2400" dirty="0">
                     <a:solidFill>
                       <a:schemeClr val="accent1"/>
                     </a:solidFill>
@@ -13051,14 +14257,14 @@
                     <m:sSub>
                       <m:sSubPr>
                         <m:ctrlPr>
-                          <a:rPr lang="en-US" i="1" smtClean="0">
+                          <a:rPr lang="en-US" sz="2400" i="1">
                             <a:latin typeface="Cambria Math" panose="02040503050406030204" pitchFamily="18" charset="0"/>
                           </a:rPr>
                         </m:ctrlPr>
                       </m:sSubPr>
                       <m:e>
                         <m:r>
-                          <a:rPr lang="en-US" i="1">
+                          <a:rPr lang="en-US" sz="2400" i="1">
                             <a:latin typeface="Cambria Math" panose="02040503050406030204" pitchFamily="18" charset="0"/>
                           </a:rPr>
                           <m:t>𝐴</m:t>
@@ -13066,7 +14272,7 @@
                       </m:e>
                       <m:sub>
                         <m:r>
-                          <a:rPr lang="en-US" i="1">
+                          <a:rPr lang="en-US" sz="2400" i="1">
                             <a:latin typeface="Cambria Math" panose="02040503050406030204" pitchFamily="18" charset="0"/>
                           </a:rPr>
                           <m:t>𝑖</m:t>
@@ -13074,29 +14280,22 @@
                       </m:sub>
                     </m:sSub>
                     <m:r>
-                      <a:rPr lang="en-US" i="1">
+                      <a:rPr lang="en-US" sz="2400" i="1">
                         <a:latin typeface="Cambria Math" panose="02040503050406030204" pitchFamily="18" charset="0"/>
                       </a:rPr>
                       <m:t>…</m:t>
-                    </m:r>
-                    <m:r>
-                      <m:rPr>
-                        <m:nor/>
-                      </m:rPr>
-                      <a:rPr lang="en-US" dirty="0"/>
-                      <m:t> </m:t>
                     </m:r>
                     <m:sSub>
                       <m:sSubPr>
                         <m:ctrlPr>
-                          <a:rPr lang="en-US" i="1">
+                          <a:rPr lang="en-US" sz="2400" i="1">
                             <a:latin typeface="Cambria Math" panose="02040503050406030204" pitchFamily="18" charset="0"/>
                           </a:rPr>
                         </m:ctrlPr>
                       </m:sSubPr>
                       <m:e>
                         <m:r>
-                          <a:rPr lang="en-US" i="1">
+                          <a:rPr lang="en-US" sz="2400" i="1">
                             <a:latin typeface="Cambria Math" panose="02040503050406030204" pitchFamily="18" charset="0"/>
                           </a:rPr>
                           <m:t>𝐴</m:t>
@@ -13104,68 +14303,49 @@
                       </m:e>
                       <m:sub>
                         <m:r>
-                          <a:rPr lang="en-US" i="1">
-                            <a:latin typeface="Cambria Math" panose="02040503050406030204" pitchFamily="18" charset="0"/>
-                          </a:rPr>
-                          <m:t>𝑘</m:t>
+                          <a:rPr lang="en-US" sz="2400" i="1">
+                            <a:latin typeface="Cambria Math" panose="02040503050406030204" pitchFamily="18" charset="0"/>
+                          </a:rPr>
+                          <m:t>𝑗</m:t>
                         </m:r>
                       </m:sub>
                     </m:sSub>
                   </m:oMath>
                 </a14:m>
                 <a:r>
-                  <a:rPr lang="en-US" dirty="0">
-                    <a:solidFill>
-                      <a:srgbClr val="FF0000"/>
-                    </a:solidFill>
-                  </a:rPr>
-                  <a:t> </a:t>
-                </a:r>
-                <a:r>
-                  <a:rPr lang="en-US" dirty="0">
-                    <a:solidFill>
-                      <a:schemeClr val="accent1"/>
-                    </a:solidFill>
-                  </a:rPr>
-                  <a:t>is</a:t>
-                </a:r>
-                <a:r>
-                  <a:rPr lang="en-US" dirty="0">
-                    <a:solidFill>
-                      <a:srgbClr val="FF0000"/>
-                    </a:solidFill>
-                  </a:rPr>
-                  <a:t> </a:t>
-                </a:r>
-                <a:r>
-                  <a:rPr lang="en-US" b="1" i="1" dirty="0">
-                    <a:solidFill>
-                      <a:srgbClr val="FF0000"/>
-                    </a:solidFill>
-                  </a:rPr>
-                  <a:t>not optimal</a:t>
-                </a:r>
-                <a:r>
-                  <a:rPr lang="en-US" dirty="0">
-                    <a:solidFill>
-                      <a:schemeClr val="accent1"/>
-                    </a:solidFill>
-                  </a:rPr>
-                  <a:t>. We can then replace this solution to </a:t>
+                  <a:rPr lang="en-US" sz="2400" dirty="0">
+                    <a:solidFill>
+                      <a:schemeClr val="accent1"/>
+                    </a:solidFill>
+                  </a:rPr>
+                  <a:t>.</a:t>
+                </a:r>
+              </a:p>
+              <a:p>
+                <a:pPr marL="0" indent="0">
+                  <a:buNone/>
+                </a:pPr>
+                <a:r>
+                  <a:rPr lang="en-US" sz="2400" dirty="0">
+                    <a:solidFill>
+                      <a:schemeClr val="accent1"/>
+                    </a:solidFill>
+                  </a:rPr>
+                  <a:t>An identical cut-and-paste argument can be used to show optimality of the suffix subchain </a:t>
                 </a:r>
                 <a14:m>
                   <m:oMath xmlns:m="http://schemas.openxmlformats.org/officeDocument/2006/math">
                     <m:sSub>
                       <m:sSubPr>
                         <m:ctrlPr>
-                          <a:rPr lang="en-US" i="1">
+                          <a:rPr lang="en-US" sz="2400" i="1" smtClean="0">
                             <a:latin typeface="Cambria Math" panose="02040503050406030204" pitchFamily="18" charset="0"/>
                           </a:rPr>
                         </m:ctrlPr>
                       </m:sSubPr>
                       <m:e>
                         <m:r>
-                          <a:rPr lang="en-US" i="1">
+                          <a:rPr lang="en-US" sz="2400" i="1">
                             <a:latin typeface="Cambria Math" panose="02040503050406030204" pitchFamily="18" charset="0"/>
                           </a:rPr>
                           <m:t>𝐴</m:t>
@@ -13173,37 +14353,36 @@
                       </m:e>
                       <m:sub>
                         <m:r>
-                          <a:rPr lang="en-US" i="1">
-                            <a:latin typeface="Cambria Math" panose="02040503050406030204" pitchFamily="18" charset="0"/>
-                          </a:rPr>
-                          <m:t>𝑖</m:t>
+                          <a:rPr lang="en-US" sz="2400" i="1">
+                            <a:latin typeface="Cambria Math" panose="02040503050406030204" pitchFamily="18" charset="0"/>
+                          </a:rPr>
+                          <m:t>𝑘</m:t>
+                        </m:r>
+                        <m:r>
+                          <a:rPr lang="en-US" sz="2400" i="1">
+                            <a:latin typeface="Cambria Math" panose="02040503050406030204" pitchFamily="18" charset="0"/>
+                          </a:rPr>
+                          <m:t>+1</m:t>
                         </m:r>
                       </m:sub>
                     </m:sSub>
                     <m:r>
-                      <a:rPr lang="en-US" i="1">
+                      <a:rPr lang="en-US" sz="2400" i="1">
                         <a:latin typeface="Cambria Math" panose="02040503050406030204" pitchFamily="18" charset="0"/>
                       </a:rPr>
                       <m:t>…</m:t>
-                    </m:r>
-                    <m:r>
-                      <m:rPr>
-                        <m:nor/>
-                      </m:rPr>
-                      <a:rPr lang="en-US" dirty="0"/>
-                      <m:t> </m:t>
                     </m:r>
                     <m:sSub>
                       <m:sSubPr>
                         <m:ctrlPr>
-                          <a:rPr lang="en-US" i="1">
+                          <a:rPr lang="en-US" sz="2400" i="1">
                             <a:latin typeface="Cambria Math" panose="02040503050406030204" pitchFamily="18" charset="0"/>
                           </a:rPr>
                         </m:ctrlPr>
                       </m:sSubPr>
                       <m:e>
                         <m:r>
-                          <a:rPr lang="en-US" i="1">
+                          <a:rPr lang="en-US" sz="2400" i="1">
                             <a:latin typeface="Cambria Math" panose="02040503050406030204" pitchFamily="18" charset="0"/>
                           </a:rPr>
                           <m:t>𝐴</m:t>
@@ -13211,745 +14390,41 @@
                       </m:e>
                       <m:sub>
                         <m:r>
-                          <a:rPr lang="en-US" i="1">
-                            <a:latin typeface="Cambria Math" panose="02040503050406030204" pitchFamily="18" charset="0"/>
-                          </a:rPr>
-                          <m:t>𝑘</m:t>
+                          <a:rPr lang="en-US" sz="2400" i="1">
+                            <a:latin typeface="Cambria Math" panose="02040503050406030204" pitchFamily="18" charset="0"/>
+                          </a:rPr>
+                          <m:t>𝑗</m:t>
                         </m:r>
                       </m:sub>
                     </m:sSub>
+                    <m:r>
+                      <a:rPr lang="en-US" sz="2400" b="0" i="0" smtClean="0">
+                        <a:latin typeface="Cambria Math" panose="02040503050406030204" pitchFamily="18" charset="0"/>
+                      </a:rPr>
+                      <m:t> </m:t>
+                    </m:r>
                   </m:oMath>
                 </a14:m>
                 <a:r>
-                  <a:rPr lang="en-US" b="1" i="1" dirty="0">
-                    <a:solidFill>
-                      <a:srgbClr val="FF0000"/>
-                    </a:solidFill>
-                  </a:rPr>
-                  <a:t> </a:t>
-                </a:r>
-                <a:r>
-                  <a:rPr lang="en-US" dirty="0">
-                    <a:solidFill>
-                      <a:schemeClr val="accent1"/>
-                    </a:solidFill>
-                  </a:rPr>
-                  <a:t>with a </a:t>
-                </a:r>
-                <a:r>
-                  <a:rPr lang="en-US" b="1" i="1" dirty="0">
-                    <a:solidFill>
-                      <a:srgbClr val="FF0000"/>
-                    </a:solidFill>
-                  </a:rPr>
-                  <a:t>better solution </a:t>
+                  <a:rPr lang="en-US" sz="2400" dirty="0">
+                    <a:solidFill>
+                      <a:schemeClr val="accent1"/>
+                    </a:solidFill>
+                  </a:rPr>
+                  <a:t>. </a:t>
                 </a:r>
                 <a14:m>
                   <m:oMath xmlns:m="http://schemas.openxmlformats.org/officeDocument/2006/math">
-                    <m:sSup>
-                      <m:sSupPr>
-                        <m:ctrlPr>
-                          <a:rPr lang="en-US" i="1" smtClean="0">
-                            <a:latin typeface="Cambria Math" panose="02040503050406030204" pitchFamily="18" charset="0"/>
-                          </a:rPr>
-                        </m:ctrlPr>
-                      </m:sSupPr>
-                      <m:e>
-                        <m:r>
-                          <a:rPr lang="en-US" b="0" i="1" smtClean="0">
-                            <a:latin typeface="Cambria Math" panose="02040503050406030204" pitchFamily="18" charset="0"/>
-                          </a:rPr>
-                          <m:t>𝑚</m:t>
-                        </m:r>
-                      </m:e>
-                      <m:sup>
-                        <m:r>
-                          <a:rPr lang="en-US" b="0" i="1" smtClean="0">
-                            <a:latin typeface="Cambria Math" panose="02040503050406030204" pitchFamily="18" charset="0"/>
-                          </a:rPr>
-                          <m:t>′</m:t>
-                        </m:r>
-                      </m:sup>
-                    </m:sSup>
-                    <m:d>
-                      <m:dPr>
-                        <m:ctrlPr>
-                          <a:rPr lang="en-US" i="1">
-                            <a:latin typeface="Cambria Math" panose="02040503050406030204" pitchFamily="18" charset="0"/>
-                          </a:rPr>
-                        </m:ctrlPr>
-                      </m:dPr>
-                      <m:e>
-                        <m:r>
-                          <a:rPr lang="en-US" i="1">
-                            <a:latin typeface="Cambria Math" panose="02040503050406030204" pitchFamily="18" charset="0"/>
-                          </a:rPr>
-                          <m:t>𝑖</m:t>
-                        </m:r>
-                        <m:r>
-                          <a:rPr lang="en-US" i="1">
-                            <a:latin typeface="Cambria Math" panose="02040503050406030204" pitchFamily="18" charset="0"/>
-                          </a:rPr>
-                          <m:t>,</m:t>
-                        </m:r>
-                        <m:r>
-                          <a:rPr lang="en-US" i="1">
-                            <a:latin typeface="Cambria Math" panose="02040503050406030204" pitchFamily="18" charset="0"/>
-                          </a:rPr>
-                          <m:t>𝑘</m:t>
-                        </m:r>
-                      </m:e>
-                    </m:d>
-                    <m:r>
-                      <a:rPr lang="en-US" b="0" i="1" smtClean="0">
-                        <a:latin typeface="Cambria Math" panose="02040503050406030204" pitchFamily="18" charset="0"/>
-                      </a:rPr>
-                      <m:t>&lt;</m:t>
-                    </m:r>
-                    <m:r>
-                      <a:rPr lang="en-US" i="1">
-                        <a:latin typeface="Cambria Math" panose="02040503050406030204" pitchFamily="18" charset="0"/>
-                      </a:rPr>
-                      <m:t>𝑚</m:t>
-                    </m:r>
-                    <m:d>
-                      <m:dPr>
-                        <m:ctrlPr>
-                          <a:rPr lang="en-US" i="1">
-                            <a:latin typeface="Cambria Math" panose="02040503050406030204" pitchFamily="18" charset="0"/>
-                          </a:rPr>
-                        </m:ctrlPr>
-                      </m:dPr>
-                      <m:e>
-                        <m:r>
-                          <a:rPr lang="en-US" i="1">
-                            <a:latin typeface="Cambria Math" panose="02040503050406030204" pitchFamily="18" charset="0"/>
-                          </a:rPr>
-                          <m:t>𝑖</m:t>
-                        </m:r>
-                        <m:r>
-                          <a:rPr lang="en-US" i="1">
-                            <a:latin typeface="Cambria Math" panose="02040503050406030204" pitchFamily="18" charset="0"/>
-                          </a:rPr>
-                          <m:t>,</m:t>
-                        </m:r>
-                        <m:r>
-                          <a:rPr lang="en-US" i="1">
-                            <a:latin typeface="Cambria Math" panose="02040503050406030204" pitchFamily="18" charset="0"/>
-                          </a:rPr>
-                          <m:t>𝑘</m:t>
-                        </m:r>
-                      </m:e>
-                    </m:d>
+                    <m:r>
+                      <a:rPr lang="en-US" sz="2400" i="1" dirty="0">
+                        <a:latin typeface="Cambria Math" panose="02040503050406030204" pitchFamily="18" charset="0"/>
+                        <a:ea typeface="Cambria Math" panose="02040503050406030204" pitchFamily="18" charset="0"/>
+                      </a:rPr>
+                      <m:t>∎</m:t>
+                    </m:r>
                   </m:oMath>
                 </a14:m>
-                <a:r>
-                  <a:rPr lang="en-US" dirty="0">
-                    <a:solidFill>
-                      <a:schemeClr val="accent1"/>
-                    </a:solidFill>
-                  </a:rPr>
-                  <a:t>, hence a </a:t>
-                </a:r>
-                <a:r>
-                  <a:rPr lang="en-US" b="1" i="1" dirty="0">
-                    <a:solidFill>
-                      <a:srgbClr val="FF0000"/>
-                    </a:solidFill>
-                  </a:rPr>
-                  <a:t>better solution </a:t>
-                </a:r>
-                <a:r>
-                  <a:rPr lang="en-US" dirty="0">
-                    <a:solidFill>
-                      <a:schemeClr val="accent1"/>
-                    </a:solidFill>
-                  </a:rPr>
-                  <a:t>to </a:t>
-                </a:r>
-                <a14:m>
-                  <m:oMath xmlns:m="http://schemas.openxmlformats.org/officeDocument/2006/math">
-                    <m:sSub>
-                      <m:sSubPr>
-                        <m:ctrlPr>
-                          <a:rPr lang="en-US" i="1">
-                            <a:latin typeface="Cambria Math" panose="02040503050406030204" pitchFamily="18" charset="0"/>
-                          </a:rPr>
-                        </m:ctrlPr>
-                      </m:sSubPr>
-                      <m:e>
-                        <m:r>
-                          <a:rPr lang="en-US" i="1">
-                            <a:latin typeface="Cambria Math" panose="02040503050406030204" pitchFamily="18" charset="0"/>
-                          </a:rPr>
-                          <m:t>𝐴</m:t>
-                        </m:r>
-                      </m:e>
-                      <m:sub>
-                        <m:r>
-                          <a:rPr lang="en-US" i="1">
-                            <a:latin typeface="Cambria Math" panose="02040503050406030204" pitchFamily="18" charset="0"/>
-                          </a:rPr>
-                          <m:t>𝑖</m:t>
-                        </m:r>
-                      </m:sub>
-                    </m:sSub>
-                    <m:r>
-                      <a:rPr lang="en-US" i="1">
-                        <a:latin typeface="Cambria Math" panose="02040503050406030204" pitchFamily="18" charset="0"/>
-                      </a:rPr>
-                      <m:t>…</m:t>
-                    </m:r>
-                    <m:sSub>
-                      <m:sSubPr>
-                        <m:ctrlPr>
-                          <a:rPr lang="en-US" i="1">
-                            <a:latin typeface="Cambria Math" panose="02040503050406030204" pitchFamily="18" charset="0"/>
-                          </a:rPr>
-                        </m:ctrlPr>
-                      </m:sSubPr>
-                      <m:e>
-                        <m:r>
-                          <a:rPr lang="en-US" i="1">
-                            <a:latin typeface="Cambria Math" panose="02040503050406030204" pitchFamily="18" charset="0"/>
-                          </a:rPr>
-                          <m:t>𝐴</m:t>
-                        </m:r>
-                      </m:e>
-                      <m:sub>
-                        <m:r>
-                          <a:rPr lang="en-US" i="1">
-                            <a:latin typeface="Cambria Math" panose="02040503050406030204" pitchFamily="18" charset="0"/>
-                          </a:rPr>
-                          <m:t>𝑗</m:t>
-                        </m:r>
-                      </m:sub>
-                    </m:sSub>
-                  </m:oMath>
-                </a14:m>
-                <a:r>
-                  <a:rPr lang="en-US" dirty="0">
-                    <a:solidFill>
-                      <a:schemeClr val="accent1"/>
-                    </a:solidFill>
-                  </a:rPr>
-                  <a:t> </a:t>
-                </a:r>
-              </a:p>
-              <a:p>
-                <a:pPr marL="0" indent="0">
-                  <a:buNone/>
-                </a:pPr>
-                <a:r>
-                  <a:rPr lang="en-US" dirty="0">
-                    <a:solidFill>
-                      <a:schemeClr val="accent1"/>
-                    </a:solidFill>
-                  </a:rPr>
-                  <a:t>	</a:t>
-                </a:r>
-                <a14:m>
-                  <m:oMath xmlns:m="http://schemas.openxmlformats.org/officeDocument/2006/math">
-                    <m:sSup>
-                      <m:sSupPr>
-                        <m:ctrlPr>
-                          <a:rPr lang="en-US" i="1" smtClean="0">
-                            <a:latin typeface="Cambria Math" panose="02040503050406030204" pitchFamily="18" charset="0"/>
-                          </a:rPr>
-                        </m:ctrlPr>
-                      </m:sSupPr>
-                      <m:e>
-                        <m:r>
-                          <a:rPr lang="en-US" b="0" i="1" smtClean="0">
-                            <a:latin typeface="Cambria Math" panose="02040503050406030204" pitchFamily="18" charset="0"/>
-                          </a:rPr>
-                          <m:t>𝑚</m:t>
-                        </m:r>
-                      </m:e>
-                      <m:sup>
-                        <m:r>
-                          <a:rPr lang="en-US" b="0" i="1" smtClean="0">
-                            <a:latin typeface="Cambria Math" panose="02040503050406030204" pitchFamily="18" charset="0"/>
-                          </a:rPr>
-                          <m:t>′</m:t>
-                        </m:r>
-                      </m:sup>
-                    </m:sSup>
-                    <m:d>
-                      <m:dPr>
-                        <m:ctrlPr>
-                          <a:rPr lang="en-US" b="0" i="1" smtClean="0">
-                            <a:latin typeface="Cambria Math" panose="02040503050406030204" pitchFamily="18" charset="0"/>
-                          </a:rPr>
-                        </m:ctrlPr>
-                      </m:dPr>
-                      <m:e>
-                        <m:r>
-                          <a:rPr lang="en-US" b="0" i="1" smtClean="0">
-                            <a:latin typeface="Cambria Math" panose="02040503050406030204" pitchFamily="18" charset="0"/>
-                          </a:rPr>
-                          <m:t>𝑖</m:t>
-                        </m:r>
-                        <m:r>
-                          <a:rPr lang="en-US" b="0" i="1" smtClean="0">
-                            <a:latin typeface="Cambria Math" panose="02040503050406030204" pitchFamily="18" charset="0"/>
-                          </a:rPr>
-                          <m:t>,</m:t>
-                        </m:r>
-                        <m:r>
-                          <a:rPr lang="en-US" b="0" i="1" smtClean="0">
-                            <a:latin typeface="Cambria Math" panose="02040503050406030204" pitchFamily="18" charset="0"/>
-                          </a:rPr>
-                          <m:t>𝑗</m:t>
-                        </m:r>
-                      </m:e>
-                    </m:d>
-                    <m:r>
-                      <a:rPr lang="en-US" b="0" i="1" smtClean="0">
-                        <a:latin typeface="Cambria Math" panose="02040503050406030204" pitchFamily="18" charset="0"/>
-                      </a:rPr>
-                      <m:t>=</m:t>
-                    </m:r>
-                    <m:sSup>
-                      <m:sSupPr>
-                        <m:ctrlPr>
-                          <a:rPr lang="en-US" i="1">
-                            <a:latin typeface="Cambria Math" panose="02040503050406030204" pitchFamily="18" charset="0"/>
-                          </a:rPr>
-                        </m:ctrlPr>
-                      </m:sSupPr>
-                      <m:e>
-                        <m:r>
-                          <a:rPr lang="en-US" i="1">
-                            <a:latin typeface="Cambria Math" panose="02040503050406030204" pitchFamily="18" charset="0"/>
-                          </a:rPr>
-                          <m:t>𝑚</m:t>
-                        </m:r>
-                      </m:e>
-                      <m:sup>
-                        <m:r>
-                          <a:rPr lang="en-US" i="1">
-                            <a:latin typeface="Cambria Math" panose="02040503050406030204" pitchFamily="18" charset="0"/>
-                          </a:rPr>
-                          <m:t>′</m:t>
-                        </m:r>
-                      </m:sup>
-                    </m:sSup>
-                    <m:r>
-                      <a:rPr lang="en-US" i="1">
-                        <a:latin typeface="Cambria Math" panose="02040503050406030204" pitchFamily="18" charset="0"/>
-                      </a:rPr>
-                      <m:t> </m:t>
-                    </m:r>
-                    <m:d>
-                      <m:dPr>
-                        <m:ctrlPr>
-                          <a:rPr lang="en-US" i="1">
-                            <a:latin typeface="Cambria Math" panose="02040503050406030204" pitchFamily="18" charset="0"/>
-                          </a:rPr>
-                        </m:ctrlPr>
-                      </m:dPr>
-                      <m:e>
-                        <m:r>
-                          <a:rPr lang="en-US" i="1">
-                            <a:latin typeface="Cambria Math" panose="02040503050406030204" pitchFamily="18" charset="0"/>
-                          </a:rPr>
-                          <m:t>𝑖</m:t>
-                        </m:r>
-                        <m:r>
-                          <a:rPr lang="en-US" i="1">
-                            <a:latin typeface="Cambria Math" panose="02040503050406030204" pitchFamily="18" charset="0"/>
-                          </a:rPr>
-                          <m:t>,</m:t>
-                        </m:r>
-                        <m:r>
-                          <a:rPr lang="en-US" i="1">
-                            <a:latin typeface="Cambria Math" panose="02040503050406030204" pitchFamily="18" charset="0"/>
-                          </a:rPr>
-                          <m:t>𝑘</m:t>
-                        </m:r>
-                      </m:e>
-                    </m:d>
-                    <m:r>
-                      <a:rPr lang="en-US" i="1">
-                        <a:latin typeface="Cambria Math" panose="02040503050406030204" pitchFamily="18" charset="0"/>
-                      </a:rPr>
-                      <m:t>+</m:t>
-                    </m:r>
-                    <m:r>
-                      <a:rPr lang="en-US" i="1">
-                        <a:latin typeface="Cambria Math" panose="02040503050406030204" pitchFamily="18" charset="0"/>
-                      </a:rPr>
-                      <m:t>𝑚</m:t>
-                    </m:r>
-                    <m:d>
-                      <m:dPr>
-                        <m:ctrlPr>
-                          <a:rPr lang="en-US" i="1">
-                            <a:latin typeface="Cambria Math" panose="02040503050406030204" pitchFamily="18" charset="0"/>
-                          </a:rPr>
-                        </m:ctrlPr>
-                      </m:dPr>
-                      <m:e>
-                        <m:r>
-                          <a:rPr lang="en-US" i="1">
-                            <a:latin typeface="Cambria Math" panose="02040503050406030204" pitchFamily="18" charset="0"/>
-                          </a:rPr>
-                          <m:t>𝑘</m:t>
-                        </m:r>
-                        <m:r>
-                          <a:rPr lang="en-US" i="1">
-                            <a:latin typeface="Cambria Math" panose="02040503050406030204" pitchFamily="18" charset="0"/>
-                          </a:rPr>
-                          <m:t>+1,</m:t>
-                        </m:r>
-                        <m:r>
-                          <a:rPr lang="en-US" i="1">
-                            <a:latin typeface="Cambria Math" panose="02040503050406030204" pitchFamily="18" charset="0"/>
-                          </a:rPr>
-                          <m:t>𝑗</m:t>
-                        </m:r>
-                      </m:e>
-                    </m:d>
-                    <m:r>
-                      <a:rPr lang="en-US" i="1">
-                        <a:latin typeface="Cambria Math" panose="02040503050406030204" pitchFamily="18" charset="0"/>
-                      </a:rPr>
-                      <m:t>+</m:t>
-                    </m:r>
-                    <m:sSub>
-                      <m:sSubPr>
-                        <m:ctrlPr>
-                          <a:rPr lang="en-US" i="1">
-                            <a:latin typeface="Cambria Math" panose="02040503050406030204" pitchFamily="18" charset="0"/>
-                            <a:ea typeface="Cambria Math" panose="02040503050406030204" pitchFamily="18" charset="0"/>
-                          </a:rPr>
-                        </m:ctrlPr>
-                      </m:sSubPr>
-                      <m:e>
-                        <m:r>
-                          <a:rPr lang="en-US" i="1">
-                            <a:latin typeface="Cambria Math" panose="02040503050406030204" pitchFamily="18" charset="0"/>
-                            <a:ea typeface="Cambria Math" panose="02040503050406030204" pitchFamily="18" charset="0"/>
-                          </a:rPr>
-                          <m:t>𝑝</m:t>
-                        </m:r>
-                      </m:e>
-                      <m:sub>
-                        <m:r>
-                          <a:rPr lang="en-US" i="1">
-                            <a:latin typeface="Cambria Math" panose="02040503050406030204" pitchFamily="18" charset="0"/>
-                            <a:ea typeface="Cambria Math" panose="02040503050406030204" pitchFamily="18" charset="0"/>
-                          </a:rPr>
-                          <m:t>𝑖</m:t>
-                        </m:r>
-                        <m:r>
-                          <a:rPr lang="en-US" i="1">
-                            <a:latin typeface="Cambria Math" panose="02040503050406030204" pitchFamily="18" charset="0"/>
-                            <a:ea typeface="Cambria Math" panose="02040503050406030204" pitchFamily="18" charset="0"/>
-                          </a:rPr>
-                          <m:t>−1</m:t>
-                        </m:r>
-                      </m:sub>
-                    </m:sSub>
-                    <m:sSub>
-                      <m:sSubPr>
-                        <m:ctrlPr>
-                          <a:rPr lang="en-US" i="1">
-                            <a:latin typeface="Cambria Math" panose="02040503050406030204" pitchFamily="18" charset="0"/>
-                            <a:ea typeface="Cambria Math" panose="02040503050406030204" pitchFamily="18" charset="0"/>
-                          </a:rPr>
-                        </m:ctrlPr>
-                      </m:sSubPr>
-                      <m:e>
-                        <m:r>
-                          <a:rPr lang="en-US" i="1">
-                            <a:latin typeface="Cambria Math" panose="02040503050406030204" pitchFamily="18" charset="0"/>
-                            <a:ea typeface="Cambria Math" panose="02040503050406030204" pitchFamily="18" charset="0"/>
-                          </a:rPr>
-                          <m:t>𝑝</m:t>
-                        </m:r>
-                      </m:e>
-                      <m:sub>
-                        <m:r>
-                          <a:rPr lang="en-US" i="1">
-                            <a:latin typeface="Cambria Math" panose="02040503050406030204" pitchFamily="18" charset="0"/>
-                            <a:ea typeface="Cambria Math" panose="02040503050406030204" pitchFamily="18" charset="0"/>
-                          </a:rPr>
-                          <m:t>𝑘</m:t>
-                        </m:r>
-                      </m:sub>
-                    </m:sSub>
-                    <m:sSub>
-                      <m:sSubPr>
-                        <m:ctrlPr>
-                          <a:rPr lang="en-US" i="1">
-                            <a:latin typeface="Cambria Math" panose="02040503050406030204" pitchFamily="18" charset="0"/>
-                            <a:ea typeface="Cambria Math" panose="02040503050406030204" pitchFamily="18" charset="0"/>
-                          </a:rPr>
-                        </m:ctrlPr>
-                      </m:sSubPr>
-                      <m:e>
-                        <m:r>
-                          <a:rPr lang="en-US" i="1">
-                            <a:latin typeface="Cambria Math" panose="02040503050406030204" pitchFamily="18" charset="0"/>
-                            <a:ea typeface="Cambria Math" panose="02040503050406030204" pitchFamily="18" charset="0"/>
-                          </a:rPr>
-                          <m:t>𝑝</m:t>
-                        </m:r>
-                      </m:e>
-                      <m:sub>
-                        <m:r>
-                          <a:rPr lang="en-US" i="1">
-                            <a:latin typeface="Cambria Math" panose="02040503050406030204" pitchFamily="18" charset="0"/>
-                            <a:ea typeface="Cambria Math" panose="02040503050406030204" pitchFamily="18" charset="0"/>
-                          </a:rPr>
-                          <m:t>𝑗</m:t>
-                        </m:r>
-                      </m:sub>
-                    </m:sSub>
-                    <m:r>
-                      <a:rPr lang="en-US" b="0" i="1" smtClean="0">
-                        <a:latin typeface="Cambria Math" panose="02040503050406030204" pitchFamily="18" charset="0"/>
-                        <a:ea typeface="Cambria Math" panose="02040503050406030204" pitchFamily="18" charset="0"/>
-                      </a:rPr>
-                      <m:t>&lt;</m:t>
-                    </m:r>
-                    <m:r>
-                      <a:rPr lang="en-US" b="0" i="1" smtClean="0">
-                        <a:latin typeface="Cambria Math" panose="02040503050406030204" pitchFamily="18" charset="0"/>
-                        <a:ea typeface="Cambria Math" panose="02040503050406030204" pitchFamily="18" charset="0"/>
-                      </a:rPr>
-                      <m:t>𝑚</m:t>
-                    </m:r>
-                    <m:r>
-                      <a:rPr lang="en-US" b="0" i="1" smtClean="0">
-                        <a:latin typeface="Cambria Math" panose="02040503050406030204" pitchFamily="18" charset="0"/>
-                        <a:ea typeface="Cambria Math" panose="02040503050406030204" pitchFamily="18" charset="0"/>
-                      </a:rPr>
-                      <m:t>(</m:t>
-                    </m:r>
-                    <m:r>
-                      <a:rPr lang="en-US" b="0" i="1" smtClean="0">
-                        <a:latin typeface="Cambria Math" panose="02040503050406030204" pitchFamily="18" charset="0"/>
-                        <a:ea typeface="Cambria Math" panose="02040503050406030204" pitchFamily="18" charset="0"/>
-                      </a:rPr>
-                      <m:t>𝑖</m:t>
-                    </m:r>
-                    <m:r>
-                      <a:rPr lang="en-US" b="0" i="1" smtClean="0">
-                        <a:latin typeface="Cambria Math" panose="02040503050406030204" pitchFamily="18" charset="0"/>
-                        <a:ea typeface="Cambria Math" panose="02040503050406030204" pitchFamily="18" charset="0"/>
-                      </a:rPr>
-                      <m:t>,</m:t>
-                    </m:r>
-                    <m:r>
-                      <a:rPr lang="en-US" b="0" i="1" smtClean="0">
-                        <a:latin typeface="Cambria Math" panose="02040503050406030204" pitchFamily="18" charset="0"/>
-                        <a:ea typeface="Cambria Math" panose="02040503050406030204" pitchFamily="18" charset="0"/>
-                      </a:rPr>
-                      <m:t>𝑗</m:t>
-                    </m:r>
-                    <m:r>
-                      <a:rPr lang="en-US" b="0" i="1" smtClean="0">
-                        <a:latin typeface="Cambria Math" panose="02040503050406030204" pitchFamily="18" charset="0"/>
-                        <a:ea typeface="Cambria Math" panose="02040503050406030204" pitchFamily="18" charset="0"/>
-                      </a:rPr>
-                      <m:t>)</m:t>
-                    </m:r>
-                  </m:oMath>
-                </a14:m>
-                <a:endParaRPr lang="en-US" dirty="0">
-                  <a:solidFill>
-                    <a:schemeClr val="accent1"/>
-                  </a:solidFill>
-                </a:endParaRPr>
-              </a:p>
-              <a:p>
-                <a:pPr marL="0" indent="0">
-                  <a:buNone/>
-                </a:pPr>
-                <a:r>
-                  <a:rPr lang="en-US" dirty="0">
-                    <a:solidFill>
-                      <a:schemeClr val="accent1"/>
-                    </a:solidFill>
-                  </a:rPr>
-                  <a:t>,which contradicts the optimality of the solution to </a:t>
-                </a:r>
-                <a14:m>
-                  <m:oMath xmlns:m="http://schemas.openxmlformats.org/officeDocument/2006/math">
-                    <m:sSub>
-                      <m:sSubPr>
-                        <m:ctrlPr>
-                          <a:rPr lang="en-US" i="1">
-                            <a:latin typeface="Cambria Math" panose="02040503050406030204" pitchFamily="18" charset="0"/>
-                          </a:rPr>
-                        </m:ctrlPr>
-                      </m:sSubPr>
-                      <m:e>
-                        <m:r>
-                          <a:rPr lang="en-US" i="1">
-                            <a:latin typeface="Cambria Math" panose="02040503050406030204" pitchFamily="18" charset="0"/>
-                          </a:rPr>
-                          <m:t>𝐴</m:t>
-                        </m:r>
-                      </m:e>
-                      <m:sub>
-                        <m:r>
-                          <a:rPr lang="en-US" i="1">
-                            <a:latin typeface="Cambria Math" panose="02040503050406030204" pitchFamily="18" charset="0"/>
-                          </a:rPr>
-                          <m:t>𝑖</m:t>
-                        </m:r>
-                      </m:sub>
-                    </m:sSub>
-                    <m:r>
-                      <a:rPr lang="en-US" i="1">
-                        <a:latin typeface="Cambria Math" panose="02040503050406030204" pitchFamily="18" charset="0"/>
-                      </a:rPr>
-                      <m:t>…</m:t>
-                    </m:r>
-                    <m:sSub>
-                      <m:sSubPr>
-                        <m:ctrlPr>
-                          <a:rPr lang="en-US" i="1">
-                            <a:latin typeface="Cambria Math" panose="02040503050406030204" pitchFamily="18" charset="0"/>
-                          </a:rPr>
-                        </m:ctrlPr>
-                      </m:sSubPr>
-                      <m:e>
-                        <m:r>
-                          <a:rPr lang="en-US" i="1">
-                            <a:latin typeface="Cambria Math" panose="02040503050406030204" pitchFamily="18" charset="0"/>
-                          </a:rPr>
-                          <m:t>𝐴</m:t>
-                        </m:r>
-                      </m:e>
-                      <m:sub>
-                        <m:r>
-                          <a:rPr lang="en-US" i="1">
-                            <a:latin typeface="Cambria Math" panose="02040503050406030204" pitchFamily="18" charset="0"/>
-                          </a:rPr>
-                          <m:t>𝑗</m:t>
-                        </m:r>
-                      </m:sub>
-                    </m:sSub>
-                  </m:oMath>
-                </a14:m>
-                <a:r>
-                  <a:rPr lang="en-US" dirty="0">
-                    <a:solidFill>
-                      <a:schemeClr val="accent1"/>
-                    </a:solidFill>
-                  </a:rPr>
-                  <a:t>.</a:t>
-                </a:r>
-              </a:p>
-              <a:p>
-                <a:pPr marL="0" indent="0">
-                  <a:buNone/>
-                </a:pPr>
-                <a:r>
-                  <a:rPr lang="en-US" dirty="0">
-                    <a:solidFill>
-                      <a:schemeClr val="accent1"/>
-                    </a:solidFill>
-                  </a:rPr>
-                  <a:t>A symmetric argument is applied to optimality of </a:t>
-                </a:r>
-                <a14:m>
-                  <m:oMath xmlns:m="http://schemas.openxmlformats.org/officeDocument/2006/math">
-                    <m:sSub>
-                      <m:sSubPr>
-                        <m:ctrlPr>
-                          <a:rPr lang="en-US" i="1" smtClean="0">
-                            <a:latin typeface="Cambria Math" panose="02040503050406030204" pitchFamily="18" charset="0"/>
-                          </a:rPr>
-                        </m:ctrlPr>
-                      </m:sSubPr>
-                      <m:e>
-                        <m:r>
-                          <a:rPr lang="en-US" i="1">
-                            <a:latin typeface="Cambria Math" panose="02040503050406030204" pitchFamily="18" charset="0"/>
-                          </a:rPr>
-                          <m:t>𝐴</m:t>
-                        </m:r>
-                      </m:e>
-                      <m:sub>
-                        <m:r>
-                          <a:rPr lang="en-US" i="1">
-                            <a:latin typeface="Cambria Math" panose="02040503050406030204" pitchFamily="18" charset="0"/>
-                          </a:rPr>
-                          <m:t>𝑘</m:t>
-                        </m:r>
-                        <m:r>
-                          <a:rPr lang="en-US" i="1">
-                            <a:latin typeface="Cambria Math" panose="02040503050406030204" pitchFamily="18" charset="0"/>
-                          </a:rPr>
-                          <m:t>+1</m:t>
-                        </m:r>
-                      </m:sub>
-                    </m:sSub>
-                    <m:r>
-                      <a:rPr lang="en-US" i="1">
-                        <a:latin typeface="Cambria Math" panose="02040503050406030204" pitchFamily="18" charset="0"/>
-                      </a:rPr>
-                      <m:t>…</m:t>
-                    </m:r>
-                    <m:sSub>
-                      <m:sSubPr>
-                        <m:ctrlPr>
-                          <a:rPr lang="en-US" i="1">
-                            <a:latin typeface="Cambria Math" panose="02040503050406030204" pitchFamily="18" charset="0"/>
-                          </a:rPr>
-                        </m:ctrlPr>
-                      </m:sSubPr>
-                      <m:e>
-                        <m:r>
-                          <a:rPr lang="en-US" i="1">
-                            <a:latin typeface="Cambria Math" panose="02040503050406030204" pitchFamily="18" charset="0"/>
-                          </a:rPr>
-                          <m:t>𝐴</m:t>
-                        </m:r>
-                      </m:e>
-                      <m:sub>
-                        <m:r>
-                          <a:rPr lang="en-US" i="1">
-                            <a:latin typeface="Cambria Math" panose="02040503050406030204" pitchFamily="18" charset="0"/>
-                          </a:rPr>
-                          <m:t>𝑗</m:t>
-                        </m:r>
-                      </m:sub>
-                    </m:sSub>
-                    <m:r>
-                      <a:rPr lang="en-US" b="0" i="0" smtClean="0">
-                        <a:latin typeface="Cambria Math" panose="02040503050406030204" pitchFamily="18" charset="0"/>
-                      </a:rPr>
-                      <m:t> </m:t>
-                    </m:r>
-                  </m:oMath>
-                </a14:m>
-                <a:r>
-                  <a:rPr lang="en-US" dirty="0">
-                    <a:solidFill>
-                      <a:schemeClr val="accent1"/>
-                    </a:solidFill>
-                  </a:rPr>
-                  <a:t>. </a:t>
-                </a:r>
-                <a14:m>
-                  <m:oMath xmlns:m="http://schemas.openxmlformats.org/officeDocument/2006/math">
-                    <m:r>
-                      <a:rPr lang="en-US" i="1" dirty="0">
-                        <a:latin typeface="Cambria Math" panose="02040503050406030204" pitchFamily="18" charset="0"/>
-                        <a:ea typeface="Cambria Math" panose="02040503050406030204" pitchFamily="18" charset="0"/>
-                      </a:rPr>
-                      <m:t>∎</m:t>
-                    </m:r>
-                  </m:oMath>
-                </a14:m>
-                <a:endParaRPr lang="en-US" dirty="0">
+                <a:endParaRPr lang="en-US" sz="2400" dirty="0">
                   <a:solidFill>
                     <a:schemeClr val="accent1"/>
                   </a:solidFill>
@@ -13968,7 +14443,7 @@
             </p:txBody>
           </p:sp>
         </mc:Choice>
-        <mc:Fallback xmlns="">
+        <mc:Fallback>
           <p:sp>
             <p:nvSpPr>
               <p:cNvPr id="3" name="Content Placeholder 2">
@@ -13989,7 +14464,7 @@
               <a:blipFill>
                 <a:blip r:embed="rId2"/>
                 <a:stretch>
-                  <a:fillRect l="-928" t="-3081"/>
+                  <a:fillRect l="-754" t="-1961" r="-174" b="-2801"/>
                 </a:stretch>
               </a:blipFill>
             </p:spPr>
@@ -14073,8 +14548,8 @@
           </a:p>
         </p:txBody>
       </p:sp>
-      <mc:AlternateContent xmlns:mc="http://schemas.openxmlformats.org/markup-compatibility/2006" xmlns:a14="http://schemas.microsoft.com/office/drawing/2010/main">
-        <mc:Choice Requires="a14">
+      <mc:AlternateContent xmlns:mc="http://schemas.openxmlformats.org/markup-compatibility/2006">
+        <mc:Choice xmlns:a14="http://schemas.microsoft.com/office/drawing/2010/main" Requires="a14">
           <p:sp>
             <p:nvSpPr>
               <p:cNvPr id="3" name="Content Placeholder 2">
@@ -14231,7 +14706,7 @@
             </p:txBody>
           </p:sp>
         </mc:Choice>
-        <mc:Fallback xmlns="">
+        <mc:Fallback>
           <p:sp>
             <p:nvSpPr>
               <p:cNvPr id="3" name="Content Placeholder 2">
@@ -15288,13 +15763,13 @@
         </p:blipFill>
         <p:spPr>
           <a:xfrm>
-            <a:off x="1891920" y="1885950"/>
-            <a:ext cx="7893430" cy="2582069"/>
+            <a:off x="905161" y="1419408"/>
+            <a:ext cx="5677469" cy="1857192"/>
           </a:xfrm>
         </p:spPr>
       </p:pic>
-      <mc:AlternateContent xmlns:mc="http://schemas.openxmlformats.org/markup-compatibility/2006" xmlns:a14="http://schemas.microsoft.com/office/drawing/2010/main">
-        <mc:Choice Requires="a14">
+      <mc:AlternateContent xmlns:mc="http://schemas.openxmlformats.org/markup-compatibility/2006">
+        <mc:Choice xmlns:a14="http://schemas.microsoft.com/office/drawing/2010/main" Requires="a14">
           <p:sp>
             <p:nvSpPr>
               <p:cNvPr id="7" name="TextBox 6">
@@ -15309,8 +15784,8 @@
             </p:nvSpPr>
             <p:spPr>
               <a:xfrm>
-                <a:off x="1958595" y="5292259"/>
-                <a:ext cx="7893429" cy="523220"/>
+                <a:off x="905161" y="3429000"/>
+                <a:ext cx="8975724" cy="2873928"/>
               </a:xfrm>
               <a:prstGeom prst="rect">
                 <a:avLst/>
@@ -15323,26 +15798,819 @@
               </a:bodyPr>
               <a:lstStyle/>
               <a:p>
-                <a:r>
-                  <a:rPr lang="en-US" sz="2800" dirty="0">
-                    <a:solidFill>
-                      <a:schemeClr val="accent1"/>
-                    </a:solidFill>
-                  </a:rPr>
-                  <a:t>The running time is exponential in the chain length </a:t>
+                <a:pPr/>
+                <a:r>
+                  <a:rPr lang="en-US" sz="1600" dirty="0">
+                    <a:solidFill>
+                      <a:schemeClr val="accent1"/>
+                    </a:solidFill>
+                  </a:rPr>
+                  <a:t>We can write the running time as the following recurrent </a:t>
+                </a:r>
+              </a:p>
+              <a:p>
+                <a:pPr/>
+                <a:endParaRPr lang="en-US" sz="1600" dirty="0">
+                  <a:solidFill>
+                    <a:schemeClr val="accent1"/>
+                  </a:solidFill>
+                </a:endParaRPr>
+              </a:p>
+              <a:p>
+                <a:pPr/>
+                <a:r>
+                  <a:rPr lang="en-US" sz="1600" dirty="0"/>
+                  <a:t>	</a:t>
                 </a:r>
                 <a14:m>
                   <m:oMath xmlns:m="http://schemas.openxmlformats.org/officeDocument/2006/math">
                     <m:r>
-                      <a:rPr lang="en-US" sz="2800" b="0" i="1" smtClean="0">
-                        <a:latin typeface="Cambria Math" panose="02040503050406030204" pitchFamily="18" charset="0"/>
-                      </a:rPr>
-                      <m:t>𝑛</m:t>
+                      <a:rPr lang="en-US" sz="1600" b="0" i="1" smtClean="0">
+                        <a:latin typeface="Cambria Math" panose="02040503050406030204" pitchFamily="18" charset="0"/>
+                      </a:rPr>
+                      <m:t>𝑇</m:t>
+                    </m:r>
+                    <m:d>
+                      <m:dPr>
+                        <m:ctrlPr>
+                          <a:rPr lang="en-US" sz="1600" b="0" i="1" smtClean="0">
+                            <a:latin typeface="Cambria Math" panose="02040503050406030204" pitchFamily="18" charset="0"/>
+                          </a:rPr>
+                        </m:ctrlPr>
+                      </m:dPr>
+                      <m:e>
+                        <m:r>
+                          <a:rPr lang="en-US" sz="1600" b="0" i="1" smtClean="0">
+                            <a:latin typeface="Cambria Math" panose="02040503050406030204" pitchFamily="18" charset="0"/>
+                          </a:rPr>
+                          <m:t>1</m:t>
+                        </m:r>
+                      </m:e>
+                    </m:d>
+                    <m:r>
+                      <a:rPr lang="en-US" sz="1600" b="0" i="1" smtClean="0">
+                        <a:latin typeface="Cambria Math" panose="02040503050406030204" pitchFamily="18" charset="0"/>
+                      </a:rPr>
+                      <m:t>=</m:t>
+                    </m:r>
+                    <m:r>
+                      <a:rPr lang="en-US" sz="1600" b="0" i="1" smtClean="0">
+                        <a:latin typeface="Cambria Math" panose="02040503050406030204" pitchFamily="18" charset="0"/>
+                      </a:rPr>
+                      <m:t>𝑐</m:t>
                     </m:r>
                   </m:oMath>
                 </a14:m>
                 <a:r>
-                  <a:rPr lang="en-US" sz="2800" dirty="0">
+                  <a:rPr lang="en-US" sz="1600" dirty="0"/>
+                  <a:t>						   </a:t>
+                </a:r>
+                <a:r>
+                  <a:rPr lang="en-US" sz="1600" dirty="0">
+                    <a:solidFill>
+                      <a:schemeClr val="accent1"/>
+                    </a:solidFill>
+                  </a:rPr>
+                  <a:t>if</a:t>
+                </a:r>
+                <a:r>
+                  <a:rPr lang="en-US" sz="1600" dirty="0"/>
+                  <a:t> </a:t>
+                </a:r>
+                <a14:m>
+                  <m:oMath xmlns:m="http://schemas.openxmlformats.org/officeDocument/2006/math">
+                    <m:r>
+                      <a:rPr lang="en-US" sz="1600" b="0" i="1" smtClean="0">
+                        <a:latin typeface="Cambria Math" panose="02040503050406030204" pitchFamily="18" charset="0"/>
+                      </a:rPr>
+                      <m:t>𝑗</m:t>
+                    </m:r>
+                    <m:r>
+                      <a:rPr lang="en-US" sz="1600" b="0" i="1" smtClean="0">
+                        <a:latin typeface="Cambria Math" panose="02040503050406030204" pitchFamily="18" charset="0"/>
+                      </a:rPr>
+                      <m:t>−</m:t>
+                    </m:r>
+                    <m:r>
+                      <a:rPr lang="en-US" sz="1600" b="0" i="1" smtClean="0">
+                        <a:latin typeface="Cambria Math" panose="02040503050406030204" pitchFamily="18" charset="0"/>
+                      </a:rPr>
+                      <m:t>𝑖</m:t>
+                    </m:r>
+                    <m:r>
+                      <a:rPr lang="en-US" sz="1600" b="0" i="1" smtClean="0">
+                        <a:latin typeface="Cambria Math" panose="02040503050406030204" pitchFamily="18" charset="0"/>
+                      </a:rPr>
+                      <m:t>+1=1</m:t>
+                    </m:r>
+                  </m:oMath>
+                </a14:m>
+                <a:endParaRPr lang="en-US" sz="1600" dirty="0"/>
+              </a:p>
+              <a:p>
+                <a:pPr/>
+                <a:r>
+                  <a:rPr lang="en-US" sz="1600" b="0" dirty="0">
+                    <a:solidFill>
+                      <a:schemeClr val="tx1"/>
+                    </a:solidFill>
+                  </a:rPr>
+                  <a:t>	</a:t>
+                </a:r>
+                <a14:m>
+                  <m:oMath xmlns:m="http://schemas.openxmlformats.org/officeDocument/2006/math">
+                    <m:r>
+                      <a:rPr lang="en-US" sz="1600" b="0" i="1" smtClean="0">
+                        <a:solidFill>
+                          <a:schemeClr val="tx1"/>
+                        </a:solidFill>
+                        <a:latin typeface="Cambria Math" panose="02040503050406030204" pitchFamily="18" charset="0"/>
+                      </a:rPr>
+                      <m:t>𝑇</m:t>
+                    </m:r>
+                    <m:d>
+                      <m:dPr>
+                        <m:ctrlPr>
+                          <a:rPr lang="en-US" sz="1600" b="0" i="1" smtClean="0">
+                            <a:solidFill>
+                              <a:schemeClr val="tx1"/>
+                            </a:solidFill>
+                            <a:latin typeface="Cambria Math" panose="02040503050406030204" pitchFamily="18" charset="0"/>
+                          </a:rPr>
+                        </m:ctrlPr>
+                      </m:dPr>
+                      <m:e>
+                        <m:r>
+                          <a:rPr lang="en-US" sz="1600" b="0" i="1" smtClean="0">
+                            <a:solidFill>
+                              <a:schemeClr val="tx1"/>
+                            </a:solidFill>
+                            <a:latin typeface="Cambria Math" panose="02040503050406030204" pitchFamily="18" charset="0"/>
+                          </a:rPr>
+                          <m:t>𝑗</m:t>
+                        </m:r>
+                        <m:r>
+                          <a:rPr lang="en-US" sz="1600" b="0" i="1" smtClean="0">
+                            <a:solidFill>
+                              <a:schemeClr val="tx1"/>
+                            </a:solidFill>
+                            <a:latin typeface="Cambria Math" panose="02040503050406030204" pitchFamily="18" charset="0"/>
+                          </a:rPr>
+                          <m:t>−</m:t>
+                        </m:r>
+                        <m:r>
+                          <a:rPr lang="en-US" sz="1600" b="0" i="1" smtClean="0">
+                            <a:solidFill>
+                              <a:schemeClr val="tx1"/>
+                            </a:solidFill>
+                            <a:latin typeface="Cambria Math" panose="02040503050406030204" pitchFamily="18" charset="0"/>
+                          </a:rPr>
+                          <m:t>𝑖</m:t>
+                        </m:r>
+                        <m:r>
+                          <a:rPr lang="en-US" sz="1600" b="0" i="1" smtClean="0">
+                            <a:solidFill>
+                              <a:schemeClr val="tx1"/>
+                            </a:solidFill>
+                            <a:latin typeface="Cambria Math" panose="02040503050406030204" pitchFamily="18" charset="0"/>
+                          </a:rPr>
+                          <m:t>+1</m:t>
+                        </m:r>
+                      </m:e>
+                    </m:d>
+                    <m:r>
+                      <a:rPr lang="en-US" sz="1600" b="0" i="1" smtClean="0">
+                        <a:solidFill>
+                          <a:schemeClr val="tx1"/>
+                        </a:solidFill>
+                        <a:latin typeface="Cambria Math" panose="02040503050406030204" pitchFamily="18" charset="0"/>
+                      </a:rPr>
+                      <m:t>= </m:t>
+                    </m:r>
+                    <m:nary>
+                      <m:naryPr>
+                        <m:chr m:val="∑"/>
+                        <m:ctrlPr>
+                          <a:rPr lang="en-US" sz="1600" b="0" i="1" smtClean="0">
+                            <a:solidFill>
+                              <a:schemeClr val="tx1"/>
+                            </a:solidFill>
+                            <a:latin typeface="Cambria Math" panose="02040503050406030204" pitchFamily="18" charset="0"/>
+                          </a:rPr>
+                        </m:ctrlPr>
+                      </m:naryPr>
+                      <m:sub>
+                        <m:r>
+                          <m:rPr>
+                            <m:brk m:alnAt="23"/>
+                          </m:rPr>
+                          <a:rPr lang="en-US" sz="1600" b="0" i="1" smtClean="0">
+                            <a:solidFill>
+                              <a:schemeClr val="tx1"/>
+                            </a:solidFill>
+                            <a:latin typeface="Cambria Math" panose="02040503050406030204" pitchFamily="18" charset="0"/>
+                          </a:rPr>
+                          <m:t>𝑘</m:t>
+                        </m:r>
+                        <m:r>
+                          <a:rPr lang="en-US" sz="1600" b="0" i="1" smtClean="0">
+                            <a:solidFill>
+                              <a:schemeClr val="tx1"/>
+                            </a:solidFill>
+                            <a:latin typeface="Cambria Math" panose="02040503050406030204" pitchFamily="18" charset="0"/>
+                          </a:rPr>
+                          <m:t>=</m:t>
+                        </m:r>
+                        <m:r>
+                          <a:rPr lang="en-US" sz="1600" b="0" i="1" smtClean="0">
+                            <a:solidFill>
+                              <a:schemeClr val="tx1"/>
+                            </a:solidFill>
+                            <a:latin typeface="Cambria Math" panose="02040503050406030204" pitchFamily="18" charset="0"/>
+                          </a:rPr>
+                          <m:t>𝑖</m:t>
+                        </m:r>
+                      </m:sub>
+                      <m:sup>
+                        <m:r>
+                          <a:rPr lang="en-US" sz="1600" b="0" i="1" smtClean="0">
+                            <a:solidFill>
+                              <a:schemeClr val="tx1"/>
+                            </a:solidFill>
+                            <a:latin typeface="Cambria Math" panose="02040503050406030204" pitchFamily="18" charset="0"/>
+                          </a:rPr>
+                          <m:t>𝑗</m:t>
+                        </m:r>
+                        <m:r>
+                          <a:rPr lang="en-US" sz="1600" b="0" i="1" smtClean="0">
+                            <a:solidFill>
+                              <a:schemeClr val="tx1"/>
+                            </a:solidFill>
+                            <a:latin typeface="Cambria Math" panose="02040503050406030204" pitchFamily="18" charset="0"/>
+                          </a:rPr>
+                          <m:t>−1</m:t>
+                        </m:r>
+                      </m:sup>
+                      <m:e>
+                        <m:r>
+                          <a:rPr lang="en-US" sz="1600" b="0" i="1" smtClean="0">
+                            <a:solidFill>
+                              <a:schemeClr val="tx1"/>
+                            </a:solidFill>
+                            <a:latin typeface="Cambria Math" panose="02040503050406030204" pitchFamily="18" charset="0"/>
+                          </a:rPr>
+                          <m:t>(</m:t>
+                        </m:r>
+                        <m:r>
+                          <a:rPr lang="en-US" sz="1600" b="0" i="1" smtClean="0">
+                            <a:solidFill>
+                              <a:schemeClr val="tx1"/>
+                            </a:solidFill>
+                            <a:latin typeface="Cambria Math" panose="02040503050406030204" pitchFamily="18" charset="0"/>
+                          </a:rPr>
+                          <m:t>𝑇</m:t>
+                        </m:r>
+                        <m:d>
+                          <m:dPr>
+                            <m:ctrlPr>
+                              <a:rPr lang="en-US" sz="1600" b="0" i="1" smtClean="0">
+                                <a:solidFill>
+                                  <a:schemeClr val="tx1"/>
+                                </a:solidFill>
+                                <a:latin typeface="Cambria Math" panose="02040503050406030204" pitchFamily="18" charset="0"/>
+                              </a:rPr>
+                            </m:ctrlPr>
+                          </m:dPr>
+                          <m:e>
+                            <m:r>
+                              <a:rPr lang="en-US" sz="1600" b="0" i="1" smtClean="0">
+                                <a:solidFill>
+                                  <a:schemeClr val="tx1"/>
+                                </a:solidFill>
+                                <a:latin typeface="Cambria Math" panose="02040503050406030204" pitchFamily="18" charset="0"/>
+                              </a:rPr>
+                              <m:t>𝑘</m:t>
+                            </m:r>
+                            <m:r>
+                              <a:rPr lang="en-US" sz="1600" b="0" i="1" smtClean="0">
+                                <a:solidFill>
+                                  <a:schemeClr val="tx1"/>
+                                </a:solidFill>
+                                <a:latin typeface="Cambria Math" panose="02040503050406030204" pitchFamily="18" charset="0"/>
+                              </a:rPr>
+                              <m:t>−</m:t>
+                            </m:r>
+                            <m:r>
+                              <a:rPr lang="en-US" sz="1600" b="0" i="1" smtClean="0">
+                                <a:solidFill>
+                                  <a:schemeClr val="tx1"/>
+                                </a:solidFill>
+                                <a:latin typeface="Cambria Math" panose="02040503050406030204" pitchFamily="18" charset="0"/>
+                              </a:rPr>
+                              <m:t>𝑖</m:t>
+                            </m:r>
+                            <m:r>
+                              <a:rPr lang="en-US" sz="1600" b="0" i="1" smtClean="0">
+                                <a:solidFill>
+                                  <a:schemeClr val="tx1"/>
+                                </a:solidFill>
+                                <a:latin typeface="Cambria Math" panose="02040503050406030204" pitchFamily="18" charset="0"/>
+                              </a:rPr>
+                              <m:t>+1</m:t>
+                            </m:r>
+                          </m:e>
+                        </m:d>
+                        <m:r>
+                          <a:rPr lang="en-US" sz="1600" b="0" i="1" smtClean="0">
+                            <a:solidFill>
+                              <a:schemeClr val="tx1"/>
+                            </a:solidFill>
+                            <a:latin typeface="Cambria Math" panose="02040503050406030204" pitchFamily="18" charset="0"/>
+                          </a:rPr>
+                          <m:t>+</m:t>
+                        </m:r>
+                        <m:r>
+                          <a:rPr lang="en-US" sz="1600" b="0" i="1" smtClean="0">
+                            <a:solidFill>
+                              <a:schemeClr val="tx1"/>
+                            </a:solidFill>
+                            <a:latin typeface="Cambria Math" panose="02040503050406030204" pitchFamily="18" charset="0"/>
+                          </a:rPr>
+                          <m:t>𝑇</m:t>
+                        </m:r>
+                        <m:d>
+                          <m:dPr>
+                            <m:ctrlPr>
+                              <a:rPr lang="en-US" sz="1600" b="0" i="1" smtClean="0">
+                                <a:solidFill>
+                                  <a:schemeClr val="tx1"/>
+                                </a:solidFill>
+                                <a:latin typeface="Cambria Math" panose="02040503050406030204" pitchFamily="18" charset="0"/>
+                              </a:rPr>
+                            </m:ctrlPr>
+                          </m:dPr>
+                          <m:e>
+                            <m:r>
+                              <a:rPr lang="en-US" sz="1600" b="0" i="1" smtClean="0">
+                                <a:solidFill>
+                                  <a:schemeClr val="tx1"/>
+                                </a:solidFill>
+                                <a:latin typeface="Cambria Math" panose="02040503050406030204" pitchFamily="18" charset="0"/>
+                              </a:rPr>
+                              <m:t>𝑗</m:t>
+                            </m:r>
+                            <m:r>
+                              <a:rPr lang="en-US" sz="1600" b="0" i="1" smtClean="0">
+                                <a:solidFill>
+                                  <a:schemeClr val="tx1"/>
+                                </a:solidFill>
+                                <a:latin typeface="Cambria Math" panose="02040503050406030204" pitchFamily="18" charset="0"/>
+                              </a:rPr>
+                              <m:t>−</m:t>
+                            </m:r>
+                            <m:r>
+                              <a:rPr lang="en-US" sz="1600" b="0" i="1" smtClean="0">
+                                <a:solidFill>
+                                  <a:schemeClr val="tx1"/>
+                                </a:solidFill>
+                                <a:latin typeface="Cambria Math" panose="02040503050406030204" pitchFamily="18" charset="0"/>
+                              </a:rPr>
+                              <m:t>𝑘</m:t>
+                            </m:r>
+                          </m:e>
+                        </m:d>
+                        <m:r>
+                          <a:rPr lang="en-US" sz="1600" b="0" i="1" smtClean="0">
+                            <a:solidFill>
+                              <a:schemeClr val="tx1"/>
+                            </a:solidFill>
+                            <a:latin typeface="Cambria Math" panose="02040503050406030204" pitchFamily="18" charset="0"/>
+                          </a:rPr>
+                          <m:t>)</m:t>
+                        </m:r>
+                      </m:e>
+                    </m:nary>
+                    <m:r>
+                      <a:rPr lang="en-US" sz="1600" b="0" i="1" smtClean="0">
+                        <a:solidFill>
+                          <a:schemeClr val="tx1"/>
+                        </a:solidFill>
+                        <a:latin typeface="Cambria Math" panose="02040503050406030204" pitchFamily="18" charset="0"/>
+                      </a:rPr>
+                      <m:t>+</m:t>
+                    </m:r>
+                    <m:r>
+                      <a:rPr lang="en-US" sz="1600" b="0" i="1" smtClean="0">
+                        <a:solidFill>
+                          <a:schemeClr val="tx1"/>
+                        </a:solidFill>
+                        <a:latin typeface="Cambria Math" panose="02040503050406030204" pitchFamily="18" charset="0"/>
+                      </a:rPr>
+                      <m:t>𝑐</m:t>
+                    </m:r>
+                  </m:oMath>
+                </a14:m>
+                <a:r>
+                  <a:rPr lang="en-US" sz="1600" dirty="0">
+                    <a:solidFill>
+                      <a:schemeClr val="accent1"/>
+                    </a:solidFill>
+                  </a:rPr>
+                  <a:t>                            if</a:t>
+                </a:r>
+                <a:r>
+                  <a:rPr lang="en-US" sz="1600" dirty="0"/>
+                  <a:t> </a:t>
+                </a:r>
+                <a14:m>
+                  <m:oMath xmlns:m="http://schemas.openxmlformats.org/officeDocument/2006/math">
+                    <m:r>
+                      <a:rPr lang="en-US" sz="1600" i="1">
+                        <a:latin typeface="Cambria Math" panose="02040503050406030204" pitchFamily="18" charset="0"/>
+                      </a:rPr>
+                      <m:t>𝑗</m:t>
+                    </m:r>
+                    <m:r>
+                      <a:rPr lang="en-US" sz="1600" i="1">
+                        <a:latin typeface="Cambria Math" panose="02040503050406030204" pitchFamily="18" charset="0"/>
+                      </a:rPr>
+                      <m:t>−</m:t>
+                    </m:r>
+                    <m:r>
+                      <a:rPr lang="en-US" sz="1600" i="1">
+                        <a:latin typeface="Cambria Math" panose="02040503050406030204" pitchFamily="18" charset="0"/>
+                      </a:rPr>
+                      <m:t>𝑖</m:t>
+                    </m:r>
+                    <m:r>
+                      <a:rPr lang="en-US" sz="1600" i="1">
+                        <a:latin typeface="Cambria Math" panose="02040503050406030204" pitchFamily="18" charset="0"/>
+                      </a:rPr>
+                      <m:t>+1≥2</m:t>
+                    </m:r>
+                  </m:oMath>
+                </a14:m>
+                <a:endParaRPr lang="en-US" sz="1600" dirty="0">
+                  <a:solidFill>
+                    <a:schemeClr val="accent1"/>
+                  </a:solidFill>
+                </a:endParaRPr>
+              </a:p>
+              <a:p>
+                <a:pPr/>
+                <a:endParaRPr lang="en-US" sz="1600" dirty="0">
+                  <a:solidFill>
+                    <a:schemeClr val="accent1"/>
+                  </a:solidFill>
+                </a:endParaRPr>
+              </a:p>
+              <a:p>
+                <a:pPr/>
+                <a:r>
+                  <a:rPr lang="en-US" sz="1600" dirty="0">
+                    <a:solidFill>
+                      <a:schemeClr val="accent1"/>
+                    </a:solidFill>
+                  </a:rPr>
+                  <a:t>Let </a:t>
+                </a:r>
+                <a14:m>
+                  <m:oMath xmlns:m="http://schemas.openxmlformats.org/officeDocument/2006/math">
+                    <m:r>
+                      <a:rPr lang="en-US" sz="1600" i="1">
+                        <a:latin typeface="Cambria Math" panose="02040503050406030204" pitchFamily="18" charset="0"/>
+                      </a:rPr>
+                      <m:t>𝑛</m:t>
+                    </m:r>
+                    <m:r>
+                      <a:rPr lang="en-US" sz="1600" i="1">
+                        <a:latin typeface="Cambria Math" panose="02040503050406030204" pitchFamily="18" charset="0"/>
+                      </a:rPr>
+                      <m:t>=</m:t>
+                    </m:r>
+                    <m:r>
+                      <a:rPr lang="en-US" sz="1600" i="1">
+                        <a:latin typeface="Cambria Math" panose="02040503050406030204" pitchFamily="18" charset="0"/>
+                      </a:rPr>
+                      <m:t>𝑗</m:t>
+                    </m:r>
+                    <m:r>
+                      <a:rPr lang="en-US" sz="1600" i="1">
+                        <a:latin typeface="Cambria Math" panose="02040503050406030204" pitchFamily="18" charset="0"/>
+                      </a:rPr>
+                      <m:t>−</m:t>
+                    </m:r>
+                    <m:r>
+                      <a:rPr lang="en-US" sz="1600" i="1">
+                        <a:latin typeface="Cambria Math" panose="02040503050406030204" pitchFamily="18" charset="0"/>
+                      </a:rPr>
+                      <m:t>𝑖</m:t>
+                    </m:r>
+                    <m:r>
+                      <a:rPr lang="en-US" sz="1600" i="1">
+                        <a:latin typeface="Cambria Math" panose="02040503050406030204" pitchFamily="18" charset="0"/>
+                      </a:rPr>
+                      <m:t>+1</m:t>
+                    </m:r>
+                  </m:oMath>
+                </a14:m>
+                <a:r>
+                  <a:rPr lang="en-US" sz="1600" dirty="0">
+                    <a:solidFill>
+                      <a:schemeClr val="accent1"/>
+                    </a:solidFill>
+                  </a:rPr>
+                  <a:t>.</a:t>
+                </a:r>
+              </a:p>
+              <a:p>
+                <a:pPr/>
+                <a:endParaRPr lang="en-US" sz="1600" dirty="0">
+                  <a:solidFill>
+                    <a:schemeClr val="accent1"/>
+                  </a:solidFill>
+                </a:endParaRPr>
+              </a:p>
+              <a:p>
+                <a:pPr/>
+                <a:r>
+                  <a:rPr lang="en-US" sz="1600" dirty="0">
+                    <a:solidFill>
+                      <a:schemeClr val="accent1"/>
+                    </a:solidFill>
+                  </a:rPr>
+                  <a:t>	</a:t>
+                </a:r>
+                <a14:m>
+                  <m:oMath xmlns:m="http://schemas.openxmlformats.org/officeDocument/2006/math">
+                    <m:r>
+                      <a:rPr lang="en-US" sz="1600" i="1">
+                        <a:latin typeface="Cambria Math" panose="02040503050406030204" pitchFamily="18" charset="0"/>
+                      </a:rPr>
+                      <m:t>𝑇</m:t>
+                    </m:r>
+                    <m:d>
+                      <m:dPr>
+                        <m:ctrlPr>
+                          <a:rPr lang="en-US" sz="1600" i="1">
+                            <a:latin typeface="Cambria Math" panose="02040503050406030204" pitchFamily="18" charset="0"/>
+                          </a:rPr>
+                        </m:ctrlPr>
+                      </m:dPr>
+                      <m:e>
+                        <m:r>
+                          <a:rPr lang="en-US" sz="1600" b="0" i="1" smtClean="0">
+                            <a:latin typeface="Cambria Math" panose="02040503050406030204" pitchFamily="18" charset="0"/>
+                          </a:rPr>
+                          <m:t>𝑛</m:t>
+                        </m:r>
+                      </m:e>
+                    </m:d>
+                    <m:r>
+                      <a:rPr lang="en-US" sz="1600" i="1">
+                        <a:latin typeface="Cambria Math" panose="02040503050406030204" pitchFamily="18" charset="0"/>
+                      </a:rPr>
+                      <m:t>= </m:t>
+                    </m:r>
+                    <m:nary>
+                      <m:naryPr>
+                        <m:chr m:val="∑"/>
+                        <m:ctrlPr>
+                          <a:rPr lang="en-US" sz="1600" i="1">
+                            <a:latin typeface="Cambria Math" panose="02040503050406030204" pitchFamily="18" charset="0"/>
+                          </a:rPr>
+                        </m:ctrlPr>
+                      </m:naryPr>
+                      <m:sub>
+                        <m:r>
+                          <m:rPr>
+                            <m:brk m:alnAt="23"/>
+                          </m:rPr>
+                          <a:rPr lang="en-US" sz="1600" i="1">
+                            <a:latin typeface="Cambria Math" panose="02040503050406030204" pitchFamily="18" charset="0"/>
+                          </a:rPr>
+                          <m:t>𝑘</m:t>
+                        </m:r>
+                        <m:r>
+                          <a:rPr lang="en-US" sz="1600" i="1">
+                            <a:latin typeface="Cambria Math" panose="02040503050406030204" pitchFamily="18" charset="0"/>
+                          </a:rPr>
+                          <m:t>=</m:t>
+                        </m:r>
+                        <m:r>
+                          <a:rPr lang="en-US" sz="1600" i="1">
+                            <a:latin typeface="Cambria Math" panose="02040503050406030204" pitchFamily="18" charset="0"/>
+                          </a:rPr>
+                          <m:t>𝑖</m:t>
+                        </m:r>
+                      </m:sub>
+                      <m:sup>
+                        <m:r>
+                          <a:rPr lang="en-US" sz="1600" b="0" i="1" smtClean="0">
+                            <a:latin typeface="Cambria Math" panose="02040503050406030204" pitchFamily="18" charset="0"/>
+                          </a:rPr>
+                          <m:t>𝑛</m:t>
+                        </m:r>
+                        <m:r>
+                          <a:rPr lang="en-US" sz="1600" i="1">
+                            <a:latin typeface="Cambria Math" panose="02040503050406030204" pitchFamily="18" charset="0"/>
+                          </a:rPr>
+                          <m:t>−1</m:t>
+                        </m:r>
+                      </m:sup>
+                      <m:e>
+                        <m:r>
+                          <a:rPr lang="en-US" sz="1600" i="1">
+                            <a:latin typeface="Cambria Math" panose="02040503050406030204" pitchFamily="18" charset="0"/>
+                          </a:rPr>
+                          <m:t>(</m:t>
+                        </m:r>
+                        <m:r>
+                          <a:rPr lang="en-US" sz="1600" i="1">
+                            <a:latin typeface="Cambria Math" panose="02040503050406030204" pitchFamily="18" charset="0"/>
+                          </a:rPr>
+                          <m:t>𝑇</m:t>
+                        </m:r>
+                        <m:d>
+                          <m:dPr>
+                            <m:ctrlPr>
+                              <a:rPr lang="en-US" sz="1600" i="1">
+                                <a:latin typeface="Cambria Math" panose="02040503050406030204" pitchFamily="18" charset="0"/>
+                              </a:rPr>
+                            </m:ctrlPr>
+                          </m:dPr>
+                          <m:e>
+                            <m:r>
+                              <a:rPr lang="en-US" sz="1600" b="0" i="1" smtClean="0">
+                                <a:latin typeface="Cambria Math" panose="02040503050406030204" pitchFamily="18" charset="0"/>
+                              </a:rPr>
+                              <m:t>𝑖</m:t>
+                            </m:r>
+                          </m:e>
+                        </m:d>
+                        <m:r>
+                          <a:rPr lang="en-US" sz="1600" i="1">
+                            <a:latin typeface="Cambria Math" panose="02040503050406030204" pitchFamily="18" charset="0"/>
+                          </a:rPr>
+                          <m:t>+</m:t>
+                        </m:r>
+                        <m:r>
+                          <a:rPr lang="en-US" sz="1600" i="1">
+                            <a:latin typeface="Cambria Math" panose="02040503050406030204" pitchFamily="18" charset="0"/>
+                          </a:rPr>
+                          <m:t>𝑇</m:t>
+                        </m:r>
+                        <m:d>
+                          <m:dPr>
+                            <m:ctrlPr>
+                              <a:rPr lang="en-US" sz="1600" i="1">
+                                <a:latin typeface="Cambria Math" panose="02040503050406030204" pitchFamily="18" charset="0"/>
+                              </a:rPr>
+                            </m:ctrlPr>
+                          </m:dPr>
+                          <m:e>
+                            <m:r>
+                              <a:rPr lang="en-US" sz="1600" b="0" i="1" smtClean="0">
+                                <a:latin typeface="Cambria Math" panose="02040503050406030204" pitchFamily="18" charset="0"/>
+                              </a:rPr>
+                              <m:t>𝑛</m:t>
+                            </m:r>
+                            <m:r>
+                              <a:rPr lang="en-US" sz="1600" b="0" i="1" smtClean="0">
+                                <a:latin typeface="Cambria Math" panose="02040503050406030204" pitchFamily="18" charset="0"/>
+                              </a:rPr>
+                              <m:t>−</m:t>
+                            </m:r>
+                            <m:r>
+                              <a:rPr lang="en-US" sz="1600" b="0" i="1" smtClean="0">
+                                <a:latin typeface="Cambria Math" panose="02040503050406030204" pitchFamily="18" charset="0"/>
+                              </a:rPr>
+                              <m:t>𝑖</m:t>
+                            </m:r>
+                          </m:e>
+                        </m:d>
+                        <m:r>
+                          <a:rPr lang="en-US" sz="1600" i="1">
+                            <a:latin typeface="Cambria Math" panose="02040503050406030204" pitchFamily="18" charset="0"/>
+                          </a:rPr>
+                          <m:t>)</m:t>
+                        </m:r>
+                      </m:e>
+                    </m:nary>
+                    <m:r>
+                      <a:rPr lang="en-US" sz="1600" i="1">
+                        <a:latin typeface="Cambria Math" panose="02040503050406030204" pitchFamily="18" charset="0"/>
+                      </a:rPr>
+                      <m:t>+</m:t>
+                    </m:r>
+                    <m:r>
+                      <a:rPr lang="en-US" sz="1600" i="1">
+                        <a:latin typeface="Cambria Math" panose="02040503050406030204" pitchFamily="18" charset="0"/>
+                      </a:rPr>
+                      <m:t>𝑐</m:t>
+                    </m:r>
+                  </m:oMath>
+                </a14:m>
+                <a:r>
+                  <a:rPr lang="en-US" sz="1600" dirty="0">
+                    <a:solidFill>
+                      <a:schemeClr val="accent1"/>
+                    </a:solidFill>
+                  </a:rPr>
+                  <a:t>                           		   if</a:t>
+                </a:r>
+                <a:r>
+                  <a:rPr lang="en-US" sz="1600" dirty="0"/>
+                  <a:t> </a:t>
+                </a:r>
+                <a14:m>
+                  <m:oMath xmlns:m="http://schemas.openxmlformats.org/officeDocument/2006/math">
+                    <m:r>
+                      <a:rPr lang="en-US" sz="1600" b="0" i="1" smtClean="0">
+                        <a:latin typeface="Cambria Math" panose="02040503050406030204" pitchFamily="18" charset="0"/>
+                      </a:rPr>
+                      <m:t>𝑛</m:t>
+                    </m:r>
+                    <m:r>
+                      <a:rPr lang="en-US" sz="1600" i="1">
+                        <a:latin typeface="Cambria Math" panose="02040503050406030204" pitchFamily="18" charset="0"/>
+                      </a:rPr>
+                      <m:t>≥2</m:t>
+                    </m:r>
+                  </m:oMath>
+                </a14:m>
+                <a:endParaRPr lang="en-US" sz="1600" i="1" dirty="0">
+                  <a:solidFill>
+                    <a:schemeClr val="accent1"/>
+                  </a:solidFill>
+                </a:endParaRPr>
+              </a:p>
+              <a:p>
+                <a:pPr/>
+                <a:br>
+                  <a:rPr lang="en-US" sz="1600" dirty="0">
+                    <a:solidFill>
+                      <a:schemeClr val="accent1"/>
+                    </a:solidFill>
+                  </a:rPr>
+                </a:br>
+                <a:br>
+                  <a:rPr lang="en-US" sz="1600" dirty="0">
+                    <a:solidFill>
+                      <a:schemeClr val="accent1"/>
+                    </a:solidFill>
+                  </a:rPr>
+                </a:br>
+                <a:r>
+                  <a:rPr lang="en-US" sz="1600" dirty="0">
+                    <a:solidFill>
+                      <a:schemeClr val="accent1"/>
+                    </a:solidFill>
+                  </a:rPr>
+                  <a:t>The running time is exponential in the chain length </a:t>
+                </a:r>
+                <a14:m>
+                  <m:oMath xmlns:m="http://schemas.openxmlformats.org/officeDocument/2006/math">
+                    <m:r>
+                      <a:rPr lang="en-US" sz="1600" b="0" i="1" smtClean="0">
+                        <a:latin typeface="Cambria Math" panose="02040503050406030204" pitchFamily="18" charset="0"/>
+                      </a:rPr>
+                      <m:t>𝑛</m:t>
+                    </m:r>
+                    <m:r>
+                      <a:rPr lang="en-US" sz="1600" b="0" i="1" smtClean="0">
+                        <a:latin typeface="Cambria Math" panose="02040503050406030204" pitchFamily="18" charset="0"/>
+                      </a:rPr>
+                      <m:t>=</m:t>
+                    </m:r>
+                    <m:r>
+                      <a:rPr lang="en-US" sz="1600" b="0" i="1" smtClean="0">
+                        <a:latin typeface="Cambria Math" panose="02040503050406030204" pitchFamily="18" charset="0"/>
+                      </a:rPr>
+                      <m:t>𝑗</m:t>
+                    </m:r>
+                    <m:r>
+                      <a:rPr lang="en-US" sz="1600" b="0" i="1" smtClean="0">
+                        <a:latin typeface="Cambria Math" panose="02040503050406030204" pitchFamily="18" charset="0"/>
+                      </a:rPr>
+                      <m:t>−</m:t>
+                    </m:r>
+                    <m:r>
+                      <a:rPr lang="en-US" sz="1600" b="0" i="1" smtClean="0">
+                        <a:latin typeface="Cambria Math" panose="02040503050406030204" pitchFamily="18" charset="0"/>
+                      </a:rPr>
+                      <m:t>𝑖</m:t>
+                    </m:r>
+                    <m:r>
+                      <a:rPr lang="en-US" sz="1600" b="0" i="1" smtClean="0">
+                        <a:latin typeface="Cambria Math" panose="02040503050406030204" pitchFamily="18" charset="0"/>
+                      </a:rPr>
+                      <m:t>+1</m:t>
+                    </m:r>
+                  </m:oMath>
+                </a14:m>
+                <a:r>
+                  <a:rPr lang="en-US" sz="1600" dirty="0">
                     <a:solidFill>
                       <a:schemeClr val="accent1"/>
                     </a:solidFill>
@@ -15353,7 +16621,7 @@
             </p:txBody>
           </p:sp>
         </mc:Choice>
-        <mc:Fallback xmlns="">
+        <mc:Fallback>
           <p:sp>
             <p:nvSpPr>
               <p:cNvPr id="7" name="TextBox 6">
@@ -15370,8 +16638,8 @@
             </p:nvSpPr>
             <p:spPr>
               <a:xfrm>
-                <a:off x="1958595" y="5292259"/>
-                <a:ext cx="7893429" cy="523220"/>
+                <a:off x="905161" y="3429000"/>
+                <a:ext cx="8975724" cy="2873928"/>
               </a:xfrm>
               <a:prstGeom prst="rect">
                 <a:avLst/>
@@ -15379,7 +16647,7 @@
               <a:blipFill>
                 <a:blip r:embed="rId3"/>
                 <a:stretch>
-                  <a:fillRect l="-1544" t="-10465" r="-2625" b="-32558"/>
+                  <a:fillRect l="-339" t="-637" b="-1699"/>
                 </a:stretch>
               </a:blipFill>
             </p:spPr>
@@ -15995,7 +17263,7 @@
         </p:blipFill>
         <p:spPr>
           <a:xfrm>
-            <a:off x="2533812" y="1814513"/>
+            <a:off x="838200" y="1519238"/>
             <a:ext cx="7333926" cy="2797969"/>
           </a:xfrm>
         </p:spPr>
@@ -16016,8 +17284,8 @@
             </p:nvSpPr>
             <p:spPr>
               <a:xfrm>
-                <a:off x="2467299" y="4981575"/>
-                <a:ext cx="7896225" cy="1200329"/>
+                <a:off x="838200" y="4733925"/>
+                <a:ext cx="9715500" cy="923330"/>
               </a:xfrm>
               <a:prstGeom prst="rect">
                 <a:avLst/>
@@ -16200,8 +17468,8 @@
             </p:nvSpPr>
             <p:spPr>
               <a:xfrm>
-                <a:off x="2467299" y="4981575"/>
-                <a:ext cx="7896225" cy="1200329"/>
+                <a:off x="838200" y="4733925"/>
+                <a:ext cx="9715500" cy="923330"/>
               </a:xfrm>
               <a:prstGeom prst="rect">
                 <a:avLst/>
@@ -16209,7 +17477,7 @@
               <a:blipFill>
                 <a:blip r:embed="rId3"/>
                 <a:stretch>
-                  <a:fillRect l="-695" t="-2538" b="-7107"/>
+                  <a:fillRect l="-565" t="-3974" r="-879" b="-9934"/>
                 </a:stretch>
               </a:blipFill>
             </p:spPr>
@@ -16326,8 +17594,8 @@
           </a:xfrm>
         </p:spPr>
       </p:pic>
-      <mc:AlternateContent xmlns:mc="http://schemas.openxmlformats.org/markup-compatibility/2006">
-        <mc:Choice xmlns:a14="http://schemas.microsoft.com/office/drawing/2010/main" Requires="a14">
+      <mc:AlternateContent xmlns:mc="http://schemas.openxmlformats.org/markup-compatibility/2006" xmlns:a14="http://schemas.microsoft.com/office/drawing/2010/main">
+        <mc:Choice Requires="a14">
           <p:sp>
             <p:nvSpPr>
               <p:cNvPr id="3" name="TextBox 2">
@@ -16656,7 +17924,7 @@
             </p:txBody>
           </p:sp>
         </mc:Choice>
-        <mc:Fallback>
+        <mc:Fallback xmlns="">
           <p:sp>
             <p:nvSpPr>
               <p:cNvPr id="3" name="TextBox 2">
@@ -27979,8 +29247,8 @@
           </a:p>
         </p:txBody>
       </p:sp>
-      <mc:AlternateContent xmlns:mc="http://schemas.openxmlformats.org/markup-compatibility/2006">
-        <mc:Choice xmlns:a14="http://schemas.microsoft.com/office/drawing/2010/main" Requires="a14">
+      <mc:AlternateContent xmlns:mc="http://schemas.openxmlformats.org/markup-compatibility/2006" xmlns:a14="http://schemas.microsoft.com/office/drawing/2010/main">
+        <mc:Choice Requires="a14">
           <p:sp>
             <p:nvSpPr>
               <p:cNvPr id="3" name="Content Placeholder 2">
@@ -28362,13 +29630,7 @@
                           <a:rPr lang="en-US" sz="1800" b="0" i="1" smtClean="0">
                             <a:latin typeface="Cambria Math" panose="02040503050406030204" pitchFamily="18" charset="0"/>
                           </a:rPr>
-                          <m:t>−</m:t>
-                        </m:r>
-                        <m:r>
-                          <a:rPr lang="en-US" sz="1800" b="0" i="1" smtClean="0">
-                            <a:latin typeface="Cambria Math" panose="02040503050406030204" pitchFamily="18" charset="0"/>
-                          </a:rPr>
-                          <m:t>4</m:t>
+                          <m:t>−4</m:t>
                         </m:r>
                       </m:e>
                     </m:d>
@@ -28424,13 +29686,7 @@
                       <a:rPr lang="en-US" sz="1800" b="0" i="1" smtClean="0">
                         <a:latin typeface="Cambria Math" panose="02040503050406030204" pitchFamily="18" charset="0"/>
                       </a:rPr>
-                      <m:t>≥  2</m:t>
-                    </m:r>
-                    <m:r>
-                      <a:rPr lang="en-US" sz="1800" b="0" i="1" smtClean="0">
-                        <a:latin typeface="Cambria Math" panose="02040503050406030204" pitchFamily="18" charset="0"/>
-                      </a:rPr>
-                      <m:t>{2</m:t>
+                      <m:t>≥  2{2</m:t>
                     </m:r>
                     <m:r>
                       <a:rPr lang="en-US" sz="1800" b="0" i="1" smtClean="0">
@@ -28504,13 +29760,7 @@
                       <a:rPr lang="en-US" sz="1800" b="0" i="1" smtClean="0">
                         <a:latin typeface="Cambria Math" panose="02040503050406030204" pitchFamily="18" charset="0"/>
                       </a:rPr>
-                      <m:t>                                          =</m:t>
-                    </m:r>
-                    <m:r>
-                      <a:rPr lang="en-US" sz="1800" b="0" i="1" smtClean="0">
-                        <a:latin typeface="Cambria Math" panose="02040503050406030204" pitchFamily="18" charset="0"/>
-                      </a:rPr>
-                      <m:t>  </m:t>
+                      <m:t>                                          =  </m:t>
                     </m:r>
                     <m:sSup>
                       <m:sSupPr>
@@ -29591,7 +30841,7 @@
             </p:txBody>
           </p:sp>
         </mc:Choice>
-        <mc:Fallback>
+        <mc:Fallback xmlns="">
           <p:sp>
             <p:nvSpPr>
               <p:cNvPr id="3" name="Content Placeholder 2">
@@ -29698,8 +30948,8 @@
           </a:p>
         </p:txBody>
       </p:sp>
-      <mc:AlternateContent xmlns:mc="http://schemas.openxmlformats.org/markup-compatibility/2006">
-        <mc:Choice xmlns:a14="http://schemas.microsoft.com/office/drawing/2010/main" Requires="a14">
+      <mc:AlternateContent xmlns:mc="http://schemas.openxmlformats.org/markup-compatibility/2006" xmlns:a14="http://schemas.microsoft.com/office/drawing/2010/main">
+        <mc:Choice Requires="a14">
           <p:sp>
             <p:nvSpPr>
               <p:cNvPr id="3" name="Content Placeholder 2">
@@ -30833,7 +32083,7 @@
             </p:txBody>
           </p:sp>
         </mc:Choice>
-        <mc:Fallback>
+        <mc:Fallback xmlns="">
           <p:sp>
             <p:nvSpPr>
               <p:cNvPr id="3" name="Content Placeholder 2">
@@ -31728,8 +32978,8 @@
           </a:p>
         </p:txBody>
       </p:sp>
-      <mc:AlternateContent xmlns:mc="http://schemas.openxmlformats.org/markup-compatibility/2006">
-        <mc:Choice xmlns:a14="http://schemas.microsoft.com/office/drawing/2010/main" Requires="a14">
+      <mc:AlternateContent xmlns:mc="http://schemas.openxmlformats.org/markup-compatibility/2006" xmlns:a14="http://schemas.microsoft.com/office/drawing/2010/main">
+        <mc:Choice Requires="a14">
           <p:sp>
             <p:nvSpPr>
               <p:cNvPr id="7" name="TextBox 6">
@@ -31960,7 +33210,7 @@
             </p:txBody>
           </p:sp>
         </mc:Choice>
-        <mc:Fallback>
+        <mc:Fallback xmlns="">
           <p:sp>
             <p:nvSpPr>
               <p:cNvPr id="7" name="TextBox 6">

--- a/Lectures/Lecture 7.pptx
+++ b/Lectures/Lecture 7.pptx
@@ -5,7 +5,7 @@
     <p:sldMasterId id="2147483648" r:id="rId1"/>
   </p:sldMasterIdLst>
   <p:notesMasterIdLst>
-    <p:notesMasterId r:id="rId45"/>
+    <p:notesMasterId r:id="rId43"/>
   </p:notesMasterIdLst>
   <p:sldIdLst>
     <p:sldId id="256" r:id="rId2"/>
@@ -28,29 +28,27 @@
     <p:sldId id="324" r:id="rId19"/>
     <p:sldId id="325" r:id="rId20"/>
     <p:sldId id="326" r:id="rId21"/>
-    <p:sldId id="327" r:id="rId22"/>
-    <p:sldId id="328" r:id="rId23"/>
-    <p:sldId id="331" r:id="rId24"/>
-    <p:sldId id="329" r:id="rId25"/>
-    <p:sldId id="330" r:id="rId26"/>
-    <p:sldId id="332" r:id="rId27"/>
-    <p:sldId id="333" r:id="rId28"/>
-    <p:sldId id="334" r:id="rId29"/>
-    <p:sldId id="315" r:id="rId30"/>
-    <p:sldId id="316" r:id="rId31"/>
-    <p:sldId id="317" r:id="rId32"/>
-    <p:sldId id="318" r:id="rId33"/>
-    <p:sldId id="335" r:id="rId34"/>
-    <p:sldId id="336" r:id="rId35"/>
-    <p:sldId id="337" r:id="rId36"/>
-    <p:sldId id="339" r:id="rId37"/>
-    <p:sldId id="338" r:id="rId38"/>
-    <p:sldId id="319" r:id="rId39"/>
-    <p:sldId id="340" r:id="rId40"/>
-    <p:sldId id="341" r:id="rId41"/>
-    <p:sldId id="342" r:id="rId42"/>
-    <p:sldId id="343" r:id="rId43"/>
-    <p:sldId id="344" r:id="rId44"/>
+    <p:sldId id="328" r:id="rId22"/>
+    <p:sldId id="331" r:id="rId23"/>
+    <p:sldId id="329" r:id="rId24"/>
+    <p:sldId id="330" r:id="rId25"/>
+    <p:sldId id="332" r:id="rId26"/>
+    <p:sldId id="333" r:id="rId27"/>
+    <p:sldId id="334" r:id="rId28"/>
+    <p:sldId id="315" r:id="rId29"/>
+    <p:sldId id="317" r:id="rId30"/>
+    <p:sldId id="318" r:id="rId31"/>
+    <p:sldId id="335" r:id="rId32"/>
+    <p:sldId id="336" r:id="rId33"/>
+    <p:sldId id="337" r:id="rId34"/>
+    <p:sldId id="339" r:id="rId35"/>
+    <p:sldId id="338" r:id="rId36"/>
+    <p:sldId id="319" r:id="rId37"/>
+    <p:sldId id="340" r:id="rId38"/>
+    <p:sldId id="341" r:id="rId39"/>
+    <p:sldId id="342" r:id="rId40"/>
+    <p:sldId id="343" r:id="rId41"/>
+    <p:sldId id="344" r:id="rId42"/>
   </p:sldIdLst>
   <p:sldSz cx="12192000" cy="6858000"/>
   <p:notesSz cx="6858000" cy="9144000"/>
@@ -251,7 +249,7 @@
           <a:p>
             <a:fld id="{1CB48AD5-CDAE-4B7B-B49D-6DB81FF5A179}" type="datetimeFigureOut">
               <a:rPr lang="en-US" smtClean="0"/>
-              <a:t>9/18/2020</a:t>
+              <a:t>9/21/2020</a:t>
             </a:fld>
             <a:endParaRPr lang="en-US"/>
           </a:p>
@@ -665,7 +663,7 @@
           <a:p>
             <a:fld id="{C4959B56-7D6D-462F-B061-93C9E323EE8A}" type="datetimeFigureOut">
               <a:rPr lang="en-US" smtClean="0"/>
-              <a:t>9/18/2020</a:t>
+              <a:t>9/21/2020</a:t>
             </a:fld>
             <a:endParaRPr lang="en-US"/>
           </a:p>
@@ -863,7 +861,7 @@
           <a:p>
             <a:fld id="{C4959B56-7D6D-462F-B061-93C9E323EE8A}" type="datetimeFigureOut">
               <a:rPr lang="en-US" smtClean="0"/>
-              <a:t>9/18/2020</a:t>
+              <a:t>9/21/2020</a:t>
             </a:fld>
             <a:endParaRPr lang="en-US"/>
           </a:p>
@@ -1071,7 +1069,7 @@
           <a:p>
             <a:fld id="{C4959B56-7D6D-462F-B061-93C9E323EE8A}" type="datetimeFigureOut">
               <a:rPr lang="en-US" smtClean="0"/>
-              <a:t>9/18/2020</a:t>
+              <a:t>9/21/2020</a:t>
             </a:fld>
             <a:endParaRPr lang="en-US"/>
           </a:p>
@@ -1269,7 +1267,7 @@
           <a:p>
             <a:fld id="{C4959B56-7D6D-462F-B061-93C9E323EE8A}" type="datetimeFigureOut">
               <a:rPr lang="en-US" smtClean="0"/>
-              <a:t>9/18/2020</a:t>
+              <a:t>9/21/2020</a:t>
             </a:fld>
             <a:endParaRPr lang="en-US"/>
           </a:p>
@@ -1544,7 +1542,7 @@
           <a:p>
             <a:fld id="{C4959B56-7D6D-462F-B061-93C9E323EE8A}" type="datetimeFigureOut">
               <a:rPr lang="en-US" smtClean="0"/>
-              <a:t>9/18/2020</a:t>
+              <a:t>9/21/2020</a:t>
             </a:fld>
             <a:endParaRPr lang="en-US"/>
           </a:p>
@@ -1809,7 +1807,7 @@
           <a:p>
             <a:fld id="{C4959B56-7D6D-462F-B061-93C9E323EE8A}" type="datetimeFigureOut">
               <a:rPr lang="en-US" smtClean="0"/>
-              <a:t>9/18/2020</a:t>
+              <a:t>9/21/2020</a:t>
             </a:fld>
             <a:endParaRPr lang="en-US"/>
           </a:p>
@@ -2221,7 +2219,7 @@
           <a:p>
             <a:fld id="{C4959B56-7D6D-462F-B061-93C9E323EE8A}" type="datetimeFigureOut">
               <a:rPr lang="en-US" smtClean="0"/>
-              <a:t>9/18/2020</a:t>
+              <a:t>9/21/2020</a:t>
             </a:fld>
             <a:endParaRPr lang="en-US"/>
           </a:p>
@@ -2362,7 +2360,7 @@
           <a:p>
             <a:fld id="{C4959B56-7D6D-462F-B061-93C9E323EE8A}" type="datetimeFigureOut">
               <a:rPr lang="en-US" smtClean="0"/>
-              <a:t>9/18/2020</a:t>
+              <a:t>9/21/2020</a:t>
             </a:fld>
             <a:endParaRPr lang="en-US"/>
           </a:p>
@@ -2475,7 +2473,7 @@
           <a:p>
             <a:fld id="{C4959B56-7D6D-462F-B061-93C9E323EE8A}" type="datetimeFigureOut">
               <a:rPr lang="en-US" smtClean="0"/>
-              <a:t>9/18/2020</a:t>
+              <a:t>9/21/2020</a:t>
             </a:fld>
             <a:endParaRPr lang="en-US"/>
           </a:p>
@@ -2786,7 +2784,7 @@
           <a:p>
             <a:fld id="{C4959B56-7D6D-462F-B061-93C9E323EE8A}" type="datetimeFigureOut">
               <a:rPr lang="en-US" smtClean="0"/>
-              <a:t>9/18/2020</a:t>
+              <a:t>9/21/2020</a:t>
             </a:fld>
             <a:endParaRPr lang="en-US"/>
           </a:p>
@@ -3074,7 +3072,7 @@
           <a:p>
             <a:fld id="{C4959B56-7D6D-462F-B061-93C9E323EE8A}" type="datetimeFigureOut">
               <a:rPr lang="en-US" smtClean="0"/>
-              <a:t>9/18/2020</a:t>
+              <a:t>9/21/2020</a:t>
             </a:fld>
             <a:endParaRPr lang="en-US"/>
           </a:p>
@@ -3315,7 +3313,7 @@
           <a:p>
             <a:fld id="{C4959B56-7D6D-462F-B061-93C9E323EE8A}" type="datetimeFigureOut">
               <a:rPr lang="en-US" smtClean="0"/>
-              <a:t>9/18/2020</a:t>
+              <a:t>9/21/2020</a:t>
             </a:fld>
             <a:endParaRPr lang="en-US"/>
           </a:p>
@@ -4991,7 +4989,7 @@
             <p:spPr/>
             <p:txBody>
               <a:bodyPr>
-                <a:normAutofit fontScale="92500" lnSpcReduction="10000"/>
+                <a:normAutofit fontScale="85000" lnSpcReduction="20000"/>
               </a:bodyPr>
               <a:lstStyle/>
               <a:p>
@@ -5223,6 +5221,26 @@
                   </a:rPr>
                   <a:t> </a:t>
                 </a:r>
+              </a:p>
+              <a:p>
+                <a:pPr marL="457200" lvl="1" indent="0">
+                  <a:buNone/>
+                </a:pPr>
+                <a:endParaRPr lang="en-US" sz="3000" dirty="0">
+                  <a:solidFill>
+                    <a:srgbClr val="FF0000"/>
+                  </a:solidFill>
+                </a:endParaRPr>
+              </a:p>
+              <a:p>
+                <a:pPr marL="457200" lvl="1" indent="0">
+                  <a:buNone/>
+                </a:pPr>
+                <a:endParaRPr lang="en-US" sz="3000" dirty="0">
+                  <a:solidFill>
+                    <a:srgbClr val="FF0000"/>
+                  </a:solidFill>
+                </a:endParaRPr>
               </a:p>
               <a:p>
                 <a:pPr marL="457200" lvl="1" indent="0">
@@ -5289,7 +5307,7 @@
               <a:blipFill>
                 <a:blip r:embed="rId2"/>
                 <a:stretch>
-                  <a:fillRect l="-1043" t="-2801" b="-1681"/>
+                  <a:fillRect l="-928" t="-3221" b="-1681"/>
                 </a:stretch>
               </a:blipFill>
             </p:spPr>
@@ -5336,7 +5354,7 @@
         </p:blipFill>
         <p:spPr>
           <a:xfrm>
-            <a:off x="6096000" y="2349500"/>
+            <a:off x="5486400" y="1825625"/>
             <a:ext cx="5072247" cy="2836096"/>
           </a:xfrm>
           <a:prstGeom prst="rect">
@@ -5425,7 +5443,7 @@
         <p:spPr/>
         <p:txBody>
           <a:bodyPr>
-            <a:normAutofit lnSpcReduction="10000"/>
+            <a:normAutofit/>
           </a:bodyPr>
           <a:lstStyle/>
           <a:p>
@@ -5454,68 +5472,62 @@
                   <a:srgbClr val="FF0000"/>
                 </a:solidFill>
               </a:rPr>
-              <a:t>:</a:t>
+              <a:t>: </a:t>
             </a:r>
           </a:p>
           <a:p>
-            <a:pPr lvl="2"/>
+            <a:pPr marL="0" indent="0">
+              <a:buNone/>
+            </a:pPr>
+            <a:r>
+              <a:rPr lang="en-US" b="1" i="1" dirty="0">
+                <a:solidFill>
+                  <a:srgbClr val="FF0000"/>
+                </a:solidFill>
+              </a:rPr>
+              <a:t>	</a:t>
+            </a:r>
+            <a:r>
+              <a:rPr lang="en-US" sz="1800" b="1" i="1" dirty="0">
+                <a:solidFill>
+                  <a:srgbClr val="FF0000"/>
+                </a:solidFill>
+              </a:rPr>
+              <a:t>Recursion</a:t>
+            </a:r>
+          </a:p>
+          <a:p>
+            <a:pPr lvl="3"/>
             <a:r>
               <a:rPr lang="en-US" dirty="0">
                 <a:solidFill>
                   <a:schemeClr val="accent1"/>
                 </a:solidFill>
               </a:rPr>
-              <a:t>Divides the original problem into smaller subproblems</a:t>
+              <a:t>Divides a problem into smaller subproblems</a:t>
             </a:r>
           </a:p>
           <a:p>
-            <a:pPr lvl="2"/>
+            <a:pPr lvl="3"/>
             <a:r>
               <a:rPr lang="en-US" dirty="0">
                 <a:solidFill>
                   <a:schemeClr val="accent1"/>
                 </a:solidFill>
               </a:rPr>
-              <a:t>Solves the subproblems</a:t>
+              <a:t>Solves the subproblems recursively</a:t>
             </a:r>
           </a:p>
           <a:p>
-            <a:pPr lvl="2"/>
+            <a:pPr lvl="3"/>
             <a:r>
               <a:rPr lang="en-US" dirty="0">
                 <a:solidFill>
                   <a:schemeClr val="accent1"/>
                 </a:solidFill>
               </a:rPr>
-              <a:t>Combines the solutions to subproblems</a:t>
+              <a:t>Avoid solving repeated subproblems via memoization</a:t>
             </a:r>
-          </a:p>
-          <a:p>
-            <a:pPr lvl="2"/>
-            <a:r>
-              <a:rPr lang="en-US" dirty="0">
-                <a:solidFill>
-                  <a:schemeClr val="accent1"/>
-                </a:solidFill>
-              </a:rPr>
-              <a:t>Is implemented via recursion</a:t>
-            </a:r>
-          </a:p>
-          <a:p>
-            <a:pPr lvl="2"/>
-            <a:r>
-              <a:rPr lang="en-US" dirty="0">
-                <a:solidFill>
-                  <a:schemeClr val="accent1"/>
-                </a:solidFill>
-              </a:rPr>
-              <a:t>Minimizes the number of subproblems via memoization</a:t>
-            </a:r>
-          </a:p>
-          <a:p>
-            <a:pPr marL="914400" lvl="2" indent="0">
-              <a:buNone/>
-            </a:pPr>
             <a:endParaRPr lang="en-US" sz="2800" b="1" i="1" u="sng" dirty="0">
               <a:solidFill>
                 <a:schemeClr val="accent1"/>
@@ -5540,16 +5552,37 @@
                   <a:srgbClr val="FF0000"/>
                 </a:solidFill>
               </a:rPr>
-              <a:t>:</a:t>
+              <a:t>: </a:t>
             </a:r>
-            <a:endParaRPr lang="th-TH" sz="2800" b="1" i="1" dirty="0">
+          </a:p>
+          <a:p>
+            <a:pPr marL="457200" lvl="1" indent="0">
+              <a:buNone/>
+            </a:pPr>
+            <a:r>
+              <a:rPr lang="en-US" sz="2800" b="1" i="1" dirty="0">
+                <a:solidFill>
+                  <a:srgbClr val="FF0000"/>
+                </a:solidFill>
+              </a:rPr>
+              <a:t>	</a:t>
+            </a:r>
+            <a:r>
+              <a:rPr lang="en-US" sz="1800" b="1" i="1" dirty="0">
+                <a:solidFill>
+                  <a:srgbClr val="FF0000"/>
+                </a:solidFill>
+              </a:rPr>
+              <a:t>Loop Iterations</a:t>
+            </a:r>
+            <a:endParaRPr lang="th-TH" sz="1800" b="1" i="1" dirty="0">
               <a:solidFill>
                 <a:srgbClr val="FF0000"/>
               </a:solidFill>
             </a:endParaRPr>
           </a:p>
           <a:p>
-            <a:pPr lvl="2"/>
+            <a:pPr lvl="3"/>
             <a:r>
               <a:rPr lang="en-US" dirty="0">
                 <a:solidFill>
@@ -5560,36 +5593,25 @@
             </a:r>
           </a:p>
           <a:p>
-            <a:pPr lvl="2"/>
+            <a:pPr lvl="3"/>
             <a:r>
               <a:rPr lang="en-US" dirty="0">
                 <a:solidFill>
                   <a:schemeClr val="accent1"/>
                 </a:solidFill>
               </a:rPr>
-              <a:t>Generates solutions to larger subproblems from solutions to smaller ones</a:t>
+              <a:t>Generates optimal solutions to larger subproblems from optimal solutions to smaller ones</a:t>
             </a:r>
           </a:p>
           <a:p>
-            <a:pPr lvl="2"/>
+            <a:pPr lvl="3"/>
             <a:r>
               <a:rPr lang="en-US" dirty="0">
                 <a:solidFill>
                   <a:schemeClr val="accent1"/>
                 </a:solidFill>
               </a:rPr>
-              <a:t>Is implemented using loop iterations</a:t>
-            </a:r>
-          </a:p>
-          <a:p>
-            <a:pPr lvl="2"/>
-            <a:r>
-              <a:rPr lang="en-US" dirty="0">
-                <a:solidFill>
-                  <a:schemeClr val="accent1"/>
-                </a:solidFill>
-              </a:rPr>
-              <a:t>Solves each subproblem only once</a:t>
+              <a:t>Solves each distinct subproblem only once and reuse these solutions</a:t>
             </a:r>
           </a:p>
           <a:p>
@@ -5704,7 +5726,7 @@
                   <a:schemeClr val="accent1"/>
                 </a:solidFill>
               </a:rPr>
-              <a:t>is an algorithm </a:t>
+              <a:t>is a </a:t>
             </a:r>
             <a:r>
               <a:rPr lang="en-US" sz="2400" b="1" i="1" dirty="0">
@@ -5720,7 +5742,7 @@
                   <a:schemeClr val="accent1"/>
                 </a:solidFill>
               </a:rPr>
-              <a:t>where a problem is solved recursively</a:t>
+              <a:t>where a computational problem is solved recursively</a:t>
             </a:r>
           </a:p>
           <a:p>
@@ -5733,7 +5755,7 @@
                   <a:schemeClr val="accent1"/>
                 </a:solidFill>
               </a:rPr>
-              <a:t> by dividing into smaller subproblems like divide-and-conquer.</a:t>
+              <a:t> by solving smaller subproblems as in divide-and-conquer.</a:t>
             </a:r>
           </a:p>
           <a:p>
@@ -5772,7 +5794,7 @@
                   <a:schemeClr val="accent1"/>
                 </a:solidFill>
               </a:rPr>
-              <a:t>of the problem:</a:t>
+              <a:t>inherent in the problem:</a:t>
             </a:r>
           </a:p>
           <a:p>
@@ -6011,7 +6033,7 @@
                   <a:schemeClr val="accent1"/>
                 </a:solidFill>
               </a:rPr>
-              <a:t>Matrix Chain Multiplication</a:t>
+              <a:t>Matrix Chain Multiplication (MCM)</a:t>
             </a:r>
           </a:p>
         </p:txBody>
@@ -9051,8 +9073,8 @@
           </a:p>
         </p:txBody>
       </p:sp>
-      <mc:AlternateContent xmlns:mc="http://schemas.openxmlformats.org/markup-compatibility/2006">
-        <mc:Choice xmlns:a14="http://schemas.microsoft.com/office/drawing/2010/main" Requires="a14">
+      <mc:AlternateContent xmlns:mc="http://schemas.openxmlformats.org/markup-compatibility/2006" xmlns:a14="http://schemas.microsoft.com/office/drawing/2010/main">
+        <mc:Choice Requires="a14">
           <p:sp>
             <p:nvSpPr>
               <p:cNvPr id="3" name="Content Placeholder 2">
@@ -9477,200 +9499,197 @@
                   <a:buNone/>
                 </a:pPr>
                 <a14:m>
-                  <m:oMath xmlns:m="http://schemas.openxmlformats.org/officeDocument/2006/math">
-                    <m:r>
-                      <a:rPr lang="en-US" b="0" i="1" smtClean="0">
-                        <a:solidFill>
-                          <a:schemeClr val="tx1"/>
-                        </a:solidFill>
-                        <a:latin typeface="Cambria Math" panose="02040503050406030204" pitchFamily="18" charset="0"/>
-                      </a:rPr>
-                      <m:t>𝑃</m:t>
-                    </m:r>
-                    <m:d>
-                      <m:dPr>
-                        <m:ctrlPr>
-                          <a:rPr lang="en-US" b="0" i="1" smtClean="0">
-                            <a:solidFill>
-                              <a:schemeClr val="tx1"/>
-                            </a:solidFill>
-                            <a:latin typeface="Cambria Math" panose="02040503050406030204" pitchFamily="18" charset="0"/>
-                          </a:rPr>
-                        </m:ctrlPr>
-                      </m:dPr>
-                      <m:e>
-                        <m:r>
-                          <a:rPr lang="en-US" b="0" i="1" smtClean="0">
-                            <a:solidFill>
-                              <a:schemeClr val="tx1"/>
-                            </a:solidFill>
-                            <a:latin typeface="Cambria Math" panose="02040503050406030204" pitchFamily="18" charset="0"/>
-                          </a:rPr>
-                          <m:t>𝑛</m:t>
-                        </m:r>
-                      </m:e>
-                    </m:d>
-                    <m:r>
-                      <a:rPr lang="en-US" b="0" i="0" smtClean="0">
-                        <a:solidFill>
-                          <a:schemeClr val="tx1"/>
-                        </a:solidFill>
-                        <a:latin typeface="Cambria Math" panose="02040503050406030204" pitchFamily="18" charset="0"/>
-                      </a:rPr>
-                      <m:t>=</m:t>
-                    </m:r>
-                    <m:r>
-                      <m:rPr>
-                        <m:sty m:val="p"/>
-                      </m:rPr>
-                      <a:rPr lang="el-GR" b="0" i="1" smtClean="0">
-                        <a:solidFill>
-                          <a:schemeClr val="tx1"/>
-                        </a:solidFill>
-                        <a:latin typeface="Cambria Math" panose="02040503050406030204" pitchFamily="18" charset="0"/>
-                        <a:ea typeface="Cambria Math" panose="02040503050406030204" pitchFamily="18" charset="0"/>
-                      </a:rPr>
-                      <m:t>Ω</m:t>
-                    </m:r>
-                    <m:r>
-                      <a:rPr lang="en-US" b="0" i="1" smtClean="0">
-                        <a:solidFill>
-                          <a:schemeClr val="tx1"/>
-                        </a:solidFill>
-                        <a:latin typeface="Cambria Math" panose="02040503050406030204" pitchFamily="18" charset="0"/>
-                        <a:ea typeface="Cambria Math" panose="02040503050406030204" pitchFamily="18" charset="0"/>
-                      </a:rPr>
-                      <m:t>(</m:t>
-                    </m:r>
-                    <m:box>
-                      <m:boxPr>
-                        <m:ctrlPr>
-                          <a:rPr lang="en-US" b="0" i="1" smtClean="0">
-                            <a:solidFill>
-                              <a:schemeClr val="tx1"/>
-                            </a:solidFill>
-                            <a:latin typeface="Cambria Math" panose="02040503050406030204" pitchFamily="18" charset="0"/>
-                            <a:ea typeface="Cambria Math" panose="02040503050406030204" pitchFamily="18" charset="0"/>
-                          </a:rPr>
-                        </m:ctrlPr>
-                      </m:boxPr>
-                      <m:e>
-                        <m:argPr>
-                          <m:argSz m:val="-1"/>
-                        </m:argPr>
-                        <m:f>
-                          <m:fPr>
-                            <m:ctrlPr>
-                              <a:rPr lang="en-US" b="0" i="1" smtClean="0">
-                                <a:solidFill>
-                                  <a:schemeClr val="tx1"/>
-                                </a:solidFill>
-                                <a:latin typeface="Cambria Math" panose="02040503050406030204" pitchFamily="18" charset="0"/>
-                                <a:ea typeface="Cambria Math" panose="02040503050406030204" pitchFamily="18" charset="0"/>
-                              </a:rPr>
-                            </m:ctrlPr>
-                          </m:fPr>
-                          <m:num>
-                            <m:sSup>
-                              <m:sSupPr>
-                                <m:ctrlPr>
-                                  <a:rPr lang="en-US" b="0" i="1" smtClean="0">
-                                    <a:solidFill>
-                                      <a:schemeClr val="tx1"/>
-                                    </a:solidFill>
-                                    <a:latin typeface="Cambria Math" panose="02040503050406030204" pitchFamily="18" charset="0"/>
-                                    <a:ea typeface="Cambria Math" panose="02040503050406030204" pitchFamily="18" charset="0"/>
-                                  </a:rPr>
-                                </m:ctrlPr>
-                              </m:sSupPr>
-                              <m:e>
-                                <m:r>
-                                  <a:rPr lang="en-US" b="0" i="1" smtClean="0">
-                                    <a:solidFill>
-                                      <a:schemeClr val="tx1"/>
-                                    </a:solidFill>
-                                    <a:latin typeface="Cambria Math" panose="02040503050406030204" pitchFamily="18" charset="0"/>
-                                    <a:ea typeface="Cambria Math" panose="02040503050406030204" pitchFamily="18" charset="0"/>
-                                  </a:rPr>
-                                  <m:t>4</m:t>
-                                </m:r>
-                              </m:e>
-                              <m:sup>
-                                <m:r>
-                                  <a:rPr lang="en-US" b="0" i="1" smtClean="0">
-                                    <a:solidFill>
-                                      <a:schemeClr val="tx1"/>
-                                    </a:solidFill>
-                                    <a:latin typeface="Cambria Math" panose="02040503050406030204" pitchFamily="18" charset="0"/>
-                                    <a:ea typeface="Cambria Math" panose="02040503050406030204" pitchFamily="18" charset="0"/>
-                                  </a:rPr>
-                                  <m:t>𝑛</m:t>
-                                </m:r>
-                              </m:sup>
-                            </m:sSup>
-                          </m:num>
-                          <m:den>
-                            <m:sSup>
-                              <m:sSupPr>
-                                <m:ctrlPr>
-                                  <a:rPr lang="en-US" b="0" i="1" smtClean="0">
-                                    <a:solidFill>
-                                      <a:schemeClr val="tx1"/>
-                                    </a:solidFill>
-                                    <a:latin typeface="Cambria Math" panose="02040503050406030204" pitchFamily="18" charset="0"/>
-                                    <a:ea typeface="Cambria Math" panose="02040503050406030204" pitchFamily="18" charset="0"/>
-                                  </a:rPr>
-                                </m:ctrlPr>
-                              </m:sSupPr>
-                              <m:e>
-                                <m:r>
-                                  <a:rPr lang="en-US" b="0" i="1" smtClean="0">
-                                    <a:solidFill>
-                                      <a:schemeClr val="tx1"/>
-                                    </a:solidFill>
-                                    <a:latin typeface="Cambria Math" panose="02040503050406030204" pitchFamily="18" charset="0"/>
-                                    <a:ea typeface="Cambria Math" panose="02040503050406030204" pitchFamily="18" charset="0"/>
-                                  </a:rPr>
-                                  <m:t>𝑛</m:t>
-                                </m:r>
-                              </m:e>
-                              <m:sup>
-                                <m:r>
-                                  <a:rPr lang="en-US" b="0" i="1" smtClean="0">
-                                    <a:solidFill>
-                                      <a:schemeClr val="tx1"/>
-                                    </a:solidFill>
-                                    <a:latin typeface="Cambria Math" panose="02040503050406030204" pitchFamily="18" charset="0"/>
-                                    <a:ea typeface="Cambria Math" panose="02040503050406030204" pitchFamily="18" charset="0"/>
-                                  </a:rPr>
-                                  <m:t>1.5</m:t>
-                                </m:r>
-                              </m:sup>
-                            </m:sSup>
-                          </m:den>
-                        </m:f>
-                      </m:e>
-                    </m:box>
-                    <m:r>
-                      <a:rPr lang="en-US" b="0" i="1" smtClean="0">
-                        <a:solidFill>
-                          <a:schemeClr val="tx1"/>
-                        </a:solidFill>
-                        <a:latin typeface="Cambria Math" panose="02040503050406030204" pitchFamily="18" charset="0"/>
-                        <a:ea typeface="Cambria Math" panose="02040503050406030204" pitchFamily="18" charset="0"/>
-                      </a:rPr>
-                      <m:t>)</m:t>
-                    </m:r>
-                  </m:oMath>
+                  <m:oMathPara xmlns:m="http://schemas.openxmlformats.org/officeDocument/2006/math">
+                    <m:oMathParaPr>
+                      <m:jc m:val="centerGroup"/>
+                    </m:oMathParaPr>
+                    <m:oMath xmlns:m="http://schemas.openxmlformats.org/officeDocument/2006/math">
+                      <m:r>
+                        <a:rPr lang="en-US" b="0" i="1" smtClean="0">
+                          <a:solidFill>
+                            <a:schemeClr val="tx1"/>
+                          </a:solidFill>
+                          <a:latin typeface="Cambria Math" panose="02040503050406030204" pitchFamily="18" charset="0"/>
+                        </a:rPr>
+                        <m:t>𝑃</m:t>
+                      </m:r>
+                      <m:d>
+                        <m:dPr>
+                          <m:ctrlPr>
+                            <a:rPr lang="en-US" b="0" i="1" smtClean="0">
+                              <a:solidFill>
+                                <a:schemeClr val="tx1"/>
+                              </a:solidFill>
+                              <a:latin typeface="Cambria Math" panose="02040503050406030204" pitchFamily="18" charset="0"/>
+                            </a:rPr>
+                          </m:ctrlPr>
+                        </m:dPr>
+                        <m:e>
+                          <m:r>
+                            <a:rPr lang="en-US" b="0" i="1" smtClean="0">
+                              <a:solidFill>
+                                <a:schemeClr val="tx1"/>
+                              </a:solidFill>
+                              <a:latin typeface="Cambria Math" panose="02040503050406030204" pitchFamily="18" charset="0"/>
+                            </a:rPr>
+                            <m:t>𝑛</m:t>
+                          </m:r>
+                        </m:e>
+                      </m:d>
+                      <m:r>
+                        <a:rPr lang="en-US" b="0" i="0" smtClean="0">
+                          <a:solidFill>
+                            <a:schemeClr val="tx1"/>
+                          </a:solidFill>
+                          <a:latin typeface="Cambria Math" panose="02040503050406030204" pitchFamily="18" charset="0"/>
+                        </a:rPr>
+                        <m:t>=</m:t>
+                      </m:r>
+                      <m:r>
+                        <m:rPr>
+                          <m:sty m:val="p"/>
+                        </m:rPr>
+                        <a:rPr lang="el-GR" b="0" i="1" smtClean="0">
+                          <a:solidFill>
+                            <a:schemeClr val="tx1"/>
+                          </a:solidFill>
+                          <a:latin typeface="Cambria Math" panose="02040503050406030204" pitchFamily="18" charset="0"/>
+                          <a:ea typeface="Cambria Math" panose="02040503050406030204" pitchFamily="18" charset="0"/>
+                        </a:rPr>
+                        <m:t>Ω</m:t>
+                      </m:r>
+                      <m:d>
+                        <m:dPr>
+                          <m:ctrlPr>
+                            <a:rPr lang="en-US" b="0" i="1" smtClean="0">
+                              <a:solidFill>
+                                <a:schemeClr val="tx1"/>
+                              </a:solidFill>
+                              <a:latin typeface="Cambria Math" panose="02040503050406030204" pitchFamily="18" charset="0"/>
+                              <a:ea typeface="Cambria Math" panose="02040503050406030204" pitchFamily="18" charset="0"/>
+                            </a:rPr>
+                          </m:ctrlPr>
+                        </m:dPr>
+                        <m:e>
+                          <m:box>
+                            <m:boxPr>
+                              <m:ctrlPr>
+                                <a:rPr lang="en-US" b="0" i="1" smtClean="0">
+                                  <a:solidFill>
+                                    <a:schemeClr val="tx1"/>
+                                  </a:solidFill>
+                                  <a:latin typeface="Cambria Math" panose="02040503050406030204" pitchFamily="18" charset="0"/>
+                                  <a:ea typeface="Cambria Math" panose="02040503050406030204" pitchFamily="18" charset="0"/>
+                                </a:rPr>
+                              </m:ctrlPr>
+                            </m:boxPr>
+                            <m:e>
+                              <m:argPr>
+                                <m:argSz m:val="-1"/>
+                              </m:argPr>
+                              <m:f>
+                                <m:fPr>
+                                  <m:ctrlPr>
+                                    <a:rPr lang="en-US" b="0" i="1" smtClean="0">
+                                      <a:solidFill>
+                                        <a:schemeClr val="tx1"/>
+                                      </a:solidFill>
+                                      <a:latin typeface="Cambria Math" panose="02040503050406030204" pitchFamily="18" charset="0"/>
+                                      <a:ea typeface="Cambria Math" panose="02040503050406030204" pitchFamily="18" charset="0"/>
+                                    </a:rPr>
+                                  </m:ctrlPr>
+                                </m:fPr>
+                                <m:num>
+                                  <m:sSup>
+                                    <m:sSupPr>
+                                      <m:ctrlPr>
+                                        <a:rPr lang="en-US" b="0" i="1" smtClean="0">
+                                          <a:solidFill>
+                                            <a:schemeClr val="tx1"/>
+                                          </a:solidFill>
+                                          <a:latin typeface="Cambria Math" panose="02040503050406030204" pitchFamily="18" charset="0"/>
+                                          <a:ea typeface="Cambria Math" panose="02040503050406030204" pitchFamily="18" charset="0"/>
+                                        </a:rPr>
+                                      </m:ctrlPr>
+                                    </m:sSupPr>
+                                    <m:e>
+                                      <m:r>
+                                        <a:rPr lang="en-US" b="0" i="1" smtClean="0">
+                                          <a:solidFill>
+                                            <a:schemeClr val="tx1"/>
+                                          </a:solidFill>
+                                          <a:latin typeface="Cambria Math" panose="02040503050406030204" pitchFamily="18" charset="0"/>
+                                          <a:ea typeface="Cambria Math" panose="02040503050406030204" pitchFamily="18" charset="0"/>
+                                        </a:rPr>
+                                        <m:t>4</m:t>
+                                      </m:r>
+                                    </m:e>
+                                    <m:sup>
+                                      <m:r>
+                                        <a:rPr lang="en-US" b="0" i="1" smtClean="0">
+                                          <a:solidFill>
+                                            <a:schemeClr val="tx1"/>
+                                          </a:solidFill>
+                                          <a:latin typeface="Cambria Math" panose="02040503050406030204" pitchFamily="18" charset="0"/>
+                                          <a:ea typeface="Cambria Math" panose="02040503050406030204" pitchFamily="18" charset="0"/>
+                                        </a:rPr>
+                                        <m:t>𝑛</m:t>
+                                      </m:r>
+                                    </m:sup>
+                                  </m:sSup>
+                                </m:num>
+                                <m:den>
+                                  <m:sSup>
+                                    <m:sSupPr>
+                                      <m:ctrlPr>
+                                        <a:rPr lang="en-US" b="0" i="1" smtClean="0">
+                                          <a:solidFill>
+                                            <a:schemeClr val="tx1"/>
+                                          </a:solidFill>
+                                          <a:latin typeface="Cambria Math" panose="02040503050406030204" pitchFamily="18" charset="0"/>
+                                          <a:ea typeface="Cambria Math" panose="02040503050406030204" pitchFamily="18" charset="0"/>
+                                        </a:rPr>
+                                      </m:ctrlPr>
+                                    </m:sSupPr>
+                                    <m:e>
+                                      <m:r>
+                                        <a:rPr lang="en-US" b="0" i="1" smtClean="0">
+                                          <a:solidFill>
+                                            <a:schemeClr val="tx1"/>
+                                          </a:solidFill>
+                                          <a:latin typeface="Cambria Math" panose="02040503050406030204" pitchFamily="18" charset="0"/>
+                                          <a:ea typeface="Cambria Math" panose="02040503050406030204" pitchFamily="18" charset="0"/>
+                                        </a:rPr>
+                                        <m:t>𝑛</m:t>
+                                      </m:r>
+                                    </m:e>
+                                    <m:sup>
+                                      <m:r>
+                                        <a:rPr lang="en-US" b="0" i="1" smtClean="0">
+                                          <a:solidFill>
+                                            <a:schemeClr val="tx1"/>
+                                          </a:solidFill>
+                                          <a:latin typeface="Cambria Math" panose="02040503050406030204" pitchFamily="18" charset="0"/>
+                                          <a:ea typeface="Cambria Math" panose="02040503050406030204" pitchFamily="18" charset="0"/>
+                                        </a:rPr>
+                                        <m:t>1.5</m:t>
+                                      </m:r>
+                                    </m:sup>
+                                  </m:sSup>
+                                </m:den>
+                              </m:f>
+                            </m:e>
+                          </m:box>
+                        </m:e>
+                      </m:d>
+                    </m:oMath>
+                  </m:oMathPara>
                 </a14:m>
-                <a:r>
-                  <a:rPr lang="en-US" dirty="0">
-                    <a:solidFill>
-                      <a:schemeClr val="accent1"/>
-                    </a:solidFill>
-                  </a:rPr>
-                  <a:t>, which is related to the Catalan numbers.</a:t>
-                </a:r>
+                <a:endParaRPr lang="en-US" dirty="0">
+                  <a:solidFill>
+                    <a:schemeClr val="accent1"/>
+                  </a:solidFill>
+                </a:endParaRPr>
               </a:p>
               <a:p>
                 <a:pPr marL="0" indent="0">
@@ -9744,7 +9763,7 @@
             </p:txBody>
           </p:sp>
         </mc:Choice>
-        <mc:Fallback>
+        <mc:Fallback xmlns="">
           <p:sp>
             <p:nvSpPr>
               <p:cNvPr id="3" name="Content Placeholder 2">
@@ -9765,7 +9784,7 @@
               <a:blipFill>
                 <a:blip r:embed="rId2"/>
                 <a:stretch>
-                  <a:fillRect l="-928" t="-3221"/>
+                  <a:fillRect l="-928" t="-3221" b="-560"/>
                 </a:stretch>
               </a:blipFill>
             </p:spPr>
@@ -10749,7 +10768,7 @@
                       <a:schemeClr val="accent1"/>
                     </a:solidFill>
                   </a:rPr>
-                  <a:t>Our goal is to find </a:t>
+                  <a:t>Our goal is to find  </a:t>
                 </a:r>
                 <a14:m>
                   <m:oMath xmlns:m="http://schemas.openxmlformats.org/officeDocument/2006/math">
@@ -10802,7 +10821,23 @@
                       <a:schemeClr val="accent1"/>
                     </a:solidFill>
                   </a:rPr>
-                  <a:t>, which is the minimum number of scalar multiplications needed to evaluate the matrix chain </a:t>
+                  <a:t>, which is the </a:t>
+                </a:r>
+                <a:r>
+                  <a:rPr lang="en-US" sz="2200" b="1" i="1" dirty="0">
+                    <a:solidFill>
+                      <a:srgbClr val="FF0000"/>
+                    </a:solidFill>
+                  </a:rPr>
+                  <a:t>minimum</a:t>
+                </a:r>
+                <a:r>
+                  <a:rPr lang="en-US" sz="2200" dirty="0">
+                    <a:solidFill>
+                      <a:schemeClr val="accent1"/>
+                    </a:solidFill>
+                  </a:rPr>
+                  <a:t> number of scalar multiplications needed to evaluate the matrix chain </a:t>
                 </a:r>
                 <a14:m>
                   <m:oMath xmlns:m="http://schemas.openxmlformats.org/officeDocument/2006/math">
@@ -11052,8 +11087,8 @@
           </a:p>
         </p:txBody>
       </p:sp>
-      <mc:AlternateContent xmlns:mc="http://schemas.openxmlformats.org/markup-compatibility/2006">
-        <mc:Choice xmlns:a14="http://schemas.microsoft.com/office/drawing/2010/main" Requires="a14">
+      <mc:AlternateContent xmlns:mc="http://schemas.openxmlformats.org/markup-compatibility/2006" xmlns:a14="http://schemas.microsoft.com/office/drawing/2010/main">
+        <mc:Choice Requires="a14">
           <p:sp>
             <p:nvSpPr>
               <p:cNvPr id="3" name="Content Placeholder 2">
@@ -12492,7 +12527,7 @@
             </p:txBody>
           </p:sp>
         </mc:Choice>
-        <mc:Fallback>
+        <mc:Fallback xmlns="">
           <p:sp>
             <p:nvSpPr>
               <p:cNvPr id="3" name="Content Placeholder 2">
@@ -12722,7 +12757,7 @@
             <p:spPr/>
             <p:txBody>
               <a:bodyPr>
-                <a:normAutofit fontScale="92500" lnSpcReduction="10000"/>
+                <a:normAutofit fontScale="77500" lnSpcReduction="20000"/>
               </a:bodyPr>
               <a:lstStyle/>
               <a:p>
@@ -12970,7 +13005,7 @@
                       <a:schemeClr val="accent1"/>
                     </a:solidFill>
                   </a:rPr>
-                  <a:t>at </a:t>
+                  <a:t>at some position </a:t>
                 </a:r>
                 <a14:m>
                   <m:oMath xmlns:m="http://schemas.openxmlformats.org/officeDocument/2006/math">
@@ -14429,6 +14464,100 @@
                     <a:schemeClr val="accent1"/>
                   </a:solidFill>
                 </a:endParaRPr>
+              </a:p>
+              <a:p>
+                <a:pPr marL="0" indent="0">
+                  <a:buNone/>
+                </a:pPr>
+                <a:endParaRPr lang="en-US" sz="2400" dirty="0">
+                  <a:solidFill>
+                    <a:schemeClr val="accent1"/>
+                  </a:solidFill>
+                </a:endParaRPr>
+              </a:p>
+              <a:p>
+                <a:pPr marL="0" indent="0">
+                  <a:buNone/>
+                </a:pPr>
+                <a:r>
+                  <a:rPr lang="en-US" sz="2400" b="1" i="1" dirty="0">
+                    <a:solidFill>
+                      <a:srgbClr val="FF0000"/>
+                    </a:solidFill>
+                  </a:rPr>
+                  <a:t>Note: </a:t>
+                </a:r>
+                <a:r>
+                  <a:rPr lang="en-US" sz="2400" dirty="0">
+                    <a:solidFill>
+                      <a:schemeClr val="accent1"/>
+                    </a:solidFill>
+                  </a:rPr>
+                  <a:t>Such an optimal position </a:t>
+                </a:r>
+                <a14:m>
+                  <m:oMath xmlns:m="http://schemas.openxmlformats.org/officeDocument/2006/math">
+                    <m:r>
+                      <a:rPr lang="en-US" sz="2400" b="0" i="1" smtClean="0">
+                        <a:solidFill>
+                          <a:schemeClr val="tx1"/>
+                        </a:solidFill>
+                        <a:latin typeface="Cambria Math" panose="02040503050406030204" pitchFamily="18" charset="0"/>
+                      </a:rPr>
+                      <m:t>𝑘</m:t>
+                    </m:r>
+                  </m:oMath>
+                </a14:m>
+                <a:r>
+                  <a:rPr lang="en-US" sz="2400" dirty="0">
+                    <a:solidFill>
+                      <a:schemeClr val="tx1"/>
+                    </a:solidFill>
+                  </a:rPr>
+                  <a:t> </a:t>
+                </a:r>
+                <a:r>
+                  <a:rPr lang="en-US" sz="2400" dirty="0">
+                    <a:solidFill>
+                      <a:schemeClr val="accent1"/>
+                    </a:solidFill>
+                  </a:rPr>
+                  <a:t>exists</a:t>
+                </a:r>
+                <a:r>
+                  <a:rPr lang="en-US" sz="2400" dirty="0">
+                    <a:solidFill>
+                      <a:schemeClr val="tx1"/>
+                    </a:solidFill>
+                  </a:rPr>
+                  <a:t>, </a:t>
+                </a:r>
+                <a:r>
+                  <a:rPr lang="en-US" sz="2400" dirty="0">
+                    <a:solidFill>
+                      <a:schemeClr val="accent1"/>
+                    </a:solidFill>
+                  </a:rPr>
+                  <a:t>but we do not know what it is. This leads us to consider all the possible values of </a:t>
+                </a:r>
+                <a14:m>
+                  <m:oMath xmlns:m="http://schemas.openxmlformats.org/officeDocument/2006/math">
+                    <m:r>
+                      <a:rPr lang="en-US" sz="2400" i="1">
+                        <a:latin typeface="Cambria Math" panose="02040503050406030204" pitchFamily="18" charset="0"/>
+                      </a:rPr>
+                      <m:t>𝑘</m:t>
+                    </m:r>
+                  </m:oMath>
+                </a14:m>
+                <a:r>
+                  <a:rPr lang="en-US" sz="2400" dirty="0">
+                    <a:solidFill>
+                      <a:schemeClr val="accent1"/>
+                    </a:solidFill>
+                  </a:rPr>
+                  <a:t> and select the best one.</a:t>
+                </a:r>
               </a:p>
               <a:p>
                 <a:pPr marL="0" indent="0">
@@ -14464,7 +14593,7 @@
               <a:blipFill>
                 <a:blip r:embed="rId2"/>
                 <a:stretch>
-                  <a:fillRect l="-754" t="-1961" r="-174" b="-2801"/>
+                  <a:fillRect l="-580" t="-2241"/>
                 </a:stretch>
               </a:blipFill>
             </p:spPr>
@@ -14497,269 +14626,6 @@
 </file>
 
 <file path=ppt/slides/slide21.xml><?xml version="1.0" encoding="utf-8"?>
-<p:sld xmlns:a="http://schemas.openxmlformats.org/drawingml/2006/main" xmlns:r="http://schemas.openxmlformats.org/officeDocument/2006/relationships" xmlns:p="http://schemas.openxmlformats.org/presentationml/2006/main">
-  <p:cSld>
-    <p:spTree>
-      <p:nvGrpSpPr>
-        <p:cNvPr id="1" name=""/>
-        <p:cNvGrpSpPr/>
-        <p:nvPr/>
-      </p:nvGrpSpPr>
-      <p:grpSpPr>
-        <a:xfrm>
-          <a:off x="0" y="0"/>
-          <a:ext cx="0" cy="0"/>
-          <a:chOff x="0" y="0"/>
-          <a:chExt cx="0" cy="0"/>
-        </a:xfrm>
-      </p:grpSpPr>
-      <p:sp>
-        <p:nvSpPr>
-          <p:cNvPr id="2" name="Title 1">
-            <a:extLst>
-              <a:ext uri="{FF2B5EF4-FFF2-40B4-BE49-F238E27FC236}">
-                <a16:creationId xmlns:a16="http://schemas.microsoft.com/office/drawing/2014/main" id="{A7C154A0-45E8-43D6-800E-8ABA9C919AD1}"/>
-              </a:ext>
-            </a:extLst>
-          </p:cNvPr>
-          <p:cNvSpPr>
-            <a:spLocks noGrp="1"/>
-          </p:cNvSpPr>
-          <p:nvPr>
-            <p:ph type="title"/>
-          </p:nvPr>
-        </p:nvSpPr>
-        <p:spPr/>
-        <p:txBody>
-          <a:bodyPr>
-            <a:normAutofit/>
-          </a:bodyPr>
-          <a:lstStyle/>
-          <a:p>
-            <a:r>
-              <a:rPr lang="en-US" sz="4000" dirty="0">
-                <a:solidFill>
-                  <a:schemeClr val="accent1"/>
-                </a:solidFill>
-              </a:rPr>
-              <a:t>Matrix Chain Multiplication: Optimal Substructure</a:t>
-            </a:r>
-            <a:endParaRPr lang="en-US" sz="4000" dirty="0"/>
-          </a:p>
-        </p:txBody>
-      </p:sp>
-      <mc:AlternateContent xmlns:mc="http://schemas.openxmlformats.org/markup-compatibility/2006">
-        <mc:Choice xmlns:a14="http://schemas.microsoft.com/office/drawing/2010/main" Requires="a14">
-          <p:sp>
-            <p:nvSpPr>
-              <p:cNvPr id="3" name="Content Placeholder 2">
-                <a:extLst>
-                  <a:ext uri="{FF2B5EF4-FFF2-40B4-BE49-F238E27FC236}">
-                    <a16:creationId xmlns:a16="http://schemas.microsoft.com/office/drawing/2014/main" id="{2E5AE38D-B109-48FF-8C62-FD79E6AFF386}"/>
-                  </a:ext>
-                </a:extLst>
-              </p:cNvPr>
-              <p:cNvSpPr>
-                <a:spLocks noGrp="1"/>
-              </p:cNvSpPr>
-              <p:nvPr>
-                <p:ph idx="1"/>
-              </p:nvPr>
-            </p:nvSpPr>
-            <p:spPr/>
-            <p:txBody>
-              <a:bodyPr/>
-              <a:lstStyle/>
-              <a:p>
-                <a:pPr marL="0" indent="0">
-                  <a:buNone/>
-                </a:pPr>
-                <a:r>
-                  <a:rPr lang="en-US" dirty="0">
-                    <a:solidFill>
-                      <a:schemeClr val="accent1"/>
-                    </a:solidFill>
-                  </a:rPr>
-                  <a:t>Having proved </a:t>
-                </a:r>
-                <a:r>
-                  <a:rPr lang="en-US" b="1" i="1" dirty="0">
-                    <a:solidFill>
-                      <a:srgbClr val="FF0000"/>
-                    </a:solidFill>
-                  </a:rPr>
-                  <a:t>optimal substructure </a:t>
-                </a:r>
-                <a:r>
-                  <a:rPr lang="en-US" dirty="0">
-                    <a:solidFill>
-                      <a:schemeClr val="accent1"/>
-                    </a:solidFill>
-                  </a:rPr>
-                  <a:t>of the Matrix Chain Multiplication problem, </a:t>
-                </a:r>
-              </a:p>
-              <a:p>
-                <a:pPr marL="0" indent="0">
-                  <a:buNone/>
-                </a:pPr>
-                <a:endParaRPr lang="en-US" dirty="0">
-                  <a:solidFill>
-                    <a:schemeClr val="accent1"/>
-                  </a:solidFill>
-                </a:endParaRPr>
-              </a:p>
-              <a:p>
-                <a:pPr marL="0" indent="0">
-                  <a:buNone/>
-                </a:pPr>
-                <a:r>
-                  <a:rPr lang="en-US" dirty="0">
-                    <a:solidFill>
-                      <a:schemeClr val="accent1"/>
-                    </a:solidFill>
-                  </a:rPr>
-                  <a:t>	the next question is “</a:t>
-                </a:r>
-                <a:r>
-                  <a:rPr lang="en-US" b="1" i="1" dirty="0">
-                    <a:solidFill>
-                      <a:srgbClr val="FF0000"/>
-                    </a:solidFill>
-                  </a:rPr>
-                  <a:t>where</a:t>
-                </a:r>
-                <a:r>
-                  <a:rPr lang="en-US" dirty="0">
-                    <a:solidFill>
-                      <a:schemeClr val="accent1"/>
-                    </a:solidFill>
-                  </a:rPr>
-                  <a:t> do we split ?, i.e., what is the </a:t>
-                </a:r>
-                <a:r>
-                  <a:rPr lang="en-US" sz="2800" dirty="0">
-                    <a:solidFill>
-                      <a:schemeClr val="accent1"/>
-                    </a:solidFill>
-                  </a:rPr>
-                  <a:t>position </a:t>
-                </a:r>
-                <a14:m>
-                  <m:oMath xmlns:m="http://schemas.openxmlformats.org/officeDocument/2006/math">
-                    <m:r>
-                      <a:rPr lang="en-US" sz="2800" b="0" i="1" smtClean="0">
-                        <a:latin typeface="Cambria Math" panose="02040503050406030204" pitchFamily="18" charset="0"/>
-                      </a:rPr>
-                      <m:t>𝑘</m:t>
-                    </m:r>
-                  </m:oMath>
-                </a14:m>
-                <a:r>
-                  <a:rPr lang="en-US" dirty="0">
-                    <a:solidFill>
-                      <a:schemeClr val="accent1"/>
-                    </a:solidFill>
-                  </a:rPr>
-                  <a:t> ?“.</a:t>
-                </a:r>
-              </a:p>
-              <a:p>
-                <a:pPr marL="0" indent="0">
-                  <a:buNone/>
-                </a:pPr>
-                <a:endParaRPr lang="en-US" dirty="0">
-                  <a:solidFill>
-                    <a:schemeClr val="accent1"/>
-                  </a:solidFill>
-                </a:endParaRPr>
-              </a:p>
-              <a:p>
-                <a:pPr marL="0" indent="0">
-                  <a:buNone/>
-                </a:pPr>
-                <a:r>
-                  <a:rPr lang="en-US" b="1" i="1" u="sng" dirty="0">
-                    <a:solidFill>
-                      <a:srgbClr val="FF0000"/>
-                    </a:solidFill>
-                  </a:rPr>
-                  <a:t>Answer</a:t>
-                </a:r>
-                <a:r>
-                  <a:rPr lang="en-US" b="1" i="1" dirty="0">
-                    <a:solidFill>
-                      <a:srgbClr val="FF0000"/>
-                    </a:solidFill>
-                  </a:rPr>
-                  <a:t>: </a:t>
-                </a:r>
-                <a:r>
-                  <a:rPr lang="en-US" dirty="0">
-                    <a:solidFill>
-                      <a:schemeClr val="accent1"/>
-                    </a:solidFill>
-                  </a:rPr>
-                  <a:t>Try them all !!!</a:t>
-                </a:r>
-              </a:p>
-            </p:txBody>
-          </p:sp>
-        </mc:Choice>
-        <mc:Fallback>
-          <p:sp>
-            <p:nvSpPr>
-              <p:cNvPr id="3" name="Content Placeholder 2">
-                <a:extLst>
-                  <a:ext uri="{FF2B5EF4-FFF2-40B4-BE49-F238E27FC236}">
-                    <a16:creationId xmlns:a16="http://schemas.microsoft.com/office/drawing/2014/main" id="{2E5AE38D-B109-48FF-8C62-FD79E6AFF386}"/>
-                  </a:ext>
-                </a:extLst>
-              </p:cNvPr>
-              <p:cNvSpPr>
-                <a:spLocks noGrp="1" noRot="1" noChangeAspect="1" noMove="1" noResize="1" noEditPoints="1" noAdjustHandles="1" noChangeArrowheads="1" noChangeShapeType="1" noTextEdit="1"/>
-              </p:cNvSpPr>
-              <p:nvPr>
-                <p:ph idx="1"/>
-              </p:nvPr>
-            </p:nvSpPr>
-            <p:spPr>
-              <a:blipFill>
-                <a:blip r:embed="rId2"/>
-                <a:stretch>
-                  <a:fillRect l="-1217" t="-2241" r="-464"/>
-                </a:stretch>
-              </a:blipFill>
-            </p:spPr>
-            <p:txBody>
-              <a:bodyPr/>
-              <a:lstStyle/>
-              <a:p>
-                <a:r>
-                  <a:rPr lang="en-US">
-                    <a:noFill/>
-                  </a:rPr>
-                  <a:t> </a:t>
-                </a:r>
-              </a:p>
-            </p:txBody>
-          </p:sp>
-        </mc:Fallback>
-      </mc:AlternateContent>
-    </p:spTree>
-    <p:extLst>
-      <p:ext uri="{BB962C8B-B14F-4D97-AF65-F5344CB8AC3E}">
-        <p14:creationId xmlns:p14="http://schemas.microsoft.com/office/powerpoint/2010/main" val="2813359722"/>
-      </p:ext>
-    </p:extLst>
-  </p:cSld>
-  <p:clrMapOvr>
-    <a:masterClrMapping/>
-  </p:clrMapOvr>
-</p:sld>
-</file>
-
-<file path=ppt/slides/slide22.xml><?xml version="1.0" encoding="utf-8"?>
 <p:sld xmlns:a="http://schemas.openxmlformats.org/drawingml/2006/main" xmlns:r="http://schemas.openxmlformats.org/officeDocument/2006/relationships" xmlns:p="http://schemas.openxmlformats.org/presentationml/2006/main">
   <p:cSld>
     <p:spTree>
@@ -14811,8 +14677,8 @@
           </a:p>
         </p:txBody>
       </p:sp>
-      <mc:AlternateContent xmlns:mc="http://schemas.openxmlformats.org/markup-compatibility/2006" xmlns:a14="http://schemas.microsoft.com/office/drawing/2010/main">
-        <mc:Choice Requires="a14">
+      <mc:AlternateContent xmlns:mc="http://schemas.openxmlformats.org/markup-compatibility/2006">
+        <mc:Choice xmlns:a14="http://schemas.microsoft.com/office/drawing/2010/main" Requires="a14">
           <p:sp>
             <p:nvSpPr>
               <p:cNvPr id="3" name="Content Placeholder 2">
@@ -14831,7 +14697,9 @@
             </p:nvSpPr>
             <p:spPr/>
             <p:txBody>
-              <a:bodyPr/>
+              <a:bodyPr>
+                <a:normAutofit fontScale="92500" lnSpcReduction="10000"/>
+              </a:bodyPr>
               <a:lstStyle/>
               <a:p>
                 <a:pPr marL="0" indent="0">
@@ -14992,7 +14860,7 @@
                   </m:oMath>
                 </a14:m>
                 <a:r>
-                  <a:rPr lang="en-US" b="1" i="1" dirty="0">
+                  <a:rPr lang="en-US" dirty="0">
                     <a:solidFill>
                       <a:schemeClr val="accent1"/>
                     </a:solidFill>
@@ -15526,15 +15394,27 @@
                       <a:schemeClr val="accent1"/>
                     </a:solidFill>
                   </a:rPr>
-                  <a:t>We do not know </a:t>
+                  <a:t>We only know that some </a:t>
                 </a:r>
                 <a14:m>
                   <m:oMath xmlns:m="http://schemas.openxmlformats.org/officeDocument/2006/math">
                     <m:r>
-                      <a:rPr lang="en-US" sz="2800" b="0" i="1" smtClean="0">
+                      <a:rPr lang="en-US" i="1">
                         <a:latin typeface="Cambria Math" panose="02040503050406030204" pitchFamily="18" charset="0"/>
                       </a:rPr>
                       <m:t>𝑘</m:t>
+                    </m:r>
+                    <m:r>
+                      <a:rPr lang="en-US" i="1">
+                        <a:latin typeface="Cambria Math" panose="02040503050406030204" pitchFamily="18" charset="0"/>
+                      </a:rPr>
+                      <m:t> </m:t>
+                    </m:r>
+                    <m:r>
+                      <a:rPr lang="en-US" b="0" i="0" smtClean="0">
+                        <a:latin typeface="Cambria Math" panose="02040503050406030204" pitchFamily="18" charset="0"/>
+                      </a:rPr>
+                      <m:t> </m:t>
                     </m:r>
                   </m:oMath>
                 </a14:m>
@@ -15544,7 +15424,7 @@
                       <a:schemeClr val="accent1"/>
                     </a:solidFill>
                   </a:rPr>
-                  <a:t> so we try all the </a:t>
+                  <a:t>minimizes </a:t>
                 </a:r>
                 <a14:m>
                   <m:oMath xmlns:m="http://schemas.openxmlformats.org/officeDocument/2006/math">
@@ -15552,20 +15432,37 @@
                       <a:rPr lang="en-US" i="1">
                         <a:latin typeface="Cambria Math" panose="02040503050406030204" pitchFamily="18" charset="0"/>
                       </a:rPr>
-                      <m:t>𝑗</m:t>
-                    </m:r>
-                    <m:r>
-                      <a:rPr lang="en-US" b="0" i="1" smtClean="0">
-                        <a:latin typeface="Cambria Math" panose="02040503050406030204" pitchFamily="18" charset="0"/>
-                      </a:rPr>
-                      <m:t>−</m:t>
-                    </m:r>
-                    <m:r>
-                      <a:rPr lang="en-US" b="0" i="1" smtClean="0">
-                        <a:latin typeface="Cambria Math" panose="02040503050406030204" pitchFamily="18" charset="0"/>
-                      </a:rPr>
-                      <m:t>𝑖</m:t>
-                    </m:r>
+                      <m:t>𝑀</m:t>
+                    </m:r>
+                    <m:d>
+                      <m:dPr>
+                        <m:ctrlPr>
+                          <a:rPr lang="en-US" i="1">
+                            <a:latin typeface="Cambria Math" panose="02040503050406030204" pitchFamily="18" charset="0"/>
+                          </a:rPr>
+                        </m:ctrlPr>
+                      </m:dPr>
+                      <m:e>
+                        <m:r>
+                          <a:rPr lang="en-US" i="1">
+                            <a:latin typeface="Cambria Math" panose="02040503050406030204" pitchFamily="18" charset="0"/>
+                          </a:rPr>
+                          <m:t>𝑖</m:t>
+                        </m:r>
+                        <m:r>
+                          <a:rPr lang="en-US" i="1">
+                            <a:latin typeface="Cambria Math" panose="02040503050406030204" pitchFamily="18" charset="0"/>
+                          </a:rPr>
+                          <m:t>,</m:t>
+                        </m:r>
+                        <m:r>
+                          <a:rPr lang="en-US" i="1">
+                            <a:latin typeface="Cambria Math" panose="02040503050406030204" pitchFamily="18" charset="0"/>
+                          </a:rPr>
+                          <m:t>𝑗</m:t>
+                        </m:r>
+                      </m:e>
+                    </m:d>
                   </m:oMath>
                 </a14:m>
                 <a:r>
@@ -15574,7 +15471,20 @@
                       <a:schemeClr val="accent1"/>
                     </a:solidFill>
                   </a:rPr>
-                  <a:t> possible values and find </a:t>
+                  <a:t>, but we do not know which one. </a:t>
+                </a:r>
+              </a:p>
+              <a:p>
+                <a:pPr marL="0" indent="0">
+                  <a:buNone/>
+                </a:pPr>
+                <a:r>
+                  <a:rPr lang="en-US" dirty="0">
+                    <a:solidFill>
+                      <a:schemeClr val="accent1"/>
+                    </a:solidFill>
+                  </a:rPr>
+                  <a:t>Thus, we must try all the </a:t>
                 </a:r>
                 <a14:m>
                   <m:oMath xmlns:m="http://schemas.openxmlformats.org/officeDocument/2006/math">
@@ -15582,7 +15492,19 @@
                       <a:rPr lang="en-US" i="1">
                         <a:latin typeface="Cambria Math" panose="02040503050406030204" pitchFamily="18" charset="0"/>
                       </a:rPr>
-                      <m:t>𝑘</m:t>
+                      <m:t>𝑗</m:t>
+                    </m:r>
+                    <m:r>
+                      <a:rPr lang="en-US" b="0" i="1" smtClean="0">
+                        <a:latin typeface="Cambria Math" panose="02040503050406030204" pitchFamily="18" charset="0"/>
+                      </a:rPr>
+                      <m:t>−</m:t>
+                    </m:r>
+                    <m:r>
+                      <a:rPr lang="en-US" b="0" i="1" smtClean="0">
+                        <a:latin typeface="Cambria Math" panose="02040503050406030204" pitchFamily="18" charset="0"/>
+                      </a:rPr>
+                      <m:t>𝑖</m:t>
                     </m:r>
                   </m:oMath>
                 </a14:m>
@@ -15592,6 +15514,24 @@
                       <a:schemeClr val="accent1"/>
                     </a:solidFill>
                   </a:rPr>
+                  <a:t> possible values and find </a:t>
+                </a:r>
+                <a14:m>
+                  <m:oMath xmlns:m="http://schemas.openxmlformats.org/officeDocument/2006/math">
+                    <m:r>
+                      <a:rPr lang="en-US" i="1">
+                        <a:latin typeface="Cambria Math" panose="02040503050406030204" pitchFamily="18" charset="0"/>
+                      </a:rPr>
+                      <m:t>𝑘</m:t>
+                    </m:r>
+                  </m:oMath>
+                </a14:m>
+                <a:r>
+                  <a:rPr lang="en-US" dirty="0">
+                    <a:solidFill>
+                      <a:schemeClr val="accent1"/>
+                    </a:solidFill>
+                  </a:rPr>
                   <a:t> that provides the </a:t>
                 </a:r>
                 <a:r>
@@ -15608,29 +15548,13 @@
                       <a:schemeClr val="accent1"/>
                     </a:solidFill>
                   </a:rPr>
-                  <a:t> (</a:t>
-                </a:r>
-                <a:r>
-                  <a:rPr lang="en-US" b="1" i="1" dirty="0">
-                    <a:solidFill>
-                      <a:srgbClr val="FF0000"/>
-                    </a:solidFill>
-                  </a:rPr>
-                  <a:t>smallest</a:t>
-                </a:r>
-                <a:r>
-                  <a:rPr lang="en-US" dirty="0">
-                    <a:solidFill>
-                      <a:schemeClr val="accent1"/>
-                    </a:solidFill>
-                  </a:rPr>
-                  <a:t>) solution.</a:t>
+                  <a:t> solution as in the recurrence relation above.</a:t>
                 </a:r>
               </a:p>
             </p:txBody>
           </p:sp>
         </mc:Choice>
-        <mc:Fallback xmlns="">
+        <mc:Fallback>
           <p:sp>
             <p:nvSpPr>
               <p:cNvPr id="3" name="Content Placeholder 2">
@@ -15651,7 +15575,7 @@
               <a:blipFill>
                 <a:blip r:embed="rId2"/>
                 <a:stretch>
-                  <a:fillRect l="-1217" t="-2241" r="-1565"/>
+                  <a:fillRect l="-1043" t="-2801"/>
                 </a:stretch>
               </a:blipFill>
             </p:spPr>
@@ -15683,7 +15607,7 @@
 </p:sld>
 </file>
 
-<file path=ppt/slides/slide23.xml><?xml version="1.0" encoding="utf-8"?>
+<file path=ppt/slides/slide22.xml><?xml version="1.0" encoding="utf-8"?>
 <p:sld xmlns:a="http://schemas.openxmlformats.org/drawingml/2006/main" xmlns:r="http://schemas.openxmlformats.org/officeDocument/2006/relationships" xmlns:p="http://schemas.openxmlformats.org/presentationml/2006/main">
   <p:cSld>
     <p:spTree>
@@ -15768,8 +15692,8 @@
           </a:xfrm>
         </p:spPr>
       </p:pic>
-      <mc:AlternateContent xmlns:mc="http://schemas.openxmlformats.org/markup-compatibility/2006">
-        <mc:Choice xmlns:a14="http://schemas.microsoft.com/office/drawing/2010/main" Requires="a14">
+      <mc:AlternateContent xmlns:mc="http://schemas.openxmlformats.org/markup-compatibility/2006" xmlns:a14="http://schemas.microsoft.com/office/drawing/2010/main">
+        <mc:Choice Requires="a14">
           <p:sp>
             <p:nvSpPr>
               <p:cNvPr id="7" name="TextBox 6">
@@ -15798,7 +15722,6 @@
               </a:bodyPr>
               <a:lstStyle/>
               <a:p>
-                <a:pPr/>
                 <a:r>
                   <a:rPr lang="en-US" sz="1600" dirty="0">
                     <a:solidFill>
@@ -15809,7 +15732,6 @@
                 </a:r>
               </a:p>
               <a:p>
-                <a:pPr/>
                 <a:endParaRPr lang="en-US" sz="1600" dirty="0">
                   <a:solidFill>
                     <a:schemeClr val="accent1"/>
@@ -15817,7 +15739,6 @@
                 </a:endParaRPr>
               </a:p>
               <a:p>
-                <a:pPr/>
                 <a:r>
                   <a:rPr lang="en-US" sz="1600" dirty="0"/>
                   <a:t>	</a:t>
@@ -15908,7 +15829,6 @@
                 <a:endParaRPr lang="en-US" sz="1600" dirty="0"/>
               </a:p>
               <a:p>
-                <a:pPr/>
                 <a:r>
                   <a:rPr lang="en-US" sz="1600" b="0" dirty="0">
                     <a:solidFill>
@@ -16257,7 +16177,6 @@
                 </a:endParaRPr>
               </a:p>
               <a:p>
-                <a:pPr/>
                 <a:endParaRPr lang="en-US" sz="1600" dirty="0">
                   <a:solidFill>
                     <a:schemeClr val="accent1"/>
@@ -16265,7 +16184,6 @@
                 </a:endParaRPr>
               </a:p>
               <a:p>
-                <a:pPr/>
                 <a:r>
                   <a:rPr lang="en-US" sz="1600" dirty="0">
                     <a:solidFill>
@@ -16324,7 +16242,6 @@
                 </a:r>
               </a:p>
               <a:p>
-                <a:pPr/>
                 <a:endParaRPr lang="en-US" sz="1600" dirty="0">
                   <a:solidFill>
                     <a:schemeClr val="accent1"/>
@@ -16332,7 +16249,6 @@
                 </a:endParaRPr>
               </a:p>
               <a:p>
-                <a:pPr/>
                 <a:r>
                   <a:rPr lang="en-US" sz="1600" dirty="0">
                     <a:solidFill>
@@ -16546,7 +16462,6 @@
                 </a:endParaRPr>
               </a:p>
               <a:p>
-                <a:pPr/>
                 <a:br>
                   <a:rPr lang="en-US" sz="1600" dirty="0">
                     <a:solidFill>
@@ -16621,7 +16536,7 @@
             </p:txBody>
           </p:sp>
         </mc:Choice>
-        <mc:Fallback>
+        <mc:Fallback xmlns="">
           <p:sp>
             <p:nvSpPr>
               <p:cNvPr id="7" name="TextBox 6">
@@ -16670,6 +16585,443 @@
     <p:extLst>
       <p:ext uri="{BB962C8B-B14F-4D97-AF65-F5344CB8AC3E}">
         <p14:creationId xmlns:p14="http://schemas.microsoft.com/office/powerpoint/2010/main" val="4023873073"/>
+      </p:ext>
+    </p:extLst>
+  </p:cSld>
+  <p:clrMapOvr>
+    <a:masterClrMapping/>
+  </p:clrMapOvr>
+</p:sld>
+</file>
+
+<file path=ppt/slides/slide23.xml><?xml version="1.0" encoding="utf-8"?>
+<p:sld xmlns:a="http://schemas.openxmlformats.org/drawingml/2006/main" xmlns:r="http://schemas.openxmlformats.org/officeDocument/2006/relationships" xmlns:p="http://schemas.openxmlformats.org/presentationml/2006/main">
+  <p:cSld>
+    <p:spTree>
+      <p:nvGrpSpPr>
+        <p:cNvPr id="1" name=""/>
+        <p:cNvGrpSpPr/>
+        <p:nvPr/>
+      </p:nvGrpSpPr>
+      <p:grpSpPr>
+        <a:xfrm>
+          <a:off x="0" y="0"/>
+          <a:ext cx="0" cy="0"/>
+          <a:chOff x="0" y="0"/>
+          <a:chExt cx="0" cy="0"/>
+        </a:xfrm>
+      </p:grpSpPr>
+      <p:sp>
+        <p:nvSpPr>
+          <p:cNvPr id="2" name="Title 1">
+            <a:extLst>
+              <a:ext uri="{FF2B5EF4-FFF2-40B4-BE49-F238E27FC236}">
+                <a16:creationId xmlns:a16="http://schemas.microsoft.com/office/drawing/2014/main" id="{006E1B0D-030F-4E45-B7CD-F15D2EFB3442}"/>
+              </a:ext>
+            </a:extLst>
+          </p:cNvPr>
+          <p:cNvSpPr>
+            <a:spLocks noGrp="1"/>
+          </p:cNvSpPr>
+          <p:nvPr>
+            <p:ph type="title"/>
+          </p:nvPr>
+        </p:nvSpPr>
+        <p:spPr/>
+        <p:txBody>
+          <a:bodyPr>
+            <a:normAutofit/>
+          </a:bodyPr>
+          <a:lstStyle/>
+          <a:p>
+            <a:r>
+              <a:rPr lang="en-US" sz="3600" dirty="0">
+                <a:solidFill>
+                  <a:schemeClr val="accent1"/>
+                </a:solidFill>
+              </a:rPr>
+              <a:t>Matrix Chain Multiplication: Overlapping Subproblems</a:t>
+            </a:r>
+            <a:endParaRPr lang="en-US" sz="3600" dirty="0"/>
+          </a:p>
+        </p:txBody>
+      </p:sp>
+      <mc:AlternateContent xmlns:mc="http://schemas.openxmlformats.org/markup-compatibility/2006" xmlns:a14="http://schemas.microsoft.com/office/drawing/2010/main">
+        <mc:Choice Requires="a14">
+          <p:sp>
+            <p:nvSpPr>
+              <p:cNvPr id="9" name="TextBox 8">
+                <a:extLst>
+                  <a:ext uri="{FF2B5EF4-FFF2-40B4-BE49-F238E27FC236}">
+                    <a16:creationId xmlns:a16="http://schemas.microsoft.com/office/drawing/2014/main" id="{802E2946-5A24-4EB9-B14F-A0FB11109126}"/>
+                  </a:ext>
+                </a:extLst>
+              </p:cNvPr>
+              <p:cNvSpPr txBox="1"/>
+              <p:nvPr/>
+            </p:nvSpPr>
+            <p:spPr>
+              <a:xfrm>
+                <a:off x="876300" y="1757363"/>
+                <a:ext cx="5762625" cy="3046988"/>
+              </a:xfrm>
+              <a:prstGeom prst="rect">
+                <a:avLst/>
+              </a:prstGeom>
+              <a:noFill/>
+            </p:spPr>
+            <p:txBody>
+              <a:bodyPr wrap="square" rtlCol="0">
+                <a:spAutoFit/>
+              </a:bodyPr>
+              <a:lstStyle/>
+              <a:p>
+                <a:r>
+                  <a:rPr lang="en-US" sz="2400" dirty="0">
+                    <a:solidFill>
+                      <a:schemeClr val="accent1"/>
+                    </a:solidFill>
+                  </a:rPr>
+                  <a:t>A problem instance </a:t>
+                </a:r>
+                <a14:m>
+                  <m:oMath xmlns:m="http://schemas.openxmlformats.org/officeDocument/2006/math">
+                    <m:sSub>
+                      <m:sSubPr>
+                        <m:ctrlPr>
+                          <a:rPr lang="en-US" sz="2400" i="1" smtClean="0">
+                            <a:latin typeface="Cambria Math" panose="02040503050406030204" pitchFamily="18" charset="0"/>
+                          </a:rPr>
+                        </m:ctrlPr>
+                      </m:sSubPr>
+                      <m:e>
+                        <m:r>
+                          <a:rPr lang="en-US" sz="2400" b="0" i="1" smtClean="0">
+                            <a:latin typeface="Cambria Math" panose="02040503050406030204" pitchFamily="18" charset="0"/>
+                          </a:rPr>
+                          <m:t>𝐴</m:t>
+                        </m:r>
+                      </m:e>
+                      <m:sub>
+                        <m:r>
+                          <a:rPr lang="en-US" sz="2400" b="0" i="1" smtClean="0">
+                            <a:latin typeface="Cambria Math" panose="02040503050406030204" pitchFamily="18" charset="0"/>
+                          </a:rPr>
+                          <m:t>1</m:t>
+                        </m:r>
+                      </m:sub>
+                    </m:sSub>
+                    <m:sSub>
+                      <m:sSubPr>
+                        <m:ctrlPr>
+                          <a:rPr lang="en-US" sz="2400" i="1" smtClean="0">
+                            <a:latin typeface="Cambria Math" panose="02040503050406030204" pitchFamily="18" charset="0"/>
+                          </a:rPr>
+                        </m:ctrlPr>
+                      </m:sSubPr>
+                      <m:e>
+                        <m:r>
+                          <a:rPr lang="en-US" sz="2400" b="0" i="1" smtClean="0">
+                            <a:latin typeface="Cambria Math" panose="02040503050406030204" pitchFamily="18" charset="0"/>
+                          </a:rPr>
+                          <m:t>𝐴</m:t>
+                        </m:r>
+                      </m:e>
+                      <m:sub>
+                        <m:r>
+                          <a:rPr lang="en-US" sz="2400" b="0" i="1" smtClean="0">
+                            <a:latin typeface="Cambria Math" panose="02040503050406030204" pitchFamily="18" charset="0"/>
+                          </a:rPr>
+                          <m:t>2</m:t>
+                        </m:r>
+                      </m:sub>
+                    </m:sSub>
+                  </m:oMath>
+                </a14:m>
+                <a:r>
+                  <a:rPr lang="en-US" sz="2400" dirty="0"/>
+                  <a:t> </a:t>
+                </a:r>
+                <a14:m>
+                  <m:oMath xmlns:m="http://schemas.openxmlformats.org/officeDocument/2006/math">
+                    <m:sSub>
+                      <m:sSubPr>
+                        <m:ctrlPr>
+                          <a:rPr lang="en-US" sz="2400" i="1">
+                            <a:latin typeface="Cambria Math" panose="02040503050406030204" pitchFamily="18" charset="0"/>
+                          </a:rPr>
+                        </m:ctrlPr>
+                      </m:sSubPr>
+                      <m:e>
+                        <m:r>
+                          <a:rPr lang="en-US" sz="2400" i="1">
+                            <a:latin typeface="Cambria Math" panose="02040503050406030204" pitchFamily="18" charset="0"/>
+                          </a:rPr>
+                          <m:t>𝐴</m:t>
+                        </m:r>
+                      </m:e>
+                      <m:sub>
+                        <m:r>
+                          <a:rPr lang="en-US" sz="2400" b="0" i="1" smtClean="0">
+                            <a:latin typeface="Cambria Math" panose="02040503050406030204" pitchFamily="18" charset="0"/>
+                          </a:rPr>
+                          <m:t>3</m:t>
+                        </m:r>
+                      </m:sub>
+                    </m:sSub>
+                  </m:oMath>
+                </a14:m>
+                <a:r>
+                  <a:rPr lang="en-US" sz="2400" dirty="0"/>
+                  <a:t> </a:t>
+                </a:r>
+                <a14:m>
+                  <m:oMath xmlns:m="http://schemas.openxmlformats.org/officeDocument/2006/math">
+                    <m:sSub>
+                      <m:sSubPr>
+                        <m:ctrlPr>
+                          <a:rPr lang="en-US" sz="2400" i="1">
+                            <a:latin typeface="Cambria Math" panose="02040503050406030204" pitchFamily="18" charset="0"/>
+                          </a:rPr>
+                        </m:ctrlPr>
+                      </m:sSubPr>
+                      <m:e>
+                        <m:r>
+                          <a:rPr lang="en-US" sz="2400" i="1">
+                            <a:latin typeface="Cambria Math" panose="02040503050406030204" pitchFamily="18" charset="0"/>
+                          </a:rPr>
+                          <m:t>𝐴</m:t>
+                        </m:r>
+                      </m:e>
+                      <m:sub>
+                        <m:r>
+                          <a:rPr lang="en-US" sz="2400" b="0" i="1" smtClean="0">
+                            <a:latin typeface="Cambria Math" panose="02040503050406030204" pitchFamily="18" charset="0"/>
+                          </a:rPr>
+                          <m:t>4</m:t>
+                        </m:r>
+                      </m:sub>
+                    </m:sSub>
+                  </m:oMath>
+                </a14:m>
+                <a:r>
+                  <a:rPr lang="en-US" sz="2400" dirty="0"/>
+                  <a:t> </a:t>
+                </a:r>
+                <a:r>
+                  <a:rPr lang="en-US" sz="2400" dirty="0">
+                    <a:solidFill>
+                      <a:schemeClr val="accent1"/>
+                    </a:solidFill>
+                  </a:rPr>
+                  <a:t>generates </a:t>
+                </a:r>
+              </a:p>
+              <a:p>
+                <a:r>
+                  <a:rPr lang="en-US" sz="2400" dirty="0">
+                    <a:solidFill>
+                      <a:schemeClr val="accent1"/>
+                    </a:solidFill>
+                  </a:rPr>
+                  <a:t>the recursion tree shown on the right.</a:t>
+                </a:r>
+              </a:p>
+              <a:p>
+                <a:endParaRPr lang="en-US" sz="2400" dirty="0"/>
+              </a:p>
+              <a:p>
+                <a:r>
+                  <a:rPr lang="en-US" sz="2400" dirty="0">
+                    <a:solidFill>
+                      <a:schemeClr val="accent1"/>
+                    </a:solidFill>
+                  </a:rPr>
+                  <a:t>We can see that many of the same subproblems are </a:t>
+                </a:r>
+                <a:r>
+                  <a:rPr lang="en-US" sz="2400" b="1" i="1" dirty="0">
+                    <a:solidFill>
+                      <a:srgbClr val="FF0000"/>
+                    </a:solidFill>
+                  </a:rPr>
+                  <a:t>repeatedly</a:t>
+                </a:r>
+                <a:r>
+                  <a:rPr lang="en-US" sz="2400" dirty="0">
+                    <a:solidFill>
+                      <a:schemeClr val="accent1"/>
+                    </a:solidFill>
+                  </a:rPr>
+                  <a:t> solved.</a:t>
+                </a:r>
+              </a:p>
+              <a:p>
+                <a:endParaRPr lang="en-US" sz="2400" dirty="0">
+                  <a:solidFill>
+                    <a:schemeClr val="accent1"/>
+                  </a:solidFill>
+                </a:endParaRPr>
+              </a:p>
+              <a:p>
+                <a:r>
+                  <a:rPr lang="en-US" sz="2400" dirty="0">
+                    <a:solidFill>
+                      <a:schemeClr val="accent1"/>
+                    </a:solidFill>
+                  </a:rPr>
+                  <a:t>For example, problem instances </a:t>
+                </a:r>
+                <a14:m>
+                  <m:oMath xmlns:m="http://schemas.openxmlformats.org/officeDocument/2006/math">
+                    <m:sSub>
+                      <m:sSubPr>
+                        <m:ctrlPr>
+                          <a:rPr lang="en-US" sz="2400" i="1" smtClean="0">
+                            <a:latin typeface="Cambria Math" panose="02040503050406030204" pitchFamily="18" charset="0"/>
+                          </a:rPr>
+                        </m:ctrlPr>
+                      </m:sSubPr>
+                      <m:e>
+                        <m:r>
+                          <a:rPr lang="en-US" sz="2400" b="0" i="1" smtClean="0">
+                            <a:latin typeface="Cambria Math" panose="02040503050406030204" pitchFamily="18" charset="0"/>
+                          </a:rPr>
+                          <m:t>𝐴</m:t>
+                        </m:r>
+                      </m:e>
+                      <m:sub>
+                        <m:r>
+                          <a:rPr lang="en-US" sz="2400" b="0" i="1" smtClean="0">
+                            <a:latin typeface="Cambria Math" panose="02040503050406030204" pitchFamily="18" charset="0"/>
+                          </a:rPr>
+                          <m:t>3</m:t>
+                        </m:r>
+                      </m:sub>
+                    </m:sSub>
+                    <m:sSub>
+                      <m:sSubPr>
+                        <m:ctrlPr>
+                          <a:rPr lang="en-US" sz="2400" i="1" smtClean="0">
+                            <a:latin typeface="Cambria Math" panose="02040503050406030204" pitchFamily="18" charset="0"/>
+                          </a:rPr>
+                        </m:ctrlPr>
+                      </m:sSubPr>
+                      <m:e>
+                        <m:r>
+                          <a:rPr lang="en-US" sz="2400" b="0" i="1" smtClean="0">
+                            <a:latin typeface="Cambria Math" panose="02040503050406030204" pitchFamily="18" charset="0"/>
+                          </a:rPr>
+                          <m:t>𝐴</m:t>
+                        </m:r>
+                      </m:e>
+                      <m:sub>
+                        <m:r>
+                          <a:rPr lang="en-US" sz="2400" b="0" i="1" smtClean="0">
+                            <a:latin typeface="Cambria Math" panose="02040503050406030204" pitchFamily="18" charset="0"/>
+                          </a:rPr>
+                          <m:t>4</m:t>
+                        </m:r>
+                      </m:sub>
+                    </m:sSub>
+                  </m:oMath>
+                </a14:m>
+                <a:r>
+                  <a:rPr lang="en-US" sz="2400" dirty="0">
+                    <a:solidFill>
+                      <a:schemeClr val="accent1"/>
+                    </a:solidFill>
+                  </a:rPr>
+                  <a:t> appear twice in the recursion tree.</a:t>
+                </a:r>
+              </a:p>
+            </p:txBody>
+          </p:sp>
+        </mc:Choice>
+        <mc:Fallback xmlns="">
+          <p:sp>
+            <p:nvSpPr>
+              <p:cNvPr id="9" name="TextBox 8">
+                <a:extLst>
+                  <a:ext uri="{FF2B5EF4-FFF2-40B4-BE49-F238E27FC236}">
+                    <a16:creationId xmlns:a16="http://schemas.microsoft.com/office/drawing/2014/main" id="{802E2946-5A24-4EB9-B14F-A0FB11109126}"/>
+                  </a:ext>
+                </a:extLst>
+              </p:cNvPr>
+              <p:cNvSpPr txBox="1">
+                <a:spLocks noRot="1" noChangeAspect="1" noMove="1" noResize="1" noEditPoints="1" noAdjustHandles="1" noChangeArrowheads="1" noChangeShapeType="1" noTextEdit="1"/>
+              </p:cNvSpPr>
+              <p:nvPr/>
+            </p:nvSpPr>
+            <p:spPr>
+              <a:xfrm>
+                <a:off x="876300" y="1757363"/>
+                <a:ext cx="5762625" cy="3046988"/>
+              </a:xfrm>
+              <a:prstGeom prst="rect">
+                <a:avLst/>
+              </a:prstGeom>
+              <a:blipFill>
+                <a:blip r:embed="rId2"/>
+                <a:stretch>
+                  <a:fillRect l="-1693" t="-1600" b="-3600"/>
+                </a:stretch>
+              </a:blipFill>
+            </p:spPr>
+            <p:txBody>
+              <a:bodyPr/>
+              <a:lstStyle/>
+              <a:p>
+                <a:r>
+                  <a:rPr lang="en-US">
+                    <a:noFill/>
+                  </a:rPr>
+                  <a:t> </a:t>
+                </a:r>
+              </a:p>
+            </p:txBody>
+          </p:sp>
+        </mc:Fallback>
+      </mc:AlternateContent>
+      <p:pic>
+        <p:nvPicPr>
+          <p:cNvPr id="13" name="Content Placeholder 12">
+            <a:extLst>
+              <a:ext uri="{FF2B5EF4-FFF2-40B4-BE49-F238E27FC236}">
+                <a16:creationId xmlns:a16="http://schemas.microsoft.com/office/drawing/2014/main" id="{9C88136F-F0F4-4BD9-9361-D7D49020F05B}"/>
+              </a:ext>
+            </a:extLst>
+          </p:cNvPr>
+          <p:cNvPicPr>
+            <a:picLocks noGrp="1" noChangeAspect="1"/>
+          </p:cNvPicPr>
+          <p:nvPr>
+            <p:ph idx="1"/>
+          </p:nvPr>
+        </p:nvPicPr>
+        <p:blipFill>
+          <a:blip r:embed="rId3">
+            <a:extLst>
+              <a:ext uri="{28A0092B-C50C-407E-A947-70E740481C1C}">
+                <a14:useLocalDpi xmlns:a14="http://schemas.microsoft.com/office/drawing/2010/main" val="0"/>
+              </a:ext>
+            </a:extLst>
+          </a:blip>
+          <a:stretch>
+            <a:fillRect/>
+          </a:stretch>
+        </p:blipFill>
+        <p:spPr>
+          <a:xfrm>
+            <a:off x="7105650" y="1882775"/>
+            <a:ext cx="3950369" cy="4182550"/>
+          </a:xfrm>
+        </p:spPr>
+      </p:pic>
+    </p:spTree>
+    <p:extLst>
+      <p:ext uri="{BB962C8B-B14F-4D97-AF65-F5344CB8AC3E}">
+        <p14:creationId xmlns:p14="http://schemas.microsoft.com/office/powerpoint/2010/main" val="2536820075"/>
       </p:ext>
     </p:extLst>
   </p:cSld>
@@ -16731,147 +17083,8 @@
           </a:p>
         </p:txBody>
       </p:sp>
-      <p:pic>
-        <p:nvPicPr>
-          <p:cNvPr id="5" name="Content Placeholder 4">
-            <a:extLst>
-              <a:ext uri="{FF2B5EF4-FFF2-40B4-BE49-F238E27FC236}">
-                <a16:creationId xmlns:a16="http://schemas.microsoft.com/office/drawing/2014/main" id="{9F975287-5F67-4CBF-962B-35ADABB2A8C9}"/>
-              </a:ext>
-            </a:extLst>
-          </p:cNvPr>
-          <p:cNvPicPr>
-            <a:picLocks noGrp="1" noChangeAspect="1"/>
-          </p:cNvPicPr>
-          <p:nvPr>
-            <p:ph idx="1"/>
-          </p:nvPr>
-        </p:nvPicPr>
-        <p:blipFill>
-          <a:blip r:embed="rId2">
-            <a:extLst>
-              <a:ext uri="{28A0092B-C50C-407E-A947-70E740481C1C}">
-                <a14:useLocalDpi xmlns:a14="http://schemas.microsoft.com/office/drawing/2010/main" val="0"/>
-              </a:ext>
-            </a:extLst>
-          </a:blip>
-          <a:stretch>
-            <a:fillRect/>
-          </a:stretch>
-        </p:blipFill>
-        <p:spPr>
-          <a:xfrm>
-            <a:off x="3286125" y="1987550"/>
-            <a:ext cx="6120266" cy="3308434"/>
-          </a:xfrm>
-        </p:spPr>
-      </p:pic>
-      <p:sp>
-        <p:nvSpPr>
-          <p:cNvPr id="6" name="TextBox 5">
-            <a:extLst>
-              <a:ext uri="{FF2B5EF4-FFF2-40B4-BE49-F238E27FC236}">
-                <a16:creationId xmlns:a16="http://schemas.microsoft.com/office/drawing/2014/main" id="{5F73BAD0-D9B8-48F5-9E92-14C40AF816DF}"/>
-              </a:ext>
-            </a:extLst>
-          </p:cNvPr>
-          <p:cNvSpPr txBox="1"/>
-          <p:nvPr/>
-        </p:nvSpPr>
-        <p:spPr>
-          <a:xfrm>
-            <a:off x="6600825" y="6308209"/>
-            <a:ext cx="5147563" cy="369332"/>
-          </a:xfrm>
-          <a:prstGeom prst="rect">
-            <a:avLst/>
-          </a:prstGeom>
-          <a:noFill/>
-        </p:spPr>
-        <p:txBody>
-          <a:bodyPr wrap="none" rtlCol="0">
-            <a:spAutoFit/>
-          </a:bodyPr>
-          <a:lstStyle/>
-          <a:p>
-            <a:r>
-              <a:rPr lang="en-US" dirty="0">
-                <a:solidFill>
-                  <a:srgbClr val="FF0000"/>
-                </a:solidFill>
-              </a:rPr>
-              <a:t>***Illustration from https://www.geeksforgeeks.org/</a:t>
-            </a:r>
-          </a:p>
-        </p:txBody>
-      </p:sp>
-    </p:spTree>
-    <p:extLst>
-      <p:ext uri="{BB962C8B-B14F-4D97-AF65-F5344CB8AC3E}">
-        <p14:creationId xmlns:p14="http://schemas.microsoft.com/office/powerpoint/2010/main" val="2536820075"/>
-      </p:ext>
-    </p:extLst>
-  </p:cSld>
-  <p:clrMapOvr>
-    <a:masterClrMapping/>
-  </p:clrMapOvr>
-</p:sld>
-</file>
-
-<file path=ppt/slides/slide25.xml><?xml version="1.0" encoding="utf-8"?>
-<p:sld xmlns:a="http://schemas.openxmlformats.org/drawingml/2006/main" xmlns:r="http://schemas.openxmlformats.org/officeDocument/2006/relationships" xmlns:p="http://schemas.openxmlformats.org/presentationml/2006/main">
-  <p:cSld>
-    <p:spTree>
-      <p:nvGrpSpPr>
-        <p:cNvPr id="1" name=""/>
-        <p:cNvGrpSpPr/>
-        <p:nvPr/>
-      </p:nvGrpSpPr>
-      <p:grpSpPr>
-        <a:xfrm>
-          <a:off x="0" y="0"/>
-          <a:ext cx="0" cy="0"/>
-          <a:chOff x="0" y="0"/>
-          <a:chExt cx="0" cy="0"/>
-        </a:xfrm>
-      </p:grpSpPr>
-      <p:sp>
-        <p:nvSpPr>
-          <p:cNvPr id="2" name="Title 1">
-            <a:extLst>
-              <a:ext uri="{FF2B5EF4-FFF2-40B4-BE49-F238E27FC236}">
-                <a16:creationId xmlns:a16="http://schemas.microsoft.com/office/drawing/2014/main" id="{006E1B0D-030F-4E45-B7CD-F15D2EFB3442}"/>
-              </a:ext>
-            </a:extLst>
-          </p:cNvPr>
-          <p:cNvSpPr>
-            <a:spLocks noGrp="1"/>
-          </p:cNvSpPr>
-          <p:nvPr>
-            <p:ph type="title"/>
-          </p:nvPr>
-        </p:nvSpPr>
-        <p:spPr/>
-        <p:txBody>
-          <a:bodyPr>
-            <a:normAutofit/>
-          </a:bodyPr>
-          <a:lstStyle/>
-          <a:p>
-            <a:r>
-              <a:rPr lang="en-US" sz="3600" dirty="0">
-                <a:solidFill>
-                  <a:schemeClr val="accent1"/>
-                </a:solidFill>
-              </a:rPr>
-              <a:t>Matrix Chain Multiplication: Overlapping Subproblems</a:t>
-            </a:r>
-            <a:endParaRPr lang="en-US" sz="3600" dirty="0"/>
-          </a:p>
-        </p:txBody>
-      </p:sp>
-      <mc:AlternateContent xmlns:mc="http://schemas.openxmlformats.org/markup-compatibility/2006" xmlns:a14="http://schemas.microsoft.com/office/drawing/2010/main">
-        <mc:Choice Requires="a14">
+      <mc:AlternateContent xmlns:mc="http://schemas.openxmlformats.org/markup-compatibility/2006">
+        <mc:Choice xmlns:a14="http://schemas.microsoft.com/office/drawing/2010/main" Requires="a14">
           <p:sp>
             <p:nvSpPr>
               <p:cNvPr id="4" name="Content Placeholder 3">
@@ -16890,14 +17103,16 @@
             </p:nvSpPr>
             <p:spPr/>
             <p:txBody>
-              <a:bodyPr/>
+              <a:bodyPr>
+                <a:normAutofit fontScale="92500" lnSpcReduction="10000"/>
+              </a:bodyPr>
               <a:lstStyle/>
               <a:p>
                 <a:pPr marL="0" indent="0">
                   <a:buNone/>
                 </a:pPr>
                 <a:r>
-                  <a:rPr lang="en-US" dirty="0">
+                  <a:rPr lang="en-US" sz="2600" dirty="0">
                     <a:solidFill>
                       <a:schemeClr val="accent1"/>
                     </a:solidFill>
@@ -16905,7 +17120,7 @@
                   <a:t>Additionally, the number of </a:t>
                 </a:r>
                 <a:r>
-                  <a:rPr lang="en-US" b="1" i="1" dirty="0">
+                  <a:rPr lang="en-US" sz="2600" b="1" i="1" dirty="0">
                     <a:solidFill>
                       <a:srgbClr val="FF0000"/>
                     </a:solidFill>
@@ -16913,7 +17128,7 @@
                   <a:t>distinct</a:t>
                 </a:r>
                 <a:r>
-                  <a:rPr lang="en-US" dirty="0">
+                  <a:rPr lang="en-US" sz="2600" dirty="0">
                     <a:solidFill>
                       <a:schemeClr val="accent1"/>
                     </a:solidFill>
@@ -16921,7 +17136,7 @@
                   <a:t> subproblems is relatively </a:t>
                 </a:r>
                 <a:r>
-                  <a:rPr lang="en-US" b="1" i="1" dirty="0">
+                  <a:rPr lang="en-US" sz="2600" b="1" i="1" dirty="0">
                     <a:solidFill>
                       <a:srgbClr val="FF0000"/>
                     </a:solidFill>
@@ -16929,7 +17144,7 @@
                   <a:t>small</a:t>
                 </a:r>
                 <a:r>
-                  <a:rPr lang="en-US" dirty="0">
+                  <a:rPr lang="en-US" sz="2600" dirty="0">
                     <a:solidFill>
                       <a:schemeClr val="accent1"/>
                     </a:solidFill>
@@ -16937,7 +17152,7 @@
                   <a:t> (i.e. </a:t>
                 </a:r>
                 <a:r>
-                  <a:rPr lang="en-US" b="1" i="1" dirty="0">
+                  <a:rPr lang="en-US" sz="2600" b="1" i="1" dirty="0">
                     <a:solidFill>
                       <a:srgbClr val="FF0000"/>
                     </a:solidFill>
@@ -16945,7 +17160,7 @@
                   <a:t>polynomial</a:t>
                 </a:r>
                 <a:r>
-                  <a:rPr lang="en-US" dirty="0">
+                  <a:rPr lang="en-US" sz="2600" dirty="0">
                     <a:solidFill>
                       <a:schemeClr val="accent1"/>
                     </a:solidFill>
@@ -16957,7 +17172,7 @@
                 <a:pPr marL="0" indent="0">
                   <a:buNone/>
                 </a:pPr>
-                <a:endParaRPr lang="en-US" dirty="0">
+                <a:endParaRPr lang="en-US" sz="2600" dirty="0">
                   <a:solidFill>
                     <a:schemeClr val="accent1"/>
                   </a:solidFill>
@@ -16968,143 +17183,215 @@
                   <a:buNone/>
                 </a:pPr>
                 <a:r>
-                  <a:rPr lang="en-US" dirty="0">
+                  <a:rPr lang="en-US" sz="2600" dirty="0">
                     <a:solidFill>
                       <a:schemeClr val="accent1"/>
                     </a:solidFill>
                   </a:rPr>
                   <a:t>The number of distinct subproblems is</a:t>
+                </a:r>
+                <a14:m>
+                  <m:oMath xmlns:m="http://schemas.openxmlformats.org/officeDocument/2006/math">
+                    <m:r>
+                      <a:rPr lang="en-US" sz="2600" b="0" i="1" smtClean="0">
+                        <a:solidFill>
+                          <a:schemeClr val="tx1"/>
+                        </a:solidFill>
+                        <a:latin typeface="Cambria Math" panose="02040503050406030204" pitchFamily="18" charset="0"/>
+                        <a:ea typeface="Cambria Math" panose="02040503050406030204" pitchFamily="18" charset="0"/>
+                      </a:rPr>
+                      <m:t> </m:t>
+                    </m:r>
+                    <m:r>
+                      <m:rPr>
+                        <m:sty m:val="p"/>
+                      </m:rPr>
+                      <a:rPr lang="el-GR" sz="2600" i="1" smtClean="0">
+                        <a:solidFill>
+                          <a:schemeClr val="tx1"/>
+                        </a:solidFill>
+                        <a:latin typeface="Cambria Math" panose="02040503050406030204" pitchFamily="18" charset="0"/>
+                        <a:ea typeface="Cambria Math" panose="02040503050406030204" pitchFamily="18" charset="0"/>
+                      </a:rPr>
+                      <m:t>Θ</m:t>
+                    </m:r>
+                    <m:r>
+                      <a:rPr lang="en-US" sz="2600" b="0" i="1" smtClean="0">
+                        <a:solidFill>
+                          <a:schemeClr val="tx1"/>
+                        </a:solidFill>
+                        <a:latin typeface="Cambria Math" panose="02040503050406030204" pitchFamily="18" charset="0"/>
+                        <a:ea typeface="Cambria Math" panose="02040503050406030204" pitchFamily="18" charset="0"/>
+                      </a:rPr>
+                      <m:t>(</m:t>
+                    </m:r>
+                    <m:sSup>
+                      <m:sSupPr>
+                        <m:ctrlPr>
+                          <a:rPr lang="en-US" sz="2600" b="0" i="1" smtClean="0">
+                            <a:solidFill>
+                              <a:schemeClr val="tx1"/>
+                            </a:solidFill>
+                            <a:latin typeface="Cambria Math" panose="02040503050406030204" pitchFamily="18" charset="0"/>
+                            <a:ea typeface="Cambria Math" panose="02040503050406030204" pitchFamily="18" charset="0"/>
+                          </a:rPr>
+                        </m:ctrlPr>
+                      </m:sSupPr>
+                      <m:e>
+                        <m:r>
+                          <a:rPr lang="en-US" sz="2600" b="0" i="1" smtClean="0">
+                            <a:solidFill>
+                              <a:schemeClr val="tx1"/>
+                            </a:solidFill>
+                            <a:latin typeface="Cambria Math" panose="02040503050406030204" pitchFamily="18" charset="0"/>
+                            <a:ea typeface="Cambria Math" panose="02040503050406030204" pitchFamily="18" charset="0"/>
+                          </a:rPr>
+                          <m:t>𝑛</m:t>
+                        </m:r>
+                      </m:e>
+                      <m:sup>
+                        <m:r>
+                          <a:rPr lang="en-US" sz="2600" b="0" i="1" smtClean="0">
+                            <a:solidFill>
+                              <a:schemeClr val="tx1"/>
+                            </a:solidFill>
+                            <a:latin typeface="Cambria Math" panose="02040503050406030204" pitchFamily="18" charset="0"/>
+                            <a:ea typeface="Cambria Math" panose="02040503050406030204" pitchFamily="18" charset="0"/>
+                          </a:rPr>
+                          <m:t>2</m:t>
+                        </m:r>
+                      </m:sup>
+                    </m:sSup>
+                  </m:oMath>
+                </a14:m>
+                <a:r>
+                  <a:rPr lang="en-US" sz="2600" dirty="0">
+                    <a:solidFill>
+                      <a:schemeClr val="tx1"/>
+                    </a:solidFill>
+                  </a:rPr>
+                  <a:t>)</a:t>
+                </a:r>
+                <a:r>
+                  <a:rPr lang="en-US" sz="2600" dirty="0">
+                    <a:solidFill>
+                      <a:schemeClr val="accent1"/>
+                    </a:solidFill>
+                  </a:rPr>
+                  <a:t>, which is polynomial in the problem size </a:t>
+                </a:r>
+                <a14:m>
+                  <m:oMath xmlns:m="http://schemas.openxmlformats.org/officeDocument/2006/math">
+                    <m:r>
+                      <a:rPr lang="en-US" sz="2600" i="1">
+                        <a:latin typeface="Cambria Math" panose="02040503050406030204" pitchFamily="18" charset="0"/>
+                        <a:ea typeface="Cambria Math" panose="02040503050406030204" pitchFamily="18" charset="0"/>
+                      </a:rPr>
+                      <m:t>𝑛</m:t>
+                    </m:r>
+                  </m:oMath>
+                </a14:m>
+                <a:r>
+                  <a:rPr lang="en-US" sz="2600" dirty="0">
+                    <a:solidFill>
+                      <a:schemeClr val="accent1"/>
+                    </a:solidFill>
+                  </a:rPr>
+                  <a:t>.</a:t>
                 </a:r>
               </a:p>
               <a:p>
                 <a:pPr marL="0" indent="0">
                   <a:buNone/>
                 </a:pPr>
-                <a:r>
-                  <a:rPr lang="en-US" dirty="0">
-                    <a:solidFill>
-                      <a:schemeClr val="accent1"/>
-                    </a:solidFill>
-                  </a:rPr>
-                  <a:t>	</a:t>
-                </a:r>
-                <a:r>
-                  <a:rPr lang="en-US" b="0" dirty="0">
-                    <a:solidFill>
-                      <a:schemeClr val="tx1"/>
-                    </a:solidFill>
-                    <a:ea typeface="Cambria Math" panose="02040503050406030204" pitchFamily="18" charset="0"/>
-                  </a:rPr>
-                  <a:t>	</a:t>
-                </a:r>
-                <a14:m>
-                  <m:oMath xmlns:m="http://schemas.openxmlformats.org/officeDocument/2006/math">
-                    <m:r>
-                      <a:rPr lang="en-US" b="0" i="1" smtClean="0">
-                        <a:solidFill>
-                          <a:schemeClr val="tx1"/>
-                        </a:solidFill>
-                        <a:latin typeface="Cambria Math" panose="02040503050406030204" pitchFamily="18" charset="0"/>
-                        <a:ea typeface="Cambria Math" panose="02040503050406030204" pitchFamily="18" charset="0"/>
-                      </a:rPr>
-                      <m:t> </m:t>
-                    </m:r>
-                    <m:r>
-                      <m:rPr>
-                        <m:sty m:val="p"/>
-                      </m:rPr>
-                      <a:rPr lang="el-GR" i="1" smtClean="0">
-                        <a:solidFill>
-                          <a:schemeClr val="tx1"/>
-                        </a:solidFill>
-                        <a:latin typeface="Cambria Math" panose="02040503050406030204" pitchFamily="18" charset="0"/>
-                        <a:ea typeface="Cambria Math" panose="02040503050406030204" pitchFamily="18" charset="0"/>
-                      </a:rPr>
-                      <m:t>Θ</m:t>
-                    </m:r>
-                    <m:r>
-                      <a:rPr lang="en-US" b="0" i="1" smtClean="0">
-                        <a:solidFill>
-                          <a:schemeClr val="tx1"/>
-                        </a:solidFill>
-                        <a:latin typeface="Cambria Math" panose="02040503050406030204" pitchFamily="18" charset="0"/>
-                        <a:ea typeface="Cambria Math" panose="02040503050406030204" pitchFamily="18" charset="0"/>
-                      </a:rPr>
-                      <m:t>(</m:t>
-                    </m:r>
-                    <m:sSup>
-                      <m:sSupPr>
-                        <m:ctrlPr>
-                          <a:rPr lang="en-US" b="0" i="1" smtClean="0">
-                            <a:solidFill>
-                              <a:schemeClr val="tx1"/>
-                            </a:solidFill>
-                            <a:latin typeface="Cambria Math" panose="02040503050406030204" pitchFamily="18" charset="0"/>
-                            <a:ea typeface="Cambria Math" panose="02040503050406030204" pitchFamily="18" charset="0"/>
-                          </a:rPr>
-                        </m:ctrlPr>
-                      </m:sSupPr>
-                      <m:e>
-                        <m:r>
-                          <a:rPr lang="en-US" b="0" i="1" smtClean="0">
-                            <a:solidFill>
-                              <a:schemeClr val="tx1"/>
-                            </a:solidFill>
-                            <a:latin typeface="Cambria Math" panose="02040503050406030204" pitchFamily="18" charset="0"/>
-                            <a:ea typeface="Cambria Math" panose="02040503050406030204" pitchFamily="18" charset="0"/>
-                          </a:rPr>
-                          <m:t>𝑛</m:t>
-                        </m:r>
-                      </m:e>
-                      <m:sup>
-                        <m:r>
-                          <a:rPr lang="en-US" b="0" i="1" smtClean="0">
-                            <a:solidFill>
-                              <a:schemeClr val="tx1"/>
-                            </a:solidFill>
-                            <a:latin typeface="Cambria Math" panose="02040503050406030204" pitchFamily="18" charset="0"/>
-                            <a:ea typeface="Cambria Math" panose="02040503050406030204" pitchFamily="18" charset="0"/>
-                          </a:rPr>
-                          <m:t>2</m:t>
-                        </m:r>
-                      </m:sup>
-                    </m:sSup>
-                  </m:oMath>
-                </a14:m>
-                <a:r>
-                  <a:rPr lang="en-US" dirty="0">
-                    <a:solidFill>
-                      <a:schemeClr val="tx1"/>
-                    </a:solidFill>
-                  </a:rPr>
-                  <a:t>)</a:t>
-                </a:r>
-                <a:r>
-                  <a:rPr lang="en-US" dirty="0">
-                    <a:solidFill>
-                      <a:schemeClr val="accent1"/>
-                    </a:solidFill>
-                  </a:rPr>
-                  <a:t>, which is polynomial in the problem size </a:t>
-                </a:r>
-                <a14:m>
-                  <m:oMath xmlns:m="http://schemas.openxmlformats.org/officeDocument/2006/math">
-                    <m:r>
-                      <a:rPr lang="en-US" i="1">
-                        <a:latin typeface="Cambria Math" panose="02040503050406030204" pitchFamily="18" charset="0"/>
-                        <a:ea typeface="Cambria Math" panose="02040503050406030204" pitchFamily="18" charset="0"/>
-                      </a:rPr>
-                      <m:t>𝑛</m:t>
-                    </m:r>
-                  </m:oMath>
-                </a14:m>
-                <a:r>
-                  <a:rPr lang="en-US" dirty="0">
-                    <a:solidFill>
-                      <a:schemeClr val="accent1"/>
-                    </a:solidFill>
-                  </a:rPr>
-                  <a:t>.</a:t>
+                <a:endParaRPr lang="en-US" sz="2600" dirty="0">
+                  <a:solidFill>
+                    <a:schemeClr val="accent1"/>
+                  </a:solidFill>
+                </a:endParaRPr>
+              </a:p>
+              <a:p>
+                <a:pPr marL="0" indent="0">
+                  <a:buNone/>
+                </a:pPr>
+                <a:r>
+                  <a:rPr lang="en-US" sz="2600" dirty="0">
+                    <a:solidFill>
+                      <a:schemeClr val="accent1"/>
+                    </a:solidFill>
+                  </a:rPr>
+                  <a:t>We have shown that the MCM problem exhibits the </a:t>
+                </a:r>
+                <a:r>
+                  <a:rPr lang="en-US" sz="2600" b="1" i="1" dirty="0">
+                    <a:solidFill>
+                      <a:srgbClr val="FF0000"/>
+                    </a:solidFill>
+                  </a:rPr>
+                  <a:t>optimal substructure </a:t>
+                </a:r>
+                <a:r>
+                  <a:rPr lang="en-US" sz="2600" dirty="0">
+                    <a:solidFill>
+                      <a:schemeClr val="accent1"/>
+                    </a:solidFill>
+                  </a:rPr>
+                  <a:t>and the </a:t>
+                </a:r>
+                <a:r>
+                  <a:rPr lang="en-US" sz="2600" b="1" i="1" dirty="0">
+                    <a:solidFill>
+                      <a:srgbClr val="FF0000"/>
+                    </a:solidFill>
+                  </a:rPr>
+                  <a:t>overlapping subproblems </a:t>
+                </a:r>
+                <a:r>
+                  <a:rPr lang="en-US" sz="2600" dirty="0">
+                    <a:solidFill>
+                      <a:schemeClr val="accent1"/>
+                    </a:solidFill>
+                  </a:rPr>
+                  <a:t>property.</a:t>
+                </a:r>
+              </a:p>
+              <a:p>
+                <a:pPr marL="0" indent="0">
+                  <a:buNone/>
+                </a:pPr>
+                <a:endParaRPr lang="en-US" sz="2600" dirty="0">
+                  <a:solidFill>
+                    <a:schemeClr val="accent1"/>
+                  </a:solidFill>
+                </a:endParaRPr>
+              </a:p>
+              <a:p>
+                <a:pPr marL="0" indent="0">
+                  <a:buNone/>
+                </a:pPr>
+                <a:r>
+                  <a:rPr lang="en-US" sz="2600" dirty="0">
+                    <a:solidFill>
+                      <a:schemeClr val="accent1"/>
+                    </a:solidFill>
+                  </a:rPr>
+                  <a:t>Therefore, we can formulate  an </a:t>
+                </a:r>
+                <a:r>
+                  <a:rPr lang="en-US" sz="2600" b="1" i="1" dirty="0">
+                    <a:solidFill>
+                      <a:srgbClr val="FF0000"/>
+                    </a:solidFill>
+                  </a:rPr>
+                  <a:t>efficient</a:t>
+                </a:r>
+                <a:r>
+                  <a:rPr lang="en-US" sz="2600" dirty="0">
+                    <a:solidFill>
+                      <a:schemeClr val="accent1"/>
+                    </a:solidFill>
+                  </a:rPr>
+                  <a:t> bottom-up or memoization implementation to solve the problem.</a:t>
                 </a:r>
               </a:p>
               <a:p>
@@ -17130,7 +17417,7 @@
             </p:txBody>
           </p:sp>
         </mc:Choice>
-        <mc:Fallback xmlns="">
+        <mc:Fallback>
           <p:sp>
             <p:nvSpPr>
               <p:cNvPr id="4" name="Content Placeholder 3">
@@ -17151,7 +17438,7 @@
               <a:blipFill>
                 <a:blip r:embed="rId2"/>
                 <a:stretch>
-                  <a:fillRect l="-1217" t="-2241" r="-1333"/>
+                  <a:fillRect l="-928" t="-2661" r="-290"/>
                 </a:stretch>
               </a:blipFill>
             </p:spPr>
@@ -17183,7 +17470,7 @@
 </p:sld>
 </file>
 
-<file path=ppt/slides/slide26.xml><?xml version="1.0" encoding="utf-8"?>
+<file path=ppt/slides/slide25.xml><?xml version="1.0" encoding="utf-8"?>
 <p:sld xmlns:a="http://schemas.openxmlformats.org/drawingml/2006/main" xmlns:r="http://schemas.openxmlformats.org/officeDocument/2006/relationships" xmlns:p="http://schemas.openxmlformats.org/presentationml/2006/main">
   <p:cSld>
     <p:spTree>
@@ -17268,8 +17555,8 @@
           </a:xfrm>
         </p:spPr>
       </p:pic>
-      <mc:AlternateContent xmlns:mc="http://schemas.openxmlformats.org/markup-compatibility/2006">
-        <mc:Choice xmlns:a14="http://schemas.microsoft.com/office/drawing/2010/main" Requires="a14">
+      <mc:AlternateContent xmlns:mc="http://schemas.openxmlformats.org/markup-compatibility/2006" xmlns:a14="http://schemas.microsoft.com/office/drawing/2010/main">
+        <mc:Choice Requires="a14">
           <p:sp>
             <p:nvSpPr>
               <p:cNvPr id="3" name="TextBox 2">
@@ -17312,47 +17599,23 @@
                       <a:srgbClr val="FF0000"/>
                     </a:solidFill>
                   </a:rPr>
-                  <a:t>top-down </a:t>
-                </a:r>
-                <a:r>
-                  <a:rPr lang="en-US" b="1" i="1" dirty="0" err="1">
+                  <a:t>top-down memoized</a:t>
+                </a:r>
+                <a:r>
+                  <a:rPr lang="en-US" dirty="0">
+                    <a:solidFill>
+                      <a:schemeClr val="accent1"/>
+                    </a:solidFill>
+                  </a:rPr>
+                  <a:t> algorithm remains similar to the </a:t>
+                </a:r>
+                <a:r>
+                  <a:rPr lang="en-US" b="1" i="1" dirty="0">
                     <a:solidFill>
                       <a:srgbClr val="FF0000"/>
                     </a:solidFill>
                   </a:rPr>
-                  <a:t>memoized</a:t>
-                </a:r>
-                <a:r>
-                  <a:rPr lang="en-US" dirty="0">
-                    <a:solidFill>
-                      <a:schemeClr val="accent1"/>
-                    </a:solidFill>
-                  </a:rPr>
-                  <a:t> algorithm remains similar to the </a:t>
-                </a:r>
-                <a:r>
-                  <a:rPr lang="en-US" b="1" i="1" dirty="0">
-                    <a:solidFill>
-                      <a:srgbClr val="FF0000"/>
-                    </a:solidFill>
-                  </a:rPr>
-                  <a:t>top-down non-</a:t>
-                </a:r>
-                <a:r>
-                  <a:rPr lang="en-US" b="1" i="1" dirty="0" err="1">
-                    <a:solidFill>
-                      <a:srgbClr val="FF0000"/>
-                    </a:solidFill>
-                  </a:rPr>
-                  <a:t>memoized</a:t>
-                </a:r>
-                <a:r>
-                  <a:rPr lang="en-US" b="1" i="1" dirty="0">
-                    <a:solidFill>
-                      <a:srgbClr val="FF0000"/>
-                    </a:solidFill>
-                  </a:rPr>
-                  <a:t> </a:t>
+                  <a:t>top-down non-memoized </a:t>
                 </a:r>
                 <a:r>
                   <a:rPr lang="en-US" dirty="0">
@@ -17451,7 +17714,7 @@
             </p:txBody>
           </p:sp>
         </mc:Choice>
-        <mc:Fallback>
+        <mc:Fallback xmlns="">
           <p:sp>
             <p:nvSpPr>
               <p:cNvPr id="3" name="TextBox 2">
@@ -17509,7 +17772,7 @@
 </p:sld>
 </file>
 
-<file path=ppt/slides/slide27.xml><?xml version="1.0" encoding="utf-8"?>
+<file path=ppt/slides/slide26.xml><?xml version="1.0" encoding="utf-8"?>
 <p:sld xmlns:a="http://schemas.openxmlformats.org/drawingml/2006/main" xmlns:r="http://schemas.openxmlformats.org/officeDocument/2006/relationships" xmlns:p="http://schemas.openxmlformats.org/presentationml/2006/main">
   <p:cSld>
     <p:spTree>
@@ -17589,13 +17852,13 @@
         </p:blipFill>
         <p:spPr>
           <a:xfrm>
-            <a:off x="6659262" y="1690688"/>
+            <a:off x="6697362" y="1876426"/>
             <a:ext cx="4780263" cy="3417928"/>
           </a:xfrm>
         </p:spPr>
       </p:pic>
-      <mc:AlternateContent xmlns:mc="http://schemas.openxmlformats.org/markup-compatibility/2006" xmlns:a14="http://schemas.microsoft.com/office/drawing/2010/main">
-        <mc:Choice Requires="a14">
+      <mc:AlternateContent xmlns:mc="http://schemas.openxmlformats.org/markup-compatibility/2006">
+        <mc:Choice xmlns:a14="http://schemas.microsoft.com/office/drawing/2010/main" Requires="a14">
           <p:sp>
             <p:nvSpPr>
               <p:cNvPr id="3" name="TextBox 2">
@@ -17610,8 +17873,8 @@
             </p:nvSpPr>
             <p:spPr>
               <a:xfrm>
-                <a:off x="1085849" y="1895476"/>
-                <a:ext cx="5705475" cy="2862322"/>
+                <a:off x="923925" y="1514476"/>
+                <a:ext cx="5476876" cy="4708981"/>
               </a:xfrm>
               <a:prstGeom prst="rect">
                 <a:avLst/>
@@ -17625,7 +17888,7 @@
               <a:lstStyle/>
               <a:p>
                 <a:r>
-                  <a:rPr lang="en-US" b="1" i="1" u="sng" dirty="0">
+                  <a:rPr lang="en-US" sz="2000" b="1" i="1" u="sng" dirty="0">
                     <a:solidFill>
                       <a:srgbClr val="FF0000"/>
                     </a:solidFill>
@@ -17633,7 +17896,7 @@
                   <a:t>Analysis (Rough Version)</a:t>
                 </a:r>
                 <a:r>
-                  <a:rPr lang="en-US" b="1" i="1" dirty="0">
+                  <a:rPr lang="en-US" sz="2000" b="1" i="1" dirty="0">
                     <a:solidFill>
                       <a:srgbClr val="FF0000"/>
                     </a:solidFill>
@@ -17642,7 +17905,7 @@
                 </a:r>
               </a:p>
               <a:p>
-                <a:endParaRPr lang="en-US" b="1" i="1" dirty="0">
+                <a:endParaRPr lang="en-US" sz="2000" b="1" i="1" dirty="0">
                   <a:solidFill>
                     <a:srgbClr val="FF0000"/>
                   </a:solidFill>
@@ -17650,7 +17913,7 @@
               </a:p>
               <a:p>
                 <a:r>
-                  <a:rPr lang="en-US" dirty="0">
+                  <a:rPr lang="en-US" sz="2000" dirty="0">
                     <a:solidFill>
                       <a:schemeClr val="accent1"/>
                     </a:solidFill>
@@ -17663,7 +17926,7 @@
                       <m:rPr>
                         <m:sty m:val="p"/>
                       </m:rPr>
-                      <a:rPr lang="el-GR" i="1" smtClean="0">
+                      <a:rPr lang="el-GR" sz="2000" i="1" smtClean="0">
                         <a:solidFill>
                           <a:schemeClr val="tx1"/>
                         </a:solidFill>
@@ -17673,7 +17936,7 @@
                       <m:t>Θ</m:t>
                     </m:r>
                     <m:r>
-                      <a:rPr lang="en-US" b="0" i="1" smtClean="0">
+                      <a:rPr lang="en-US" sz="2000" b="0" i="1" smtClean="0">
                         <a:solidFill>
                           <a:schemeClr val="tx1"/>
                         </a:solidFill>
@@ -17685,7 +17948,7 @@
                     <m:sSup>
                       <m:sSupPr>
                         <m:ctrlPr>
-                          <a:rPr lang="en-US" b="0" i="1" smtClean="0">
+                          <a:rPr lang="en-US" sz="2000" b="0" i="1" smtClean="0">
                             <a:solidFill>
                               <a:schemeClr val="tx1"/>
                             </a:solidFill>
@@ -17696,7 +17959,7 @@
                       </m:sSupPr>
                       <m:e>
                         <m:r>
-                          <a:rPr lang="en-US" b="0" i="1" smtClean="0">
+                          <a:rPr lang="en-US" sz="2000" b="0" i="1" smtClean="0">
                             <a:solidFill>
                               <a:schemeClr val="tx1"/>
                             </a:solidFill>
@@ -17708,7 +17971,7 @@
                       </m:e>
                       <m:sup>
                         <m:r>
-                          <a:rPr lang="en-US" b="0" i="1" smtClean="0">
+                          <a:rPr lang="en-US" sz="2000" b="0" i="1" smtClean="0">
                             <a:solidFill>
                               <a:schemeClr val="tx1"/>
                             </a:solidFill>
@@ -17722,7 +17985,7 @@
                   </m:oMath>
                 </a14:m>
                 <a:r>
-                  <a:rPr lang="en-US" dirty="0">
+                  <a:rPr lang="en-US" sz="2000" dirty="0">
                     <a:solidFill>
                       <a:schemeClr val="tx1"/>
                     </a:solidFill>
@@ -17730,7 +17993,7 @@
                   <a:t>)</a:t>
                 </a:r>
                 <a:r>
-                  <a:rPr lang="en-US" dirty="0">
+                  <a:rPr lang="en-US" sz="2000" dirty="0">
                     <a:solidFill>
                       <a:schemeClr val="accent1"/>
                     </a:solidFill>
@@ -17739,7 +18002,7 @@
                 </a:r>
               </a:p>
               <a:p>
-                <a:endParaRPr lang="en-US" dirty="0">
+                <a:endParaRPr lang="en-US" sz="2000" dirty="0">
                   <a:solidFill>
                     <a:schemeClr val="accent1"/>
                   </a:solidFill>
@@ -17747,7 +18010,7 @@
               </a:p>
               <a:p>
                 <a:r>
-                  <a:rPr lang="en-US" dirty="0">
+                  <a:rPr lang="en-US" sz="2000" dirty="0">
                     <a:solidFill>
                       <a:schemeClr val="accent1"/>
                     </a:solidFill>
@@ -17760,7 +18023,7 @@
                       <m:rPr>
                         <m:sty m:val="p"/>
                       </m:rPr>
-                      <a:rPr lang="el-GR" i="1" smtClean="0">
+                      <a:rPr lang="el-GR" sz="2000" i="1" smtClean="0">
                         <a:solidFill>
                           <a:schemeClr val="tx1"/>
                         </a:solidFill>
@@ -17770,7 +18033,7 @@
                       <m:t>Θ</m:t>
                     </m:r>
                     <m:r>
-                      <a:rPr lang="en-US" b="0" i="1" smtClean="0">
+                      <a:rPr lang="en-US" sz="2000" b="0" i="1" smtClean="0">
                         <a:solidFill>
                           <a:schemeClr val="tx1"/>
                         </a:solidFill>
@@ -17780,7 +18043,7 @@
                       <m:t>(</m:t>
                     </m:r>
                     <m:r>
-                      <a:rPr lang="en-US" b="0" i="1" smtClean="0">
+                      <a:rPr lang="en-US" sz="2000" b="0" i="1" smtClean="0">
                         <a:solidFill>
                           <a:schemeClr val="tx1"/>
                         </a:solidFill>
@@ -17792,7 +18055,7 @@
                   </m:oMath>
                 </a14:m>
                 <a:r>
-                  <a:rPr lang="en-US" dirty="0">
+                  <a:rPr lang="en-US" sz="2000" dirty="0">
                     <a:solidFill>
                       <a:schemeClr val="tx1"/>
                     </a:solidFill>
@@ -17800,23 +18063,23 @@
                   <a:t>) </a:t>
                 </a:r>
                 <a:r>
-                  <a:rPr lang="en-US" dirty="0">
-                    <a:solidFill>
-                      <a:schemeClr val="accent1"/>
-                    </a:solidFill>
-                  </a:rPr>
-                  <a:t>ways of choosing where to split the matrix chain (the innermost for loop in line </a:t>
-                </a:r>
-                <a:r>
-                  <a:rPr lang="en-US" dirty="0">
+                  <a:rPr lang="en-US" sz="2000" dirty="0">
+                    <a:solidFill>
+                      <a:schemeClr val="accent1"/>
+                    </a:solidFill>
+                  </a:rPr>
+                  <a:t>ways of choosing where to split the matrix chain (the innermost for loop in </a:t>
+                </a:r>
+                <a:r>
+                  <a:rPr lang="en-US" sz="2000" b="1" i="1" dirty="0">
                     <a:solidFill>
                       <a:srgbClr val="FF0000"/>
                     </a:solidFill>
                   </a:rPr>
-                  <a:t>10</a:t>
-                </a:r>
-                <a:r>
-                  <a:rPr lang="en-US" dirty="0">
+                  <a:t>line 10</a:t>
+                </a:r>
+                <a:r>
+                  <a:rPr lang="en-US" sz="2000" dirty="0">
                     <a:solidFill>
                       <a:schemeClr val="accent1"/>
                     </a:solidFill>
@@ -17825,7 +18088,7 @@
                 </a:r>
               </a:p>
               <a:p>
-                <a:endParaRPr lang="en-US" dirty="0">
+                <a:endParaRPr lang="en-US" sz="2000" dirty="0">
                   <a:solidFill>
                     <a:schemeClr val="accent1"/>
                   </a:solidFill>
@@ -17833,7 +18096,7 @@
               </a:p>
               <a:p>
                 <a:r>
-                  <a:rPr lang="en-US" dirty="0">
+                  <a:rPr lang="en-US" sz="2000" dirty="0">
                     <a:solidFill>
                       <a:schemeClr val="accent1"/>
                     </a:solidFill>
@@ -17846,7 +18109,7 @@
                       <m:rPr>
                         <m:sty m:val="p"/>
                       </m:rPr>
-                      <a:rPr lang="el-GR" i="1" smtClean="0">
+                      <a:rPr lang="el-GR" sz="2000" i="1" smtClean="0">
                         <a:solidFill>
                           <a:schemeClr val="tx1"/>
                         </a:solidFill>
@@ -17856,7 +18119,7 @@
                       <m:t>Θ</m:t>
                     </m:r>
                     <m:r>
-                      <a:rPr lang="en-US" b="0" i="1" smtClean="0">
+                      <a:rPr lang="en-US" sz="2000" b="0" i="1" smtClean="0">
                         <a:solidFill>
                           <a:schemeClr val="tx1"/>
                         </a:solidFill>
@@ -17868,7 +18131,7 @@
                     <m:sSup>
                       <m:sSupPr>
                         <m:ctrlPr>
-                          <a:rPr lang="en-US" b="0" i="1" smtClean="0">
+                          <a:rPr lang="en-US" sz="2000" b="0" i="1" smtClean="0">
                             <a:solidFill>
                               <a:schemeClr val="tx1"/>
                             </a:solidFill>
@@ -17879,7 +18142,7 @@
                       </m:sSupPr>
                       <m:e>
                         <m:r>
-                          <a:rPr lang="en-US" b="0" i="1" smtClean="0">
+                          <a:rPr lang="en-US" sz="2000" b="0" i="1" smtClean="0">
                             <a:solidFill>
                               <a:schemeClr val="tx1"/>
                             </a:solidFill>
@@ -17891,7 +18154,7 @@
                       </m:e>
                       <m:sup>
                         <m:r>
-                          <a:rPr lang="en-US" b="0" i="1" smtClean="0">
+                          <a:rPr lang="en-US" sz="2000" b="0" i="1" smtClean="0">
                             <a:solidFill>
                               <a:schemeClr val="tx1"/>
                             </a:solidFill>
@@ -17905,7 +18168,7 @@
                   </m:oMath>
                 </a14:m>
                 <a:r>
-                  <a:rPr lang="en-US" dirty="0">
+                  <a:rPr lang="en-US" sz="2000" dirty="0">
                     <a:solidFill>
                       <a:schemeClr val="tx1"/>
                     </a:solidFill>
@@ -17913,18 +18176,93 @@
                   <a:t>)</a:t>
                 </a:r>
                 <a:r>
-                  <a:rPr lang="en-US" dirty="0">
+                  <a:rPr lang="en-US" sz="2000" dirty="0">
                     <a:solidFill>
                       <a:schemeClr val="accent1"/>
                     </a:solidFill>
                   </a:rPr>
                   <a:t> .</a:t>
+                </a:r>
+                <a:br>
+                  <a:rPr lang="en-US" sz="2000" dirty="0">
+                    <a:solidFill>
+                      <a:schemeClr val="accent1"/>
+                    </a:solidFill>
+                  </a:rPr>
+                </a:br>
+                <a:br>
+                  <a:rPr lang="en-US" sz="2000" dirty="0">
+                    <a:solidFill>
+                      <a:schemeClr val="accent1"/>
+                    </a:solidFill>
+                  </a:rPr>
+                </a:br>
+                <a:r>
+                  <a:rPr lang="en-US" sz="2000" b="1" i="1" u="sng" dirty="0">
+                    <a:solidFill>
+                      <a:srgbClr val="FF0000"/>
+                    </a:solidFill>
+                  </a:rPr>
+                  <a:t>Note</a:t>
+                </a:r>
+                <a:r>
+                  <a:rPr lang="en-US" sz="2000" b="1" i="1" dirty="0">
+                    <a:solidFill>
+                      <a:srgbClr val="FF0000"/>
+                    </a:solidFill>
+                  </a:rPr>
+                  <a:t>:</a:t>
+                </a:r>
+                <a:r>
+                  <a:rPr lang="en-US" sz="2000" dirty="0">
+                    <a:solidFill>
+                      <a:schemeClr val="accent1"/>
+                    </a:solidFill>
+                  </a:rPr>
+                  <a:t> The split positions are stored in the table </a:t>
+                </a:r>
+                <a14:m>
+                  <m:oMath xmlns:m="http://schemas.openxmlformats.org/officeDocument/2006/math">
+                    <m:r>
+                      <a:rPr lang="en-US" sz="2000" b="0" i="1" smtClean="0">
+                        <a:solidFill>
+                          <a:schemeClr val="tx1"/>
+                        </a:solidFill>
+                        <a:latin typeface="Cambria Math" panose="02040503050406030204" pitchFamily="18" charset="0"/>
+                      </a:rPr>
+                      <m:t>𝑆</m:t>
+                    </m:r>
+                  </m:oMath>
+                </a14:m>
+                <a:r>
+                  <a:rPr lang="en-US" sz="2000" dirty="0">
+                    <a:solidFill>
+                      <a:schemeClr val="accent1"/>
+                    </a:solidFill>
+                  </a:rPr>
+                  <a:t> as shown in </a:t>
+                </a:r>
+                <a:r>
+                  <a:rPr lang="en-US" sz="2000" b="1" i="1" dirty="0">
+                    <a:solidFill>
+                      <a:srgbClr val="FF0000"/>
+                    </a:solidFill>
+                  </a:rPr>
+                  <a:t>line 14</a:t>
+                </a:r>
+                <a:r>
+                  <a:rPr lang="en-US" sz="2000" dirty="0">
+                    <a:solidFill>
+                      <a:schemeClr val="accent1"/>
+                    </a:solidFill>
+                  </a:rPr>
+                  <a:t>. These values can be used to reconstruct the optimal solution in addition to the optimal value found.</a:t>
                 </a:r>
               </a:p>
             </p:txBody>
           </p:sp>
         </mc:Choice>
-        <mc:Fallback xmlns="">
+        <mc:Fallback>
           <p:sp>
             <p:nvSpPr>
               <p:cNvPr id="3" name="TextBox 2">
@@ -17941,8 +18279,8 @@
             </p:nvSpPr>
             <p:spPr>
               <a:xfrm>
-                <a:off x="1085849" y="1895476"/>
-                <a:ext cx="5705475" cy="2862322"/>
+                <a:off x="923925" y="1514476"/>
+                <a:ext cx="5476876" cy="4708981"/>
               </a:xfrm>
               <a:prstGeom prst="rect">
                 <a:avLst/>
@@ -17950,7 +18288,7 @@
               <a:blipFill>
                 <a:blip r:embed="rId3"/>
                 <a:stretch>
-                  <a:fillRect l="-855" t="-1279" b="-2559"/>
+                  <a:fillRect l="-1225" t="-647" b="-1294"/>
                 </a:stretch>
               </a:blipFill>
             </p:spPr>
@@ -17982,7 +18320,7 @@
 </p:sld>
 </file>
 
-<file path=ppt/slides/slide28.xml><?xml version="1.0" encoding="utf-8"?>
+<file path=ppt/slides/slide27.xml><?xml version="1.0" encoding="utf-8"?>
 <p:sld xmlns:a="http://schemas.openxmlformats.org/drawingml/2006/main" xmlns:r="http://schemas.openxmlformats.org/officeDocument/2006/relationships" xmlns:p="http://schemas.openxmlformats.org/presentationml/2006/main">
   <p:cSld>
     <p:spTree>
@@ -18064,11 +18402,216 @@
         </p:blipFill>
         <p:spPr>
           <a:xfrm>
-            <a:off x="3190875" y="2073243"/>
+            <a:off x="6270626" y="2103437"/>
             <a:ext cx="5178425" cy="2382076"/>
           </a:xfrm>
         </p:spPr>
       </p:pic>
+      <mc:AlternateContent xmlns:mc="http://schemas.openxmlformats.org/markup-compatibility/2006" xmlns:a14="http://schemas.microsoft.com/office/drawing/2010/main">
+        <mc:Choice Requires="a14">
+          <p:sp>
+            <p:nvSpPr>
+              <p:cNvPr id="4" name="TextBox 3">
+                <a:extLst>
+                  <a:ext uri="{FF2B5EF4-FFF2-40B4-BE49-F238E27FC236}">
+                    <a16:creationId xmlns:a16="http://schemas.microsoft.com/office/drawing/2014/main" id="{3A02F150-499E-49D8-BCE6-89616C587F27}"/>
+                  </a:ext>
+                </a:extLst>
+              </p:cNvPr>
+              <p:cNvSpPr txBox="1"/>
+              <p:nvPr/>
+            </p:nvSpPr>
+            <p:spPr>
+              <a:xfrm>
+                <a:off x="742949" y="1933575"/>
+                <a:ext cx="4791076" cy="3416320"/>
+              </a:xfrm>
+              <a:prstGeom prst="rect">
+                <a:avLst/>
+              </a:prstGeom>
+              <a:noFill/>
+            </p:spPr>
+            <p:txBody>
+              <a:bodyPr wrap="square" rtlCol="0">
+                <a:spAutoFit/>
+              </a:bodyPr>
+              <a:lstStyle/>
+              <a:p>
+                <a:r>
+                  <a:rPr lang="en-US" sz="2400" dirty="0">
+                    <a:solidFill>
+                      <a:schemeClr val="accent1"/>
+                    </a:solidFill>
+                  </a:rPr>
+                  <a:t>The algorithm </a:t>
+                </a:r>
+                <a14:m>
+                  <m:oMath xmlns:m="http://schemas.openxmlformats.org/officeDocument/2006/math">
+                    <m:r>
+                      <a:rPr lang="en-US" sz="2400" b="0" i="1" smtClean="0">
+                        <a:latin typeface="Cambria Math" panose="02040503050406030204" pitchFamily="18" charset="0"/>
+                      </a:rPr>
+                      <m:t>𝑃𝑟𝑖𝑛𝑡𝑂𝑝𝑡𝑖𝑚𝑎𝑙𝑃𝑎𝑟𝑒𝑛𝑡</m:t>
+                    </m:r>
+                  </m:oMath>
+                </a14:m>
+                <a:r>
+                  <a:rPr lang="en-US" sz="2400" dirty="0"/>
+                  <a:t> </a:t>
+                </a:r>
+                <a:r>
+                  <a:rPr lang="en-US" sz="2400" dirty="0">
+                    <a:solidFill>
+                      <a:schemeClr val="accent1"/>
+                    </a:solidFill>
+                  </a:rPr>
+                  <a:t>on the right </a:t>
+                </a:r>
+                <a:r>
+                  <a:rPr lang="en-US" sz="2400" b="1" i="1" dirty="0">
+                    <a:solidFill>
+                      <a:srgbClr val="FF0000"/>
+                    </a:solidFill>
+                  </a:rPr>
+                  <a:t>reconstructs</a:t>
+                </a:r>
+                <a:r>
+                  <a:rPr lang="en-US" sz="2400" dirty="0">
+                    <a:solidFill>
+                      <a:schemeClr val="accent1"/>
+                    </a:solidFill>
+                  </a:rPr>
+                  <a:t> the optimal parenthesizations found by the</a:t>
+                </a:r>
+                <a:r>
+                  <a:rPr lang="en-US" sz="2400" dirty="0"/>
+                  <a:t> </a:t>
+                </a:r>
+                <a14:m>
+                  <m:oMath xmlns:m="http://schemas.openxmlformats.org/officeDocument/2006/math">
+                    <m:r>
+                      <a:rPr lang="en-US" sz="2400" b="0" i="1" smtClean="0">
+                        <a:latin typeface="Cambria Math" panose="02040503050406030204" pitchFamily="18" charset="0"/>
+                      </a:rPr>
+                      <m:t>𝑀𝐶𝑀</m:t>
+                    </m:r>
+                  </m:oMath>
+                </a14:m>
+                <a:r>
+                  <a:rPr lang="en-US" sz="2400" dirty="0"/>
+                  <a:t> </a:t>
+                </a:r>
+                <a:r>
+                  <a:rPr lang="en-US" sz="2400" dirty="0">
+                    <a:solidFill>
+                      <a:schemeClr val="accent1"/>
+                    </a:solidFill>
+                  </a:rPr>
+                  <a:t>algorithm shown on the previous slide.</a:t>
+                </a:r>
+              </a:p>
+              <a:p>
+                <a:endParaRPr lang="en-US" sz="2400" dirty="0">
+                  <a:solidFill>
+                    <a:schemeClr val="accent1"/>
+                  </a:solidFill>
+                </a:endParaRPr>
+              </a:p>
+              <a:p>
+                <a:r>
+                  <a:rPr lang="en-US" sz="2400" dirty="0">
+                    <a:solidFill>
+                      <a:schemeClr val="accent1"/>
+                    </a:solidFill>
+                  </a:rPr>
+                  <a:t>The algorithm works by recursively recovering the </a:t>
+                </a:r>
+                <a:r>
+                  <a:rPr lang="en-US" sz="2400" b="1" i="1" dirty="0">
+                    <a:solidFill>
+                      <a:srgbClr val="FF0000"/>
+                    </a:solidFill>
+                  </a:rPr>
+                  <a:t>split positions</a:t>
+                </a:r>
+                <a:r>
+                  <a:rPr lang="en-US" sz="2400" dirty="0">
+                    <a:solidFill>
+                      <a:schemeClr val="accent1"/>
+                    </a:solidFill>
+                  </a:rPr>
+                  <a:t> based on values stored in the table </a:t>
+                </a:r>
+                <a14:m>
+                  <m:oMath xmlns:m="http://schemas.openxmlformats.org/officeDocument/2006/math">
+                    <m:r>
+                      <a:rPr lang="en-US" sz="2400" b="0" i="1" smtClean="0">
+                        <a:solidFill>
+                          <a:schemeClr val="tx1"/>
+                        </a:solidFill>
+                        <a:latin typeface="Cambria Math" panose="02040503050406030204" pitchFamily="18" charset="0"/>
+                      </a:rPr>
+                      <m:t>𝑆</m:t>
+                    </m:r>
+                  </m:oMath>
+                </a14:m>
+                <a:r>
+                  <a:rPr lang="en-US" sz="2400" dirty="0">
+                    <a:solidFill>
+                      <a:schemeClr val="accent1"/>
+                    </a:solidFill>
+                  </a:rPr>
+                  <a:t>.</a:t>
+                </a:r>
+              </a:p>
+            </p:txBody>
+          </p:sp>
+        </mc:Choice>
+        <mc:Fallback xmlns="">
+          <p:sp>
+            <p:nvSpPr>
+              <p:cNvPr id="4" name="TextBox 3">
+                <a:extLst>
+                  <a:ext uri="{FF2B5EF4-FFF2-40B4-BE49-F238E27FC236}">
+                    <a16:creationId xmlns:a16="http://schemas.microsoft.com/office/drawing/2014/main" id="{3A02F150-499E-49D8-BCE6-89616C587F27}"/>
+                  </a:ext>
+                </a:extLst>
+              </p:cNvPr>
+              <p:cNvSpPr txBox="1">
+                <a:spLocks noRot="1" noChangeAspect="1" noMove="1" noResize="1" noEditPoints="1" noAdjustHandles="1" noChangeArrowheads="1" noChangeShapeType="1" noTextEdit="1"/>
+              </p:cNvSpPr>
+              <p:nvPr/>
+            </p:nvSpPr>
+            <p:spPr>
+              <a:xfrm>
+                <a:off x="742949" y="1933575"/>
+                <a:ext cx="4791076" cy="3416320"/>
+              </a:xfrm>
+              <a:prstGeom prst="rect">
+                <a:avLst/>
+              </a:prstGeom>
+              <a:blipFill>
+                <a:blip r:embed="rId3"/>
+                <a:stretch>
+                  <a:fillRect l="-2036" t="-1426" r="-2417" b="-3030"/>
+                </a:stretch>
+              </a:blipFill>
+            </p:spPr>
+            <p:txBody>
+              <a:bodyPr/>
+              <a:lstStyle/>
+              <a:p>
+                <a:r>
+                  <a:rPr lang="en-US">
+                    <a:noFill/>
+                  </a:rPr>
+                  <a:t> </a:t>
+                </a:r>
+              </a:p>
+            </p:txBody>
+          </p:sp>
+        </mc:Fallback>
+      </mc:AlternateContent>
     </p:spTree>
     <p:extLst>
       <p:ext uri="{BB962C8B-B14F-4D97-AF65-F5344CB8AC3E}">
@@ -18082,7 +18625,7 @@
 </p:sld>
 </file>
 
-<file path=ppt/slides/slide29.xml><?xml version="1.0" encoding="utf-8"?>
+<file path=ppt/slides/slide28.xml><?xml version="1.0" encoding="utf-8"?>
 <p:sld xmlns:a="http://schemas.openxmlformats.org/drawingml/2006/main" xmlns:r="http://schemas.openxmlformats.org/officeDocument/2006/relationships" xmlns:p="http://schemas.openxmlformats.org/presentationml/2006/main">
   <p:cSld>
     <p:spTree>
@@ -18452,823 +18995,7 @@
 </p:sld>
 </file>
 
-<file path=ppt/slides/slide3.xml><?xml version="1.0" encoding="utf-8"?>
-<p:sld xmlns:a="http://schemas.openxmlformats.org/drawingml/2006/main" xmlns:r="http://schemas.openxmlformats.org/officeDocument/2006/relationships" xmlns:p="http://schemas.openxmlformats.org/presentationml/2006/main">
-  <p:cSld>
-    <p:spTree>
-      <p:nvGrpSpPr>
-        <p:cNvPr id="1" name=""/>
-        <p:cNvGrpSpPr/>
-        <p:nvPr/>
-      </p:nvGrpSpPr>
-      <p:grpSpPr>
-        <a:xfrm>
-          <a:off x="0" y="0"/>
-          <a:ext cx="0" cy="0"/>
-          <a:chOff x="0" y="0"/>
-          <a:chExt cx="0" cy="0"/>
-        </a:xfrm>
-      </p:grpSpPr>
-      <p:sp>
-        <p:nvSpPr>
-          <p:cNvPr id="2" name="Title 1">
-            <a:extLst>
-              <a:ext uri="{FF2B5EF4-FFF2-40B4-BE49-F238E27FC236}">
-                <a16:creationId xmlns:a16="http://schemas.microsoft.com/office/drawing/2014/main" id="{2F700D98-65DD-402B-866F-A815ED61BCA7}"/>
-              </a:ext>
-            </a:extLst>
-          </p:cNvPr>
-          <p:cNvSpPr>
-            <a:spLocks noGrp="1"/>
-          </p:cNvSpPr>
-          <p:nvPr>
-            <p:ph type="title"/>
-          </p:nvPr>
-        </p:nvSpPr>
-        <p:spPr/>
-        <p:txBody>
-          <a:bodyPr/>
-          <a:lstStyle/>
-          <a:p>
-            <a:r>
-              <a:rPr lang="en-US" dirty="0">
-                <a:solidFill>
-                  <a:schemeClr val="accent1"/>
-                </a:solidFill>
-              </a:rPr>
-              <a:t>Fibonacci Numbers</a:t>
-            </a:r>
-          </a:p>
-        </p:txBody>
-      </p:sp>
-      <mc:AlternateContent xmlns:mc="http://schemas.openxmlformats.org/markup-compatibility/2006" xmlns:a14="http://schemas.microsoft.com/office/drawing/2010/main">
-        <mc:Choice Requires="a14">
-          <p:sp>
-            <p:nvSpPr>
-              <p:cNvPr id="3" name="Content Placeholder 2">
-                <a:extLst>
-                  <a:ext uri="{FF2B5EF4-FFF2-40B4-BE49-F238E27FC236}">
-                    <a16:creationId xmlns:a16="http://schemas.microsoft.com/office/drawing/2014/main" id="{5399C211-4505-4C67-97C9-3B1255AFA18A}"/>
-                  </a:ext>
-                </a:extLst>
-              </p:cNvPr>
-              <p:cNvSpPr>
-                <a:spLocks noGrp="1"/>
-              </p:cNvSpPr>
-              <p:nvPr>
-                <p:ph idx="1"/>
-              </p:nvPr>
-            </p:nvSpPr>
-            <p:spPr/>
-            <p:txBody>
-              <a:bodyPr/>
-              <a:lstStyle/>
-              <a:p>
-                <a:pPr marL="0" indent="0">
-                  <a:buNone/>
-                </a:pPr>
-                <a:r>
-                  <a:rPr lang="en-US" b="1" i="1" dirty="0">
-                    <a:solidFill>
-                      <a:srgbClr val="FF0000"/>
-                    </a:solidFill>
-                  </a:rPr>
-                  <a:t>Fibonacci numbers </a:t>
-                </a:r>
-                <a:r>
-                  <a:rPr lang="en-US" dirty="0">
-                    <a:solidFill>
-                      <a:schemeClr val="accent1"/>
-                    </a:solidFill>
-                  </a:rPr>
-                  <a:t>can be defined as a recurrence as follows:</a:t>
-                </a:r>
-              </a:p>
-              <a:p>
-                <a:pPr marL="0" indent="0">
-                  <a:buNone/>
-                </a:pPr>
-                <a:endParaRPr lang="en-US" dirty="0">
-                  <a:solidFill>
-                    <a:schemeClr val="accent1"/>
-                  </a:solidFill>
-                </a:endParaRPr>
-              </a:p>
-              <a:p>
-                <a:pPr marL="0" indent="0">
-                  <a:buNone/>
-                </a:pPr>
-                <a:endParaRPr lang="en-US" dirty="0">
-                  <a:solidFill>
-                    <a:schemeClr val="accent1"/>
-                  </a:solidFill>
-                </a:endParaRPr>
-              </a:p>
-              <a:p>
-                <a:pPr marL="0" indent="0">
-                  <a:buNone/>
-                </a:pPr>
-                <a14:m>
-                  <m:oMathPara xmlns:m="http://schemas.openxmlformats.org/officeDocument/2006/math">
-                    <m:oMathParaPr>
-                      <m:jc m:val="centerGroup"/>
-                    </m:oMathParaPr>
-                    <m:oMath xmlns:m="http://schemas.openxmlformats.org/officeDocument/2006/math">
-                      <m:sSub>
-                        <m:sSubPr>
-                          <m:ctrlPr>
-                            <a:rPr lang="en-US" i="1" smtClean="0">
-                              <a:solidFill>
-                                <a:schemeClr val="tx1"/>
-                              </a:solidFill>
-                              <a:latin typeface="Cambria Math" panose="02040503050406030204" pitchFamily="18" charset="0"/>
-                            </a:rPr>
-                          </m:ctrlPr>
-                        </m:sSubPr>
-                        <m:e>
-                          <m:r>
-                            <a:rPr lang="en-US" b="0" i="1" smtClean="0">
-                              <a:solidFill>
-                                <a:schemeClr val="tx1"/>
-                              </a:solidFill>
-                              <a:latin typeface="Cambria Math" panose="02040503050406030204" pitchFamily="18" charset="0"/>
-                            </a:rPr>
-                            <m:t>𝐹</m:t>
-                          </m:r>
-                        </m:e>
-                        <m:sub>
-                          <m:r>
-                            <a:rPr lang="en-US" b="0" i="1" smtClean="0">
-                              <a:solidFill>
-                                <a:schemeClr val="tx1"/>
-                              </a:solidFill>
-                              <a:latin typeface="Cambria Math" panose="02040503050406030204" pitchFamily="18" charset="0"/>
-                            </a:rPr>
-                            <m:t>0</m:t>
-                          </m:r>
-                        </m:sub>
-                      </m:sSub>
-                      <m:r>
-                        <a:rPr lang="en-US" b="0" i="1" smtClean="0">
-                          <a:solidFill>
-                            <a:schemeClr val="tx1"/>
-                          </a:solidFill>
-                          <a:latin typeface="Cambria Math" panose="02040503050406030204" pitchFamily="18" charset="0"/>
-                        </a:rPr>
-                        <m:t>=0</m:t>
-                      </m:r>
-                    </m:oMath>
-                  </m:oMathPara>
-                </a14:m>
-                <a:endParaRPr lang="en-US" dirty="0">
-                  <a:solidFill>
-                    <a:schemeClr val="tx1"/>
-                  </a:solidFill>
-                </a:endParaRPr>
-              </a:p>
-              <a:p>
-                <a:pPr marL="0" indent="0">
-                  <a:buNone/>
-                </a:pPr>
-                <a14:m>
-                  <m:oMathPara xmlns:m="http://schemas.openxmlformats.org/officeDocument/2006/math">
-                    <m:oMathParaPr>
-                      <m:jc m:val="centerGroup"/>
-                    </m:oMathParaPr>
-                    <m:oMath xmlns:m="http://schemas.openxmlformats.org/officeDocument/2006/math">
-                      <m:sSub>
-                        <m:sSubPr>
-                          <m:ctrlPr>
-                            <a:rPr lang="en-US" i="1" smtClean="0">
-                              <a:solidFill>
-                                <a:schemeClr val="tx1"/>
-                              </a:solidFill>
-                              <a:latin typeface="Cambria Math" panose="02040503050406030204" pitchFamily="18" charset="0"/>
-                            </a:rPr>
-                          </m:ctrlPr>
-                        </m:sSubPr>
-                        <m:e>
-                          <m:r>
-                            <a:rPr lang="en-US" b="0" i="1" smtClean="0">
-                              <a:solidFill>
-                                <a:schemeClr val="tx1"/>
-                              </a:solidFill>
-                              <a:latin typeface="Cambria Math" panose="02040503050406030204" pitchFamily="18" charset="0"/>
-                            </a:rPr>
-                            <m:t>𝐹</m:t>
-                          </m:r>
-                        </m:e>
-                        <m:sub>
-                          <m:r>
-                            <a:rPr lang="en-US" b="0" i="1" smtClean="0">
-                              <a:solidFill>
-                                <a:schemeClr val="tx1"/>
-                              </a:solidFill>
-                              <a:latin typeface="Cambria Math" panose="02040503050406030204" pitchFamily="18" charset="0"/>
-                            </a:rPr>
-                            <m:t>1</m:t>
-                          </m:r>
-                        </m:sub>
-                      </m:sSub>
-                      <m:r>
-                        <a:rPr lang="en-US" b="0" i="1" smtClean="0">
-                          <a:solidFill>
-                            <a:schemeClr val="tx1"/>
-                          </a:solidFill>
-                          <a:latin typeface="Cambria Math" panose="02040503050406030204" pitchFamily="18" charset="0"/>
-                        </a:rPr>
-                        <m:t>=1</m:t>
-                      </m:r>
-                    </m:oMath>
-                  </m:oMathPara>
-                </a14:m>
-                <a:endParaRPr lang="en-US" dirty="0">
-                  <a:solidFill>
-                    <a:schemeClr val="tx1"/>
-                  </a:solidFill>
-                </a:endParaRPr>
-              </a:p>
-              <a:p>
-                <a:pPr marL="0" indent="0">
-                  <a:buNone/>
-                </a:pPr>
-                <a:r>
-                  <a:rPr lang="en-US" dirty="0">
-                    <a:solidFill>
-                      <a:schemeClr val="tx1"/>
-                    </a:solidFill>
-                  </a:rPr>
-                  <a:t>					</a:t>
-                </a:r>
-                <a14:m>
-                  <m:oMath xmlns:m="http://schemas.openxmlformats.org/officeDocument/2006/math">
-                    <m:sSub>
-                      <m:sSubPr>
-                        <m:ctrlPr>
-                          <a:rPr lang="en-US" i="1" smtClean="0">
-                            <a:solidFill>
-                              <a:schemeClr val="tx1"/>
-                            </a:solidFill>
-                            <a:latin typeface="Cambria Math" panose="02040503050406030204" pitchFamily="18" charset="0"/>
-                          </a:rPr>
-                        </m:ctrlPr>
-                      </m:sSubPr>
-                      <m:e>
-                        <m:r>
-                          <a:rPr lang="en-US" b="0" i="1" smtClean="0">
-                            <a:solidFill>
-                              <a:schemeClr val="tx1"/>
-                            </a:solidFill>
-                            <a:latin typeface="Cambria Math" panose="02040503050406030204" pitchFamily="18" charset="0"/>
-                          </a:rPr>
-                          <m:t>𝐹</m:t>
-                        </m:r>
-                      </m:e>
-                      <m:sub>
-                        <m:r>
-                          <a:rPr lang="en-US" b="0" i="1" smtClean="0">
-                            <a:solidFill>
-                              <a:schemeClr val="tx1"/>
-                            </a:solidFill>
-                            <a:latin typeface="Cambria Math" panose="02040503050406030204" pitchFamily="18" charset="0"/>
-                          </a:rPr>
-                          <m:t>𝑛</m:t>
-                        </m:r>
-                      </m:sub>
-                    </m:sSub>
-                    <m:r>
-                      <a:rPr lang="en-US" b="0" i="1" smtClean="0">
-                        <a:solidFill>
-                          <a:schemeClr val="tx1"/>
-                        </a:solidFill>
-                        <a:latin typeface="Cambria Math" panose="02040503050406030204" pitchFamily="18" charset="0"/>
-                      </a:rPr>
-                      <m:t>=</m:t>
-                    </m:r>
-                    <m:sSub>
-                      <m:sSubPr>
-                        <m:ctrlPr>
-                          <a:rPr lang="en-US" b="0" i="1" smtClean="0">
-                            <a:solidFill>
-                              <a:schemeClr val="tx1"/>
-                            </a:solidFill>
-                            <a:latin typeface="Cambria Math" panose="02040503050406030204" pitchFamily="18" charset="0"/>
-                          </a:rPr>
-                        </m:ctrlPr>
-                      </m:sSubPr>
-                      <m:e>
-                        <m:r>
-                          <a:rPr lang="en-US" b="0" i="1" smtClean="0">
-                            <a:solidFill>
-                              <a:schemeClr val="tx1"/>
-                            </a:solidFill>
-                            <a:latin typeface="Cambria Math" panose="02040503050406030204" pitchFamily="18" charset="0"/>
-                          </a:rPr>
-                          <m:t>𝐹</m:t>
-                        </m:r>
-                      </m:e>
-                      <m:sub>
-                        <m:r>
-                          <a:rPr lang="en-US" b="0" i="1" smtClean="0">
-                            <a:solidFill>
-                              <a:schemeClr val="tx1"/>
-                            </a:solidFill>
-                            <a:latin typeface="Cambria Math" panose="02040503050406030204" pitchFamily="18" charset="0"/>
-                          </a:rPr>
-                          <m:t>𝑛</m:t>
-                        </m:r>
-                        <m:r>
-                          <a:rPr lang="en-US" b="0" i="1" smtClean="0">
-                            <a:solidFill>
-                              <a:schemeClr val="tx1"/>
-                            </a:solidFill>
-                            <a:latin typeface="Cambria Math" panose="02040503050406030204" pitchFamily="18" charset="0"/>
-                          </a:rPr>
-                          <m:t>−1</m:t>
-                        </m:r>
-                      </m:sub>
-                    </m:sSub>
-                    <m:r>
-                      <a:rPr lang="en-US" b="0" i="1" smtClean="0">
-                        <a:solidFill>
-                          <a:schemeClr val="tx1"/>
-                        </a:solidFill>
-                        <a:latin typeface="Cambria Math" panose="02040503050406030204" pitchFamily="18" charset="0"/>
-                      </a:rPr>
-                      <m:t>+</m:t>
-                    </m:r>
-                    <m:sSub>
-                      <m:sSubPr>
-                        <m:ctrlPr>
-                          <a:rPr lang="en-US" b="0" i="1" smtClean="0">
-                            <a:solidFill>
-                              <a:schemeClr val="tx1"/>
-                            </a:solidFill>
-                            <a:latin typeface="Cambria Math" panose="02040503050406030204" pitchFamily="18" charset="0"/>
-                          </a:rPr>
-                        </m:ctrlPr>
-                      </m:sSubPr>
-                      <m:e>
-                        <m:r>
-                          <a:rPr lang="en-US" b="0" i="1" smtClean="0">
-                            <a:solidFill>
-                              <a:schemeClr val="tx1"/>
-                            </a:solidFill>
-                            <a:latin typeface="Cambria Math" panose="02040503050406030204" pitchFamily="18" charset="0"/>
-                          </a:rPr>
-                          <m:t>𝐹</m:t>
-                        </m:r>
-                      </m:e>
-                      <m:sub>
-                        <m:r>
-                          <a:rPr lang="en-US" b="0" i="1" smtClean="0">
-                            <a:solidFill>
-                              <a:schemeClr val="tx1"/>
-                            </a:solidFill>
-                            <a:latin typeface="Cambria Math" panose="02040503050406030204" pitchFamily="18" charset="0"/>
-                          </a:rPr>
-                          <m:t>𝑛</m:t>
-                        </m:r>
-                        <m:r>
-                          <a:rPr lang="en-US" b="0" i="1" smtClean="0">
-                            <a:solidFill>
-                              <a:schemeClr val="tx1"/>
-                            </a:solidFill>
-                            <a:latin typeface="Cambria Math" panose="02040503050406030204" pitchFamily="18" charset="0"/>
-                          </a:rPr>
-                          <m:t>−2</m:t>
-                        </m:r>
-                      </m:sub>
-                    </m:sSub>
-                  </m:oMath>
-                </a14:m>
-                <a:r>
-                  <a:rPr lang="en-US" dirty="0">
-                    <a:solidFill>
-                      <a:schemeClr val="accent1"/>
-                    </a:solidFill>
-                  </a:rPr>
-                  <a:t> for </a:t>
-                </a:r>
-                <a14:m>
-                  <m:oMath xmlns:m="http://schemas.openxmlformats.org/officeDocument/2006/math">
-                    <m:r>
-                      <a:rPr lang="en-US" b="0" i="1" smtClean="0">
-                        <a:solidFill>
-                          <a:schemeClr val="tx1"/>
-                        </a:solidFill>
-                        <a:latin typeface="Cambria Math" panose="02040503050406030204" pitchFamily="18" charset="0"/>
-                      </a:rPr>
-                      <m:t>𝑛</m:t>
-                    </m:r>
-                    <m:r>
-                      <a:rPr lang="en-US" b="0" i="1" smtClean="0">
-                        <a:solidFill>
-                          <a:schemeClr val="tx1"/>
-                        </a:solidFill>
-                        <a:latin typeface="Cambria Math" panose="02040503050406030204" pitchFamily="18" charset="0"/>
-                      </a:rPr>
-                      <m:t>≥2</m:t>
-                    </m:r>
-                  </m:oMath>
-                </a14:m>
-                <a:endParaRPr lang="en-US" dirty="0">
-                  <a:solidFill>
-                    <a:schemeClr val="accent1"/>
-                  </a:solidFill>
-                </a:endParaRPr>
-              </a:p>
-              <a:p>
-                <a:pPr marL="0" indent="0">
-                  <a:buNone/>
-                </a:pPr>
-                <a:endParaRPr lang="en-US" dirty="0">
-                  <a:solidFill>
-                    <a:schemeClr val="accent1"/>
-                  </a:solidFill>
-                </a:endParaRPr>
-              </a:p>
-              <a:p>
-                <a:pPr marL="0" indent="0">
-                  <a:buNone/>
-                </a:pPr>
-                <a:endParaRPr lang="en-US" dirty="0">
-                  <a:solidFill>
-                    <a:schemeClr val="accent1"/>
-                  </a:solidFill>
-                </a:endParaRPr>
-              </a:p>
-            </p:txBody>
-          </p:sp>
-        </mc:Choice>
-        <mc:Fallback xmlns="">
-          <p:sp>
-            <p:nvSpPr>
-              <p:cNvPr id="3" name="Content Placeholder 2">
-                <a:extLst>
-                  <a:ext uri="{FF2B5EF4-FFF2-40B4-BE49-F238E27FC236}">
-                    <a16:creationId xmlns:a16="http://schemas.microsoft.com/office/drawing/2014/main" id="{5399C211-4505-4C67-97C9-3B1255AFA18A}"/>
-                  </a:ext>
-                </a:extLst>
-              </p:cNvPr>
-              <p:cNvSpPr>
-                <a:spLocks noGrp="1" noRot="1" noChangeAspect="1" noMove="1" noResize="1" noEditPoints="1" noAdjustHandles="1" noChangeArrowheads="1" noChangeShapeType="1" noTextEdit="1"/>
-              </p:cNvSpPr>
-              <p:nvPr>
-                <p:ph idx="1"/>
-              </p:nvPr>
-            </p:nvSpPr>
-            <p:spPr>
-              <a:blipFill>
-                <a:blip r:embed="rId2"/>
-                <a:stretch>
-                  <a:fillRect l="-1217" t="-2241"/>
-                </a:stretch>
-              </a:blipFill>
-            </p:spPr>
-            <p:txBody>
-              <a:bodyPr/>
-              <a:lstStyle/>
-              <a:p>
-                <a:r>
-                  <a:rPr lang="en-US">
-                    <a:noFill/>
-                  </a:rPr>
-                  <a:t> </a:t>
-                </a:r>
-              </a:p>
-            </p:txBody>
-          </p:sp>
-        </mc:Fallback>
-      </mc:AlternateContent>
-    </p:spTree>
-    <p:extLst>
-      <p:ext uri="{BB962C8B-B14F-4D97-AF65-F5344CB8AC3E}">
-        <p14:creationId xmlns:p14="http://schemas.microsoft.com/office/powerpoint/2010/main" val="3712196397"/>
-      </p:ext>
-    </p:extLst>
-  </p:cSld>
-  <p:clrMapOvr>
-    <a:masterClrMapping/>
-  </p:clrMapOvr>
-</p:sld>
-</file>
-
-<file path=ppt/slides/slide30.xml><?xml version="1.0" encoding="utf-8"?>
-<p:sld xmlns:a="http://schemas.openxmlformats.org/drawingml/2006/main" xmlns:r="http://schemas.openxmlformats.org/officeDocument/2006/relationships" xmlns:p="http://schemas.openxmlformats.org/presentationml/2006/main">
-  <p:cSld>
-    <p:spTree>
-      <p:nvGrpSpPr>
-        <p:cNvPr id="1" name=""/>
-        <p:cNvGrpSpPr/>
-        <p:nvPr/>
-      </p:nvGrpSpPr>
-      <p:grpSpPr>
-        <a:xfrm>
-          <a:off x="0" y="0"/>
-          <a:ext cx="0" cy="0"/>
-          <a:chOff x="0" y="0"/>
-          <a:chExt cx="0" cy="0"/>
-        </a:xfrm>
-      </p:grpSpPr>
-      <p:sp>
-        <p:nvSpPr>
-          <p:cNvPr id="2" name="Title 1">
-            <a:extLst>
-              <a:ext uri="{FF2B5EF4-FFF2-40B4-BE49-F238E27FC236}">
-                <a16:creationId xmlns:a16="http://schemas.microsoft.com/office/drawing/2014/main" id="{FFF693ED-785F-4AA6-989E-CB4068E5B825}"/>
-              </a:ext>
-            </a:extLst>
-          </p:cNvPr>
-          <p:cNvSpPr>
-            <a:spLocks noGrp="1"/>
-          </p:cNvSpPr>
-          <p:nvPr>
-            <p:ph type="title"/>
-          </p:nvPr>
-        </p:nvSpPr>
-        <p:spPr/>
-        <p:txBody>
-          <a:bodyPr/>
-          <a:lstStyle/>
-          <a:p>
-            <a:r>
-              <a:rPr lang="en-US" dirty="0">
-                <a:solidFill>
-                  <a:schemeClr val="accent1"/>
-                </a:solidFill>
-              </a:rPr>
-              <a:t>Longest Common Subsequence: Example</a:t>
-            </a:r>
-            <a:endParaRPr lang="en-US" dirty="0"/>
-          </a:p>
-        </p:txBody>
-      </p:sp>
-      <p:sp>
-        <p:nvSpPr>
-          <p:cNvPr id="3" name="Content Placeholder 2">
-            <a:extLst>
-              <a:ext uri="{FF2B5EF4-FFF2-40B4-BE49-F238E27FC236}">
-                <a16:creationId xmlns:a16="http://schemas.microsoft.com/office/drawing/2014/main" id="{44BBAAB5-DB8E-4F1B-BF39-FE8D2D46C60C}"/>
-              </a:ext>
-            </a:extLst>
-          </p:cNvPr>
-          <p:cNvSpPr>
-            <a:spLocks noGrp="1"/>
-          </p:cNvSpPr>
-          <p:nvPr>
-            <p:ph idx="1"/>
-          </p:nvPr>
-        </p:nvSpPr>
-        <p:spPr/>
-        <p:txBody>
-          <a:bodyPr/>
-          <a:lstStyle/>
-          <a:p>
-            <a:pPr marL="0" indent="0">
-              <a:buNone/>
-            </a:pPr>
-            <a:r>
-              <a:rPr lang="en-US" dirty="0">
-                <a:solidFill>
-                  <a:schemeClr val="accent1"/>
-                </a:solidFill>
-              </a:rPr>
-              <a:t>Consider the following DNA fragments </a:t>
-            </a:r>
-            <a:r>
-              <a:rPr lang="en-US" i="1" dirty="0"/>
-              <a:t>X</a:t>
-            </a:r>
-            <a:r>
-              <a:rPr lang="en-US" dirty="0">
-                <a:solidFill>
-                  <a:schemeClr val="accent1"/>
-                </a:solidFill>
-              </a:rPr>
-              <a:t> and </a:t>
-            </a:r>
-            <a:r>
-              <a:rPr lang="en-US" i="1" dirty="0"/>
-              <a:t>Y</a:t>
-            </a:r>
-            <a:r>
-              <a:rPr lang="en-US" dirty="0">
-                <a:solidFill>
-                  <a:schemeClr val="accent1"/>
-                </a:solidFill>
-              </a:rPr>
-              <a:t>:</a:t>
-            </a:r>
-          </a:p>
-          <a:p>
-            <a:pPr marL="0" indent="0">
-              <a:buNone/>
-            </a:pPr>
-            <a:r>
-              <a:rPr lang="en-US" dirty="0">
-                <a:solidFill>
-                  <a:schemeClr val="accent1"/>
-                </a:solidFill>
-              </a:rPr>
-              <a:t>		 </a:t>
-            </a:r>
-            <a:r>
-              <a:rPr lang="en-US" i="1" dirty="0"/>
-              <a:t>X </a:t>
-            </a:r>
-            <a:r>
-              <a:rPr lang="en-US" dirty="0">
-                <a:solidFill>
-                  <a:schemeClr val="accent1"/>
-                </a:solidFill>
-              </a:rPr>
-              <a:t>: </a:t>
-            </a:r>
-            <a:r>
-              <a:rPr lang="en-US" dirty="0">
-                <a:solidFill>
-                  <a:srgbClr val="FF0000"/>
-                </a:solidFill>
-              </a:rPr>
-              <a:t>GACGGATTAG</a:t>
-            </a:r>
-            <a:r>
-              <a:rPr lang="en-US" dirty="0">
-                <a:solidFill>
-                  <a:schemeClr val="accent1"/>
-                </a:solidFill>
-              </a:rPr>
-              <a:t> and </a:t>
-            </a:r>
-            <a:r>
-              <a:rPr lang="en-US" i="1" dirty="0"/>
-              <a:t>Y </a:t>
-            </a:r>
-            <a:r>
-              <a:rPr lang="en-US" dirty="0">
-                <a:solidFill>
-                  <a:schemeClr val="accent1"/>
-                </a:solidFill>
-              </a:rPr>
-              <a:t>: </a:t>
-            </a:r>
-            <a:r>
-              <a:rPr lang="en-US" dirty="0">
-                <a:solidFill>
-                  <a:srgbClr val="FF0000"/>
-                </a:solidFill>
-              </a:rPr>
-              <a:t>GATCGGAATAG</a:t>
-            </a:r>
-          </a:p>
-          <a:p>
-            <a:pPr marL="0" indent="0">
-              <a:buNone/>
-            </a:pPr>
-            <a:endParaRPr lang="en-US" dirty="0">
-              <a:solidFill>
-                <a:srgbClr val="FF0000"/>
-              </a:solidFill>
-            </a:endParaRPr>
-          </a:p>
-          <a:p>
-            <a:pPr marL="0" indent="0">
-              <a:buNone/>
-            </a:pPr>
-            <a:endParaRPr lang="en-US" dirty="0">
-              <a:solidFill>
-                <a:srgbClr val="FF0000"/>
-              </a:solidFill>
-            </a:endParaRPr>
-          </a:p>
-        </p:txBody>
-      </p:sp>
-      <p:pic>
-        <p:nvPicPr>
-          <p:cNvPr id="7" name="Picture 6">
-            <a:extLst>
-              <a:ext uri="{FF2B5EF4-FFF2-40B4-BE49-F238E27FC236}">
-                <a16:creationId xmlns:a16="http://schemas.microsoft.com/office/drawing/2014/main" id="{8FEE18D5-0D0A-4824-90C7-FE8F1151381E}"/>
-              </a:ext>
-            </a:extLst>
-          </p:cNvPr>
-          <p:cNvPicPr>
-            <a:picLocks noChangeAspect="1"/>
-          </p:cNvPicPr>
-          <p:nvPr/>
-        </p:nvPicPr>
-        <p:blipFill>
-          <a:blip r:embed="rId2">
-            <a:extLst>
-              <a:ext uri="{28A0092B-C50C-407E-A947-70E740481C1C}">
-                <a14:useLocalDpi xmlns:a14="http://schemas.microsoft.com/office/drawing/2010/main" val="0"/>
-              </a:ext>
-            </a:extLst>
-          </a:blip>
-          <a:stretch>
-            <a:fillRect/>
-          </a:stretch>
-        </p:blipFill>
-        <p:spPr>
-          <a:xfrm>
-            <a:off x="4314825" y="3196995"/>
-            <a:ext cx="2693987" cy="2380046"/>
-          </a:xfrm>
-          <a:prstGeom prst="rect">
-            <a:avLst/>
-          </a:prstGeom>
-        </p:spPr>
-      </p:pic>
-      <p:sp>
-        <p:nvSpPr>
-          <p:cNvPr id="9" name="TextBox 8">
-            <a:extLst>
-              <a:ext uri="{FF2B5EF4-FFF2-40B4-BE49-F238E27FC236}">
-                <a16:creationId xmlns:a16="http://schemas.microsoft.com/office/drawing/2014/main" id="{F333B946-93B6-4961-A5E5-04D9846D9BB5}"/>
-              </a:ext>
-            </a:extLst>
-          </p:cNvPr>
-          <p:cNvSpPr txBox="1"/>
-          <p:nvPr/>
-        </p:nvSpPr>
-        <p:spPr>
-          <a:xfrm>
-            <a:off x="1123949" y="5855256"/>
-            <a:ext cx="9401175" cy="523220"/>
-          </a:xfrm>
-          <a:prstGeom prst="rect">
-            <a:avLst/>
-          </a:prstGeom>
-          <a:noFill/>
-        </p:spPr>
-        <p:txBody>
-          <a:bodyPr wrap="square">
-            <a:spAutoFit/>
-          </a:bodyPr>
-          <a:lstStyle/>
-          <a:p>
-            <a:pPr marL="0" indent="0">
-              <a:buNone/>
-            </a:pPr>
-            <a:r>
-              <a:rPr lang="en-US" sz="2800" dirty="0">
-                <a:solidFill>
-                  <a:schemeClr val="accent1"/>
-                </a:solidFill>
-              </a:rPr>
-              <a:t>Therefore, the longest common subsequence is</a:t>
-            </a:r>
-            <a:r>
-              <a:rPr lang="en-US" sz="2800" i="1" dirty="0"/>
-              <a:t> </a:t>
-            </a:r>
-            <a:r>
-              <a:rPr lang="en-US" sz="2800" dirty="0">
-                <a:solidFill>
-                  <a:srgbClr val="FF0000"/>
-                </a:solidFill>
-              </a:rPr>
-              <a:t>GACGGATAG</a:t>
-            </a:r>
-            <a:r>
-              <a:rPr lang="en-US" sz="2800" dirty="0">
-                <a:solidFill>
-                  <a:schemeClr val="accent1"/>
-                </a:solidFill>
-              </a:rPr>
-              <a:t>.</a:t>
-            </a:r>
-            <a:r>
-              <a:rPr lang="en-US" sz="2800" dirty="0">
-                <a:solidFill>
-                  <a:srgbClr val="FF0000"/>
-                </a:solidFill>
-              </a:rPr>
-              <a:t>   </a:t>
-            </a:r>
-            <a:endParaRPr lang="en-US" sz="2800" dirty="0">
-              <a:solidFill>
-                <a:schemeClr val="accent1"/>
-              </a:solidFill>
-            </a:endParaRPr>
-          </a:p>
-        </p:txBody>
-      </p:sp>
-    </p:spTree>
-    <p:extLst>
-      <p:ext uri="{BB962C8B-B14F-4D97-AF65-F5344CB8AC3E}">
-        <p14:creationId xmlns:p14="http://schemas.microsoft.com/office/powerpoint/2010/main" val="1994467309"/>
-      </p:ext>
-    </p:extLst>
-  </p:cSld>
-  <p:clrMapOvr>
-    <a:masterClrMapping/>
-  </p:clrMapOvr>
-</p:sld>
-</file>
-
-<file path=ppt/slides/slide31.xml><?xml version="1.0" encoding="utf-8"?>
+<file path=ppt/slides/slide29.xml><?xml version="1.0" encoding="utf-8"?>
 <p:sld xmlns:a="http://schemas.openxmlformats.org/drawingml/2006/main" xmlns:r="http://schemas.openxmlformats.org/officeDocument/2006/relationships" xmlns:p="http://schemas.openxmlformats.org/presentationml/2006/main">
   <p:cSld>
     <p:spTree>
@@ -20841,7 +20568,509 @@
 </p:sld>
 </file>
 
-<file path=ppt/slides/slide32.xml><?xml version="1.0" encoding="utf-8"?>
+<file path=ppt/slides/slide3.xml><?xml version="1.0" encoding="utf-8"?>
+<p:sld xmlns:a="http://schemas.openxmlformats.org/drawingml/2006/main" xmlns:r="http://schemas.openxmlformats.org/officeDocument/2006/relationships" xmlns:p="http://schemas.openxmlformats.org/presentationml/2006/main">
+  <p:cSld>
+    <p:spTree>
+      <p:nvGrpSpPr>
+        <p:cNvPr id="1" name=""/>
+        <p:cNvGrpSpPr/>
+        <p:nvPr/>
+      </p:nvGrpSpPr>
+      <p:grpSpPr>
+        <a:xfrm>
+          <a:off x="0" y="0"/>
+          <a:ext cx="0" cy="0"/>
+          <a:chOff x="0" y="0"/>
+          <a:chExt cx="0" cy="0"/>
+        </a:xfrm>
+      </p:grpSpPr>
+      <p:sp>
+        <p:nvSpPr>
+          <p:cNvPr id="2" name="Title 1">
+            <a:extLst>
+              <a:ext uri="{FF2B5EF4-FFF2-40B4-BE49-F238E27FC236}">
+                <a16:creationId xmlns:a16="http://schemas.microsoft.com/office/drawing/2014/main" id="{2F700D98-65DD-402B-866F-A815ED61BCA7}"/>
+              </a:ext>
+            </a:extLst>
+          </p:cNvPr>
+          <p:cNvSpPr>
+            <a:spLocks noGrp="1"/>
+          </p:cNvSpPr>
+          <p:nvPr>
+            <p:ph type="title"/>
+          </p:nvPr>
+        </p:nvSpPr>
+        <p:spPr/>
+        <p:txBody>
+          <a:bodyPr/>
+          <a:lstStyle/>
+          <a:p>
+            <a:r>
+              <a:rPr lang="en-US" dirty="0">
+                <a:solidFill>
+                  <a:schemeClr val="accent1"/>
+                </a:solidFill>
+              </a:rPr>
+              <a:t>Fibonacci Numbers</a:t>
+            </a:r>
+          </a:p>
+        </p:txBody>
+      </p:sp>
+      <mc:AlternateContent xmlns:mc="http://schemas.openxmlformats.org/markup-compatibility/2006" xmlns:a14="http://schemas.microsoft.com/office/drawing/2010/main">
+        <mc:Choice Requires="a14">
+          <p:sp>
+            <p:nvSpPr>
+              <p:cNvPr id="3" name="Content Placeholder 2">
+                <a:extLst>
+                  <a:ext uri="{FF2B5EF4-FFF2-40B4-BE49-F238E27FC236}">
+                    <a16:creationId xmlns:a16="http://schemas.microsoft.com/office/drawing/2014/main" id="{5399C211-4505-4C67-97C9-3B1255AFA18A}"/>
+                  </a:ext>
+                </a:extLst>
+              </p:cNvPr>
+              <p:cNvSpPr>
+                <a:spLocks noGrp="1"/>
+              </p:cNvSpPr>
+              <p:nvPr>
+                <p:ph idx="1"/>
+              </p:nvPr>
+            </p:nvSpPr>
+            <p:spPr/>
+            <p:txBody>
+              <a:bodyPr/>
+              <a:lstStyle/>
+              <a:p>
+                <a:pPr marL="0" indent="0">
+                  <a:buNone/>
+                </a:pPr>
+                <a:r>
+                  <a:rPr lang="en-US" b="1" i="1" dirty="0">
+                    <a:solidFill>
+                      <a:srgbClr val="FF0000"/>
+                    </a:solidFill>
+                  </a:rPr>
+                  <a:t>Fibonacci numbers </a:t>
+                </a:r>
+                <a:r>
+                  <a:rPr lang="en-US" dirty="0">
+                    <a:solidFill>
+                      <a:schemeClr val="accent1"/>
+                    </a:solidFill>
+                  </a:rPr>
+                  <a:t>can be defined as a recurrence as follows:</a:t>
+                </a:r>
+              </a:p>
+              <a:p>
+                <a:pPr marL="0" indent="0">
+                  <a:buNone/>
+                </a:pPr>
+                <a:endParaRPr lang="en-US" dirty="0">
+                  <a:solidFill>
+                    <a:schemeClr val="accent1"/>
+                  </a:solidFill>
+                </a:endParaRPr>
+              </a:p>
+              <a:p>
+                <a:pPr marL="0" indent="0">
+                  <a:buNone/>
+                </a:pPr>
+                <a:endParaRPr lang="en-US" dirty="0">
+                  <a:solidFill>
+                    <a:schemeClr val="accent1"/>
+                  </a:solidFill>
+                </a:endParaRPr>
+              </a:p>
+              <a:p>
+                <a:pPr marL="0" indent="0">
+                  <a:buNone/>
+                </a:pPr>
+                <a14:m>
+                  <m:oMathPara xmlns:m="http://schemas.openxmlformats.org/officeDocument/2006/math">
+                    <m:oMathParaPr>
+                      <m:jc m:val="centerGroup"/>
+                    </m:oMathParaPr>
+                    <m:oMath xmlns:m="http://schemas.openxmlformats.org/officeDocument/2006/math">
+                      <m:sSub>
+                        <m:sSubPr>
+                          <m:ctrlPr>
+                            <a:rPr lang="en-US" i="1" smtClean="0">
+                              <a:solidFill>
+                                <a:schemeClr val="tx1"/>
+                              </a:solidFill>
+                              <a:latin typeface="Cambria Math" panose="02040503050406030204" pitchFamily="18" charset="0"/>
+                            </a:rPr>
+                          </m:ctrlPr>
+                        </m:sSubPr>
+                        <m:e>
+                          <m:r>
+                            <a:rPr lang="en-US" b="0" i="1" smtClean="0">
+                              <a:solidFill>
+                                <a:schemeClr val="tx1"/>
+                              </a:solidFill>
+                              <a:latin typeface="Cambria Math" panose="02040503050406030204" pitchFamily="18" charset="0"/>
+                            </a:rPr>
+                            <m:t>𝐹</m:t>
+                          </m:r>
+                        </m:e>
+                        <m:sub>
+                          <m:r>
+                            <a:rPr lang="en-US" b="0" i="1" smtClean="0">
+                              <a:solidFill>
+                                <a:schemeClr val="tx1"/>
+                              </a:solidFill>
+                              <a:latin typeface="Cambria Math" panose="02040503050406030204" pitchFamily="18" charset="0"/>
+                            </a:rPr>
+                            <m:t>0</m:t>
+                          </m:r>
+                        </m:sub>
+                      </m:sSub>
+                      <m:r>
+                        <a:rPr lang="en-US" b="0" i="1" smtClean="0">
+                          <a:solidFill>
+                            <a:schemeClr val="tx1"/>
+                          </a:solidFill>
+                          <a:latin typeface="Cambria Math" panose="02040503050406030204" pitchFamily="18" charset="0"/>
+                        </a:rPr>
+                        <m:t>=0</m:t>
+                      </m:r>
+                    </m:oMath>
+                  </m:oMathPara>
+                </a14:m>
+                <a:endParaRPr lang="en-US" dirty="0">
+                  <a:solidFill>
+                    <a:schemeClr val="tx1"/>
+                  </a:solidFill>
+                </a:endParaRPr>
+              </a:p>
+              <a:p>
+                <a:pPr marL="0" indent="0">
+                  <a:buNone/>
+                </a:pPr>
+                <a14:m>
+                  <m:oMathPara xmlns:m="http://schemas.openxmlformats.org/officeDocument/2006/math">
+                    <m:oMathParaPr>
+                      <m:jc m:val="centerGroup"/>
+                    </m:oMathParaPr>
+                    <m:oMath xmlns:m="http://schemas.openxmlformats.org/officeDocument/2006/math">
+                      <m:sSub>
+                        <m:sSubPr>
+                          <m:ctrlPr>
+                            <a:rPr lang="en-US" i="1" smtClean="0">
+                              <a:solidFill>
+                                <a:schemeClr val="tx1"/>
+                              </a:solidFill>
+                              <a:latin typeface="Cambria Math" panose="02040503050406030204" pitchFamily="18" charset="0"/>
+                            </a:rPr>
+                          </m:ctrlPr>
+                        </m:sSubPr>
+                        <m:e>
+                          <m:r>
+                            <a:rPr lang="en-US" b="0" i="1" smtClean="0">
+                              <a:solidFill>
+                                <a:schemeClr val="tx1"/>
+                              </a:solidFill>
+                              <a:latin typeface="Cambria Math" panose="02040503050406030204" pitchFamily="18" charset="0"/>
+                            </a:rPr>
+                            <m:t>𝐹</m:t>
+                          </m:r>
+                        </m:e>
+                        <m:sub>
+                          <m:r>
+                            <a:rPr lang="en-US" b="0" i="1" smtClean="0">
+                              <a:solidFill>
+                                <a:schemeClr val="tx1"/>
+                              </a:solidFill>
+                              <a:latin typeface="Cambria Math" panose="02040503050406030204" pitchFamily="18" charset="0"/>
+                            </a:rPr>
+                            <m:t>1</m:t>
+                          </m:r>
+                        </m:sub>
+                      </m:sSub>
+                      <m:r>
+                        <a:rPr lang="en-US" b="0" i="1" smtClean="0">
+                          <a:solidFill>
+                            <a:schemeClr val="tx1"/>
+                          </a:solidFill>
+                          <a:latin typeface="Cambria Math" panose="02040503050406030204" pitchFamily="18" charset="0"/>
+                        </a:rPr>
+                        <m:t>=1</m:t>
+                      </m:r>
+                    </m:oMath>
+                  </m:oMathPara>
+                </a14:m>
+                <a:endParaRPr lang="en-US" dirty="0">
+                  <a:solidFill>
+                    <a:schemeClr val="tx1"/>
+                  </a:solidFill>
+                </a:endParaRPr>
+              </a:p>
+              <a:p>
+                <a:pPr marL="0" indent="0">
+                  <a:buNone/>
+                </a:pPr>
+                <a:r>
+                  <a:rPr lang="en-US" dirty="0">
+                    <a:solidFill>
+                      <a:schemeClr val="tx1"/>
+                    </a:solidFill>
+                  </a:rPr>
+                  <a:t>					</a:t>
+                </a:r>
+                <a14:m>
+                  <m:oMath xmlns:m="http://schemas.openxmlformats.org/officeDocument/2006/math">
+                    <m:sSub>
+                      <m:sSubPr>
+                        <m:ctrlPr>
+                          <a:rPr lang="en-US" i="1" smtClean="0">
+                            <a:solidFill>
+                              <a:schemeClr val="tx1"/>
+                            </a:solidFill>
+                            <a:latin typeface="Cambria Math" panose="02040503050406030204" pitchFamily="18" charset="0"/>
+                          </a:rPr>
+                        </m:ctrlPr>
+                      </m:sSubPr>
+                      <m:e>
+                        <m:r>
+                          <a:rPr lang="en-US" b="0" i="1" smtClean="0">
+                            <a:solidFill>
+                              <a:schemeClr val="tx1"/>
+                            </a:solidFill>
+                            <a:latin typeface="Cambria Math" panose="02040503050406030204" pitchFamily="18" charset="0"/>
+                          </a:rPr>
+                          <m:t>𝐹</m:t>
+                        </m:r>
+                      </m:e>
+                      <m:sub>
+                        <m:r>
+                          <a:rPr lang="en-US" b="0" i="1" smtClean="0">
+                            <a:solidFill>
+                              <a:schemeClr val="tx1"/>
+                            </a:solidFill>
+                            <a:latin typeface="Cambria Math" panose="02040503050406030204" pitchFamily="18" charset="0"/>
+                          </a:rPr>
+                          <m:t>𝑛</m:t>
+                        </m:r>
+                      </m:sub>
+                    </m:sSub>
+                    <m:r>
+                      <a:rPr lang="en-US" b="0" i="1" smtClean="0">
+                        <a:solidFill>
+                          <a:schemeClr val="tx1"/>
+                        </a:solidFill>
+                        <a:latin typeface="Cambria Math" panose="02040503050406030204" pitchFamily="18" charset="0"/>
+                      </a:rPr>
+                      <m:t>=</m:t>
+                    </m:r>
+                    <m:sSub>
+                      <m:sSubPr>
+                        <m:ctrlPr>
+                          <a:rPr lang="en-US" b="0" i="1" smtClean="0">
+                            <a:solidFill>
+                              <a:schemeClr val="tx1"/>
+                            </a:solidFill>
+                            <a:latin typeface="Cambria Math" panose="02040503050406030204" pitchFamily="18" charset="0"/>
+                          </a:rPr>
+                        </m:ctrlPr>
+                      </m:sSubPr>
+                      <m:e>
+                        <m:r>
+                          <a:rPr lang="en-US" b="0" i="1" smtClean="0">
+                            <a:solidFill>
+                              <a:schemeClr val="tx1"/>
+                            </a:solidFill>
+                            <a:latin typeface="Cambria Math" panose="02040503050406030204" pitchFamily="18" charset="0"/>
+                          </a:rPr>
+                          <m:t>𝐹</m:t>
+                        </m:r>
+                      </m:e>
+                      <m:sub>
+                        <m:r>
+                          <a:rPr lang="en-US" b="0" i="1" smtClean="0">
+                            <a:solidFill>
+                              <a:schemeClr val="tx1"/>
+                            </a:solidFill>
+                            <a:latin typeface="Cambria Math" panose="02040503050406030204" pitchFamily="18" charset="0"/>
+                          </a:rPr>
+                          <m:t>𝑛</m:t>
+                        </m:r>
+                        <m:r>
+                          <a:rPr lang="en-US" b="0" i="1" smtClean="0">
+                            <a:solidFill>
+                              <a:schemeClr val="tx1"/>
+                            </a:solidFill>
+                            <a:latin typeface="Cambria Math" panose="02040503050406030204" pitchFamily="18" charset="0"/>
+                          </a:rPr>
+                          <m:t>−1</m:t>
+                        </m:r>
+                      </m:sub>
+                    </m:sSub>
+                    <m:r>
+                      <a:rPr lang="en-US" b="0" i="1" smtClean="0">
+                        <a:solidFill>
+                          <a:schemeClr val="tx1"/>
+                        </a:solidFill>
+                        <a:latin typeface="Cambria Math" panose="02040503050406030204" pitchFamily="18" charset="0"/>
+                      </a:rPr>
+                      <m:t>+</m:t>
+                    </m:r>
+                    <m:sSub>
+                      <m:sSubPr>
+                        <m:ctrlPr>
+                          <a:rPr lang="en-US" b="0" i="1" smtClean="0">
+                            <a:solidFill>
+                              <a:schemeClr val="tx1"/>
+                            </a:solidFill>
+                            <a:latin typeface="Cambria Math" panose="02040503050406030204" pitchFamily="18" charset="0"/>
+                          </a:rPr>
+                        </m:ctrlPr>
+                      </m:sSubPr>
+                      <m:e>
+                        <m:r>
+                          <a:rPr lang="en-US" b="0" i="1" smtClean="0">
+                            <a:solidFill>
+                              <a:schemeClr val="tx1"/>
+                            </a:solidFill>
+                            <a:latin typeface="Cambria Math" panose="02040503050406030204" pitchFamily="18" charset="0"/>
+                          </a:rPr>
+                          <m:t>𝐹</m:t>
+                        </m:r>
+                      </m:e>
+                      <m:sub>
+                        <m:r>
+                          <a:rPr lang="en-US" b="0" i="1" smtClean="0">
+                            <a:solidFill>
+                              <a:schemeClr val="tx1"/>
+                            </a:solidFill>
+                            <a:latin typeface="Cambria Math" panose="02040503050406030204" pitchFamily="18" charset="0"/>
+                          </a:rPr>
+                          <m:t>𝑛</m:t>
+                        </m:r>
+                        <m:r>
+                          <a:rPr lang="en-US" b="0" i="1" smtClean="0">
+                            <a:solidFill>
+                              <a:schemeClr val="tx1"/>
+                            </a:solidFill>
+                            <a:latin typeface="Cambria Math" panose="02040503050406030204" pitchFamily="18" charset="0"/>
+                          </a:rPr>
+                          <m:t>−2</m:t>
+                        </m:r>
+                      </m:sub>
+                    </m:sSub>
+                  </m:oMath>
+                </a14:m>
+                <a:r>
+                  <a:rPr lang="en-US" dirty="0">
+                    <a:solidFill>
+                      <a:schemeClr val="accent1"/>
+                    </a:solidFill>
+                  </a:rPr>
+                  <a:t> for </a:t>
+                </a:r>
+                <a14:m>
+                  <m:oMath xmlns:m="http://schemas.openxmlformats.org/officeDocument/2006/math">
+                    <m:r>
+                      <a:rPr lang="en-US" b="0" i="1" smtClean="0">
+                        <a:solidFill>
+                          <a:schemeClr val="tx1"/>
+                        </a:solidFill>
+                        <a:latin typeface="Cambria Math" panose="02040503050406030204" pitchFamily="18" charset="0"/>
+                      </a:rPr>
+                      <m:t>𝑛</m:t>
+                    </m:r>
+                    <m:r>
+                      <a:rPr lang="en-US" b="0" i="1" smtClean="0">
+                        <a:solidFill>
+                          <a:schemeClr val="tx1"/>
+                        </a:solidFill>
+                        <a:latin typeface="Cambria Math" panose="02040503050406030204" pitchFamily="18" charset="0"/>
+                      </a:rPr>
+                      <m:t>≥2</m:t>
+                    </m:r>
+                  </m:oMath>
+                </a14:m>
+                <a:endParaRPr lang="en-US" dirty="0">
+                  <a:solidFill>
+                    <a:schemeClr val="accent1"/>
+                  </a:solidFill>
+                </a:endParaRPr>
+              </a:p>
+              <a:p>
+                <a:pPr marL="0" indent="0">
+                  <a:buNone/>
+                </a:pPr>
+                <a:endParaRPr lang="en-US" dirty="0">
+                  <a:solidFill>
+                    <a:schemeClr val="accent1"/>
+                  </a:solidFill>
+                </a:endParaRPr>
+              </a:p>
+              <a:p>
+                <a:pPr marL="0" indent="0">
+                  <a:buNone/>
+                </a:pPr>
+                <a:endParaRPr lang="en-US" dirty="0">
+                  <a:solidFill>
+                    <a:schemeClr val="accent1"/>
+                  </a:solidFill>
+                </a:endParaRPr>
+              </a:p>
+            </p:txBody>
+          </p:sp>
+        </mc:Choice>
+        <mc:Fallback xmlns="">
+          <p:sp>
+            <p:nvSpPr>
+              <p:cNvPr id="3" name="Content Placeholder 2">
+                <a:extLst>
+                  <a:ext uri="{FF2B5EF4-FFF2-40B4-BE49-F238E27FC236}">
+                    <a16:creationId xmlns:a16="http://schemas.microsoft.com/office/drawing/2014/main" id="{5399C211-4505-4C67-97C9-3B1255AFA18A}"/>
+                  </a:ext>
+                </a:extLst>
+              </p:cNvPr>
+              <p:cNvSpPr>
+                <a:spLocks noGrp="1" noRot="1" noChangeAspect="1" noMove="1" noResize="1" noEditPoints="1" noAdjustHandles="1" noChangeArrowheads="1" noChangeShapeType="1" noTextEdit="1"/>
+              </p:cNvSpPr>
+              <p:nvPr>
+                <p:ph idx="1"/>
+              </p:nvPr>
+            </p:nvSpPr>
+            <p:spPr>
+              <a:blipFill>
+                <a:blip r:embed="rId2"/>
+                <a:stretch>
+                  <a:fillRect l="-1217" t="-2241"/>
+                </a:stretch>
+              </a:blipFill>
+            </p:spPr>
+            <p:txBody>
+              <a:bodyPr/>
+              <a:lstStyle/>
+              <a:p>
+                <a:r>
+                  <a:rPr lang="en-US">
+                    <a:noFill/>
+                  </a:rPr>
+                  <a:t> </a:t>
+                </a:r>
+              </a:p>
+            </p:txBody>
+          </p:sp>
+        </mc:Fallback>
+      </mc:AlternateContent>
+    </p:spTree>
+    <p:extLst>
+      <p:ext uri="{BB962C8B-B14F-4D97-AF65-F5344CB8AC3E}">
+        <p14:creationId xmlns:p14="http://schemas.microsoft.com/office/powerpoint/2010/main" val="3712196397"/>
+      </p:ext>
+    </p:extLst>
+  </p:cSld>
+  <p:clrMapOvr>
+    <a:masterClrMapping/>
+  </p:clrMapOvr>
+</p:sld>
+</file>
+
+<file path=ppt/slides/slide30.xml><?xml version="1.0" encoding="utf-8"?>
 <p:sld xmlns:a="http://schemas.openxmlformats.org/drawingml/2006/main" xmlns:r="http://schemas.openxmlformats.org/officeDocument/2006/relationships" xmlns:p="http://schemas.openxmlformats.org/presentationml/2006/main">
   <p:cSld>
     <p:spTree>
@@ -22505,7 +22734,7 @@
 </p:sld>
 </file>
 
-<file path=ppt/slides/slide33.xml><?xml version="1.0" encoding="utf-8"?>
+<file path=ppt/slides/slide31.xml><?xml version="1.0" encoding="utf-8"?>
 <p:sld xmlns:a="http://schemas.openxmlformats.org/drawingml/2006/main" xmlns:r="http://schemas.openxmlformats.org/officeDocument/2006/relationships" xmlns:p="http://schemas.openxmlformats.org/presentationml/2006/main">
   <p:cSld>
     <p:spTree>
@@ -23052,7 +23281,7 @@
 </p:sld>
 </file>
 
-<file path=ppt/slides/slide34.xml><?xml version="1.0" encoding="utf-8"?>
+<file path=ppt/slides/slide32.xml><?xml version="1.0" encoding="utf-8"?>
 <p:sld xmlns:a="http://schemas.openxmlformats.org/drawingml/2006/main" xmlns:r="http://schemas.openxmlformats.org/officeDocument/2006/relationships" xmlns:p="http://schemas.openxmlformats.org/presentationml/2006/main">
   <p:cSld>
     <p:spTree>
@@ -24299,7 +24528,7 @@
 </p:sld>
 </file>
 
-<file path=ppt/slides/slide35.xml><?xml version="1.0" encoding="utf-8"?>
+<file path=ppt/slides/slide33.xml><?xml version="1.0" encoding="utf-8"?>
 <p:sld xmlns:a="http://schemas.openxmlformats.org/drawingml/2006/main" xmlns:r="http://schemas.openxmlformats.org/officeDocument/2006/relationships" xmlns:p="http://schemas.openxmlformats.org/presentationml/2006/main">
   <p:cSld>
     <p:spTree>
@@ -24788,7 +25017,7 @@
 </p:sld>
 </file>
 
-<file path=ppt/slides/slide36.xml><?xml version="1.0" encoding="utf-8"?>
+<file path=ppt/slides/slide34.xml><?xml version="1.0" encoding="utf-8"?>
 <p:sld xmlns:a="http://schemas.openxmlformats.org/drawingml/2006/main" xmlns:r="http://schemas.openxmlformats.org/officeDocument/2006/relationships" xmlns:p="http://schemas.openxmlformats.org/presentationml/2006/main">
   <p:cSld>
     <p:spTree>
@@ -25235,7 +25464,7 @@
 </p:sld>
 </file>
 
-<file path=ppt/slides/slide37.xml><?xml version="1.0" encoding="utf-8"?>
+<file path=ppt/slides/slide35.xml><?xml version="1.0" encoding="utf-8"?>
 <p:sld xmlns:a="http://schemas.openxmlformats.org/drawingml/2006/main" xmlns:r="http://schemas.openxmlformats.org/officeDocument/2006/relationships" xmlns:p="http://schemas.openxmlformats.org/presentationml/2006/main">
   <p:cSld>
     <p:spTree>
@@ -26212,7 +26441,7 @@
 </p:sld>
 </file>
 
-<file path=ppt/slides/slide38.xml><?xml version="1.0" encoding="utf-8"?>
+<file path=ppt/slides/slide36.xml><?xml version="1.0" encoding="utf-8"?>
 <p:sld xmlns:a="http://schemas.openxmlformats.org/drawingml/2006/main" xmlns:r="http://schemas.openxmlformats.org/officeDocument/2006/relationships" xmlns:p="http://schemas.openxmlformats.org/presentationml/2006/main">
   <p:cSld>
     <p:spTree>
@@ -26933,7 +27162,7 @@
 </p:sld>
 </file>
 
-<file path=ppt/slides/slide39.xml><?xml version="1.0" encoding="utf-8"?>
+<file path=ppt/slides/slide37.xml><?xml version="1.0" encoding="utf-8"?>
 <p:sld xmlns:a="http://schemas.openxmlformats.org/drawingml/2006/main" xmlns:r="http://schemas.openxmlformats.org/officeDocument/2006/relationships" xmlns:p="http://schemas.openxmlformats.org/presentationml/2006/main">
   <p:cSld>
     <p:spTree>
@@ -27032,202 +27261,7 @@
 </p:sld>
 </file>
 
-<file path=ppt/slides/slide4.xml><?xml version="1.0" encoding="utf-8"?>
-<p:sld xmlns:a="http://schemas.openxmlformats.org/drawingml/2006/main" xmlns:r="http://schemas.openxmlformats.org/officeDocument/2006/relationships" xmlns:p="http://schemas.openxmlformats.org/presentationml/2006/main">
-  <p:cSld>
-    <p:spTree>
-      <p:nvGrpSpPr>
-        <p:cNvPr id="1" name=""/>
-        <p:cNvGrpSpPr/>
-        <p:nvPr/>
-      </p:nvGrpSpPr>
-      <p:grpSpPr>
-        <a:xfrm>
-          <a:off x="0" y="0"/>
-          <a:ext cx="0" cy="0"/>
-          <a:chOff x="0" y="0"/>
-          <a:chExt cx="0" cy="0"/>
-        </a:xfrm>
-      </p:grpSpPr>
-      <p:sp>
-        <p:nvSpPr>
-          <p:cNvPr id="2" name="Title 1">
-            <a:extLst>
-              <a:ext uri="{FF2B5EF4-FFF2-40B4-BE49-F238E27FC236}">
-                <a16:creationId xmlns:a16="http://schemas.microsoft.com/office/drawing/2014/main" id="{FFDA82DE-AFD7-4608-94B0-9B61C4E0076D}"/>
-              </a:ext>
-            </a:extLst>
-          </p:cNvPr>
-          <p:cNvSpPr>
-            <a:spLocks noGrp="1"/>
-          </p:cNvSpPr>
-          <p:nvPr>
-            <p:ph type="title"/>
-          </p:nvPr>
-        </p:nvSpPr>
-        <p:spPr/>
-        <p:txBody>
-          <a:bodyPr/>
-          <a:lstStyle/>
-          <a:p>
-            <a:r>
-              <a:rPr lang="en-US" dirty="0">
-                <a:solidFill>
-                  <a:schemeClr val="accent1"/>
-                </a:solidFill>
-              </a:rPr>
-              <a:t>Fibonacci Numbers: Top-Down Approach</a:t>
-            </a:r>
-          </a:p>
-        </p:txBody>
-      </p:sp>
-      <p:sp>
-        <p:nvSpPr>
-          <p:cNvPr id="7" name="Content Placeholder 6">
-            <a:extLst>
-              <a:ext uri="{FF2B5EF4-FFF2-40B4-BE49-F238E27FC236}">
-                <a16:creationId xmlns:a16="http://schemas.microsoft.com/office/drawing/2014/main" id="{657AC71E-9F09-43FF-B16D-148F64489AF9}"/>
-              </a:ext>
-            </a:extLst>
-          </p:cNvPr>
-          <p:cNvSpPr>
-            <a:spLocks noGrp="1"/>
-          </p:cNvSpPr>
-          <p:nvPr>
-            <p:ph idx="1"/>
-          </p:nvPr>
-        </p:nvSpPr>
-        <p:spPr>
-          <a:xfrm>
-            <a:off x="838200" y="1873250"/>
-            <a:ext cx="10515600" cy="4351338"/>
-          </a:xfrm>
-        </p:spPr>
-        <p:txBody>
-          <a:bodyPr/>
-          <a:lstStyle/>
-          <a:p>
-            <a:pPr marL="0" indent="0">
-              <a:buNone/>
-            </a:pPr>
-            <a:r>
-              <a:rPr lang="en-US" b="1" i="1" u="sng" dirty="0">
-                <a:solidFill>
-                  <a:srgbClr val="FF0000"/>
-                </a:solidFill>
-              </a:rPr>
-              <a:t>Top-Down Approach</a:t>
-            </a:r>
-          </a:p>
-          <a:p>
-            <a:pPr marL="0" indent="0">
-              <a:buNone/>
-            </a:pPr>
-            <a:endParaRPr lang="en-US" b="1" i="1" u="sng" dirty="0">
-              <a:solidFill>
-                <a:srgbClr val="FF0000"/>
-              </a:solidFill>
-            </a:endParaRPr>
-          </a:p>
-          <a:p>
-            <a:pPr lvl="1"/>
-            <a:r>
-              <a:rPr lang="en-US" dirty="0">
-                <a:solidFill>
-                  <a:schemeClr val="accent1"/>
-                </a:solidFill>
-              </a:rPr>
-              <a:t>implemented via recursion</a:t>
-            </a:r>
-          </a:p>
-        </p:txBody>
-      </p:sp>
-      <p:pic>
-        <p:nvPicPr>
-          <p:cNvPr id="9" name="Picture 8">
-            <a:extLst>
-              <a:ext uri="{FF2B5EF4-FFF2-40B4-BE49-F238E27FC236}">
-                <a16:creationId xmlns:a16="http://schemas.microsoft.com/office/drawing/2014/main" id="{D0AA16C8-52F8-4E4C-9070-C71F7AFC3A92}"/>
-              </a:ext>
-            </a:extLst>
-          </p:cNvPr>
-          <p:cNvPicPr>
-            <a:picLocks noChangeAspect="1"/>
-          </p:cNvPicPr>
-          <p:nvPr/>
-        </p:nvPicPr>
-        <p:blipFill>
-          <a:blip r:embed="rId2">
-            <a:extLst>
-              <a:ext uri="{28A0092B-C50C-407E-A947-70E740481C1C}">
-                <a14:useLocalDpi xmlns:a14="http://schemas.microsoft.com/office/drawing/2010/main" val="0"/>
-              </a:ext>
-            </a:extLst>
-          </a:blip>
-          <a:stretch>
-            <a:fillRect/>
-          </a:stretch>
-        </p:blipFill>
-        <p:spPr>
-          <a:xfrm>
-            <a:off x="819150" y="4048919"/>
-            <a:ext cx="5276850" cy="2141947"/>
-          </a:xfrm>
-          <a:prstGeom prst="rect">
-            <a:avLst/>
-          </a:prstGeom>
-        </p:spPr>
-      </p:pic>
-      <p:pic>
-        <p:nvPicPr>
-          <p:cNvPr id="11" name="Picture 10">
-            <a:extLst>
-              <a:ext uri="{FF2B5EF4-FFF2-40B4-BE49-F238E27FC236}">
-                <a16:creationId xmlns:a16="http://schemas.microsoft.com/office/drawing/2014/main" id="{FE5DA215-2E6C-4ED3-88A9-0F700D64FC0F}"/>
-              </a:ext>
-            </a:extLst>
-          </p:cNvPr>
-          <p:cNvPicPr>
-            <a:picLocks noChangeAspect="1"/>
-          </p:cNvPicPr>
-          <p:nvPr/>
-        </p:nvPicPr>
-        <p:blipFill>
-          <a:blip r:embed="rId3">
-            <a:extLst>
-              <a:ext uri="{28A0092B-C50C-407E-A947-70E740481C1C}">
-                <a14:useLocalDpi xmlns:a14="http://schemas.microsoft.com/office/drawing/2010/main" val="0"/>
-              </a:ext>
-            </a:extLst>
-          </a:blip>
-          <a:stretch>
-            <a:fillRect/>
-          </a:stretch>
-        </p:blipFill>
-        <p:spPr>
-          <a:xfrm>
-            <a:off x="6581775" y="2219325"/>
-            <a:ext cx="5066194" cy="4181773"/>
-          </a:xfrm>
-          <a:prstGeom prst="rect">
-            <a:avLst/>
-          </a:prstGeom>
-        </p:spPr>
-      </p:pic>
-    </p:spTree>
-    <p:extLst>
-      <p:ext uri="{BB962C8B-B14F-4D97-AF65-F5344CB8AC3E}">
-        <p14:creationId xmlns:p14="http://schemas.microsoft.com/office/powerpoint/2010/main" val="557858402"/>
-      </p:ext>
-    </p:extLst>
-  </p:cSld>
-  <p:clrMapOvr>
-    <a:masterClrMapping/>
-  </p:clrMapOvr>
-</p:sld>
-</file>
-
-<file path=ppt/slides/slide40.xml><?xml version="1.0" encoding="utf-8"?>
+<file path=ppt/slides/slide38.xml><?xml version="1.0" encoding="utf-8"?>
 <p:sld xmlns:a="http://schemas.openxmlformats.org/drawingml/2006/main" xmlns:r="http://schemas.openxmlformats.org/officeDocument/2006/relationships" xmlns:p="http://schemas.openxmlformats.org/presentationml/2006/main">
   <p:cSld>
     <p:spTree>
@@ -27669,7 +27703,7 @@
 </p:sld>
 </file>
 
-<file path=ppt/slides/slide41.xml><?xml version="1.0" encoding="utf-8"?>
+<file path=ppt/slides/slide39.xml><?xml version="1.0" encoding="utf-8"?>
 <p:sld xmlns:a="http://schemas.openxmlformats.org/drawingml/2006/main" xmlns:r="http://schemas.openxmlformats.org/officeDocument/2006/relationships" xmlns:p="http://schemas.openxmlformats.org/presentationml/2006/main">
   <p:cSld>
     <p:spTree>
@@ -27767,7 +27801,205 @@
 </p:sld>
 </file>
 
-<file path=ppt/slides/slide42.xml><?xml version="1.0" encoding="utf-8"?>
+<file path=ppt/slides/slide4.xml><?xml version="1.0" encoding="utf-8"?>
+<p:sld xmlns:a="http://schemas.openxmlformats.org/drawingml/2006/main" xmlns:r="http://schemas.openxmlformats.org/officeDocument/2006/relationships" xmlns:p="http://schemas.openxmlformats.org/presentationml/2006/main">
+  <p:cSld>
+    <p:spTree>
+      <p:nvGrpSpPr>
+        <p:cNvPr id="1" name=""/>
+        <p:cNvGrpSpPr/>
+        <p:nvPr/>
+      </p:nvGrpSpPr>
+      <p:grpSpPr>
+        <a:xfrm>
+          <a:off x="0" y="0"/>
+          <a:ext cx="0" cy="0"/>
+          <a:chOff x="0" y="0"/>
+          <a:chExt cx="0" cy="0"/>
+        </a:xfrm>
+      </p:grpSpPr>
+      <p:pic>
+        <p:nvPicPr>
+          <p:cNvPr id="11" name="Picture 10">
+            <a:extLst>
+              <a:ext uri="{FF2B5EF4-FFF2-40B4-BE49-F238E27FC236}">
+                <a16:creationId xmlns:a16="http://schemas.microsoft.com/office/drawing/2014/main" id="{FE5DA215-2E6C-4ED3-88A9-0F700D64FC0F}"/>
+              </a:ext>
+            </a:extLst>
+          </p:cNvPr>
+          <p:cNvPicPr>
+            <a:picLocks noChangeAspect="1"/>
+          </p:cNvPicPr>
+          <p:nvPr/>
+        </p:nvPicPr>
+        <p:blipFill>
+          <a:blip r:embed="rId2">
+            <a:extLst>
+              <a:ext uri="{28A0092B-C50C-407E-A947-70E740481C1C}">
+                <a14:useLocalDpi xmlns:a14="http://schemas.microsoft.com/office/drawing/2010/main" val="0"/>
+              </a:ext>
+            </a:extLst>
+          </a:blip>
+          <a:stretch>
+            <a:fillRect/>
+          </a:stretch>
+        </p:blipFill>
+        <p:spPr>
+          <a:xfrm>
+            <a:off x="1389686" y="2976707"/>
+            <a:ext cx="3934789" cy="3247881"/>
+          </a:xfrm>
+          <a:prstGeom prst="rect">
+            <a:avLst/>
+          </a:prstGeom>
+        </p:spPr>
+      </p:pic>
+      <p:pic>
+        <p:nvPicPr>
+          <p:cNvPr id="9" name="Picture 8">
+            <a:extLst>
+              <a:ext uri="{FF2B5EF4-FFF2-40B4-BE49-F238E27FC236}">
+                <a16:creationId xmlns:a16="http://schemas.microsoft.com/office/drawing/2014/main" id="{D0AA16C8-52F8-4E4C-9070-C71F7AFC3A92}"/>
+              </a:ext>
+            </a:extLst>
+          </p:cNvPr>
+          <p:cNvPicPr>
+            <a:picLocks noChangeAspect="1"/>
+          </p:cNvPicPr>
+          <p:nvPr/>
+        </p:nvPicPr>
+        <p:blipFill>
+          <a:blip r:embed="rId3">
+            <a:extLst>
+              <a:ext uri="{28A0092B-C50C-407E-A947-70E740481C1C}">
+                <a14:useLocalDpi xmlns:a14="http://schemas.microsoft.com/office/drawing/2010/main" val="0"/>
+              </a:ext>
+            </a:extLst>
+          </a:blip>
+          <a:stretch>
+            <a:fillRect/>
+          </a:stretch>
+        </p:blipFill>
+        <p:spPr>
+          <a:xfrm>
+            <a:off x="5875961" y="2347111"/>
+            <a:ext cx="4561511" cy="2163778"/>
+          </a:xfrm>
+          <a:prstGeom prst="rect">
+            <a:avLst/>
+          </a:prstGeom>
+        </p:spPr>
+      </p:pic>
+      <p:sp>
+        <p:nvSpPr>
+          <p:cNvPr id="2" name="Title 1">
+            <a:extLst>
+              <a:ext uri="{FF2B5EF4-FFF2-40B4-BE49-F238E27FC236}">
+                <a16:creationId xmlns:a16="http://schemas.microsoft.com/office/drawing/2014/main" id="{FFDA82DE-AFD7-4608-94B0-9B61C4E0076D}"/>
+              </a:ext>
+            </a:extLst>
+          </p:cNvPr>
+          <p:cNvSpPr>
+            <a:spLocks noGrp="1"/>
+          </p:cNvSpPr>
+          <p:nvPr>
+            <p:ph type="title"/>
+          </p:nvPr>
+        </p:nvSpPr>
+        <p:spPr/>
+        <p:txBody>
+          <a:bodyPr/>
+          <a:lstStyle/>
+          <a:p>
+            <a:r>
+              <a:rPr lang="en-US" dirty="0">
+                <a:solidFill>
+                  <a:schemeClr val="accent1"/>
+                </a:solidFill>
+              </a:rPr>
+              <a:t>Fibonacci Numbers: Top-Down Approach</a:t>
+            </a:r>
+          </a:p>
+        </p:txBody>
+      </p:sp>
+      <p:sp>
+        <p:nvSpPr>
+          <p:cNvPr id="7" name="Content Placeholder 6">
+            <a:extLst>
+              <a:ext uri="{FF2B5EF4-FFF2-40B4-BE49-F238E27FC236}">
+                <a16:creationId xmlns:a16="http://schemas.microsoft.com/office/drawing/2014/main" id="{657AC71E-9F09-43FF-B16D-148F64489AF9}"/>
+              </a:ext>
+            </a:extLst>
+          </p:cNvPr>
+          <p:cNvSpPr>
+            <a:spLocks noGrp="1"/>
+          </p:cNvSpPr>
+          <p:nvPr>
+            <p:ph idx="1"/>
+          </p:nvPr>
+        </p:nvSpPr>
+        <p:spPr>
+          <a:xfrm>
+            <a:off x="838200" y="1873250"/>
+            <a:ext cx="10515600" cy="4351338"/>
+          </a:xfrm>
+        </p:spPr>
+        <p:txBody>
+          <a:bodyPr/>
+          <a:lstStyle/>
+          <a:p>
+            <a:pPr marL="0" indent="0">
+              <a:buNone/>
+            </a:pPr>
+            <a:r>
+              <a:rPr lang="en-US" b="1" i="1" u="sng" dirty="0">
+                <a:solidFill>
+                  <a:srgbClr val="FF0000"/>
+                </a:solidFill>
+              </a:rPr>
+              <a:t>Top-Down Approach</a:t>
+            </a:r>
+            <a:r>
+              <a:rPr lang="en-US" b="1" i="1" dirty="0">
+                <a:solidFill>
+                  <a:srgbClr val="FF0000"/>
+                </a:solidFill>
+              </a:rPr>
+              <a:t>:</a:t>
+            </a:r>
+            <a:endParaRPr lang="en-US" b="1" i="1" u="sng" dirty="0">
+              <a:solidFill>
+                <a:srgbClr val="FF0000"/>
+              </a:solidFill>
+            </a:endParaRPr>
+          </a:p>
+          <a:p>
+            <a:pPr lvl="1"/>
+            <a:r>
+              <a:rPr lang="en-US" dirty="0">
+                <a:solidFill>
+                  <a:schemeClr val="accent1"/>
+                </a:solidFill>
+              </a:rPr>
+              <a:t>implemented via recursion</a:t>
+            </a:r>
+          </a:p>
+        </p:txBody>
+      </p:sp>
+    </p:spTree>
+    <p:extLst>
+      <p:ext uri="{BB962C8B-B14F-4D97-AF65-F5344CB8AC3E}">
+        <p14:creationId xmlns:p14="http://schemas.microsoft.com/office/powerpoint/2010/main" val="557858402"/>
+      </p:ext>
+    </p:extLst>
+  </p:cSld>
+  <p:clrMapOvr>
+    <a:masterClrMapping/>
+  </p:clrMapOvr>
+</p:sld>
+</file>
+
+<file path=ppt/slides/slide40.xml><?xml version="1.0" encoding="utf-8"?>
 <p:sld xmlns:a="http://schemas.openxmlformats.org/drawingml/2006/main" xmlns:r="http://schemas.openxmlformats.org/officeDocument/2006/relationships" xmlns:p="http://schemas.openxmlformats.org/presentationml/2006/main">
   <p:cSld>
     <p:spTree>
@@ -27903,7 +28135,7 @@
 </p:sld>
 </file>
 
-<file path=ppt/slides/slide43.xml><?xml version="1.0" encoding="utf-8"?>
+<file path=ppt/slides/slide41.xml><?xml version="1.0" encoding="utf-8"?>
 <p:sld xmlns:a="http://schemas.openxmlformats.org/drawingml/2006/main" xmlns:r="http://schemas.openxmlformats.org/officeDocument/2006/relationships" xmlns:p="http://schemas.openxmlformats.org/presentationml/2006/main">
   <p:cSld>
     <p:spTree>
@@ -29403,7 +29635,7 @@
                   <a:rPr lang="en-US" sz="1800" i="1" dirty="0">
                     <a:latin typeface="Cambria Math" panose="02040503050406030204" pitchFamily="18" charset="0"/>
                   </a:rPr>
-                  <a:t>c</a:t>
+                  <a:t>c </a:t>
                 </a:r>
               </a:p>
               <a:p>
@@ -29760,7 +29992,7 @@
                       <a:rPr lang="en-US" sz="1800" b="0" i="1" smtClean="0">
                         <a:latin typeface="Cambria Math" panose="02040503050406030204" pitchFamily="18" charset="0"/>
                       </a:rPr>
-                      <m:t>                                          =  </m:t>
+                      <m:t>                            =  </m:t>
                     </m:r>
                     <m:sSup>
                       <m:sSupPr>
@@ -30571,7 +30803,7 @@
                   <a:rPr lang="en-US" sz="1800" i="1" dirty="0">
                     <a:latin typeface="Cambria Math" panose="02040503050406030204" pitchFamily="18" charset="0"/>
                   </a:rPr>
-                  <a:t>	                                </a:t>
+                  <a:t>	                            </a:t>
                 </a:r>
                 <a14:m>
                   <m:oMath xmlns:m="http://schemas.openxmlformats.org/officeDocument/2006/math">
@@ -30579,7 +30811,7 @@
                       <a:rPr lang="en-US" sz="1800" b="0" i="1" smtClean="0">
                         <a:latin typeface="Cambria Math" panose="02040503050406030204" pitchFamily="18" charset="0"/>
                       </a:rPr>
-                      <m:t> =  </m:t>
+                      <m:t>=  </m:t>
                     </m:r>
                     <m:sSup>
                       <m:sSupPr>
@@ -31359,7 +31591,7 @@
                       <a:rPr lang="en-US" sz="3200" b="0" i="0" smtClean="0">
                         <a:latin typeface="Cambria Math" panose="02040503050406030204" pitchFamily="18" charset="0"/>
                       </a:rPr>
-                      <m:t>=   </m:t>
+                      <m:t>      =   </m:t>
                     </m:r>
                     <m:sSup>
                       <m:sSupPr>
@@ -31494,6 +31726,12 @@
                 <a14:m>
                   <m:oMath xmlns:m="http://schemas.openxmlformats.org/officeDocument/2006/math">
                     <m:r>
+                      <a:rPr lang="en-US" sz="3200" b="0" i="1" smtClean="0">
+                        <a:latin typeface="Cambria Math" panose="02040503050406030204" pitchFamily="18" charset="0"/>
+                      </a:rPr>
+                      <m:t>      </m:t>
+                    </m:r>
+                    <m:r>
                       <a:rPr lang="en-US" sz="3200" b="0" i="0" smtClean="0">
                         <a:latin typeface="Cambria Math" panose="02040503050406030204" pitchFamily="18" charset="0"/>
                       </a:rPr>
@@ -31514,11 +31752,36 @@
                         </m:ctrlPr>
                       </m:fPr>
                       <m:num>
+                        <m:sSup>
+                          <m:sSupPr>
+                            <m:ctrlPr>
+                              <a:rPr lang="en-US" sz="3200" b="0" i="1" smtClean="0">
+                                <a:latin typeface="Cambria Math" panose="02040503050406030204" pitchFamily="18" charset="0"/>
+                              </a:rPr>
+                            </m:ctrlPr>
+                          </m:sSupPr>
+                          <m:e>
+                            <m:r>
+                              <a:rPr lang="en-US" sz="3200" b="0" i="1" smtClean="0">
+                                <a:latin typeface="Cambria Math" panose="02040503050406030204" pitchFamily="18" charset="0"/>
+                              </a:rPr>
+                              <m:t>2</m:t>
+                            </m:r>
+                          </m:e>
+                          <m:sup>
+                            <m:r>
+                              <a:rPr lang="en-US" sz="3200" b="0" i="1" smtClean="0">
+                                <a:latin typeface="Cambria Math" panose="02040503050406030204" pitchFamily="18" charset="0"/>
+                              </a:rPr>
+                              <m:t>0</m:t>
+                            </m:r>
+                          </m:sup>
+                        </m:sSup>
                         <m:r>
                           <a:rPr lang="en-US" sz="3200" b="0" i="1" smtClean="0">
                             <a:latin typeface="Cambria Math" panose="02040503050406030204" pitchFamily="18" charset="0"/>
                           </a:rPr>
-                          <m:t>1(</m:t>
+                          <m:t>(</m:t>
                         </m:r>
                         <m:sSup>
                           <m:sSupPr>
@@ -32995,7 +33258,7 @@
             <p:spPr>
               <a:xfrm>
                 <a:off x="838201" y="2498993"/>
-                <a:ext cx="5029199" cy="3785652"/>
+                <a:ext cx="5029199" cy="4093428"/>
               </a:xfrm>
               <a:prstGeom prst="rect">
                 <a:avLst/>
@@ -33080,6 +33343,177 @@
                         <a:latin typeface="Cambria Math" panose="02040503050406030204" pitchFamily="18" charset="0"/>
                       </a:rPr>
                       <m:t>+1</m:t>
+                    </m:r>
+                  </m:oMath>
+                </a14:m>
+                <a:r>
+                  <a:rPr lang="en-US" sz="2000" dirty="0">
+                    <a:solidFill>
+                      <a:schemeClr val="accent1"/>
+                    </a:solidFill>
+                  </a:rPr>
+                  <a:t>, namely, 	</a:t>
+                </a:r>
+                <a14:m>
+                  <m:oMath xmlns:m="http://schemas.openxmlformats.org/officeDocument/2006/math">
+                    <m:r>
+                      <a:rPr lang="en-US" sz="2000" b="0" i="1" smtClean="0">
+                        <a:solidFill>
+                          <a:schemeClr val="tx1"/>
+                        </a:solidFill>
+                        <a:latin typeface="Cambria Math" panose="02040503050406030204" pitchFamily="18" charset="0"/>
+                      </a:rPr>
+                      <m:t>𝐹𝐼𝐵</m:t>
+                    </m:r>
+                    <m:d>
+                      <m:dPr>
+                        <m:ctrlPr>
+                          <a:rPr lang="en-US" sz="2000" b="0" i="1" smtClean="0">
+                            <a:solidFill>
+                              <a:schemeClr val="tx1"/>
+                            </a:solidFill>
+                            <a:latin typeface="Cambria Math" panose="02040503050406030204" pitchFamily="18" charset="0"/>
+                          </a:rPr>
+                        </m:ctrlPr>
+                      </m:dPr>
+                      <m:e>
+                        <m:r>
+                          <a:rPr lang="en-US" sz="2000" b="0" i="1" smtClean="0">
+                            <a:solidFill>
+                              <a:schemeClr val="tx1"/>
+                            </a:solidFill>
+                            <a:latin typeface="Cambria Math" panose="02040503050406030204" pitchFamily="18" charset="0"/>
+                          </a:rPr>
+                          <m:t>0</m:t>
+                        </m:r>
+                      </m:e>
+                    </m:d>
+                    <m:r>
+                      <a:rPr lang="en-US" sz="2000" b="0" i="1" smtClean="0">
+                        <a:solidFill>
+                          <a:schemeClr val="tx1"/>
+                        </a:solidFill>
+                        <a:latin typeface="Cambria Math" panose="02040503050406030204" pitchFamily="18" charset="0"/>
+                      </a:rPr>
+                      <m:t>,</m:t>
+                    </m:r>
+                    <m:r>
+                      <a:rPr lang="en-US" sz="2000" b="0" i="1" smtClean="0">
+                        <a:solidFill>
+                          <a:schemeClr val="tx1"/>
+                        </a:solidFill>
+                        <a:latin typeface="Cambria Math" panose="02040503050406030204" pitchFamily="18" charset="0"/>
+                      </a:rPr>
+                      <m:t>𝐹𝐼𝐵</m:t>
+                    </m:r>
+                    <m:d>
+                      <m:dPr>
+                        <m:ctrlPr>
+                          <a:rPr lang="en-US" sz="2000" b="0" i="1" smtClean="0">
+                            <a:solidFill>
+                              <a:schemeClr val="tx1"/>
+                            </a:solidFill>
+                            <a:latin typeface="Cambria Math" panose="02040503050406030204" pitchFamily="18" charset="0"/>
+                          </a:rPr>
+                        </m:ctrlPr>
+                      </m:dPr>
+                      <m:e>
+                        <m:r>
+                          <a:rPr lang="en-US" sz="2000" b="0" i="1" smtClean="0">
+                            <a:solidFill>
+                              <a:schemeClr val="tx1"/>
+                            </a:solidFill>
+                            <a:latin typeface="Cambria Math" panose="02040503050406030204" pitchFamily="18" charset="0"/>
+                          </a:rPr>
+                          <m:t>1</m:t>
+                        </m:r>
+                      </m:e>
+                    </m:d>
+                    <m:r>
+                      <a:rPr lang="en-US" sz="2000" b="0" i="1" smtClean="0">
+                        <a:solidFill>
+                          <a:schemeClr val="tx1"/>
+                        </a:solidFill>
+                        <a:latin typeface="Cambria Math" panose="02040503050406030204" pitchFamily="18" charset="0"/>
+                      </a:rPr>
+                      <m:t>,</m:t>
+                    </m:r>
+                    <m:r>
+                      <a:rPr lang="en-US" sz="2000" b="0" i="1" smtClean="0">
+                        <a:solidFill>
+                          <a:schemeClr val="tx1"/>
+                        </a:solidFill>
+                        <a:latin typeface="Cambria Math" panose="02040503050406030204" pitchFamily="18" charset="0"/>
+                      </a:rPr>
+                      <m:t>𝐹𝐼𝐵</m:t>
+                    </m:r>
+                    <m:d>
+                      <m:dPr>
+                        <m:ctrlPr>
+                          <a:rPr lang="en-US" sz="2000" b="0" i="1" smtClean="0">
+                            <a:solidFill>
+                              <a:schemeClr val="tx1"/>
+                            </a:solidFill>
+                            <a:latin typeface="Cambria Math" panose="02040503050406030204" pitchFamily="18" charset="0"/>
+                          </a:rPr>
+                        </m:ctrlPr>
+                      </m:dPr>
+                      <m:e>
+                        <m:r>
+                          <a:rPr lang="en-US" sz="2000" b="0" i="1" smtClean="0">
+                            <a:solidFill>
+                              <a:schemeClr val="tx1"/>
+                            </a:solidFill>
+                            <a:latin typeface="Cambria Math" panose="02040503050406030204" pitchFamily="18" charset="0"/>
+                          </a:rPr>
+                          <m:t>2</m:t>
+                        </m:r>
+                      </m:e>
+                    </m:d>
+                    <m:r>
+                      <a:rPr lang="en-US" sz="2000" b="0" i="1" smtClean="0">
+                        <a:solidFill>
+                          <a:schemeClr val="tx1"/>
+                        </a:solidFill>
+                        <a:latin typeface="Cambria Math" panose="02040503050406030204" pitchFamily="18" charset="0"/>
+                      </a:rPr>
+                      <m:t>,…,</m:t>
+                    </m:r>
+                    <m:r>
+                      <a:rPr lang="en-US" sz="2000" b="0" i="1" smtClean="0">
+                        <a:solidFill>
+                          <a:schemeClr val="tx1"/>
+                        </a:solidFill>
+                        <a:latin typeface="Cambria Math" panose="02040503050406030204" pitchFamily="18" charset="0"/>
+                      </a:rPr>
+                      <m:t>𝐹𝐼𝐵</m:t>
+                    </m:r>
+                    <m:r>
+                      <a:rPr lang="en-US" sz="2000" b="0" i="1" smtClean="0">
+                        <a:solidFill>
+                          <a:schemeClr val="tx1"/>
+                        </a:solidFill>
+                        <a:latin typeface="Cambria Math" panose="02040503050406030204" pitchFamily="18" charset="0"/>
+                      </a:rPr>
+                      <m:t>(</m:t>
+                    </m:r>
+                    <m:r>
+                      <a:rPr lang="en-US" sz="2000" b="0" i="1" smtClean="0">
+                        <a:solidFill>
+                          <a:schemeClr val="tx1"/>
+                        </a:solidFill>
+                        <a:latin typeface="Cambria Math" panose="02040503050406030204" pitchFamily="18" charset="0"/>
+                      </a:rPr>
+                      <m:t>𝑛</m:t>
+                    </m:r>
+                    <m:r>
+                      <a:rPr lang="en-US" sz="2000" b="0" i="1" smtClean="0">
+                        <a:solidFill>
+                          <a:schemeClr val="tx1"/>
+                        </a:solidFill>
+                        <a:latin typeface="Cambria Math" panose="02040503050406030204" pitchFamily="18" charset="0"/>
+                      </a:rPr>
+                      <m:t>)</m:t>
                     </m:r>
                   </m:oMath>
                 </a14:m>
@@ -33228,7 +33662,7 @@
             <p:spPr>
               <a:xfrm>
                 <a:off x="838201" y="2498993"/>
-                <a:ext cx="5029199" cy="3785652"/>
+                <a:ext cx="5029199" cy="4093428"/>
               </a:xfrm>
               <a:prstGeom prst="rect">
                 <a:avLst/>
@@ -33236,7 +33670,7 @@
               <a:blipFill>
                 <a:blip r:embed="rId2"/>
                 <a:stretch>
-                  <a:fillRect l="-1333" t="-966"/>
+                  <a:fillRect l="-1333" t="-894"/>
                 </a:stretch>
               </a:blipFill>
             </p:spPr>
